--- a/20230515 NF Collab Update.pptx
+++ b/20230515 NF Collab Update.pptx
@@ -4,17 +4,18 @@
   <p:sldMasterIdLst>
     <p:sldMasterId id="2147483648" r:id="rId1"/>
   </p:sldMasterIdLst>
+  <p:notesMasterIdLst>
+    <p:notesMasterId r:id="rId10"/>
+  </p:notesMasterIdLst>
   <p:sldIdLst>
     <p:sldId id="256" r:id="rId2"/>
-    <p:sldId id="259" r:id="rId3"/>
-    <p:sldId id="260" r:id="rId4"/>
-    <p:sldId id="265" r:id="rId5"/>
-    <p:sldId id="268" r:id="rId6"/>
-    <p:sldId id="264" r:id="rId7"/>
-    <p:sldId id="261" r:id="rId8"/>
-    <p:sldId id="262" r:id="rId9"/>
-    <p:sldId id="263" r:id="rId10"/>
-    <p:sldId id="267" r:id="rId11"/>
+    <p:sldId id="260" r:id="rId3"/>
+    <p:sldId id="269" r:id="rId4"/>
+    <p:sldId id="263" r:id="rId5"/>
+    <p:sldId id="267" r:id="rId6"/>
+    <p:sldId id="265" r:id="rId7"/>
+    <p:sldId id="268" r:id="rId8"/>
+    <p:sldId id="264" r:id="rId9"/>
   </p:sldIdLst>
   <p:sldSz cx="12192000" cy="6858000"/>
   <p:notesSz cx="6858000" cy="9144000"/>
@@ -119,6 +120,439 @@
     </p:ext>
   </p:extLst>
 </p:presentation>
+</file>
+
+<file path=ppt/notesMasters/notesMaster1.xml><?xml version="1.0" encoding="utf-8"?>
+<p:notesMaster xmlns:a="http://schemas.openxmlformats.org/drawingml/2006/main" xmlns:r="http://schemas.openxmlformats.org/officeDocument/2006/relationships" xmlns:p="http://schemas.openxmlformats.org/presentationml/2006/main">
+  <p:cSld>
+    <p:bg>
+      <p:bgRef idx="1001">
+        <a:schemeClr val="bg1"/>
+      </p:bgRef>
+    </p:bg>
+    <p:spTree>
+      <p:nvGrpSpPr>
+        <p:cNvPr id="1" name=""/>
+        <p:cNvGrpSpPr/>
+        <p:nvPr/>
+      </p:nvGrpSpPr>
+      <p:grpSpPr>
+        <a:xfrm>
+          <a:off x="0" y="0"/>
+          <a:ext cx="0" cy="0"/>
+          <a:chOff x="0" y="0"/>
+          <a:chExt cx="0" cy="0"/>
+        </a:xfrm>
+      </p:grpSpPr>
+      <p:sp>
+        <p:nvSpPr>
+          <p:cNvPr id="2" name="Header Placeholder 1"/>
+          <p:cNvSpPr>
+            <a:spLocks noGrp="1"/>
+          </p:cNvSpPr>
+          <p:nvPr>
+            <p:ph type="hdr" sz="quarter"/>
+          </p:nvPr>
+        </p:nvSpPr>
+        <p:spPr>
+          <a:xfrm>
+            <a:off x="0" y="0"/>
+            <a:ext cx="2971800" cy="458788"/>
+          </a:xfrm>
+          <a:prstGeom prst="rect">
+            <a:avLst/>
+          </a:prstGeom>
+        </p:spPr>
+        <p:txBody>
+          <a:bodyPr vert="horz" lIns="91440" tIns="45720" rIns="91440" bIns="45720" rtlCol="0"/>
+          <a:lstStyle>
+            <a:lvl1pPr algn="l">
+              <a:defRPr sz="1200"/>
+            </a:lvl1pPr>
+          </a:lstStyle>
+          <a:p>
+            <a:endParaRPr lang="en-US"/>
+          </a:p>
+        </p:txBody>
+      </p:sp>
+      <p:sp>
+        <p:nvSpPr>
+          <p:cNvPr id="3" name="Date Placeholder 2"/>
+          <p:cNvSpPr>
+            <a:spLocks noGrp="1"/>
+          </p:cNvSpPr>
+          <p:nvPr>
+            <p:ph type="dt" idx="1"/>
+          </p:nvPr>
+        </p:nvSpPr>
+        <p:spPr>
+          <a:xfrm>
+            <a:off x="3884613" y="0"/>
+            <a:ext cx="2971800" cy="458788"/>
+          </a:xfrm>
+          <a:prstGeom prst="rect">
+            <a:avLst/>
+          </a:prstGeom>
+        </p:spPr>
+        <p:txBody>
+          <a:bodyPr vert="horz" lIns="91440" tIns="45720" rIns="91440" bIns="45720" rtlCol="0"/>
+          <a:lstStyle>
+            <a:lvl1pPr algn="r">
+              <a:defRPr sz="1200"/>
+            </a:lvl1pPr>
+          </a:lstStyle>
+          <a:p>
+            <a:fld id="{87B31CC5-4C23-4081-82BE-F315500ABD83}" type="datetimeFigureOut">
+              <a:rPr lang="en-US" smtClean="0"/>
+              <a:t>5/14/2023</a:t>
+            </a:fld>
+            <a:endParaRPr lang="en-US"/>
+          </a:p>
+        </p:txBody>
+      </p:sp>
+      <p:sp>
+        <p:nvSpPr>
+          <p:cNvPr id="4" name="Slide Image Placeholder 3"/>
+          <p:cNvSpPr>
+            <a:spLocks noGrp="1" noRot="1" noChangeAspect="1"/>
+          </p:cNvSpPr>
+          <p:nvPr>
+            <p:ph type="sldImg" idx="2"/>
+          </p:nvPr>
+        </p:nvSpPr>
+        <p:spPr>
+          <a:xfrm>
+            <a:off x="685800" y="1143000"/>
+            <a:ext cx="5486400" cy="3086100"/>
+          </a:xfrm>
+          <a:prstGeom prst="rect">
+            <a:avLst/>
+          </a:prstGeom>
+          <a:noFill/>
+          <a:ln w="12700">
+            <a:solidFill>
+              <a:prstClr val="black"/>
+            </a:solidFill>
+          </a:ln>
+        </p:spPr>
+        <p:txBody>
+          <a:bodyPr vert="horz" lIns="91440" tIns="45720" rIns="91440" bIns="45720" rtlCol="0" anchor="ctr"/>
+          <a:lstStyle/>
+          <a:p>
+            <a:endParaRPr lang="en-US"/>
+          </a:p>
+        </p:txBody>
+      </p:sp>
+      <p:sp>
+        <p:nvSpPr>
+          <p:cNvPr id="5" name="Notes Placeholder 4"/>
+          <p:cNvSpPr>
+            <a:spLocks noGrp="1"/>
+          </p:cNvSpPr>
+          <p:nvPr>
+            <p:ph type="body" sz="quarter" idx="3"/>
+          </p:nvPr>
+        </p:nvSpPr>
+        <p:spPr>
+          <a:xfrm>
+            <a:off x="685800" y="4400550"/>
+            <a:ext cx="5486400" cy="3600450"/>
+          </a:xfrm>
+          <a:prstGeom prst="rect">
+            <a:avLst/>
+          </a:prstGeom>
+        </p:spPr>
+        <p:txBody>
+          <a:bodyPr vert="horz" lIns="91440" tIns="45720" rIns="91440" bIns="45720" rtlCol="0"/>
+          <a:lstStyle/>
+          <a:p>
+            <a:pPr lvl="0"/>
+            <a:r>
+              <a:rPr lang="en-US"/>
+              <a:t>Click to edit Master text styles</a:t>
+            </a:r>
+          </a:p>
+          <a:p>
+            <a:pPr lvl="1"/>
+            <a:r>
+              <a:rPr lang="en-US"/>
+              <a:t>Second level</a:t>
+            </a:r>
+          </a:p>
+          <a:p>
+            <a:pPr lvl="2"/>
+            <a:r>
+              <a:rPr lang="en-US"/>
+              <a:t>Third level</a:t>
+            </a:r>
+          </a:p>
+          <a:p>
+            <a:pPr lvl="3"/>
+            <a:r>
+              <a:rPr lang="en-US"/>
+              <a:t>Fourth level</a:t>
+            </a:r>
+          </a:p>
+          <a:p>
+            <a:pPr lvl="4"/>
+            <a:r>
+              <a:rPr lang="en-US"/>
+              <a:t>Fifth level</a:t>
+            </a:r>
+          </a:p>
+        </p:txBody>
+      </p:sp>
+      <p:sp>
+        <p:nvSpPr>
+          <p:cNvPr id="6" name="Footer Placeholder 5"/>
+          <p:cNvSpPr>
+            <a:spLocks noGrp="1"/>
+          </p:cNvSpPr>
+          <p:nvPr>
+            <p:ph type="ftr" sz="quarter" idx="4"/>
+          </p:nvPr>
+        </p:nvSpPr>
+        <p:spPr>
+          <a:xfrm>
+            <a:off x="0" y="8685213"/>
+            <a:ext cx="2971800" cy="458787"/>
+          </a:xfrm>
+          <a:prstGeom prst="rect">
+            <a:avLst/>
+          </a:prstGeom>
+        </p:spPr>
+        <p:txBody>
+          <a:bodyPr vert="horz" lIns="91440" tIns="45720" rIns="91440" bIns="45720" rtlCol="0" anchor="b"/>
+          <a:lstStyle>
+            <a:lvl1pPr algn="l">
+              <a:defRPr sz="1200"/>
+            </a:lvl1pPr>
+          </a:lstStyle>
+          <a:p>
+            <a:endParaRPr lang="en-US"/>
+          </a:p>
+        </p:txBody>
+      </p:sp>
+      <p:sp>
+        <p:nvSpPr>
+          <p:cNvPr id="7" name="Slide Number Placeholder 6"/>
+          <p:cNvSpPr>
+            <a:spLocks noGrp="1"/>
+          </p:cNvSpPr>
+          <p:nvPr>
+            <p:ph type="sldNum" sz="quarter" idx="5"/>
+          </p:nvPr>
+        </p:nvSpPr>
+        <p:spPr>
+          <a:xfrm>
+            <a:off x="3884613" y="8685213"/>
+            <a:ext cx="2971800" cy="458787"/>
+          </a:xfrm>
+          <a:prstGeom prst="rect">
+            <a:avLst/>
+          </a:prstGeom>
+        </p:spPr>
+        <p:txBody>
+          <a:bodyPr vert="horz" lIns="91440" tIns="45720" rIns="91440" bIns="45720" rtlCol="0" anchor="b"/>
+          <a:lstStyle>
+            <a:lvl1pPr algn="r">
+              <a:defRPr sz="1200"/>
+            </a:lvl1pPr>
+          </a:lstStyle>
+          <a:p>
+            <a:fld id="{52A5B05C-A693-40F1-9D0D-52E7CE735D11}" type="slidenum">
+              <a:rPr lang="en-US" smtClean="0"/>
+              <a:t>‹#›</a:t>
+            </a:fld>
+            <a:endParaRPr lang="en-US"/>
+          </a:p>
+        </p:txBody>
+      </p:sp>
+    </p:spTree>
+    <p:extLst>
+      <p:ext uri="{BB962C8B-B14F-4D97-AF65-F5344CB8AC3E}">
+        <p14:creationId xmlns:p14="http://schemas.microsoft.com/office/powerpoint/2010/main" val="3941087036"/>
+      </p:ext>
+    </p:extLst>
+  </p:cSld>
+  <p:clrMap bg1="lt1" tx1="dk1" bg2="lt2" tx2="dk2" accent1="accent1" accent2="accent2" accent3="accent3" accent4="accent4" accent5="accent5" accent6="accent6" hlink="hlink" folHlink="folHlink"/>
+  <p:notesStyle>
+    <a:lvl1pPr marL="0" algn="l" defTabSz="914400" rtl="0" eaLnBrk="1" latinLnBrk="0" hangingPunct="1">
+      <a:defRPr sz="1200" kern="1200">
+        <a:solidFill>
+          <a:schemeClr val="tx1"/>
+        </a:solidFill>
+        <a:latin typeface="+mn-lt"/>
+        <a:ea typeface="+mn-ea"/>
+        <a:cs typeface="+mn-cs"/>
+      </a:defRPr>
+    </a:lvl1pPr>
+    <a:lvl2pPr marL="457200" algn="l" defTabSz="914400" rtl="0" eaLnBrk="1" latinLnBrk="0" hangingPunct="1">
+      <a:defRPr sz="1200" kern="1200">
+        <a:solidFill>
+          <a:schemeClr val="tx1"/>
+        </a:solidFill>
+        <a:latin typeface="+mn-lt"/>
+        <a:ea typeface="+mn-ea"/>
+        <a:cs typeface="+mn-cs"/>
+      </a:defRPr>
+    </a:lvl2pPr>
+    <a:lvl3pPr marL="914400" algn="l" defTabSz="914400" rtl="0" eaLnBrk="1" latinLnBrk="0" hangingPunct="1">
+      <a:defRPr sz="1200" kern="1200">
+        <a:solidFill>
+          <a:schemeClr val="tx1"/>
+        </a:solidFill>
+        <a:latin typeface="+mn-lt"/>
+        <a:ea typeface="+mn-ea"/>
+        <a:cs typeface="+mn-cs"/>
+      </a:defRPr>
+    </a:lvl3pPr>
+    <a:lvl4pPr marL="1371600" algn="l" defTabSz="914400" rtl="0" eaLnBrk="1" latinLnBrk="0" hangingPunct="1">
+      <a:defRPr sz="1200" kern="1200">
+        <a:solidFill>
+          <a:schemeClr val="tx1"/>
+        </a:solidFill>
+        <a:latin typeface="+mn-lt"/>
+        <a:ea typeface="+mn-ea"/>
+        <a:cs typeface="+mn-cs"/>
+      </a:defRPr>
+    </a:lvl4pPr>
+    <a:lvl5pPr marL="1828800" algn="l" defTabSz="914400" rtl="0" eaLnBrk="1" latinLnBrk="0" hangingPunct="1">
+      <a:defRPr sz="1200" kern="1200">
+        <a:solidFill>
+          <a:schemeClr val="tx1"/>
+        </a:solidFill>
+        <a:latin typeface="+mn-lt"/>
+        <a:ea typeface="+mn-ea"/>
+        <a:cs typeface="+mn-cs"/>
+      </a:defRPr>
+    </a:lvl5pPr>
+    <a:lvl6pPr marL="2286000" algn="l" defTabSz="914400" rtl="0" eaLnBrk="1" latinLnBrk="0" hangingPunct="1">
+      <a:defRPr sz="1200" kern="1200">
+        <a:solidFill>
+          <a:schemeClr val="tx1"/>
+        </a:solidFill>
+        <a:latin typeface="+mn-lt"/>
+        <a:ea typeface="+mn-ea"/>
+        <a:cs typeface="+mn-cs"/>
+      </a:defRPr>
+    </a:lvl6pPr>
+    <a:lvl7pPr marL="2743200" algn="l" defTabSz="914400" rtl="0" eaLnBrk="1" latinLnBrk="0" hangingPunct="1">
+      <a:defRPr sz="1200" kern="1200">
+        <a:solidFill>
+          <a:schemeClr val="tx1"/>
+        </a:solidFill>
+        <a:latin typeface="+mn-lt"/>
+        <a:ea typeface="+mn-ea"/>
+        <a:cs typeface="+mn-cs"/>
+      </a:defRPr>
+    </a:lvl7pPr>
+    <a:lvl8pPr marL="3200400" algn="l" defTabSz="914400" rtl="0" eaLnBrk="1" latinLnBrk="0" hangingPunct="1">
+      <a:defRPr sz="1200" kern="1200">
+        <a:solidFill>
+          <a:schemeClr val="tx1"/>
+        </a:solidFill>
+        <a:latin typeface="+mn-lt"/>
+        <a:ea typeface="+mn-ea"/>
+        <a:cs typeface="+mn-cs"/>
+      </a:defRPr>
+    </a:lvl8pPr>
+    <a:lvl9pPr marL="3657600" algn="l" defTabSz="914400" rtl="0" eaLnBrk="1" latinLnBrk="0" hangingPunct="1">
+      <a:defRPr sz="1200" kern="1200">
+        <a:solidFill>
+          <a:schemeClr val="tx1"/>
+        </a:solidFill>
+        <a:latin typeface="+mn-lt"/>
+        <a:ea typeface="+mn-ea"/>
+        <a:cs typeface="+mn-cs"/>
+      </a:defRPr>
+    </a:lvl9pPr>
+  </p:notesStyle>
+</p:notesMaster>
+</file>
+
+<file path=ppt/notesSlides/notesSlide1.xml><?xml version="1.0" encoding="utf-8"?>
+<p:notes xmlns:a="http://schemas.openxmlformats.org/drawingml/2006/main" xmlns:r="http://schemas.openxmlformats.org/officeDocument/2006/relationships" xmlns:p="http://schemas.openxmlformats.org/presentationml/2006/main">
+  <p:cSld>
+    <p:spTree>
+      <p:nvGrpSpPr>
+        <p:cNvPr id="1" name=""/>
+        <p:cNvGrpSpPr/>
+        <p:nvPr/>
+      </p:nvGrpSpPr>
+      <p:grpSpPr>
+        <a:xfrm>
+          <a:off x="0" y="0"/>
+          <a:ext cx="0" cy="0"/>
+          <a:chOff x="0" y="0"/>
+          <a:chExt cx="0" cy="0"/>
+        </a:xfrm>
+      </p:grpSpPr>
+      <p:sp>
+        <p:nvSpPr>
+          <p:cNvPr id="2" name="Slide Image Placeholder 1"/>
+          <p:cNvSpPr>
+            <a:spLocks noGrp="1" noRot="1" noChangeAspect="1"/>
+          </p:cNvSpPr>
+          <p:nvPr>
+            <p:ph type="sldImg"/>
+          </p:nvPr>
+        </p:nvSpPr>
+        <p:spPr/>
+      </p:sp>
+      <p:sp>
+        <p:nvSpPr>
+          <p:cNvPr id="3" name="Notes Placeholder 2"/>
+          <p:cNvSpPr>
+            <a:spLocks noGrp="1"/>
+          </p:cNvSpPr>
+          <p:nvPr>
+            <p:ph type="body" idx="1"/>
+          </p:nvPr>
+        </p:nvSpPr>
+        <p:spPr/>
+        <p:txBody>
+          <a:bodyPr/>
+          <a:lstStyle/>
+          <a:p>
+            <a:endParaRPr lang="en-US" dirty="0"/>
+          </a:p>
+        </p:txBody>
+      </p:sp>
+      <p:sp>
+        <p:nvSpPr>
+          <p:cNvPr id="4" name="Slide Number Placeholder 3"/>
+          <p:cNvSpPr>
+            <a:spLocks noGrp="1"/>
+          </p:cNvSpPr>
+          <p:nvPr>
+            <p:ph type="sldNum" sz="quarter" idx="5"/>
+          </p:nvPr>
+        </p:nvSpPr>
+        <p:spPr/>
+        <p:txBody>
+          <a:bodyPr/>
+          <a:lstStyle/>
+          <a:p>
+            <a:fld id="{52A5B05C-A693-40F1-9D0D-52E7CE735D11}" type="slidenum">
+              <a:rPr lang="en-US" smtClean="0"/>
+              <a:t>2</a:t>
+            </a:fld>
+            <a:endParaRPr lang="en-US"/>
+          </a:p>
+        </p:txBody>
+      </p:sp>
+    </p:spTree>
+    <p:extLst>
+      <p:ext uri="{BB962C8B-B14F-4D97-AF65-F5344CB8AC3E}">
+        <p14:creationId xmlns:p14="http://schemas.microsoft.com/office/powerpoint/2010/main" val="1524983712"/>
+      </p:ext>
+    </p:extLst>
+  </p:cSld>
+  <p:clrMapOvr>
+    <a:masterClrMapping/>
+  </p:clrMapOvr>
+</p:notes>
 </file>
 
 <file path=ppt/slideLayouts/slideLayout1.xml><?xml version="1.0" encoding="utf-8"?>
@@ -3375,14 +3809,7 @@
             </a:br>
             <a:r>
               <a:rPr lang="en-US" dirty="0"/>
-              <a:t>Pure L/H fitting and </a:t>
-            </a:r>
-            <a:br>
-              <a:rPr lang="en-US" dirty="0"/>
-            </a:br>
-            <a:r>
-              <a:rPr lang="en-US" dirty="0"/>
-              <a:t>L-H mixture preliminary results</a:t>
+              <a:t>(p)H vs (p)M</a:t>
             </a:r>
           </a:p>
         </p:txBody>
@@ -3421,7 +3848,7 @@
           <a:p>
             <a:r>
               <a:rPr lang="en-US" dirty="0"/>
-              <a:t>02/01/2023</a:t>
+              <a:t>05/15/2023</a:t>
             </a:r>
           </a:p>
         </p:txBody>
@@ -3439,7 +3866,2320 @@
 </p:sld>
 </file>
 
-<file path=ppt/slides/slide10.xml><?xml version="1.0" encoding="utf-8"?>
+<file path=ppt/slides/slide2.xml><?xml version="1.0" encoding="utf-8"?>
+<p:sld xmlns:a="http://schemas.openxmlformats.org/drawingml/2006/main" xmlns:r="http://schemas.openxmlformats.org/officeDocument/2006/relationships" xmlns:p="http://schemas.openxmlformats.org/presentationml/2006/main">
+  <p:cSld>
+    <p:spTree>
+      <p:nvGrpSpPr>
+        <p:cNvPr id="1" name=""/>
+        <p:cNvGrpSpPr/>
+        <p:nvPr/>
+      </p:nvGrpSpPr>
+      <p:grpSpPr>
+        <a:xfrm>
+          <a:off x="0" y="0"/>
+          <a:ext cx="0" cy="0"/>
+          <a:chOff x="0" y="0"/>
+          <a:chExt cx="0" cy="0"/>
+        </a:xfrm>
+      </p:grpSpPr>
+      <p:sp>
+        <p:nvSpPr>
+          <p:cNvPr id="2" name="Title 1">
+            <a:extLst>
+              <a:ext uri="{FF2B5EF4-FFF2-40B4-BE49-F238E27FC236}">
+                <a16:creationId xmlns:a16="http://schemas.microsoft.com/office/drawing/2014/main" id="{6FDCCBC7-9633-C858-42EB-4E97029DBF89}"/>
+              </a:ext>
+            </a:extLst>
+          </p:cNvPr>
+          <p:cNvSpPr>
+            <a:spLocks noGrp="1"/>
+          </p:cNvSpPr>
+          <p:nvPr>
+            <p:ph type="title"/>
+          </p:nvPr>
+        </p:nvSpPr>
+        <p:spPr>
+          <a:xfrm>
+            <a:off x="282387" y="19078"/>
+            <a:ext cx="10515600" cy="1325563"/>
+          </a:xfrm>
+        </p:spPr>
+        <p:txBody>
+          <a:bodyPr/>
+          <a:lstStyle/>
+          <a:p>
+            <a:r>
+              <a:rPr lang="en-US" dirty="0"/>
+              <a:t>Protein Charge Distribution (Proposed SI)</a:t>
+            </a:r>
+          </a:p>
+        </p:txBody>
+      </p:sp>
+      <p:sp>
+        <p:nvSpPr>
+          <p:cNvPr id="9" name="TextBox 8">
+            <a:extLst>
+              <a:ext uri="{FF2B5EF4-FFF2-40B4-BE49-F238E27FC236}">
+                <a16:creationId xmlns:a16="http://schemas.microsoft.com/office/drawing/2014/main" id="{D87C7B08-5CCF-98F0-1A20-CBD245BCD5D6}"/>
+              </a:ext>
+            </a:extLst>
+          </p:cNvPr>
+          <p:cNvSpPr txBox="1"/>
+          <p:nvPr/>
+        </p:nvSpPr>
+        <p:spPr>
+          <a:xfrm>
+            <a:off x="156485" y="4190101"/>
+            <a:ext cx="1535130" cy="369332"/>
+          </a:xfrm>
+          <a:prstGeom prst="rect">
+            <a:avLst/>
+          </a:prstGeom>
+          <a:solidFill>
+            <a:schemeClr val="bg1"/>
+          </a:solidFill>
+        </p:spPr>
+        <p:txBody>
+          <a:bodyPr wrap="square" rtlCol="0">
+            <a:spAutoFit/>
+          </a:bodyPr>
+          <a:lstStyle/>
+          <a:p>
+            <a:r>
+              <a:rPr lang="en-US" b="1" dirty="0"/>
+              <a:t>NFM</a:t>
+            </a:r>
+          </a:p>
+        </p:txBody>
+      </p:sp>
+      <p:sp>
+        <p:nvSpPr>
+          <p:cNvPr id="36" name="Rectangle 35">
+            <a:extLst>
+              <a:ext uri="{FF2B5EF4-FFF2-40B4-BE49-F238E27FC236}">
+                <a16:creationId xmlns:a16="http://schemas.microsoft.com/office/drawing/2014/main" id="{5B67F721-699E-B7C7-70DC-58B4B685290F}"/>
+              </a:ext>
+            </a:extLst>
+          </p:cNvPr>
+          <p:cNvSpPr/>
+          <p:nvPr/>
+        </p:nvSpPr>
+        <p:spPr>
+          <a:xfrm>
+            <a:off x="2574847" y="3755256"/>
+            <a:ext cx="1407459" cy="271900"/>
+          </a:xfrm>
+          <a:prstGeom prst="rect">
+            <a:avLst/>
+          </a:prstGeom>
+          <a:solidFill>
+            <a:schemeClr val="bg1"/>
+          </a:solidFill>
+          <a:ln>
+            <a:solidFill>
+              <a:schemeClr val="bg1"/>
+            </a:solidFill>
+          </a:ln>
+        </p:spPr>
+        <p:style>
+          <a:lnRef idx="2">
+            <a:schemeClr val="accent1">
+              <a:shade val="50000"/>
+            </a:schemeClr>
+          </a:lnRef>
+          <a:fillRef idx="1">
+            <a:schemeClr val="accent1"/>
+          </a:fillRef>
+          <a:effectRef idx="0">
+            <a:schemeClr val="accent1"/>
+          </a:effectRef>
+          <a:fontRef idx="minor">
+            <a:schemeClr val="lt1"/>
+          </a:fontRef>
+        </p:style>
+        <p:txBody>
+          <a:bodyPr rtlCol="0" anchor="ctr"/>
+          <a:lstStyle/>
+          <a:p>
+            <a:pPr algn="ctr"/>
+            <a:endParaRPr lang="en-US"/>
+          </a:p>
+        </p:txBody>
+      </p:sp>
+      <p:sp>
+        <p:nvSpPr>
+          <p:cNvPr id="10" name="TextBox 9">
+            <a:extLst>
+              <a:ext uri="{FF2B5EF4-FFF2-40B4-BE49-F238E27FC236}">
+                <a16:creationId xmlns:a16="http://schemas.microsoft.com/office/drawing/2014/main" id="{AAB5ABFF-EF1E-8C5D-BDD2-0A921ED54A2C}"/>
+              </a:ext>
+            </a:extLst>
+          </p:cNvPr>
+          <p:cNvSpPr txBox="1"/>
+          <p:nvPr/>
+        </p:nvSpPr>
+        <p:spPr>
+          <a:xfrm>
+            <a:off x="198957" y="5686932"/>
+            <a:ext cx="1535131" cy="369332"/>
+          </a:xfrm>
+          <a:prstGeom prst="rect">
+            <a:avLst/>
+          </a:prstGeom>
+          <a:solidFill>
+            <a:schemeClr val="bg1"/>
+          </a:solidFill>
+        </p:spPr>
+        <p:txBody>
+          <a:bodyPr wrap="square" rtlCol="0">
+            <a:spAutoFit/>
+          </a:bodyPr>
+          <a:lstStyle/>
+          <a:p>
+            <a:r>
+              <a:rPr lang="en-US" b="1" dirty="0"/>
+              <a:t>NFH</a:t>
+            </a:r>
+          </a:p>
+        </p:txBody>
+      </p:sp>
+      <p:grpSp>
+        <p:nvGrpSpPr>
+          <p:cNvPr id="18" name="Group 17">
+            <a:extLst>
+              <a:ext uri="{FF2B5EF4-FFF2-40B4-BE49-F238E27FC236}">
+                <a16:creationId xmlns:a16="http://schemas.microsoft.com/office/drawing/2014/main" id="{03D3AF34-66B3-2F46-975A-827AB6113075}"/>
+              </a:ext>
+            </a:extLst>
+          </p:cNvPr>
+          <p:cNvGrpSpPr/>
+          <p:nvPr/>
+        </p:nvGrpSpPr>
+        <p:grpSpPr>
+          <a:xfrm>
+            <a:off x="5502087" y="4047684"/>
+            <a:ext cx="713657" cy="1073605"/>
+            <a:chOff x="4383741" y="2002095"/>
+            <a:chExt cx="1206082" cy="1814398"/>
+          </a:xfrm>
+        </p:grpSpPr>
+        <p:sp>
+          <p:nvSpPr>
+            <p:cNvPr id="19" name="Rectangle 18">
+              <a:extLst>
+                <a:ext uri="{FF2B5EF4-FFF2-40B4-BE49-F238E27FC236}">
+                  <a16:creationId xmlns:a16="http://schemas.microsoft.com/office/drawing/2014/main" id="{37CF844A-2CFF-7142-25B4-D4F00BEE1026}"/>
+                </a:ext>
+              </a:extLst>
+            </p:cNvPr>
+            <p:cNvSpPr/>
+            <p:nvPr/>
+          </p:nvSpPr>
+          <p:spPr>
+            <a:xfrm>
+              <a:off x="4383741" y="2002095"/>
+              <a:ext cx="92945" cy="565898"/>
+            </a:xfrm>
+            <a:prstGeom prst="rect">
+              <a:avLst/>
+            </a:prstGeom>
+            <a:solidFill>
+              <a:srgbClr val="C00000"/>
+            </a:solidFill>
+            <a:ln>
+              <a:solidFill>
+                <a:schemeClr val="tx1"/>
+              </a:solidFill>
+            </a:ln>
+          </p:spPr>
+          <p:style>
+            <a:lnRef idx="2">
+              <a:schemeClr val="accent1">
+                <a:shade val="50000"/>
+              </a:schemeClr>
+            </a:lnRef>
+            <a:fillRef idx="1">
+              <a:schemeClr val="accent1"/>
+            </a:fillRef>
+            <a:effectRef idx="0">
+              <a:schemeClr val="accent1"/>
+            </a:effectRef>
+            <a:fontRef idx="minor">
+              <a:schemeClr val="lt1"/>
+            </a:fontRef>
+          </p:style>
+          <p:txBody>
+            <a:bodyPr rtlCol="0" anchor="ctr"/>
+            <a:lstStyle/>
+            <a:p>
+              <a:pPr algn="ctr"/>
+              <a:endParaRPr lang="en-US" sz="1600"/>
+            </a:p>
+          </p:txBody>
+        </p:sp>
+        <p:sp>
+          <p:nvSpPr>
+            <p:cNvPr id="20" name="Rectangle 19">
+              <a:extLst>
+                <a:ext uri="{FF2B5EF4-FFF2-40B4-BE49-F238E27FC236}">
+                  <a16:creationId xmlns:a16="http://schemas.microsoft.com/office/drawing/2014/main" id="{D33D9FF3-0263-DFA2-C486-21392382DCF4}"/>
+                </a:ext>
+              </a:extLst>
+            </p:cNvPr>
+            <p:cNvSpPr/>
+            <p:nvPr/>
+          </p:nvSpPr>
+          <p:spPr>
+            <a:xfrm>
+              <a:off x="4383741" y="2566311"/>
+              <a:ext cx="92945" cy="565898"/>
+            </a:xfrm>
+            <a:prstGeom prst="rect">
+              <a:avLst/>
+            </a:prstGeom>
+            <a:solidFill>
+              <a:schemeClr val="bg1"/>
+            </a:solidFill>
+            <a:ln>
+              <a:solidFill>
+                <a:schemeClr val="tx1"/>
+              </a:solidFill>
+            </a:ln>
+          </p:spPr>
+          <p:style>
+            <a:lnRef idx="2">
+              <a:schemeClr val="accent1">
+                <a:shade val="50000"/>
+              </a:schemeClr>
+            </a:lnRef>
+            <a:fillRef idx="1">
+              <a:schemeClr val="accent1"/>
+            </a:fillRef>
+            <a:effectRef idx="0">
+              <a:schemeClr val="accent1"/>
+            </a:effectRef>
+            <a:fontRef idx="minor">
+              <a:schemeClr val="lt1"/>
+            </a:fontRef>
+          </p:style>
+          <p:txBody>
+            <a:bodyPr rtlCol="0" anchor="ctr"/>
+            <a:lstStyle/>
+            <a:p>
+              <a:pPr algn="ctr"/>
+              <a:endParaRPr lang="en-US" sz="1600"/>
+            </a:p>
+          </p:txBody>
+        </p:sp>
+        <p:sp>
+          <p:nvSpPr>
+            <p:cNvPr id="21" name="Rectangle 20">
+              <a:extLst>
+                <a:ext uri="{FF2B5EF4-FFF2-40B4-BE49-F238E27FC236}">
+                  <a16:creationId xmlns:a16="http://schemas.microsoft.com/office/drawing/2014/main" id="{7A059B67-6E77-0A20-A8E6-FB8E9B471DBA}"/>
+                </a:ext>
+              </a:extLst>
+            </p:cNvPr>
+            <p:cNvSpPr/>
+            <p:nvPr/>
+          </p:nvSpPr>
+          <p:spPr>
+            <a:xfrm>
+              <a:off x="4383741" y="3121260"/>
+              <a:ext cx="92945" cy="565898"/>
+            </a:xfrm>
+            <a:prstGeom prst="rect">
+              <a:avLst/>
+            </a:prstGeom>
+            <a:solidFill>
+              <a:srgbClr val="0070C0"/>
+            </a:solidFill>
+            <a:ln>
+              <a:solidFill>
+                <a:schemeClr val="tx1"/>
+              </a:solidFill>
+            </a:ln>
+          </p:spPr>
+          <p:style>
+            <a:lnRef idx="2">
+              <a:schemeClr val="accent1">
+                <a:shade val="50000"/>
+              </a:schemeClr>
+            </a:lnRef>
+            <a:fillRef idx="1">
+              <a:schemeClr val="accent1"/>
+            </a:fillRef>
+            <a:effectRef idx="0">
+              <a:schemeClr val="accent1"/>
+            </a:effectRef>
+            <a:fontRef idx="minor">
+              <a:schemeClr val="lt1"/>
+            </a:fontRef>
+          </p:style>
+          <p:txBody>
+            <a:bodyPr rtlCol="0" anchor="ctr"/>
+            <a:lstStyle/>
+            <a:p>
+              <a:pPr algn="ctr"/>
+              <a:endParaRPr lang="en-US" sz="1600"/>
+            </a:p>
+          </p:txBody>
+        </p:sp>
+        <p:sp>
+          <p:nvSpPr>
+            <p:cNvPr id="22" name="TextBox 21">
+              <a:extLst>
+                <a:ext uri="{FF2B5EF4-FFF2-40B4-BE49-F238E27FC236}">
+                  <a16:creationId xmlns:a16="http://schemas.microsoft.com/office/drawing/2014/main" id="{58344487-4760-E3CD-0666-1E59039E9A9D}"/>
+                </a:ext>
+              </a:extLst>
+            </p:cNvPr>
+            <p:cNvSpPr txBox="1"/>
+            <p:nvPr/>
+          </p:nvSpPr>
+          <p:spPr>
+            <a:xfrm>
+              <a:off x="4684448" y="2079496"/>
+              <a:ext cx="905375" cy="572158"/>
+            </a:xfrm>
+            <a:prstGeom prst="rect">
+              <a:avLst/>
+            </a:prstGeom>
+            <a:noFill/>
+          </p:spPr>
+          <p:txBody>
+            <a:bodyPr wrap="none" rtlCol="0">
+              <a:spAutoFit/>
+            </a:bodyPr>
+            <a:lstStyle/>
+            <a:p>
+              <a:r>
+                <a:rPr lang="en-US" sz="1600" dirty="0"/>
+                <a:t>&gt; 0</a:t>
+              </a:r>
+              <a:r>
+                <a:rPr lang="en-US" sz="1600" i="1" dirty="0"/>
+                <a:t>e</a:t>
+              </a:r>
+              <a:endParaRPr lang="en-US" sz="1600" dirty="0"/>
+            </a:p>
+          </p:txBody>
+        </p:sp>
+        <p:sp>
+          <p:nvSpPr>
+            <p:cNvPr id="23" name="TextBox 22">
+              <a:extLst>
+                <a:ext uri="{FF2B5EF4-FFF2-40B4-BE49-F238E27FC236}">
+                  <a16:creationId xmlns:a16="http://schemas.microsoft.com/office/drawing/2014/main" id="{859A014F-9A2D-854B-26D4-4E76EB2E7F74}"/>
+                </a:ext>
+              </a:extLst>
+            </p:cNvPr>
+            <p:cNvSpPr txBox="1"/>
+            <p:nvPr/>
+          </p:nvSpPr>
+          <p:spPr>
+            <a:xfrm>
+              <a:off x="4684448" y="2668380"/>
+              <a:ext cx="905375" cy="572158"/>
+            </a:xfrm>
+            <a:prstGeom prst="rect">
+              <a:avLst/>
+            </a:prstGeom>
+            <a:noFill/>
+          </p:spPr>
+          <p:txBody>
+            <a:bodyPr wrap="none" rtlCol="0">
+              <a:spAutoFit/>
+            </a:bodyPr>
+            <a:lstStyle/>
+            <a:p>
+              <a:r>
+                <a:rPr lang="en-US" sz="1600" dirty="0"/>
+                <a:t>= 0</a:t>
+              </a:r>
+              <a:r>
+                <a:rPr lang="en-US" sz="1600" i="1" dirty="0"/>
+                <a:t>e</a:t>
+              </a:r>
+              <a:endParaRPr lang="en-US" sz="1600" dirty="0"/>
+            </a:p>
+          </p:txBody>
+        </p:sp>
+        <p:sp>
+          <p:nvSpPr>
+            <p:cNvPr id="24" name="TextBox 23">
+              <a:extLst>
+                <a:ext uri="{FF2B5EF4-FFF2-40B4-BE49-F238E27FC236}">
+                  <a16:creationId xmlns:a16="http://schemas.microsoft.com/office/drawing/2014/main" id="{C2843518-57CF-32EF-9980-05DB504D06EA}"/>
+                </a:ext>
+              </a:extLst>
+            </p:cNvPr>
+            <p:cNvSpPr txBox="1"/>
+            <p:nvPr/>
+          </p:nvSpPr>
+          <p:spPr>
+            <a:xfrm>
+              <a:off x="4684448" y="3244335"/>
+              <a:ext cx="905375" cy="572158"/>
+            </a:xfrm>
+            <a:prstGeom prst="rect">
+              <a:avLst/>
+            </a:prstGeom>
+            <a:noFill/>
+          </p:spPr>
+          <p:txBody>
+            <a:bodyPr wrap="none" rtlCol="0">
+              <a:spAutoFit/>
+            </a:bodyPr>
+            <a:lstStyle/>
+            <a:p>
+              <a:r>
+                <a:rPr lang="en-US" sz="1600" dirty="0"/>
+                <a:t>&lt; 0</a:t>
+              </a:r>
+              <a:r>
+                <a:rPr lang="en-US" sz="1600" i="1" dirty="0"/>
+                <a:t>e</a:t>
+              </a:r>
+              <a:endParaRPr lang="en-US" sz="1600" dirty="0"/>
+            </a:p>
+          </p:txBody>
+        </p:sp>
+      </p:grpSp>
+      <p:grpSp>
+        <p:nvGrpSpPr>
+          <p:cNvPr id="27" name="Group 26">
+            <a:extLst>
+              <a:ext uri="{FF2B5EF4-FFF2-40B4-BE49-F238E27FC236}">
+                <a16:creationId xmlns:a16="http://schemas.microsoft.com/office/drawing/2014/main" id="{FEE247CB-A5B2-D791-3092-BCB3AF907AA2}"/>
+              </a:ext>
+            </a:extLst>
+          </p:cNvPr>
+          <p:cNvGrpSpPr/>
+          <p:nvPr/>
+        </p:nvGrpSpPr>
+        <p:grpSpPr>
+          <a:xfrm>
+            <a:off x="314833" y="1275562"/>
+            <a:ext cx="7330995" cy="2257730"/>
+            <a:chOff x="-1359844" y="1363737"/>
+            <a:chExt cx="7330995" cy="2257730"/>
+          </a:xfrm>
+        </p:grpSpPr>
+        <p:sp>
+          <p:nvSpPr>
+            <p:cNvPr id="29" name="TextBox 28">
+              <a:extLst>
+                <a:ext uri="{FF2B5EF4-FFF2-40B4-BE49-F238E27FC236}">
+                  <a16:creationId xmlns:a16="http://schemas.microsoft.com/office/drawing/2014/main" id="{D93D56FC-08CC-3B25-2AAB-9FC89587F1BC}"/>
+                </a:ext>
+              </a:extLst>
+            </p:cNvPr>
+            <p:cNvSpPr txBox="1"/>
+            <p:nvPr/>
+          </p:nvSpPr>
+          <p:spPr>
+            <a:xfrm>
+              <a:off x="1375705" y="1460986"/>
+              <a:ext cx="1025980" cy="307777"/>
+            </a:xfrm>
+            <a:prstGeom prst="rect">
+              <a:avLst/>
+            </a:prstGeom>
+            <a:noFill/>
+          </p:spPr>
+          <p:txBody>
+            <a:bodyPr wrap="square" rtlCol="0">
+              <a:spAutoFit/>
+            </a:bodyPr>
+            <a:lstStyle/>
+            <a:p>
+              <a:pPr algn="r"/>
+              <a:r>
+                <a:rPr lang="en-US" sz="1400" dirty="0"/>
+                <a:t>Amino acid </a:t>
+              </a:r>
+            </a:p>
+          </p:txBody>
+        </p:sp>
+        <p:sp>
+          <p:nvSpPr>
+            <p:cNvPr id="30" name="TextBox 29">
+              <a:extLst>
+                <a:ext uri="{FF2B5EF4-FFF2-40B4-BE49-F238E27FC236}">
+                  <a16:creationId xmlns:a16="http://schemas.microsoft.com/office/drawing/2014/main" id="{FEC87875-6361-3501-0287-E91EF2AB2A5C}"/>
+                </a:ext>
+              </a:extLst>
+            </p:cNvPr>
+            <p:cNvSpPr txBox="1"/>
+            <p:nvPr/>
+          </p:nvSpPr>
+          <p:spPr>
+            <a:xfrm>
+              <a:off x="900170" y="2119624"/>
+              <a:ext cx="1501515" cy="523220"/>
+            </a:xfrm>
+            <a:prstGeom prst="rect">
+              <a:avLst/>
+            </a:prstGeom>
+            <a:noFill/>
+          </p:spPr>
+          <p:txBody>
+            <a:bodyPr wrap="square" rtlCol="0">
+              <a:spAutoFit/>
+            </a:bodyPr>
+            <a:lstStyle/>
+            <a:p>
+              <a:pPr algn="r"/>
+              <a:r>
+                <a:rPr lang="en-US" sz="1400" dirty="0"/>
+                <a:t>Charge </a:t>
+              </a:r>
+              <a:br>
+                <a:rPr lang="en-US" sz="1400" dirty="0"/>
+              </a:br>
+              <a:r>
+                <a:rPr lang="en-US" sz="1400" dirty="0"/>
+                <a:t>(at given pH)</a:t>
+              </a:r>
+            </a:p>
+          </p:txBody>
+        </p:sp>
+        <p:sp>
+          <p:nvSpPr>
+            <p:cNvPr id="31" name="TextBox 30">
+              <a:extLst>
+                <a:ext uri="{FF2B5EF4-FFF2-40B4-BE49-F238E27FC236}">
+                  <a16:creationId xmlns:a16="http://schemas.microsoft.com/office/drawing/2014/main" id="{2CB29859-A137-44F1-F6FE-55189F3B67F3}"/>
+                </a:ext>
+              </a:extLst>
+            </p:cNvPr>
+            <p:cNvSpPr txBox="1"/>
+            <p:nvPr/>
+          </p:nvSpPr>
+          <p:spPr>
+            <a:xfrm>
+              <a:off x="900170" y="3036790"/>
+              <a:ext cx="1501516" cy="307777"/>
+            </a:xfrm>
+            <a:prstGeom prst="rect">
+              <a:avLst/>
+            </a:prstGeom>
+            <a:noFill/>
+          </p:spPr>
+          <p:txBody>
+            <a:bodyPr wrap="square" rtlCol="0">
+              <a:spAutoFit/>
+            </a:bodyPr>
+            <a:lstStyle/>
+            <a:p>
+              <a:pPr algn="r"/>
+              <a:r>
+                <a:rPr lang="en-US" sz="1400" dirty="0"/>
+                <a:t>Block assignment</a:t>
+              </a:r>
+            </a:p>
+          </p:txBody>
+        </p:sp>
+        <p:sp>
+          <p:nvSpPr>
+            <p:cNvPr id="33" name="TextBox 32">
+              <a:extLst>
+                <a:ext uri="{FF2B5EF4-FFF2-40B4-BE49-F238E27FC236}">
+                  <a16:creationId xmlns:a16="http://schemas.microsoft.com/office/drawing/2014/main" id="{BBA26761-7480-0F29-2BD5-1E0555B0252C}"/>
+                </a:ext>
+              </a:extLst>
+            </p:cNvPr>
+            <p:cNvSpPr txBox="1"/>
+            <p:nvPr/>
+          </p:nvSpPr>
+          <p:spPr>
+            <a:xfrm>
+              <a:off x="-1359844" y="2161684"/>
+              <a:ext cx="2286000" cy="369332"/>
+            </a:xfrm>
+            <a:prstGeom prst="rect">
+              <a:avLst/>
+            </a:prstGeom>
+            <a:noFill/>
+          </p:spPr>
+          <p:txBody>
+            <a:bodyPr wrap="square" rtlCol="0">
+              <a:spAutoFit/>
+            </a:bodyPr>
+            <a:lstStyle/>
+            <a:p>
+              <a:r>
+                <a:rPr lang="en-US" b="1" dirty="0"/>
+                <a:t>Algorithm overview</a:t>
+              </a:r>
+            </a:p>
+          </p:txBody>
+        </p:sp>
+        <p:pic>
+          <p:nvPicPr>
+            <p:cNvPr id="26" name="Picture 25">
+              <a:extLst>
+                <a:ext uri="{FF2B5EF4-FFF2-40B4-BE49-F238E27FC236}">
+                  <a16:creationId xmlns:a16="http://schemas.microsoft.com/office/drawing/2014/main" id="{DB14B2D1-64A6-9398-F8DD-6E1A5ECE5ACB}"/>
+                </a:ext>
+              </a:extLst>
+            </p:cNvPr>
+            <p:cNvPicPr>
+              <a:picLocks noChangeAspect="1"/>
+            </p:cNvPicPr>
+            <p:nvPr/>
+          </p:nvPicPr>
+          <p:blipFill>
+            <a:blip r:embed="rId3"/>
+            <a:stretch>
+              <a:fillRect/>
+            </a:stretch>
+          </p:blipFill>
+          <p:spPr>
+            <a:xfrm>
+              <a:off x="2682619" y="1363737"/>
+              <a:ext cx="3288532" cy="2257730"/>
+            </a:xfrm>
+            <a:prstGeom prst="rect">
+              <a:avLst/>
+            </a:prstGeom>
+          </p:spPr>
+        </p:pic>
+      </p:grpSp>
+      <p:pic>
+        <p:nvPicPr>
+          <p:cNvPr id="3" name="Picture 2">
+            <a:extLst>
+              <a:ext uri="{FF2B5EF4-FFF2-40B4-BE49-F238E27FC236}">
+                <a16:creationId xmlns:a16="http://schemas.microsoft.com/office/drawing/2014/main" id="{F0A8792D-1E6A-7566-DD20-DAE41120EAE3}"/>
+              </a:ext>
+            </a:extLst>
+          </p:cNvPr>
+          <p:cNvPicPr>
+            <a:picLocks noChangeAspect="1" noChangeArrowheads="1"/>
+          </p:cNvPicPr>
+          <p:nvPr/>
+        </p:nvPicPr>
+        <p:blipFill>
+          <a:blip r:embed="rId4">
+            <a:extLst>
+              <a:ext uri="{28A0092B-C50C-407E-A947-70E740481C1C}">
+                <a14:useLocalDpi xmlns:a14="http://schemas.microsoft.com/office/drawing/2010/main" val="0"/>
+              </a:ext>
+            </a:extLst>
+          </a:blip>
+          <a:srcRect/>
+          <a:stretch>
+            <a:fillRect/>
+          </a:stretch>
+        </p:blipFill>
+        <p:spPr bwMode="auto">
+          <a:xfrm>
+            <a:off x="6315096" y="4047684"/>
+            <a:ext cx="4059221" cy="1349653"/>
+          </a:xfrm>
+          <a:prstGeom prst="rect">
+            <a:avLst/>
+          </a:prstGeom>
+          <a:noFill/>
+          <a:extLst>
+            <a:ext uri="{909E8E84-426E-40DD-AFC4-6F175D3DCCD1}">
+              <a14:hiddenFill xmlns:a14="http://schemas.microsoft.com/office/drawing/2010/main">
+                <a:solidFill>
+                  <a:srgbClr val="FFFFFF"/>
+                </a:solidFill>
+              </a14:hiddenFill>
+            </a:ext>
+          </a:extLst>
+        </p:spPr>
+      </p:pic>
+      <p:pic>
+        <p:nvPicPr>
+          <p:cNvPr id="6" name="Picture 2">
+            <a:extLst>
+              <a:ext uri="{FF2B5EF4-FFF2-40B4-BE49-F238E27FC236}">
+                <a16:creationId xmlns:a16="http://schemas.microsoft.com/office/drawing/2014/main" id="{050A31A3-FDC8-265C-DAFA-CD606C0D4DEC}"/>
+              </a:ext>
+            </a:extLst>
+          </p:cNvPr>
+          <p:cNvPicPr>
+            <a:picLocks noChangeAspect="1" noChangeArrowheads="1"/>
+          </p:cNvPicPr>
+          <p:nvPr/>
+        </p:nvPicPr>
+        <p:blipFill>
+          <a:blip r:embed="rId5">
+            <a:extLst>
+              <a:ext uri="{28A0092B-C50C-407E-A947-70E740481C1C}">
+                <a14:useLocalDpi xmlns:a14="http://schemas.microsoft.com/office/drawing/2010/main" val="0"/>
+              </a:ext>
+            </a:extLst>
+          </a:blip>
+          <a:srcRect/>
+          <a:stretch>
+            <a:fillRect/>
+          </a:stretch>
+        </p:blipFill>
+        <p:spPr bwMode="auto">
+          <a:xfrm>
+            <a:off x="6315096" y="5613741"/>
+            <a:ext cx="4154723" cy="1056064"/>
+          </a:xfrm>
+          <a:prstGeom prst="rect">
+            <a:avLst/>
+          </a:prstGeom>
+          <a:noFill/>
+          <a:extLst>
+            <a:ext uri="{909E8E84-426E-40DD-AFC4-6F175D3DCCD1}">
+              <a14:hiddenFill xmlns:a14="http://schemas.microsoft.com/office/drawing/2010/main">
+                <a:solidFill>
+                  <a:srgbClr val="FFFFFF"/>
+                </a:solidFill>
+              </a14:hiddenFill>
+            </a:ext>
+          </a:extLst>
+        </p:spPr>
+      </p:pic>
+      <p:pic>
+        <p:nvPicPr>
+          <p:cNvPr id="1026" name="Picture 2">
+            <a:extLst>
+              <a:ext uri="{FF2B5EF4-FFF2-40B4-BE49-F238E27FC236}">
+                <a16:creationId xmlns:a16="http://schemas.microsoft.com/office/drawing/2014/main" id="{9CA1B496-756A-C3CD-C267-46A73CD33F3D}"/>
+              </a:ext>
+            </a:extLst>
+          </p:cNvPr>
+          <p:cNvPicPr>
+            <a:picLocks noChangeAspect="1" noChangeArrowheads="1"/>
+          </p:cNvPicPr>
+          <p:nvPr/>
+        </p:nvPicPr>
+        <p:blipFill>
+          <a:blip r:embed="rId6">
+            <a:extLst>
+              <a:ext uri="{28A0092B-C50C-407E-A947-70E740481C1C}">
+                <a14:useLocalDpi xmlns:a14="http://schemas.microsoft.com/office/drawing/2010/main" val="0"/>
+              </a:ext>
+            </a:extLst>
+          </a:blip>
+          <a:srcRect/>
+          <a:stretch>
+            <a:fillRect/>
+          </a:stretch>
+        </p:blipFill>
+        <p:spPr bwMode="auto">
+          <a:xfrm>
+            <a:off x="1363604" y="4007079"/>
+            <a:ext cx="4094061" cy="1361236"/>
+          </a:xfrm>
+          <a:prstGeom prst="rect">
+            <a:avLst/>
+          </a:prstGeom>
+          <a:noFill/>
+          <a:extLst>
+            <a:ext uri="{909E8E84-426E-40DD-AFC4-6F175D3DCCD1}">
+              <a14:hiddenFill xmlns:a14="http://schemas.microsoft.com/office/drawing/2010/main">
+                <a:solidFill>
+                  <a:srgbClr val="FFFFFF"/>
+                </a:solidFill>
+              </a14:hiddenFill>
+            </a:ext>
+          </a:extLst>
+        </p:spPr>
+      </p:pic>
+      <p:pic>
+        <p:nvPicPr>
+          <p:cNvPr id="1028" name="Picture 4">
+            <a:extLst>
+              <a:ext uri="{FF2B5EF4-FFF2-40B4-BE49-F238E27FC236}">
+                <a16:creationId xmlns:a16="http://schemas.microsoft.com/office/drawing/2014/main" id="{38C79ACC-B9B1-7CA5-21D3-94A892A06B65}"/>
+              </a:ext>
+            </a:extLst>
+          </p:cNvPr>
+          <p:cNvPicPr>
+            <a:picLocks noChangeAspect="1" noChangeArrowheads="1"/>
+          </p:cNvPicPr>
+          <p:nvPr/>
+        </p:nvPicPr>
+        <p:blipFill>
+          <a:blip r:embed="rId7">
+            <a:extLst>
+              <a:ext uri="{28A0092B-C50C-407E-A947-70E740481C1C}">
+                <a14:useLocalDpi xmlns:a14="http://schemas.microsoft.com/office/drawing/2010/main" val="0"/>
+              </a:ext>
+            </a:extLst>
+          </a:blip>
+          <a:srcRect/>
+          <a:stretch>
+            <a:fillRect/>
+          </a:stretch>
+        </p:blipFill>
+        <p:spPr bwMode="auto">
+          <a:xfrm>
+            <a:off x="932248" y="5550783"/>
+            <a:ext cx="4912928" cy="1181980"/>
+          </a:xfrm>
+          <a:prstGeom prst="rect">
+            <a:avLst/>
+          </a:prstGeom>
+          <a:noFill/>
+          <a:extLst>
+            <a:ext uri="{909E8E84-426E-40DD-AFC4-6F175D3DCCD1}">
+              <a14:hiddenFill xmlns:a14="http://schemas.microsoft.com/office/drawing/2010/main">
+                <a:solidFill>
+                  <a:srgbClr val="FFFFFF"/>
+                </a:solidFill>
+              </a14:hiddenFill>
+            </a:ext>
+          </a:extLst>
+        </p:spPr>
+      </p:pic>
+      <p:graphicFrame>
+        <p:nvGraphicFramePr>
+          <p:cNvPr id="25" name="Table 3">
+            <a:extLst>
+              <a:ext uri="{FF2B5EF4-FFF2-40B4-BE49-F238E27FC236}">
+                <a16:creationId xmlns:a16="http://schemas.microsoft.com/office/drawing/2014/main" id="{248C1B65-77A6-ABA5-CD9C-9694A862B5C6}"/>
+              </a:ext>
+            </a:extLst>
+          </p:cNvPr>
+          <p:cNvGraphicFramePr>
+            <a:graphicFrameLocks noGrp="1"/>
+          </p:cNvGraphicFramePr>
+          <p:nvPr>
+            <p:extLst>
+              <p:ext uri="{D42A27DB-BD31-4B8C-83A1-F6EECF244321}">
+                <p14:modId xmlns:p14="http://schemas.microsoft.com/office/powerpoint/2010/main" val="4017593420"/>
+              </p:ext>
+            </p:extLst>
+          </p:nvPr>
+        </p:nvGraphicFramePr>
+        <p:xfrm>
+          <a:off x="9658005" y="1112661"/>
+          <a:ext cx="2419254" cy="2583532"/>
+        </p:xfrm>
+        <a:graphic>
+          <a:graphicData uri="http://schemas.openxmlformats.org/drawingml/2006/table">
+            <a:tbl>
+              <a:tblPr bandRow="1">
+                <a:tableStyleId>{9D7B26C5-4107-4FEC-AEDC-1716B250A1EF}</a:tableStyleId>
+              </a:tblPr>
+              <a:tblGrid>
+                <a:gridCol w="806418">
+                  <a:extLst>
+                    <a:ext uri="{9D8B030D-6E8A-4147-A177-3AD203B41FA5}">
+                      <a16:colId xmlns:a16="http://schemas.microsoft.com/office/drawing/2014/main" val="2743400595"/>
+                    </a:ext>
+                  </a:extLst>
+                </a:gridCol>
+                <a:gridCol w="806418">
+                  <a:extLst>
+                    <a:ext uri="{9D8B030D-6E8A-4147-A177-3AD203B41FA5}">
+                      <a16:colId xmlns:a16="http://schemas.microsoft.com/office/drawing/2014/main" val="2758282048"/>
+                    </a:ext>
+                  </a:extLst>
+                </a:gridCol>
+                <a:gridCol w="806418">
+                  <a:extLst>
+                    <a:ext uri="{9D8B030D-6E8A-4147-A177-3AD203B41FA5}">
+                      <a16:colId xmlns:a16="http://schemas.microsoft.com/office/drawing/2014/main" val="1433133235"/>
+                    </a:ext>
+                  </a:extLst>
+                </a:gridCol>
+              </a:tblGrid>
+              <a:tr h="182880">
+                <a:tc>
+                  <a:txBody>
+                    <a:bodyPr/>
+                    <a:lstStyle/>
+                    <a:p>
+                      <a:pPr algn="ctr"/>
+                      <a:r>
+                        <a:rPr lang="en-US" sz="1000" b="1" dirty="0"/>
+                        <a:t>Block</a:t>
+                      </a:r>
+                    </a:p>
+                  </a:txBody>
+                  <a:tcPr marL="59055" marR="59055" marT="29528" marB="29528">
+                    <a:lnT w="19050" cap="flat" cmpd="sng" algn="ctr">
+                      <a:solidFill>
+                        <a:schemeClr val="tx1"/>
+                      </a:solidFill>
+                      <a:prstDash val="solid"/>
+                      <a:round/>
+                      <a:headEnd type="none" w="med" len="med"/>
+                      <a:tailEnd type="none" w="med" len="med"/>
+                    </a:lnT>
+                    <a:lnB w="19050" cap="flat" cmpd="sng" algn="ctr">
+                      <a:solidFill>
+                        <a:schemeClr val="tx1"/>
+                      </a:solidFill>
+                      <a:prstDash val="solid"/>
+                      <a:round/>
+                      <a:headEnd type="none" w="med" len="med"/>
+                      <a:tailEnd type="none" w="med" len="med"/>
+                    </a:lnB>
+                  </a:tcPr>
+                </a:tc>
+                <a:tc>
+                  <a:txBody>
+                    <a:bodyPr/>
+                    <a:lstStyle/>
+                    <a:p>
+                      <a:pPr algn="ctr"/>
+                      <a:r>
+                        <a:rPr lang="en-US" sz="1000" b="1" dirty="0"/>
+                        <a:t>Alpha</a:t>
+                      </a:r>
+                    </a:p>
+                  </a:txBody>
+                  <a:tcPr marL="59055" marR="59055" marT="29528" marB="29528">
+                    <a:lnT w="19050" cap="flat" cmpd="sng" algn="ctr">
+                      <a:solidFill>
+                        <a:schemeClr val="tx1"/>
+                      </a:solidFill>
+                      <a:prstDash val="solid"/>
+                      <a:round/>
+                      <a:headEnd type="none" w="med" len="med"/>
+                      <a:tailEnd type="none" w="med" len="med"/>
+                    </a:lnT>
+                    <a:lnB w="19050" cap="flat" cmpd="sng" algn="ctr">
+                      <a:solidFill>
+                        <a:schemeClr val="tx1"/>
+                      </a:solidFill>
+                      <a:prstDash val="solid"/>
+                      <a:round/>
+                      <a:headEnd type="none" w="med" len="med"/>
+                      <a:tailEnd type="none" w="med" len="med"/>
+                    </a:lnB>
+                  </a:tcPr>
+                </a:tc>
+                <a:tc>
+                  <a:txBody>
+                    <a:bodyPr/>
+                    <a:lstStyle/>
+                    <a:p>
+                      <a:pPr algn="ctr"/>
+                      <a:r>
+                        <a:rPr lang="en-US" sz="1000" b="1" dirty="0"/>
+                        <a:t>Chi</a:t>
+                      </a:r>
+                    </a:p>
+                  </a:txBody>
+                  <a:tcPr marL="59055" marR="59055" marT="29528" marB="29528">
+                    <a:lnT w="19050" cap="flat" cmpd="sng" algn="ctr">
+                      <a:solidFill>
+                        <a:schemeClr val="tx1"/>
+                      </a:solidFill>
+                      <a:prstDash val="solid"/>
+                      <a:round/>
+                      <a:headEnd type="none" w="med" len="med"/>
+                      <a:tailEnd type="none" w="med" len="med"/>
+                    </a:lnT>
+                    <a:lnB w="19050" cap="flat" cmpd="sng" algn="ctr">
+                      <a:solidFill>
+                        <a:schemeClr val="tx1"/>
+                      </a:solidFill>
+                      <a:prstDash val="solid"/>
+                      <a:round/>
+                      <a:headEnd type="none" w="med" len="med"/>
+                      <a:tailEnd type="none" w="med" len="med"/>
+                    </a:lnB>
+                  </a:tcPr>
+                </a:tc>
+                <a:extLst>
+                  <a:ext uri="{0D108BD9-81ED-4DB2-BD59-A6C34878D82A}">
+                    <a16:rowId xmlns:a16="http://schemas.microsoft.com/office/drawing/2014/main" val="1095066235"/>
+                  </a:ext>
+                </a:extLst>
+              </a:tr>
+              <a:tr h="239505">
+                <a:tc>
+                  <a:txBody>
+                    <a:bodyPr/>
+                    <a:lstStyle/>
+                    <a:p>
+                      <a:pPr algn="ctr"/>
+                      <a:r>
+                        <a:rPr lang="en-US" sz="1100" dirty="0"/>
+                        <a:t>[0 32]</a:t>
+                      </a:r>
+                    </a:p>
+                  </a:txBody>
+                  <a:tcPr marL="59055" marR="59055" marT="29528" marB="29528">
+                    <a:lnT w="19050" cap="flat" cmpd="sng" algn="ctr">
+                      <a:solidFill>
+                        <a:schemeClr val="tx1"/>
+                      </a:solidFill>
+                      <a:prstDash val="solid"/>
+                      <a:round/>
+                      <a:headEnd type="none" w="med" len="med"/>
+                      <a:tailEnd type="none" w="med" len="med"/>
+                    </a:lnT>
+                  </a:tcPr>
+                </a:tc>
+                <a:tc>
+                  <a:txBody>
+                    <a:bodyPr/>
+                    <a:lstStyle/>
+                    <a:p>
+                      <a:pPr algn="ctr"/>
+                      <a:r>
+                        <a:rPr lang="en-US" sz="1100" dirty="0"/>
+                        <a:t>0.079143</a:t>
+                      </a:r>
+                    </a:p>
+                  </a:txBody>
+                  <a:tcPr marL="59055" marR="59055" marT="29528" marB="29528">
+                    <a:lnT w="19050" cap="flat" cmpd="sng" algn="ctr">
+                      <a:solidFill>
+                        <a:schemeClr val="tx1"/>
+                      </a:solidFill>
+                      <a:prstDash val="solid"/>
+                      <a:round/>
+                      <a:headEnd type="none" w="med" len="med"/>
+                      <a:tailEnd type="none" w="med" len="med"/>
+                    </a:lnT>
+                  </a:tcPr>
+                </a:tc>
+                <a:tc>
+                  <a:txBody>
+                    <a:bodyPr/>
+                    <a:lstStyle/>
+                    <a:p>
+                      <a:pPr algn="ctr"/>
+                      <a:r>
+                        <a:rPr lang="en-US" sz="1100" dirty="0"/>
+                        <a:t>1.275000</a:t>
+                      </a:r>
+                    </a:p>
+                  </a:txBody>
+                  <a:tcPr marL="59055" marR="59055" marT="29528" marB="29528">
+                    <a:lnT w="19050" cap="flat" cmpd="sng" algn="ctr">
+                      <a:solidFill>
+                        <a:schemeClr val="tx1"/>
+                      </a:solidFill>
+                      <a:prstDash val="solid"/>
+                      <a:round/>
+                      <a:headEnd type="none" w="med" len="med"/>
+                      <a:tailEnd type="none" w="med" len="med"/>
+                    </a:lnT>
+                  </a:tcPr>
+                </a:tc>
+                <a:extLst>
+                  <a:ext uri="{0D108BD9-81ED-4DB2-BD59-A6C34878D82A}">
+                    <a16:rowId xmlns:a16="http://schemas.microsoft.com/office/drawing/2014/main" val="3272918162"/>
+                  </a:ext>
+                </a:extLst>
+              </a:tr>
+              <a:tr h="239505">
+                <a:tc>
+                  <a:txBody>
+                    <a:bodyPr/>
+                    <a:lstStyle/>
+                    <a:p>
+                      <a:pPr algn="ctr"/>
+                      <a:r>
+                        <a:rPr lang="en-US" sz="1100" dirty="0"/>
+                        <a:t>[32 64]</a:t>
+                      </a:r>
+                    </a:p>
+                  </a:txBody>
+                  <a:tcPr marL="59055" marR="59055" marT="29528" marB="29528"/>
+                </a:tc>
+                <a:tc>
+                  <a:txBody>
+                    <a:bodyPr/>
+                    <a:lstStyle/>
+                    <a:p>
+                      <a:pPr algn="ctr"/>
+                      <a:r>
+                        <a:rPr lang="en-US" sz="1100" dirty="0"/>
+                        <a:t>-0.186340</a:t>
+                      </a:r>
+                    </a:p>
+                  </a:txBody>
+                  <a:tcPr marL="59055" marR="59055" marT="29528" marB="29528"/>
+                </a:tc>
+                <a:tc>
+                  <a:txBody>
+                    <a:bodyPr/>
+                    <a:lstStyle/>
+                    <a:p>
+                      <a:pPr algn="ctr"/>
+                      <a:r>
+                        <a:rPr lang="en-US" sz="1100" dirty="0"/>
+                        <a:t>1.125000</a:t>
+                      </a:r>
+                    </a:p>
+                  </a:txBody>
+                  <a:tcPr marL="59055" marR="59055" marT="29528" marB="29528"/>
+                </a:tc>
+                <a:extLst>
+                  <a:ext uri="{0D108BD9-81ED-4DB2-BD59-A6C34878D82A}">
+                    <a16:rowId xmlns:a16="http://schemas.microsoft.com/office/drawing/2014/main" val="1422404920"/>
+                  </a:ext>
+                </a:extLst>
+              </a:tr>
+              <a:tr h="239505">
+                <a:tc>
+                  <a:txBody>
+                    <a:bodyPr/>
+                    <a:lstStyle/>
+                    <a:p>
+                      <a:pPr algn="ctr"/>
+                      <a:r>
+                        <a:rPr lang="en-US" sz="1100" dirty="0"/>
+                        <a:t>[64 96]</a:t>
+                      </a:r>
+                    </a:p>
+                  </a:txBody>
+                  <a:tcPr marL="59055" marR="59055" marT="29528" marB="29528"/>
+                </a:tc>
+                <a:tc>
+                  <a:txBody>
+                    <a:bodyPr/>
+                    <a:lstStyle/>
+                    <a:p>
+                      <a:pPr algn="ctr"/>
+                      <a:r>
+                        <a:rPr lang="en-US" sz="1100" dirty="0"/>
+                        <a:t>-0.327964</a:t>
+                      </a:r>
+                    </a:p>
+                  </a:txBody>
+                  <a:tcPr marL="59055" marR="59055" marT="29528" marB="29528"/>
+                </a:tc>
+                <a:tc>
+                  <a:txBody>
+                    <a:bodyPr/>
+                    <a:lstStyle/>
+                    <a:p>
+                      <a:pPr algn="ctr"/>
+                      <a:r>
+                        <a:rPr lang="en-US" sz="1100" dirty="0"/>
+                        <a:t>1.181250</a:t>
+                      </a:r>
+                    </a:p>
+                  </a:txBody>
+                  <a:tcPr marL="59055" marR="59055" marT="29528" marB="29528"/>
+                </a:tc>
+                <a:extLst>
+                  <a:ext uri="{0D108BD9-81ED-4DB2-BD59-A6C34878D82A}">
+                    <a16:rowId xmlns:a16="http://schemas.microsoft.com/office/drawing/2014/main" val="3864564686"/>
+                  </a:ext>
+                </a:extLst>
+              </a:tr>
+              <a:tr h="236223">
+                <a:tc>
+                  <a:txBody>
+                    <a:bodyPr/>
+                    <a:lstStyle/>
+                    <a:p>
+                      <a:pPr algn="ctr"/>
+                      <a:r>
+                        <a:rPr lang="en-US" sz="1100" dirty="0"/>
+                        <a:t>[96 160]</a:t>
+                      </a:r>
+                    </a:p>
+                  </a:txBody>
+                  <a:tcPr marL="59055" marR="59055" marT="29528" marB="29528"/>
+                </a:tc>
+                <a:tc>
+                  <a:txBody>
+                    <a:bodyPr/>
+                    <a:lstStyle/>
+                    <a:p>
+                      <a:pPr algn="ctr"/>
+                      <a:r>
+                        <a:rPr lang="en-US" sz="1100" dirty="0"/>
+                        <a:t>-0.460694</a:t>
+                      </a:r>
+                    </a:p>
+                  </a:txBody>
+                  <a:tcPr marL="59055" marR="59055" marT="29528" marB="29528"/>
+                </a:tc>
+                <a:tc>
+                  <a:txBody>
+                    <a:bodyPr/>
+                    <a:lstStyle/>
+                    <a:p>
+                      <a:pPr algn="ctr"/>
+                      <a:r>
+                        <a:rPr lang="en-US" sz="1100" dirty="0"/>
+                        <a:t>0.787500</a:t>
+                      </a:r>
+                    </a:p>
+                  </a:txBody>
+                  <a:tcPr marL="59055" marR="59055" marT="29528" marB="29528"/>
+                </a:tc>
+                <a:extLst>
+                  <a:ext uri="{0D108BD9-81ED-4DB2-BD59-A6C34878D82A}">
+                    <a16:rowId xmlns:a16="http://schemas.microsoft.com/office/drawing/2014/main" val="2252379402"/>
+                  </a:ext>
+                </a:extLst>
+              </a:tr>
+              <a:tr h="236223">
+                <a:tc>
+                  <a:txBody>
+                    <a:bodyPr/>
+                    <a:lstStyle/>
+                    <a:p>
+                      <a:pPr algn="ctr"/>
+                      <a:r>
+                        <a:rPr lang="en-US" sz="1100" dirty="0"/>
+                        <a:t>[160 224]</a:t>
+                      </a:r>
+                    </a:p>
+                  </a:txBody>
+                  <a:tcPr marL="59055" marR="59055" marT="29528" marB="29528"/>
+                </a:tc>
+                <a:tc>
+                  <a:txBody>
+                    <a:bodyPr/>
+                    <a:lstStyle/>
+                    <a:p>
+                      <a:pPr algn="ctr"/>
+                      <a:r>
+                        <a:rPr lang="en-US" sz="1100" dirty="0"/>
+                        <a:t>-0.124999</a:t>
+                      </a:r>
+                    </a:p>
+                  </a:txBody>
+                  <a:tcPr marL="59055" marR="59055" marT="29528" marB="29528"/>
+                </a:tc>
+                <a:tc>
+                  <a:txBody>
+                    <a:bodyPr/>
+                    <a:lstStyle/>
+                    <a:p>
+                      <a:pPr algn="ctr"/>
+                      <a:r>
+                        <a:rPr lang="en-US" sz="1100" dirty="0"/>
+                        <a:t>1.115625</a:t>
+                      </a:r>
+                    </a:p>
+                  </a:txBody>
+                  <a:tcPr marL="59055" marR="59055" marT="29528" marB="29528"/>
+                </a:tc>
+                <a:extLst>
+                  <a:ext uri="{0D108BD9-81ED-4DB2-BD59-A6C34878D82A}">
+                    <a16:rowId xmlns:a16="http://schemas.microsoft.com/office/drawing/2014/main" val="380564573"/>
+                  </a:ext>
+                </a:extLst>
+              </a:tr>
+              <a:tr h="236223">
+                <a:tc>
+                  <a:txBody>
+                    <a:bodyPr/>
+                    <a:lstStyle/>
+                    <a:p>
+                      <a:pPr algn="ctr"/>
+                      <a:r>
+                        <a:rPr lang="en-US" sz="1100" dirty="0"/>
+                        <a:t>[224 288]</a:t>
+                      </a:r>
+                    </a:p>
+                  </a:txBody>
+                  <a:tcPr marL="59055" marR="59055" marT="29528" marB="29528"/>
+                </a:tc>
+                <a:tc>
+                  <a:txBody>
+                    <a:bodyPr/>
+                    <a:lstStyle/>
+                    <a:p>
+                      <a:pPr algn="ctr"/>
+                      <a:r>
+                        <a:rPr lang="en-US" sz="1100" dirty="0"/>
+                        <a:t>-0.023510</a:t>
+                      </a:r>
+                    </a:p>
+                  </a:txBody>
+                  <a:tcPr marL="59055" marR="59055" marT="29528" marB="29528"/>
+                </a:tc>
+                <a:tc>
+                  <a:txBody>
+                    <a:bodyPr/>
+                    <a:lstStyle/>
+                    <a:p>
+                      <a:pPr algn="ctr"/>
+                      <a:r>
+                        <a:rPr lang="en-US" sz="1100" dirty="0"/>
+                        <a:t>0.956250</a:t>
+                      </a:r>
+                    </a:p>
+                  </a:txBody>
+                  <a:tcPr marL="59055" marR="59055" marT="29528" marB="29528"/>
+                </a:tc>
+                <a:extLst>
+                  <a:ext uri="{0D108BD9-81ED-4DB2-BD59-A6C34878D82A}">
+                    <a16:rowId xmlns:a16="http://schemas.microsoft.com/office/drawing/2014/main" val="983055996"/>
+                  </a:ext>
+                </a:extLst>
+              </a:tr>
+              <a:tr h="236223">
+                <a:tc>
+                  <a:txBody>
+                    <a:bodyPr/>
+                    <a:lstStyle/>
+                    <a:p>
+                      <a:pPr algn="ctr"/>
+                      <a:r>
+                        <a:rPr lang="en-US" sz="1100" dirty="0"/>
+                        <a:t>[288 352]</a:t>
+                      </a:r>
+                    </a:p>
+                  </a:txBody>
+                  <a:tcPr marL="59055" marR="59055" marT="29528" marB="29528"/>
+                </a:tc>
+                <a:tc>
+                  <a:txBody>
+                    <a:bodyPr/>
+                    <a:lstStyle/>
+                    <a:p>
+                      <a:pPr algn="ctr"/>
+                      <a:r>
+                        <a:rPr lang="en-US" sz="1100" dirty="0"/>
+                        <a:t>-0.242085</a:t>
+                      </a:r>
+                    </a:p>
+                  </a:txBody>
+                  <a:tcPr marL="59055" marR="59055" marT="29528" marB="29528"/>
+                </a:tc>
+                <a:tc>
+                  <a:txBody>
+                    <a:bodyPr/>
+                    <a:lstStyle/>
+                    <a:p>
+                      <a:pPr algn="ctr"/>
+                      <a:r>
+                        <a:rPr lang="en-US" sz="1100" dirty="0"/>
+                        <a:t>1.00312</a:t>
+                      </a:r>
+                    </a:p>
+                  </a:txBody>
+                  <a:tcPr marL="59055" marR="59055" marT="29528" marB="29528"/>
+                </a:tc>
+                <a:extLst>
+                  <a:ext uri="{0D108BD9-81ED-4DB2-BD59-A6C34878D82A}">
+                    <a16:rowId xmlns:a16="http://schemas.microsoft.com/office/drawing/2014/main" val="1062850244"/>
+                  </a:ext>
+                </a:extLst>
+              </a:tr>
+              <a:tr h="236223">
+                <a:tc>
+                  <a:txBody>
+                    <a:bodyPr/>
+                    <a:lstStyle/>
+                    <a:p>
+                      <a:pPr algn="ctr"/>
+                      <a:r>
+                        <a:rPr lang="en-US" sz="1100" dirty="0"/>
+                        <a:t>[352 384]</a:t>
+                      </a:r>
+                    </a:p>
+                  </a:txBody>
+                  <a:tcPr marL="59055" marR="59055" marT="29528" marB="29528"/>
+                </a:tc>
+                <a:tc>
+                  <a:txBody>
+                    <a:bodyPr/>
+                    <a:lstStyle/>
+                    <a:p>
+                      <a:pPr algn="ctr"/>
+                      <a:r>
+                        <a:rPr lang="en-US" sz="1100" dirty="0"/>
+                        <a:t>-0.031302</a:t>
+                      </a:r>
+                    </a:p>
+                  </a:txBody>
+                  <a:tcPr marL="59055" marR="59055" marT="29528" marB="29528"/>
+                </a:tc>
+                <a:tc>
+                  <a:txBody>
+                    <a:bodyPr/>
+                    <a:lstStyle/>
+                    <a:p>
+                      <a:pPr algn="ctr"/>
+                      <a:r>
+                        <a:rPr lang="en-US" sz="1100" dirty="0"/>
+                        <a:t>1.125000</a:t>
+                      </a:r>
+                    </a:p>
+                  </a:txBody>
+                  <a:tcPr marL="59055" marR="59055" marT="29528" marB="29528"/>
+                </a:tc>
+                <a:extLst>
+                  <a:ext uri="{0D108BD9-81ED-4DB2-BD59-A6C34878D82A}">
+                    <a16:rowId xmlns:a16="http://schemas.microsoft.com/office/drawing/2014/main" val="14556627"/>
+                  </a:ext>
+                </a:extLst>
+              </a:tr>
+              <a:tr h="236223">
+                <a:tc>
+                  <a:txBody>
+                    <a:bodyPr/>
+                    <a:lstStyle/>
+                    <a:p>
+                      <a:pPr algn="ctr"/>
+                      <a:r>
+                        <a:rPr lang="en-US" sz="1100" dirty="0"/>
+                        <a:t>[384 416]</a:t>
+                      </a:r>
+                    </a:p>
+                  </a:txBody>
+                  <a:tcPr marL="59055" marR="59055" marT="29528" marB="29528"/>
+                </a:tc>
+                <a:tc>
+                  <a:txBody>
+                    <a:bodyPr/>
+                    <a:lstStyle/>
+                    <a:p>
+                      <a:pPr algn="ctr"/>
+                      <a:r>
+                        <a:rPr lang="en-US" sz="1100" dirty="0"/>
+                        <a:t>-0.123860</a:t>
+                      </a:r>
+                    </a:p>
+                  </a:txBody>
+                  <a:tcPr marL="59055" marR="59055" marT="29528" marB="29528"/>
+                </a:tc>
+                <a:tc>
+                  <a:txBody>
+                    <a:bodyPr/>
+                    <a:lstStyle/>
+                    <a:p>
+                      <a:pPr algn="ctr"/>
+                      <a:r>
+                        <a:rPr lang="en-US" sz="1100" dirty="0"/>
+                        <a:t>1.050000</a:t>
+                      </a:r>
+                    </a:p>
+                  </a:txBody>
+                  <a:tcPr marL="59055" marR="59055" marT="29528" marB="29528"/>
+                </a:tc>
+                <a:extLst>
+                  <a:ext uri="{0D108BD9-81ED-4DB2-BD59-A6C34878D82A}">
+                    <a16:rowId xmlns:a16="http://schemas.microsoft.com/office/drawing/2014/main" val="3935711688"/>
+                  </a:ext>
+                </a:extLst>
+              </a:tr>
+              <a:tr h="236223">
+                <a:tc>
+                  <a:txBody>
+                    <a:bodyPr/>
+                    <a:lstStyle/>
+                    <a:p>
+                      <a:pPr algn="ctr"/>
+                      <a:r>
+                        <a:rPr lang="en-US" sz="1100"/>
+                        <a:t>[416 438]</a:t>
+                      </a:r>
+                      <a:endParaRPr lang="en-US" sz="1100" dirty="0"/>
+                    </a:p>
+                  </a:txBody>
+                  <a:tcPr marL="59055" marR="59055" marT="29528" marB="29528"/>
+                </a:tc>
+                <a:tc>
+                  <a:txBody>
+                    <a:bodyPr/>
+                    <a:lstStyle/>
+                    <a:p>
+                      <a:pPr algn="ctr"/>
+                      <a:r>
+                        <a:rPr lang="en-US" sz="1100" dirty="0"/>
+                        <a:t>0.046945</a:t>
+                      </a:r>
+                    </a:p>
+                  </a:txBody>
+                  <a:tcPr marL="59055" marR="59055" marT="29528" marB="29528"/>
+                </a:tc>
+                <a:tc>
+                  <a:txBody>
+                    <a:bodyPr/>
+                    <a:lstStyle/>
+                    <a:p>
+                      <a:pPr algn="ctr"/>
+                      <a:r>
+                        <a:rPr lang="en-US" sz="1100" dirty="0"/>
+                        <a:t>1.281818</a:t>
+                      </a:r>
+                    </a:p>
+                  </a:txBody>
+                  <a:tcPr marL="59055" marR="59055" marT="29528" marB="29528"/>
+                </a:tc>
+                <a:extLst>
+                  <a:ext uri="{0D108BD9-81ED-4DB2-BD59-A6C34878D82A}">
+                    <a16:rowId xmlns:a16="http://schemas.microsoft.com/office/drawing/2014/main" val="1386140295"/>
+                  </a:ext>
+                </a:extLst>
+              </a:tr>
+            </a:tbl>
+          </a:graphicData>
+        </a:graphic>
+      </p:graphicFrame>
+      <p:cxnSp>
+        <p:nvCxnSpPr>
+          <p:cNvPr id="52" name="Straight Arrow Connector 51">
+            <a:extLst>
+              <a:ext uri="{FF2B5EF4-FFF2-40B4-BE49-F238E27FC236}">
+                <a16:creationId xmlns:a16="http://schemas.microsoft.com/office/drawing/2014/main" id="{F605AFCC-1759-983E-5B28-6607AD3192A1}"/>
+              </a:ext>
+            </a:extLst>
+          </p:cNvPr>
+          <p:cNvCxnSpPr>
+            <a:cxnSpLocks/>
+          </p:cNvCxnSpPr>
+          <p:nvPr/>
+        </p:nvCxnSpPr>
+        <p:spPr>
+          <a:xfrm flipV="1">
+            <a:off x="10469819" y="3787131"/>
+            <a:ext cx="606227" cy="761833"/>
+          </a:xfrm>
+          <a:prstGeom prst="straightConnector1">
+            <a:avLst/>
+          </a:prstGeom>
+          <a:ln>
+            <a:solidFill>
+              <a:schemeClr val="tx1"/>
+            </a:solidFill>
+            <a:headEnd type="triangle"/>
+            <a:tailEnd type="triangle"/>
+          </a:ln>
+        </p:spPr>
+        <p:style>
+          <a:lnRef idx="1">
+            <a:schemeClr val="accent1"/>
+          </a:lnRef>
+          <a:fillRef idx="0">
+            <a:schemeClr val="accent1"/>
+          </a:fillRef>
+          <a:effectRef idx="0">
+            <a:schemeClr val="accent1"/>
+          </a:effectRef>
+          <a:fontRef idx="minor">
+            <a:schemeClr val="tx1"/>
+          </a:fontRef>
+        </p:style>
+      </p:cxnSp>
+    </p:spTree>
+    <p:extLst>
+      <p:ext uri="{BB962C8B-B14F-4D97-AF65-F5344CB8AC3E}">
+        <p14:creationId xmlns:p14="http://schemas.microsoft.com/office/powerpoint/2010/main" val="3928369765"/>
+      </p:ext>
+    </p:extLst>
+  </p:cSld>
+  <p:clrMapOvr>
+    <a:masterClrMapping/>
+  </p:clrMapOvr>
+  <p:timing>
+    <p:tnLst>
+      <p:par>
+        <p:cTn id="1" dur="indefinite" restart="never" nodeType="tmRoot">
+          <p:childTnLst>
+            <p:seq concurrent="1" nextAc="seek">
+              <p:cTn id="2" dur="indefinite" nodeType="mainSeq">
+                <p:childTnLst>
+                  <p:par>
+                    <p:cTn id="3" fill="hold">
+                      <p:stCondLst>
+                        <p:cond delay="indefinite"/>
+                      </p:stCondLst>
+                      <p:childTnLst>
+                        <p:par>
+                          <p:cTn id="4" fill="hold">
+                            <p:stCondLst>
+                              <p:cond delay="0"/>
+                            </p:stCondLst>
+                            <p:childTnLst>
+                              <p:par>
+                                <p:cTn id="5" presetID="1" presetClass="entr" presetSubtype="0" fill="hold" grpId="0" nodeType="clickEffect">
+                                  <p:stCondLst>
+                                    <p:cond delay="0"/>
+                                  </p:stCondLst>
+                                  <p:childTnLst>
+                                    <p:set>
+                                      <p:cBhvr>
+                                        <p:cTn id="6" dur="1" fill="hold">
+                                          <p:stCondLst>
+                                            <p:cond delay="0"/>
+                                          </p:stCondLst>
+                                        </p:cTn>
+                                        <p:tgtEl>
+                                          <p:spTgt spid="9"/>
+                                        </p:tgtEl>
+                                        <p:attrNameLst>
+                                          <p:attrName>style.visibility</p:attrName>
+                                        </p:attrNameLst>
+                                      </p:cBhvr>
+                                      <p:to>
+                                        <p:strVal val="visible"/>
+                                      </p:to>
+                                    </p:set>
+                                  </p:childTnLst>
+                                </p:cTn>
+                              </p:par>
+                              <p:par>
+                                <p:cTn id="7" presetID="1" presetClass="entr" presetSubtype="0" fill="hold" grpId="0" nodeType="withEffect">
+                                  <p:stCondLst>
+                                    <p:cond delay="0"/>
+                                  </p:stCondLst>
+                                  <p:childTnLst>
+                                    <p:set>
+                                      <p:cBhvr>
+                                        <p:cTn id="8" dur="1" fill="hold">
+                                          <p:stCondLst>
+                                            <p:cond delay="0"/>
+                                          </p:stCondLst>
+                                        </p:cTn>
+                                        <p:tgtEl>
+                                          <p:spTgt spid="10"/>
+                                        </p:tgtEl>
+                                        <p:attrNameLst>
+                                          <p:attrName>style.visibility</p:attrName>
+                                        </p:attrNameLst>
+                                      </p:cBhvr>
+                                      <p:to>
+                                        <p:strVal val="visible"/>
+                                      </p:to>
+                                    </p:set>
+                                  </p:childTnLst>
+                                </p:cTn>
+                              </p:par>
+                              <p:par>
+                                <p:cTn id="9" presetID="1" presetClass="entr" presetSubtype="0" fill="hold" nodeType="withEffect">
+                                  <p:stCondLst>
+                                    <p:cond delay="0"/>
+                                  </p:stCondLst>
+                                  <p:childTnLst>
+                                    <p:set>
+                                      <p:cBhvr>
+                                        <p:cTn id="10" dur="1" fill="hold">
+                                          <p:stCondLst>
+                                            <p:cond delay="0"/>
+                                          </p:stCondLst>
+                                        </p:cTn>
+                                        <p:tgtEl>
+                                          <p:spTgt spid="18"/>
+                                        </p:tgtEl>
+                                        <p:attrNameLst>
+                                          <p:attrName>style.visibility</p:attrName>
+                                        </p:attrNameLst>
+                                      </p:cBhvr>
+                                      <p:to>
+                                        <p:strVal val="visible"/>
+                                      </p:to>
+                                    </p:set>
+                                  </p:childTnLst>
+                                </p:cTn>
+                              </p:par>
+                            </p:childTnLst>
+                          </p:cTn>
+                        </p:par>
+                      </p:childTnLst>
+                    </p:cTn>
+                  </p:par>
+                </p:childTnLst>
+              </p:cTn>
+              <p:prevCondLst>
+                <p:cond evt="onPrev" delay="0">
+                  <p:tgtEl>
+                    <p:sldTgt/>
+                  </p:tgtEl>
+                </p:cond>
+              </p:prevCondLst>
+              <p:nextCondLst>
+                <p:cond evt="onNext" delay="0">
+                  <p:tgtEl>
+                    <p:sldTgt/>
+                  </p:tgtEl>
+                </p:cond>
+              </p:nextCondLst>
+            </p:seq>
+          </p:childTnLst>
+        </p:cTn>
+      </p:par>
+    </p:tnLst>
+    <p:bldLst>
+      <p:bldP spid="9" grpId="0" animBg="1"/>
+      <p:bldP spid="10" grpId="0" animBg="1"/>
+    </p:bldLst>
+  </p:timing>
+</p:sld>
+</file>
+
+<file path=ppt/slides/slide3.xml><?xml version="1.0" encoding="utf-8"?>
+<p:sld xmlns:a="http://schemas.openxmlformats.org/drawingml/2006/main" xmlns:r="http://schemas.openxmlformats.org/officeDocument/2006/relationships" xmlns:p="http://schemas.openxmlformats.org/presentationml/2006/main">
+  <p:cSld>
+    <p:spTree>
+      <p:nvGrpSpPr>
+        <p:cNvPr id="1" name=""/>
+        <p:cNvGrpSpPr/>
+        <p:nvPr/>
+      </p:nvGrpSpPr>
+      <p:grpSpPr>
+        <a:xfrm>
+          <a:off x="0" y="0"/>
+          <a:ext cx="0" cy="0"/>
+          <a:chOff x="0" y="0"/>
+          <a:chExt cx="0" cy="0"/>
+        </a:xfrm>
+      </p:grpSpPr>
+      <p:sp>
+        <p:nvSpPr>
+          <p:cNvPr id="2" name="Title 1">
+            <a:extLst>
+              <a:ext uri="{FF2B5EF4-FFF2-40B4-BE49-F238E27FC236}">
+                <a16:creationId xmlns:a16="http://schemas.microsoft.com/office/drawing/2014/main" id="{D74CEB7B-7CE3-EC2A-EBF4-5F85E8F25839}"/>
+              </a:ext>
+            </a:extLst>
+          </p:cNvPr>
+          <p:cNvSpPr>
+            <a:spLocks noGrp="1"/>
+          </p:cNvSpPr>
+          <p:nvPr>
+            <p:ph type="title"/>
+          </p:nvPr>
+        </p:nvSpPr>
+        <p:spPr/>
+        <p:txBody>
+          <a:bodyPr/>
+          <a:lstStyle/>
+          <a:p>
+            <a:r>
+              <a:rPr lang="en-US" dirty="0"/>
+              <a:t>Height comparisons (Proposed Figure)</a:t>
+            </a:r>
+          </a:p>
+        </p:txBody>
+      </p:sp>
+      <p:pic>
+        <p:nvPicPr>
+          <p:cNvPr id="2056" name="Picture 8">
+            <a:extLst>
+              <a:ext uri="{FF2B5EF4-FFF2-40B4-BE49-F238E27FC236}">
+                <a16:creationId xmlns:a16="http://schemas.microsoft.com/office/drawing/2014/main" id="{DFE38E97-80C4-0E61-1B53-B117401C5D79}"/>
+              </a:ext>
+            </a:extLst>
+          </p:cNvPr>
+          <p:cNvPicPr>
+            <a:picLocks noChangeAspect="1" noChangeArrowheads="1"/>
+          </p:cNvPicPr>
+          <p:nvPr/>
+        </p:nvPicPr>
+        <p:blipFill>
+          <a:blip r:embed="rId2">
+            <a:extLst>
+              <a:ext uri="{28A0092B-C50C-407E-A947-70E740481C1C}">
+                <a14:useLocalDpi xmlns:a14="http://schemas.microsoft.com/office/drawing/2010/main" val="0"/>
+              </a:ext>
+            </a:extLst>
+          </a:blip>
+          <a:srcRect/>
+          <a:stretch>
+            <a:fillRect/>
+          </a:stretch>
+        </p:blipFill>
+        <p:spPr bwMode="auto">
+          <a:xfrm>
+            <a:off x="223838" y="2038350"/>
+            <a:ext cx="6376987" cy="3950868"/>
+          </a:xfrm>
+          <a:prstGeom prst="rect">
+            <a:avLst/>
+          </a:prstGeom>
+          <a:noFill/>
+          <a:extLst>
+            <a:ext uri="{909E8E84-426E-40DD-AFC4-6F175D3DCCD1}">
+              <a14:hiddenFill xmlns:a14="http://schemas.microsoft.com/office/drawing/2010/main">
+                <a:solidFill>
+                  <a:srgbClr val="FFFFFF"/>
+                </a:solidFill>
+              </a14:hiddenFill>
+            </a:ext>
+          </a:extLst>
+        </p:spPr>
+      </p:pic>
+      <p:sp>
+        <p:nvSpPr>
+          <p:cNvPr id="3" name="TextBox 2">
+            <a:extLst>
+              <a:ext uri="{FF2B5EF4-FFF2-40B4-BE49-F238E27FC236}">
+                <a16:creationId xmlns:a16="http://schemas.microsoft.com/office/drawing/2014/main" id="{DB0AD268-8CA6-8C85-8768-CD1D850F5860}"/>
+              </a:ext>
+            </a:extLst>
+          </p:cNvPr>
+          <p:cNvSpPr txBox="1"/>
+          <p:nvPr/>
+        </p:nvSpPr>
+        <p:spPr>
+          <a:xfrm>
+            <a:off x="7105650" y="2038350"/>
+            <a:ext cx="4505325" cy="2139047"/>
+          </a:xfrm>
+          <a:prstGeom prst="rect">
+            <a:avLst/>
+          </a:prstGeom>
+          <a:noFill/>
+        </p:spPr>
+        <p:txBody>
+          <a:bodyPr wrap="square" rtlCol="0">
+            <a:spAutoFit/>
+          </a:bodyPr>
+          <a:lstStyle/>
+          <a:p>
+            <a:pPr>
+              <a:spcAft>
+                <a:spcPts val="600"/>
+              </a:spcAft>
+            </a:pPr>
+            <a:r>
+              <a:rPr lang="en-US" b="1" dirty="0"/>
+              <a:t>Notes:</a:t>
+            </a:r>
+          </a:p>
+          <a:p>
+            <a:pPr marL="285750" indent="-285750">
+              <a:spcAft>
+                <a:spcPts val="600"/>
+              </a:spcAft>
+              <a:buFont typeface="Arial" panose="020B0604020202020204" pitchFamily="34" charset="0"/>
+              <a:buChar char="•"/>
+            </a:pPr>
+            <a:r>
+              <a:rPr lang="en-US" dirty="0"/>
+              <a:t>NFM fitting still in progress</a:t>
+            </a:r>
+          </a:p>
+          <a:p>
+            <a:pPr marL="285750" indent="-285750">
+              <a:spcAft>
+                <a:spcPts val="600"/>
+              </a:spcAft>
+              <a:buFont typeface="Arial" panose="020B0604020202020204" pitchFamily="34" charset="0"/>
+              <a:buChar char="•"/>
+            </a:pPr>
+            <a:r>
+              <a:rPr lang="en-US" dirty="0"/>
+              <a:t>NFH is essentially finished;</a:t>
+            </a:r>
+          </a:p>
+          <a:p>
+            <a:pPr marL="742950" lvl="1" indent="-285750">
+              <a:spcAft>
+                <a:spcPts val="600"/>
+              </a:spcAft>
+              <a:buFont typeface="Arial" panose="020B0604020202020204" pitchFamily="34" charset="0"/>
+              <a:buChar char="•"/>
+            </a:pPr>
+            <a:r>
+              <a:rPr lang="en-US" dirty="0"/>
+              <a:t>Fine tuning for a closer fit</a:t>
+            </a:r>
+          </a:p>
+          <a:p>
+            <a:pPr marL="742950" lvl="1" indent="-285750">
+              <a:spcAft>
+                <a:spcPts val="600"/>
+              </a:spcAft>
+              <a:buFont typeface="Arial" panose="020B0604020202020204" pitchFamily="34" charset="0"/>
+              <a:buChar char="•"/>
+            </a:pPr>
+            <a:r>
+              <a:rPr lang="en-US" dirty="0"/>
+              <a:t>More points to smoothen out curve </a:t>
+            </a:r>
+          </a:p>
+          <a:p>
+            <a:pPr marL="285750" indent="-285750">
+              <a:spcAft>
+                <a:spcPts val="600"/>
+              </a:spcAft>
+              <a:buFont typeface="Arial" panose="020B0604020202020204" pitchFamily="34" charset="0"/>
+              <a:buChar char="•"/>
+            </a:pPr>
+            <a:r>
+              <a:rPr lang="en-US" dirty="0" err="1"/>
+              <a:t>pNFH</a:t>
+            </a:r>
+            <a:r>
+              <a:rPr lang="en-US" dirty="0"/>
+              <a:t> and NFH same b, v values used</a:t>
+            </a:r>
+          </a:p>
+        </p:txBody>
+      </p:sp>
+    </p:spTree>
+    <p:extLst>
+      <p:ext uri="{BB962C8B-B14F-4D97-AF65-F5344CB8AC3E}">
+        <p14:creationId xmlns:p14="http://schemas.microsoft.com/office/powerpoint/2010/main" val="805037728"/>
+      </p:ext>
+    </p:extLst>
+  </p:cSld>
+  <p:clrMapOvr>
+    <a:masterClrMapping/>
+  </p:clrMapOvr>
+</p:sld>
+</file>
+
+<file path=ppt/slides/slide4.xml><?xml version="1.0" encoding="utf-8"?>
+<p:sld xmlns:a="http://schemas.openxmlformats.org/drawingml/2006/main" xmlns:r="http://schemas.openxmlformats.org/officeDocument/2006/relationships" xmlns:p="http://schemas.openxmlformats.org/presentationml/2006/main">
+  <p:cSld>
+    <p:spTree>
+      <p:nvGrpSpPr>
+        <p:cNvPr id="1" name=""/>
+        <p:cNvGrpSpPr/>
+        <p:nvPr/>
+      </p:nvGrpSpPr>
+      <p:grpSpPr>
+        <a:xfrm>
+          <a:off x="0" y="0"/>
+          <a:ext cx="0" cy="0"/>
+          <a:chOff x="0" y="0"/>
+          <a:chExt cx="0" cy="0"/>
+        </a:xfrm>
+      </p:grpSpPr>
+      <p:sp>
+        <p:nvSpPr>
+          <p:cNvPr id="2" name="Title 1">
+            <a:extLst>
+              <a:ext uri="{FF2B5EF4-FFF2-40B4-BE49-F238E27FC236}">
+                <a16:creationId xmlns:a16="http://schemas.microsoft.com/office/drawing/2014/main" id="{45598F3A-08D7-E105-EB67-776C509BC9BB}"/>
+              </a:ext>
+            </a:extLst>
+          </p:cNvPr>
+          <p:cNvSpPr>
+            <a:spLocks noGrp="1"/>
+          </p:cNvSpPr>
+          <p:nvPr>
+            <p:ph type="title"/>
+          </p:nvPr>
+        </p:nvSpPr>
+        <p:spPr/>
+        <p:txBody>
+          <a:bodyPr/>
+          <a:lstStyle/>
+          <a:p>
+            <a:r>
+              <a:rPr lang="en-US" dirty="0"/>
+              <a:t>Next Steps</a:t>
+            </a:r>
+          </a:p>
+        </p:txBody>
+      </p:sp>
+      <p:sp>
+        <p:nvSpPr>
+          <p:cNvPr id="3" name="Content Placeholder 2">
+            <a:extLst>
+              <a:ext uri="{FF2B5EF4-FFF2-40B4-BE49-F238E27FC236}">
+                <a16:creationId xmlns:a16="http://schemas.microsoft.com/office/drawing/2014/main" id="{FC03A595-7715-E96F-DD86-DFEA1C7DDA78}"/>
+              </a:ext>
+            </a:extLst>
+          </p:cNvPr>
+          <p:cNvSpPr>
+            <a:spLocks noGrp="1"/>
+          </p:cNvSpPr>
+          <p:nvPr>
+            <p:ph idx="1"/>
+          </p:nvPr>
+        </p:nvSpPr>
+        <p:spPr/>
+        <p:txBody>
+          <a:bodyPr>
+            <a:normAutofit/>
+          </a:bodyPr>
+          <a:lstStyle/>
+          <a:p>
+            <a:pPr>
+              <a:lnSpc>
+                <a:spcPct val="150000"/>
+              </a:lnSpc>
+            </a:pPr>
+            <a:r>
+              <a:rPr lang="en-US" sz="2400" dirty="0"/>
+              <a:t>Fine tuning of parameters for best fit with height profiles of L-H brush</a:t>
+            </a:r>
+          </a:p>
+          <a:p>
+            <a:pPr>
+              <a:lnSpc>
+                <a:spcPct val="150000"/>
+              </a:lnSpc>
+            </a:pPr>
+            <a:r>
+              <a:rPr lang="en-US" sz="2400" dirty="0"/>
+              <a:t>Role of charge distribution of NFH at biological pH</a:t>
+            </a:r>
+          </a:p>
+          <a:p>
+            <a:pPr lvl="1">
+              <a:lnSpc>
+                <a:spcPct val="150000"/>
+              </a:lnSpc>
+            </a:pPr>
+            <a:r>
+              <a:rPr lang="en-US" dirty="0"/>
+              <a:t>Charge of heterogeneous negative block of NFH (blocks 2 &amp; 3)</a:t>
+            </a:r>
+            <a:endParaRPr lang="en-US" sz="2000" dirty="0"/>
+          </a:p>
+          <a:p>
+            <a:pPr>
+              <a:lnSpc>
+                <a:spcPct val="150000"/>
+              </a:lnSpc>
+            </a:pPr>
+            <a:r>
+              <a:rPr lang="en-US" sz="2400" dirty="0"/>
+              <a:t>L-H brushes after phosphorylation</a:t>
+            </a:r>
+          </a:p>
+          <a:p>
+            <a:pPr>
+              <a:lnSpc>
+                <a:spcPct val="150000"/>
+              </a:lnSpc>
+            </a:pPr>
+            <a:r>
+              <a:rPr lang="en-US" sz="2400" dirty="0"/>
+              <a:t>L-M brushes (once experiments are finished)</a:t>
+            </a:r>
+          </a:p>
+          <a:p>
+            <a:pPr>
+              <a:lnSpc>
+                <a:spcPct val="150000"/>
+              </a:lnSpc>
+            </a:pPr>
+            <a:endParaRPr lang="en-US" sz="2400" dirty="0"/>
+          </a:p>
+        </p:txBody>
+      </p:sp>
+    </p:spTree>
+    <p:extLst>
+      <p:ext uri="{BB962C8B-B14F-4D97-AF65-F5344CB8AC3E}">
+        <p14:creationId xmlns:p14="http://schemas.microsoft.com/office/powerpoint/2010/main" val="1578744647"/>
+      </p:ext>
+    </p:extLst>
+  </p:cSld>
+  <p:clrMapOvr>
+    <a:masterClrMapping/>
+  </p:clrMapOvr>
+  <p:timing>
+    <p:tnLst>
+      <p:par>
+        <p:cTn id="1" dur="indefinite" restart="never" nodeType="tmRoot">
+          <p:childTnLst>
+            <p:seq concurrent="1" nextAc="seek">
+              <p:cTn id="2" dur="indefinite" nodeType="mainSeq">
+                <p:childTnLst>
+                  <p:par>
+                    <p:cTn id="3" fill="hold">
+                      <p:stCondLst>
+                        <p:cond delay="indefinite"/>
+                      </p:stCondLst>
+                      <p:childTnLst>
+                        <p:par>
+                          <p:cTn id="4" fill="hold">
+                            <p:stCondLst>
+                              <p:cond delay="0"/>
+                            </p:stCondLst>
+                            <p:childTnLst>
+                              <p:par>
+                                <p:cTn id="5" presetID="1" presetClass="entr" presetSubtype="0" fill="hold" nodeType="clickEffect">
+                                  <p:stCondLst>
+                                    <p:cond delay="0"/>
+                                  </p:stCondLst>
+                                  <p:childTnLst>
+                                    <p:set>
+                                      <p:cBhvr>
+                                        <p:cTn id="6" dur="1" fill="hold">
+                                          <p:stCondLst>
+                                            <p:cond delay="0"/>
+                                          </p:stCondLst>
+                                        </p:cTn>
+                                        <p:tgtEl>
+                                          <p:spTgt spid="3">
+                                            <p:txEl>
+                                              <p:pRg st="1" end="1"/>
+                                            </p:txEl>
+                                          </p:spTgt>
+                                        </p:tgtEl>
+                                        <p:attrNameLst>
+                                          <p:attrName>style.visibility</p:attrName>
+                                        </p:attrNameLst>
+                                      </p:cBhvr>
+                                      <p:to>
+                                        <p:strVal val="visible"/>
+                                      </p:to>
+                                    </p:set>
+                                  </p:childTnLst>
+                                </p:cTn>
+                              </p:par>
+                              <p:par>
+                                <p:cTn id="7" presetID="1" presetClass="entr" presetSubtype="0" fill="hold" nodeType="withEffect">
+                                  <p:stCondLst>
+                                    <p:cond delay="0"/>
+                                  </p:stCondLst>
+                                  <p:childTnLst>
+                                    <p:set>
+                                      <p:cBhvr>
+                                        <p:cTn id="8" dur="1" fill="hold">
+                                          <p:stCondLst>
+                                            <p:cond delay="0"/>
+                                          </p:stCondLst>
+                                        </p:cTn>
+                                        <p:tgtEl>
+                                          <p:spTgt spid="3">
+                                            <p:txEl>
+                                              <p:pRg st="2" end="2"/>
+                                            </p:txEl>
+                                          </p:spTgt>
+                                        </p:tgtEl>
+                                        <p:attrNameLst>
+                                          <p:attrName>style.visibility</p:attrName>
+                                        </p:attrNameLst>
+                                      </p:cBhvr>
+                                      <p:to>
+                                        <p:strVal val="visible"/>
+                                      </p:to>
+                                    </p:set>
+                                  </p:childTnLst>
+                                </p:cTn>
+                              </p:par>
+                            </p:childTnLst>
+                          </p:cTn>
+                        </p:par>
+                      </p:childTnLst>
+                    </p:cTn>
+                  </p:par>
+                  <p:par>
+                    <p:cTn id="9" fill="hold">
+                      <p:stCondLst>
+                        <p:cond delay="indefinite"/>
+                      </p:stCondLst>
+                      <p:childTnLst>
+                        <p:par>
+                          <p:cTn id="10" fill="hold">
+                            <p:stCondLst>
+                              <p:cond delay="0"/>
+                            </p:stCondLst>
+                            <p:childTnLst>
+                              <p:par>
+                                <p:cTn id="11" presetID="1" presetClass="entr" presetSubtype="0" fill="hold" nodeType="clickEffect">
+                                  <p:stCondLst>
+                                    <p:cond delay="0"/>
+                                  </p:stCondLst>
+                                  <p:childTnLst>
+                                    <p:set>
+                                      <p:cBhvr>
+                                        <p:cTn id="12" dur="1" fill="hold">
+                                          <p:stCondLst>
+                                            <p:cond delay="0"/>
+                                          </p:stCondLst>
+                                        </p:cTn>
+                                        <p:tgtEl>
+                                          <p:spTgt spid="3">
+                                            <p:txEl>
+                                              <p:pRg st="3" end="3"/>
+                                            </p:txEl>
+                                          </p:spTgt>
+                                        </p:tgtEl>
+                                        <p:attrNameLst>
+                                          <p:attrName>style.visibility</p:attrName>
+                                        </p:attrNameLst>
+                                      </p:cBhvr>
+                                      <p:to>
+                                        <p:strVal val="visible"/>
+                                      </p:to>
+                                    </p:set>
+                                  </p:childTnLst>
+                                </p:cTn>
+                              </p:par>
+                            </p:childTnLst>
+                          </p:cTn>
+                        </p:par>
+                      </p:childTnLst>
+                    </p:cTn>
+                  </p:par>
+                  <p:par>
+                    <p:cTn id="13" fill="hold">
+                      <p:stCondLst>
+                        <p:cond delay="indefinite"/>
+                      </p:stCondLst>
+                      <p:childTnLst>
+                        <p:par>
+                          <p:cTn id="14" fill="hold">
+                            <p:stCondLst>
+                              <p:cond delay="0"/>
+                            </p:stCondLst>
+                            <p:childTnLst>
+                              <p:par>
+                                <p:cTn id="15" presetID="1" presetClass="entr" presetSubtype="0" fill="hold" nodeType="clickEffect">
+                                  <p:stCondLst>
+                                    <p:cond delay="0"/>
+                                  </p:stCondLst>
+                                  <p:childTnLst>
+                                    <p:set>
+                                      <p:cBhvr>
+                                        <p:cTn id="16" dur="1" fill="hold">
+                                          <p:stCondLst>
+                                            <p:cond delay="0"/>
+                                          </p:stCondLst>
+                                        </p:cTn>
+                                        <p:tgtEl>
+                                          <p:spTgt spid="3">
+                                            <p:txEl>
+                                              <p:pRg st="4" end="4"/>
+                                            </p:txEl>
+                                          </p:spTgt>
+                                        </p:tgtEl>
+                                        <p:attrNameLst>
+                                          <p:attrName>style.visibility</p:attrName>
+                                        </p:attrNameLst>
+                                      </p:cBhvr>
+                                      <p:to>
+                                        <p:strVal val="visible"/>
+                                      </p:to>
+                                    </p:set>
+                                  </p:childTnLst>
+                                </p:cTn>
+                              </p:par>
+                            </p:childTnLst>
+                          </p:cTn>
+                        </p:par>
+                      </p:childTnLst>
+                    </p:cTn>
+                  </p:par>
+                </p:childTnLst>
+              </p:cTn>
+              <p:prevCondLst>
+                <p:cond evt="onPrev" delay="0">
+                  <p:tgtEl>
+                    <p:sldTgt/>
+                  </p:tgtEl>
+                </p:cond>
+              </p:prevCondLst>
+              <p:nextCondLst>
+                <p:cond evt="onNext" delay="0">
+                  <p:tgtEl>
+                    <p:sldTgt/>
+                  </p:tgtEl>
+                </p:cond>
+              </p:nextCondLst>
+            </p:seq>
+          </p:childTnLst>
+        </p:cTn>
+      </p:par>
+    </p:tnLst>
+  </p:timing>
+</p:sld>
+</file>
+
+<file path=ppt/slides/slide5.xml><?xml version="1.0" encoding="utf-8"?>
 <p:sld xmlns:a="http://schemas.openxmlformats.org/drawingml/2006/main" xmlns:r="http://schemas.openxmlformats.org/officeDocument/2006/relationships" xmlns:p="http://schemas.openxmlformats.org/presentationml/2006/main">
   <p:cSld>
     <p:spTree>
@@ -3846,2649 +6586,7 @@
 </p:sld>
 </file>
 
-<file path=ppt/slides/slide2.xml><?xml version="1.0" encoding="utf-8"?>
-<p:sld xmlns:a="http://schemas.openxmlformats.org/drawingml/2006/main" xmlns:r="http://schemas.openxmlformats.org/officeDocument/2006/relationships" xmlns:p="http://schemas.openxmlformats.org/presentationml/2006/main">
-  <p:cSld>
-    <p:spTree>
-      <p:nvGrpSpPr>
-        <p:cNvPr id="1" name=""/>
-        <p:cNvGrpSpPr/>
-        <p:nvPr/>
-      </p:nvGrpSpPr>
-      <p:grpSpPr>
-        <a:xfrm>
-          <a:off x="0" y="0"/>
-          <a:ext cx="0" cy="0"/>
-          <a:chOff x="0" y="0"/>
-          <a:chExt cx="0" cy="0"/>
-        </a:xfrm>
-      </p:grpSpPr>
-      <p:sp>
-        <p:nvSpPr>
-          <p:cNvPr id="2" name="Title 1">
-            <a:extLst>
-              <a:ext uri="{FF2B5EF4-FFF2-40B4-BE49-F238E27FC236}">
-                <a16:creationId xmlns:a16="http://schemas.microsoft.com/office/drawing/2014/main" id="{B540A7A0-7383-576A-8D26-7FECAACECC24}"/>
-              </a:ext>
-            </a:extLst>
-          </p:cNvPr>
-          <p:cNvSpPr>
-            <a:spLocks noGrp="1"/>
-          </p:cNvSpPr>
-          <p:nvPr>
-            <p:ph type="title"/>
-          </p:nvPr>
-        </p:nvSpPr>
-        <p:spPr/>
-        <p:txBody>
-          <a:bodyPr/>
-          <a:lstStyle/>
-          <a:p>
-            <a:r>
-              <a:rPr lang="en-US" dirty="0"/>
-              <a:t>Model Overview</a:t>
-            </a:r>
-          </a:p>
-        </p:txBody>
-      </p:sp>
-      <p:sp>
-        <p:nvSpPr>
-          <p:cNvPr id="5" name="TextBox 4">
-            <a:extLst>
-              <a:ext uri="{FF2B5EF4-FFF2-40B4-BE49-F238E27FC236}">
-                <a16:creationId xmlns:a16="http://schemas.microsoft.com/office/drawing/2014/main" id="{85550AED-EED0-1BD6-0797-11F659B6C400}"/>
-              </a:ext>
-            </a:extLst>
-          </p:cNvPr>
-          <p:cNvSpPr txBox="1"/>
-          <p:nvPr/>
-        </p:nvSpPr>
-        <p:spPr>
-          <a:xfrm>
-            <a:off x="645457" y="1575885"/>
-            <a:ext cx="6768355" cy="1711366"/>
-          </a:xfrm>
-          <a:prstGeom prst="rect">
-            <a:avLst/>
-          </a:prstGeom>
-          <a:noFill/>
-        </p:spPr>
-        <p:txBody>
-          <a:bodyPr wrap="square" rtlCol="0">
-            <a:spAutoFit/>
-          </a:bodyPr>
-          <a:lstStyle/>
-          <a:p>
-            <a:pPr>
-              <a:lnSpc>
-                <a:spcPct val="150000"/>
-              </a:lnSpc>
-            </a:pPr>
-            <a:r>
-              <a:rPr lang="en-US" dirty="0"/>
-              <a:t>Interactions: </a:t>
-            </a:r>
-          </a:p>
-          <a:p>
-            <a:pPr marL="742950" lvl="1" indent="-285750">
-              <a:lnSpc>
-                <a:spcPct val="150000"/>
-              </a:lnSpc>
-              <a:buFont typeface="Arial" panose="020B0604020202020204" pitchFamily="34" charset="0"/>
-              <a:buChar char="•"/>
-            </a:pPr>
-            <a:r>
-              <a:rPr lang="en-US" dirty="0"/>
-              <a:t>Flory-Huggins (2-body) between solvent         and monomers</a:t>
-            </a:r>
-          </a:p>
-          <a:p>
-            <a:pPr marL="742950" lvl="1" indent="-285750">
-              <a:lnSpc>
-                <a:spcPct val="150000"/>
-              </a:lnSpc>
-              <a:buFont typeface="Arial" panose="020B0604020202020204" pitchFamily="34" charset="0"/>
-              <a:buChar char="•"/>
-            </a:pPr>
-            <a:r>
-              <a:rPr lang="en-US" dirty="0"/>
-              <a:t>Elasticity between monomers of the same chain</a:t>
-            </a:r>
-          </a:p>
-          <a:p>
-            <a:pPr marL="742950" lvl="1" indent="-285750">
-              <a:lnSpc>
-                <a:spcPct val="150000"/>
-              </a:lnSpc>
-              <a:buFont typeface="Arial" panose="020B0604020202020204" pitchFamily="34" charset="0"/>
-              <a:buChar char="•"/>
-            </a:pPr>
-            <a:r>
-              <a:rPr lang="en-US" dirty="0"/>
-              <a:t>Electrostatics between all (charged) monomers and ions</a:t>
-            </a:r>
-          </a:p>
-        </p:txBody>
-      </p:sp>
-      <p:grpSp>
-        <p:nvGrpSpPr>
-          <p:cNvPr id="9" name="Group 8">
-            <a:extLst>
-              <a:ext uri="{FF2B5EF4-FFF2-40B4-BE49-F238E27FC236}">
-                <a16:creationId xmlns:a16="http://schemas.microsoft.com/office/drawing/2014/main" id="{C63C5FEA-B76F-6AD9-B62E-6D6C541D9045}"/>
-              </a:ext>
-            </a:extLst>
-          </p:cNvPr>
-          <p:cNvGrpSpPr/>
-          <p:nvPr/>
-        </p:nvGrpSpPr>
-        <p:grpSpPr>
-          <a:xfrm>
-            <a:off x="8154484" y="628575"/>
-            <a:ext cx="3065073" cy="2658676"/>
-            <a:chOff x="8293210" y="1705821"/>
-            <a:chExt cx="3365390" cy="2919174"/>
-          </a:xfrm>
-        </p:grpSpPr>
-        <p:pic>
-          <p:nvPicPr>
-            <p:cNvPr id="4" name="Picture 3">
-              <a:extLst>
-                <a:ext uri="{FF2B5EF4-FFF2-40B4-BE49-F238E27FC236}">
-                  <a16:creationId xmlns:a16="http://schemas.microsoft.com/office/drawing/2014/main" id="{1B4EAF85-3D5C-D8F8-611D-8C4D4C7E6683}"/>
-                </a:ext>
-              </a:extLst>
-            </p:cNvPr>
-            <p:cNvPicPr>
-              <a:picLocks noChangeAspect="1"/>
-            </p:cNvPicPr>
-            <p:nvPr/>
-          </p:nvPicPr>
-          <p:blipFill>
-            <a:blip r:embed="rId2"/>
-            <a:stretch>
-              <a:fillRect/>
-            </a:stretch>
-          </p:blipFill>
-          <p:spPr>
-            <a:xfrm>
-              <a:off x="8293210" y="1705821"/>
-              <a:ext cx="3365390" cy="2490049"/>
-            </a:xfrm>
-            <a:prstGeom prst="rect">
-              <a:avLst/>
-            </a:prstGeom>
-          </p:spPr>
-        </p:pic>
-        <p:sp>
-          <p:nvSpPr>
-            <p:cNvPr id="6" name="TextBox 5">
-              <a:extLst>
-                <a:ext uri="{FF2B5EF4-FFF2-40B4-BE49-F238E27FC236}">
-                  <a16:creationId xmlns:a16="http://schemas.microsoft.com/office/drawing/2014/main" id="{D8BCF5E2-4A61-E723-3717-9F917C19E800}"/>
-                </a:ext>
-              </a:extLst>
-            </p:cNvPr>
-            <p:cNvSpPr txBox="1"/>
-            <p:nvPr/>
-          </p:nvSpPr>
-          <p:spPr>
-            <a:xfrm>
-              <a:off x="8293210" y="4219476"/>
-              <a:ext cx="3152908" cy="405519"/>
-            </a:xfrm>
-            <a:prstGeom prst="rect">
-              <a:avLst/>
-            </a:prstGeom>
-            <a:noFill/>
-          </p:spPr>
-          <p:txBody>
-            <a:bodyPr wrap="square" rtlCol="0">
-              <a:spAutoFit/>
-            </a:bodyPr>
-            <a:lstStyle/>
-            <a:p>
-              <a:pPr algn="ctr"/>
-              <a:r>
-                <a:rPr lang="en-US" dirty="0"/>
-                <a:t>Model protein brush</a:t>
-              </a:r>
-            </a:p>
-          </p:txBody>
-        </p:sp>
-      </p:grpSp>
-      <mc:AlternateContent xmlns:mc="http://schemas.openxmlformats.org/markup-compatibility/2006" xmlns:a14="http://schemas.microsoft.com/office/drawing/2010/main">
-        <mc:Choice Requires="a14">
-          <p:sp>
-            <p:nvSpPr>
-              <p:cNvPr id="7" name="TextBox 6">
-                <a:extLst>
-                  <a:ext uri="{FF2B5EF4-FFF2-40B4-BE49-F238E27FC236}">
-                    <a16:creationId xmlns:a16="http://schemas.microsoft.com/office/drawing/2014/main" id="{1358098F-BDBA-6089-34CE-B4C3A7CB151C}"/>
-                  </a:ext>
-                </a:extLst>
-              </p:cNvPr>
-              <p:cNvSpPr txBox="1"/>
-              <p:nvPr/>
-            </p:nvSpPr>
-            <p:spPr>
-              <a:xfrm>
-                <a:off x="645457" y="3523130"/>
-                <a:ext cx="6644640" cy="1710661"/>
-              </a:xfrm>
-              <a:prstGeom prst="rect">
-                <a:avLst/>
-              </a:prstGeom>
-              <a:noFill/>
-            </p:spPr>
-            <p:txBody>
-              <a:bodyPr wrap="none" rtlCol="0">
-                <a:spAutoFit/>
-              </a:bodyPr>
-              <a:lstStyle/>
-              <a:p>
-                <a:pPr>
-                  <a:lnSpc>
-                    <a:spcPct val="150000"/>
-                  </a:lnSpc>
-                </a:pPr>
-                <a:r>
-                  <a:rPr lang="en-US" dirty="0"/>
-                  <a:t>For brushes with multiple components (L-H, L-M):</a:t>
-                </a:r>
-              </a:p>
-              <a:p>
-                <a:pPr marL="742950" lvl="1" indent="-285750">
-                  <a:lnSpc>
-                    <a:spcPct val="150000"/>
-                  </a:lnSpc>
-                  <a:buFont typeface="Arial" panose="020B0604020202020204" pitchFamily="34" charset="0"/>
-                  <a:buChar char="•"/>
-                </a:pPr>
-                <a:r>
-                  <a:rPr lang="en-US" dirty="0"/>
-                  <a:t>Coarse-grained stiffness value (</a:t>
-                </a:r>
-                <a:r>
-                  <a:rPr lang="en-US" i="1" dirty="0"/>
-                  <a:t>b</a:t>
-                </a:r>
-                <a:r>
-                  <a:rPr lang="en-US" dirty="0"/>
-                  <a:t>) for each protein</a:t>
-                </a:r>
-              </a:p>
-              <a:p>
-                <a:pPr marL="742950" lvl="1" indent="-285750">
-                  <a:lnSpc>
-                    <a:spcPct val="150000"/>
-                  </a:lnSpc>
-                  <a:buFont typeface="Arial" panose="020B0604020202020204" pitchFamily="34" charset="0"/>
-                  <a:buChar char="•"/>
-                </a:pPr>
-                <a:r>
-                  <a:rPr lang="en-US" dirty="0"/>
-                  <a:t>Monomer volume (</a:t>
-                </a:r>
-                <a:r>
-                  <a:rPr lang="en-US" i="1" dirty="0"/>
-                  <a:t>v</a:t>
-                </a:r>
-                <a:r>
-                  <a:rPr lang="en-US" dirty="0"/>
-                  <a:t>) for each protein</a:t>
-                </a:r>
-              </a:p>
-              <a:p>
-                <a:pPr marL="742950" lvl="1" indent="-285750">
-                  <a:lnSpc>
-                    <a:spcPct val="150000"/>
-                  </a:lnSpc>
-                  <a:buFont typeface="Arial" panose="020B0604020202020204" pitchFamily="34" charset="0"/>
-                  <a:buChar char="•"/>
-                </a:pPr>
-                <a:r>
-                  <a:rPr lang="en-US" dirty="0"/>
-                  <a:t>Same F-H </a:t>
-                </a:r>
-                <a14:m>
-                  <m:oMath xmlns:m="http://schemas.openxmlformats.org/officeDocument/2006/math">
-                    <m:r>
-                      <a:rPr lang="en-US" b="0" i="1" smtClean="0">
-                        <a:latin typeface="Cambria Math" panose="02040503050406030204" pitchFamily="18" charset="0"/>
-                      </a:rPr>
-                      <m:t>𝜒</m:t>
-                    </m:r>
-                  </m:oMath>
-                </a14:m>
-                <a:r>
-                  <a:rPr lang="en-US" dirty="0"/>
-                  <a:t> (hydrophobicity) parameters for each amino acid</a:t>
-                </a:r>
-              </a:p>
-            </p:txBody>
-          </p:sp>
-        </mc:Choice>
-        <mc:Fallback xmlns="">
-          <p:sp>
-            <p:nvSpPr>
-              <p:cNvPr id="7" name="TextBox 6">
-                <a:extLst>
-                  <a:ext uri="{FF2B5EF4-FFF2-40B4-BE49-F238E27FC236}">
-                    <a16:creationId xmlns:a16="http://schemas.microsoft.com/office/drawing/2014/main" id="{1358098F-BDBA-6089-34CE-B4C3A7CB151C}"/>
-                  </a:ext>
-                </a:extLst>
-              </p:cNvPr>
-              <p:cNvSpPr txBox="1">
-                <a:spLocks noRot="1" noChangeAspect="1" noMove="1" noResize="1" noEditPoints="1" noAdjustHandles="1" noChangeArrowheads="1" noChangeShapeType="1" noTextEdit="1"/>
-              </p:cNvSpPr>
-              <p:nvPr/>
-            </p:nvSpPr>
-            <p:spPr>
-              <a:xfrm>
-                <a:off x="645457" y="3523130"/>
-                <a:ext cx="6644640" cy="1710661"/>
-              </a:xfrm>
-              <a:prstGeom prst="rect">
-                <a:avLst/>
-              </a:prstGeom>
-              <a:blipFill>
-                <a:blip r:embed="rId3"/>
-                <a:stretch>
-                  <a:fillRect l="-826" b="-4626"/>
-                </a:stretch>
-              </a:blipFill>
-            </p:spPr>
-            <p:txBody>
-              <a:bodyPr/>
-              <a:lstStyle/>
-              <a:p>
-                <a:r>
-                  <a:rPr lang="en-US">
-                    <a:noFill/>
-                  </a:rPr>
-                  <a:t> </a:t>
-                </a:r>
-              </a:p>
-            </p:txBody>
-          </p:sp>
-        </mc:Fallback>
-      </mc:AlternateContent>
-      <p:grpSp>
-        <p:nvGrpSpPr>
-          <p:cNvPr id="15" name="Group 14">
-            <a:extLst>
-              <a:ext uri="{FF2B5EF4-FFF2-40B4-BE49-F238E27FC236}">
-                <a16:creationId xmlns:a16="http://schemas.microsoft.com/office/drawing/2014/main" id="{4D475ED0-471C-BCC3-37DF-C356D8A99EEF}"/>
-              </a:ext>
-            </a:extLst>
-          </p:cNvPr>
-          <p:cNvGrpSpPr/>
-          <p:nvPr/>
-        </p:nvGrpSpPr>
-        <p:grpSpPr>
-          <a:xfrm>
-            <a:off x="8206318" y="3702578"/>
-            <a:ext cx="3086341" cy="2339634"/>
-            <a:chOff x="8365959" y="4050067"/>
-            <a:chExt cx="2871552" cy="2176811"/>
-          </a:xfrm>
-        </p:grpSpPr>
-        <p:pic>
-          <p:nvPicPr>
-            <p:cNvPr id="13" name="Picture 12" descr="A picture containing text&#10;&#10;Description automatically generated">
-              <a:extLst>
-                <a:ext uri="{FF2B5EF4-FFF2-40B4-BE49-F238E27FC236}">
-                  <a16:creationId xmlns:a16="http://schemas.microsoft.com/office/drawing/2014/main" id="{F97D010D-4B10-B156-1324-69FAA8D4A4BD}"/>
-                </a:ext>
-              </a:extLst>
-            </p:cNvPr>
-            <p:cNvPicPr>
-              <a:picLocks noChangeAspect="1"/>
-            </p:cNvPicPr>
-            <p:nvPr/>
-          </p:nvPicPr>
-          <p:blipFill>
-            <a:blip r:embed="rId4">
-              <a:extLst>
-                <a:ext uri="{28A0092B-C50C-407E-A947-70E740481C1C}">
-                  <a14:useLocalDpi xmlns:a14="http://schemas.microsoft.com/office/drawing/2010/main" val="0"/>
-                </a:ext>
-              </a:extLst>
-            </a:blip>
-            <a:stretch>
-              <a:fillRect/>
-            </a:stretch>
-          </p:blipFill>
-          <p:spPr>
-            <a:xfrm>
-              <a:off x="8449858" y="4050067"/>
-              <a:ext cx="2779720" cy="1746450"/>
-            </a:xfrm>
-            <a:prstGeom prst="rect">
-              <a:avLst/>
-            </a:prstGeom>
-          </p:spPr>
-        </p:pic>
-        <p:sp>
-          <p:nvSpPr>
-            <p:cNvPr id="14" name="TextBox 13">
-              <a:extLst>
-                <a:ext uri="{FF2B5EF4-FFF2-40B4-BE49-F238E27FC236}">
-                  <a16:creationId xmlns:a16="http://schemas.microsoft.com/office/drawing/2014/main" id="{43F5229B-964F-0CE0-3451-90684BD54562}"/>
-                </a:ext>
-              </a:extLst>
-            </p:cNvPr>
-            <p:cNvSpPr txBox="1"/>
-            <p:nvPr/>
-          </p:nvSpPr>
-          <p:spPr>
-            <a:xfrm>
-              <a:off x="8365959" y="5857546"/>
-              <a:ext cx="2871552" cy="369332"/>
-            </a:xfrm>
-            <a:prstGeom prst="rect">
-              <a:avLst/>
-            </a:prstGeom>
-            <a:noFill/>
-          </p:spPr>
-          <p:txBody>
-            <a:bodyPr wrap="square" rtlCol="0">
-              <a:spAutoFit/>
-            </a:bodyPr>
-            <a:lstStyle/>
-            <a:p>
-              <a:pPr algn="ctr"/>
-              <a:r>
-                <a:rPr lang="en-US" dirty="0"/>
-                <a:t>Binary protein brush</a:t>
-              </a:r>
-            </a:p>
-          </p:txBody>
-        </p:sp>
-      </p:grpSp>
-      <p:grpSp>
-        <p:nvGrpSpPr>
-          <p:cNvPr id="26" name="Group 25">
-            <a:extLst>
-              <a:ext uri="{FF2B5EF4-FFF2-40B4-BE49-F238E27FC236}">
-                <a16:creationId xmlns:a16="http://schemas.microsoft.com/office/drawing/2014/main" id="{47379787-134D-3626-D279-0CAD99170D4E}"/>
-              </a:ext>
-            </a:extLst>
-          </p:cNvPr>
-          <p:cNvGrpSpPr/>
-          <p:nvPr/>
-        </p:nvGrpSpPr>
-        <p:grpSpPr>
-          <a:xfrm>
-            <a:off x="5147129" y="2062236"/>
-            <a:ext cx="542487" cy="369332"/>
-            <a:chOff x="6580918" y="4309942"/>
-            <a:chExt cx="542487" cy="369332"/>
-          </a:xfrm>
-        </p:grpSpPr>
-        <p:pic>
-          <p:nvPicPr>
-            <p:cNvPr id="23" name="Graphic 22">
-              <a:extLst>
-                <a:ext uri="{FF2B5EF4-FFF2-40B4-BE49-F238E27FC236}">
-                  <a16:creationId xmlns:a16="http://schemas.microsoft.com/office/drawing/2014/main" id="{9F8C0EEB-AFBF-F5F2-448F-115B4F0245D8}"/>
-                </a:ext>
-              </a:extLst>
-            </p:cNvPr>
-            <p:cNvPicPr>
-              <a:picLocks noChangeAspect="1"/>
-            </p:cNvPicPr>
-            <p:nvPr/>
-          </p:nvPicPr>
-          <p:blipFill>
-            <a:blip r:embed="rId5">
-              <a:extLst>
-                <a:ext uri="{96DAC541-7B7A-43D3-8B79-37D633B846F1}">
-                  <asvg:svgBlip xmlns:asvg="http://schemas.microsoft.com/office/drawing/2016/SVG/main" r:embed="rId6"/>
-                </a:ext>
-              </a:extLst>
-            </a:blip>
-            <a:stretch>
-              <a:fillRect/>
-            </a:stretch>
-          </p:blipFill>
-          <p:spPr>
-            <a:xfrm>
-              <a:off x="6765301" y="4421810"/>
-              <a:ext cx="171450" cy="171450"/>
-            </a:xfrm>
-            <a:prstGeom prst="rect">
-              <a:avLst/>
-            </a:prstGeom>
-          </p:spPr>
-        </p:pic>
-        <p:sp>
-          <p:nvSpPr>
-            <p:cNvPr id="24" name="TextBox 23">
-              <a:extLst>
-                <a:ext uri="{FF2B5EF4-FFF2-40B4-BE49-F238E27FC236}">
-                  <a16:creationId xmlns:a16="http://schemas.microsoft.com/office/drawing/2014/main" id="{991FB3BA-BAF9-26C7-D1ED-C7CDE9A7A1E5}"/>
-                </a:ext>
-              </a:extLst>
-            </p:cNvPr>
-            <p:cNvSpPr txBox="1"/>
-            <p:nvPr/>
-          </p:nvSpPr>
-          <p:spPr>
-            <a:xfrm>
-              <a:off x="6580918" y="4309942"/>
-              <a:ext cx="255198" cy="369332"/>
-            </a:xfrm>
-            <a:prstGeom prst="rect">
-              <a:avLst/>
-            </a:prstGeom>
-            <a:noFill/>
-          </p:spPr>
-          <p:txBody>
-            <a:bodyPr wrap="none" rtlCol="0">
-              <a:spAutoFit/>
-            </a:bodyPr>
-            <a:lstStyle/>
-            <a:p>
-              <a:r>
-                <a:rPr lang="en-US" dirty="0"/>
-                <a:t>(</a:t>
-              </a:r>
-            </a:p>
-          </p:txBody>
-        </p:sp>
-        <p:sp>
-          <p:nvSpPr>
-            <p:cNvPr id="25" name="TextBox 24">
-              <a:extLst>
-                <a:ext uri="{FF2B5EF4-FFF2-40B4-BE49-F238E27FC236}">
-                  <a16:creationId xmlns:a16="http://schemas.microsoft.com/office/drawing/2014/main" id="{0678B46A-1A45-516C-C466-B80AB8A51B3A}"/>
-                </a:ext>
-              </a:extLst>
-            </p:cNvPr>
-            <p:cNvSpPr txBox="1"/>
-            <p:nvPr/>
-          </p:nvSpPr>
-          <p:spPr>
-            <a:xfrm>
-              <a:off x="6868207" y="4309942"/>
-              <a:ext cx="255198" cy="369332"/>
-            </a:xfrm>
-            <a:prstGeom prst="rect">
-              <a:avLst/>
-            </a:prstGeom>
-            <a:noFill/>
-          </p:spPr>
-          <p:txBody>
-            <a:bodyPr wrap="none" rtlCol="0">
-              <a:spAutoFit/>
-            </a:bodyPr>
-            <a:lstStyle/>
-            <a:p>
-              <a:r>
-                <a:rPr lang="en-US" dirty="0"/>
-                <a:t>)</a:t>
-              </a:r>
-            </a:p>
-          </p:txBody>
-        </p:sp>
-      </p:grpSp>
-      <p:grpSp>
-        <p:nvGrpSpPr>
-          <p:cNvPr id="29" name="Group 28">
-            <a:extLst>
-              <a:ext uri="{FF2B5EF4-FFF2-40B4-BE49-F238E27FC236}">
-                <a16:creationId xmlns:a16="http://schemas.microsoft.com/office/drawing/2014/main" id="{B4DDF6A1-8D49-115E-13FC-2315AFAECB88}"/>
-              </a:ext>
-            </a:extLst>
-          </p:cNvPr>
-          <p:cNvGrpSpPr/>
-          <p:nvPr/>
-        </p:nvGrpSpPr>
-        <p:grpSpPr>
-          <a:xfrm>
-            <a:off x="6672905" y="2897768"/>
-            <a:ext cx="847209" cy="373776"/>
-            <a:chOff x="6191460" y="3588836"/>
-            <a:chExt cx="847209" cy="373776"/>
-          </a:xfrm>
-        </p:grpSpPr>
-        <p:pic>
-          <p:nvPicPr>
-            <p:cNvPr id="19" name="Graphic 18">
-              <a:extLst>
-                <a:ext uri="{FF2B5EF4-FFF2-40B4-BE49-F238E27FC236}">
-                  <a16:creationId xmlns:a16="http://schemas.microsoft.com/office/drawing/2014/main" id="{3A9D9E96-D54B-4F41-A0DC-CEAD861354D2}"/>
-                </a:ext>
-              </a:extLst>
-            </p:cNvPr>
-            <p:cNvPicPr>
-              <a:picLocks noChangeAspect="1"/>
-            </p:cNvPicPr>
-            <p:nvPr/>
-          </p:nvPicPr>
-          <p:blipFill>
-            <a:blip r:embed="rId7">
-              <a:extLst>
-                <a:ext uri="{96DAC541-7B7A-43D3-8B79-37D633B846F1}">
-                  <asvg:svgBlip xmlns:asvg="http://schemas.microsoft.com/office/drawing/2016/SVG/main" r:embed="rId8"/>
-                </a:ext>
-              </a:extLst>
-            </a:blip>
-            <a:stretch>
-              <a:fillRect/>
-            </a:stretch>
-          </p:blipFill>
-          <p:spPr>
-            <a:xfrm>
-              <a:off x="6364010" y="3681189"/>
-              <a:ext cx="200025" cy="200025"/>
-            </a:xfrm>
-            <a:prstGeom prst="rect">
-              <a:avLst/>
-            </a:prstGeom>
-          </p:spPr>
-        </p:pic>
-        <p:pic>
-          <p:nvPicPr>
-            <p:cNvPr id="21" name="Graphic 20">
-              <a:extLst>
-                <a:ext uri="{FF2B5EF4-FFF2-40B4-BE49-F238E27FC236}">
-                  <a16:creationId xmlns:a16="http://schemas.microsoft.com/office/drawing/2014/main" id="{71FFCEFF-7562-F214-F6DD-4BB146A675E4}"/>
-                </a:ext>
-              </a:extLst>
-            </p:cNvPr>
-            <p:cNvPicPr>
-              <a:picLocks noChangeAspect="1"/>
-            </p:cNvPicPr>
-            <p:nvPr/>
-          </p:nvPicPr>
-          <p:blipFill>
-            <a:blip r:embed="rId9">
-              <a:extLst>
-                <a:ext uri="{96DAC541-7B7A-43D3-8B79-37D633B846F1}">
-                  <asvg:svgBlip xmlns:asvg="http://schemas.microsoft.com/office/drawing/2016/SVG/main" r:embed="rId10"/>
-                </a:ext>
-              </a:extLst>
-            </a:blip>
-            <a:stretch>
-              <a:fillRect/>
-            </a:stretch>
-          </p:blipFill>
-          <p:spPr>
-            <a:xfrm>
-              <a:off x="6643858" y="3681189"/>
-              <a:ext cx="200025" cy="200025"/>
-            </a:xfrm>
-            <a:prstGeom prst="rect">
-              <a:avLst/>
-            </a:prstGeom>
-          </p:spPr>
-        </p:pic>
-        <p:sp>
-          <p:nvSpPr>
-            <p:cNvPr id="27" name="TextBox 26">
-              <a:extLst>
-                <a:ext uri="{FF2B5EF4-FFF2-40B4-BE49-F238E27FC236}">
-                  <a16:creationId xmlns:a16="http://schemas.microsoft.com/office/drawing/2014/main" id="{67B7A793-F71A-C8FC-D6B7-F924FEAB0D61}"/>
-                </a:ext>
-              </a:extLst>
-            </p:cNvPr>
-            <p:cNvSpPr txBox="1"/>
-            <p:nvPr/>
-          </p:nvSpPr>
-          <p:spPr>
-            <a:xfrm>
-              <a:off x="6191460" y="3588836"/>
-              <a:ext cx="255198" cy="369332"/>
-            </a:xfrm>
-            <a:prstGeom prst="rect">
-              <a:avLst/>
-            </a:prstGeom>
-            <a:noFill/>
-          </p:spPr>
-          <p:txBody>
-            <a:bodyPr wrap="none" rtlCol="0">
-              <a:spAutoFit/>
-            </a:bodyPr>
-            <a:lstStyle/>
-            <a:p>
-              <a:r>
-                <a:rPr lang="en-US" dirty="0"/>
-                <a:t>(</a:t>
-              </a:r>
-            </a:p>
-          </p:txBody>
-        </p:sp>
-        <p:sp>
-          <p:nvSpPr>
-            <p:cNvPr id="28" name="TextBox 27">
-              <a:extLst>
-                <a:ext uri="{FF2B5EF4-FFF2-40B4-BE49-F238E27FC236}">
-                  <a16:creationId xmlns:a16="http://schemas.microsoft.com/office/drawing/2014/main" id="{0322519B-C18F-947D-D4E8-27CF23F9AFA7}"/>
-                </a:ext>
-              </a:extLst>
-            </p:cNvPr>
-            <p:cNvSpPr txBox="1"/>
-            <p:nvPr/>
-          </p:nvSpPr>
-          <p:spPr>
-            <a:xfrm>
-              <a:off x="6783471" y="3593280"/>
-              <a:ext cx="255198" cy="369332"/>
-            </a:xfrm>
-            <a:prstGeom prst="rect">
-              <a:avLst/>
-            </a:prstGeom>
-            <a:noFill/>
-          </p:spPr>
-          <p:txBody>
-            <a:bodyPr wrap="none" rtlCol="0">
-              <a:spAutoFit/>
-            </a:bodyPr>
-            <a:lstStyle/>
-            <a:p>
-              <a:r>
-                <a:rPr lang="en-US" dirty="0"/>
-                <a:t>)</a:t>
-              </a:r>
-            </a:p>
-          </p:txBody>
-        </p:sp>
-      </p:grpSp>
-      <p:grpSp>
-        <p:nvGrpSpPr>
-          <p:cNvPr id="39" name="Group 38">
-            <a:extLst>
-              <a:ext uri="{FF2B5EF4-FFF2-40B4-BE49-F238E27FC236}">
-                <a16:creationId xmlns:a16="http://schemas.microsoft.com/office/drawing/2014/main" id="{ADB20DCC-FCF9-E06E-1711-0E882217AEE0}"/>
-              </a:ext>
-            </a:extLst>
-          </p:cNvPr>
-          <p:cNvGrpSpPr/>
-          <p:nvPr/>
-        </p:nvGrpSpPr>
-        <p:grpSpPr>
-          <a:xfrm>
-            <a:off x="7981950" y="6140704"/>
-            <a:ext cx="3839660" cy="490228"/>
-            <a:chOff x="7542715" y="6141147"/>
-            <a:chExt cx="3839660" cy="490228"/>
-          </a:xfrm>
-        </p:grpSpPr>
-        <p:pic>
-          <p:nvPicPr>
-            <p:cNvPr id="33" name="Graphic 32">
-              <a:extLst>
-                <a:ext uri="{FF2B5EF4-FFF2-40B4-BE49-F238E27FC236}">
-                  <a16:creationId xmlns:a16="http://schemas.microsoft.com/office/drawing/2014/main" id="{F0E6FD63-6094-E203-52AF-695D410F36EA}"/>
-                </a:ext>
-              </a:extLst>
-            </p:cNvPr>
-            <p:cNvPicPr>
-              <a:picLocks noChangeAspect="1"/>
-            </p:cNvPicPr>
-            <p:nvPr/>
-          </p:nvPicPr>
-          <p:blipFill>
-            <a:blip r:embed="rId11">
-              <a:extLst>
-                <a:ext uri="{96DAC541-7B7A-43D3-8B79-37D633B846F1}">
-                  <asvg:svgBlip xmlns:asvg="http://schemas.microsoft.com/office/drawing/2016/SVG/main" r:embed="rId12"/>
-                </a:ext>
-              </a:extLst>
-            </a:blip>
-            <a:stretch>
-              <a:fillRect/>
-            </a:stretch>
-          </p:blipFill>
-          <p:spPr>
-            <a:xfrm>
-              <a:off x="9084504" y="6144843"/>
-              <a:ext cx="703509" cy="484943"/>
-            </a:xfrm>
-            <a:prstGeom prst="rect">
-              <a:avLst/>
-            </a:prstGeom>
-          </p:spPr>
-        </p:pic>
-        <p:pic>
-          <p:nvPicPr>
-            <p:cNvPr id="35" name="Graphic 34">
-              <a:extLst>
-                <a:ext uri="{FF2B5EF4-FFF2-40B4-BE49-F238E27FC236}">
-                  <a16:creationId xmlns:a16="http://schemas.microsoft.com/office/drawing/2014/main" id="{921284F8-1A1B-CF72-5679-50BEE00C7445}"/>
-                </a:ext>
-              </a:extLst>
-            </p:cNvPr>
-            <p:cNvPicPr>
-              <a:picLocks noChangeAspect="1"/>
-            </p:cNvPicPr>
-            <p:nvPr/>
-          </p:nvPicPr>
-          <p:blipFill>
-            <a:blip r:embed="rId13">
-              <a:extLst>
-                <a:ext uri="{96DAC541-7B7A-43D3-8B79-37D633B846F1}">
-                  <asvg:svgBlip xmlns:asvg="http://schemas.microsoft.com/office/drawing/2016/SVG/main" r:embed="rId14"/>
-                </a:ext>
-              </a:extLst>
-            </a:blip>
-            <a:stretch>
-              <a:fillRect/>
-            </a:stretch>
-          </p:blipFill>
-          <p:spPr>
-            <a:xfrm>
-              <a:off x="10420884" y="6141147"/>
-              <a:ext cx="599980" cy="490228"/>
-            </a:xfrm>
-            <a:prstGeom prst="rect">
-              <a:avLst/>
-            </a:prstGeom>
-          </p:spPr>
-        </p:pic>
-        <mc:AlternateContent xmlns:mc="http://schemas.openxmlformats.org/markup-compatibility/2006" xmlns:a14="http://schemas.microsoft.com/office/drawing/2010/main">
-          <mc:Choice Requires="a14">
-            <p:sp>
-              <p:nvSpPr>
-                <p:cNvPr id="36" name="TextBox 35">
-                  <a:extLst>
-                    <a:ext uri="{FF2B5EF4-FFF2-40B4-BE49-F238E27FC236}">
-                      <a16:creationId xmlns:a16="http://schemas.microsoft.com/office/drawing/2014/main" id="{E25AA8E9-1E4A-0618-AEBE-D2211053F808}"/>
-                    </a:ext>
-                  </a:extLst>
-                </p:cNvPr>
-                <p:cNvSpPr txBox="1"/>
-                <p:nvPr/>
-              </p:nvSpPr>
-              <p:spPr>
-                <a:xfrm>
-                  <a:off x="7542715" y="6203285"/>
-                  <a:ext cx="3839660" cy="369332"/>
-                </a:xfrm>
-                <a:prstGeom prst="rect">
-                  <a:avLst/>
-                </a:prstGeom>
-                <a:noFill/>
-              </p:spPr>
-              <p:txBody>
-                <a:bodyPr wrap="square" rtlCol="0">
-                  <a:spAutoFit/>
-                </a:bodyPr>
-                <a:lstStyle/>
-                <a:p>
-                  <a:pPr algn="ctr"/>
-                  <a14:m>
-                    <m:oMath xmlns:m="http://schemas.openxmlformats.org/officeDocument/2006/math">
-                      <m:r>
-                        <a:rPr lang="en-US" i="1">
-                          <a:latin typeface="Cambria Math" panose="02040503050406030204" pitchFamily="18" charset="0"/>
-                        </a:rPr>
-                        <m:t>𝜎</m:t>
-                      </m:r>
-                      <m:r>
-                        <a:rPr lang="en-US" i="1">
-                          <a:latin typeface="Cambria Math" panose="02040503050406030204" pitchFamily="18" charset="0"/>
-                        </a:rPr>
-                        <m:t> </m:t>
-                      </m:r>
-                    </m:oMath>
-                  </a14:m>
-                  <a:r>
-                    <a:rPr lang="en-US" dirty="0"/>
-                    <a:t>(Total) = </a:t>
-                  </a:r>
-                  <a14:m>
-                    <m:oMath xmlns:m="http://schemas.openxmlformats.org/officeDocument/2006/math">
-                      <m:r>
-                        <a:rPr lang="en-US" b="0" i="1" smtClean="0">
-                          <a:latin typeface="Cambria Math" panose="02040503050406030204" pitchFamily="18" charset="0"/>
-                        </a:rPr>
-                        <m:t>𝜎</m:t>
-                      </m:r>
-                    </m:oMath>
-                  </a14:m>
-                  <a:r>
-                    <a:rPr lang="en-US" dirty="0"/>
-                    <a:t> (               ) + </a:t>
-                  </a:r>
-                  <a14:m>
-                    <m:oMath xmlns:m="http://schemas.openxmlformats.org/officeDocument/2006/math">
-                      <m:r>
-                        <a:rPr lang="en-US" i="1">
-                          <a:latin typeface="Cambria Math" panose="02040503050406030204" pitchFamily="18" charset="0"/>
-                        </a:rPr>
-                        <m:t>𝜎</m:t>
-                      </m:r>
-                    </m:oMath>
-                  </a14:m>
-                  <a:r>
-                    <a:rPr lang="en-US" dirty="0"/>
-                    <a:t> (             )</a:t>
-                  </a:r>
-                </a:p>
-              </p:txBody>
-            </p:sp>
-          </mc:Choice>
-          <mc:Fallback xmlns="">
-            <p:sp>
-              <p:nvSpPr>
-                <p:cNvPr id="36" name="TextBox 35">
-                  <a:extLst>
-                    <a:ext uri="{FF2B5EF4-FFF2-40B4-BE49-F238E27FC236}">
-                      <a16:creationId xmlns:a16="http://schemas.microsoft.com/office/drawing/2014/main" id="{E25AA8E9-1E4A-0618-AEBE-D2211053F808}"/>
-                    </a:ext>
-                  </a:extLst>
-                </p:cNvPr>
-                <p:cNvSpPr txBox="1">
-                  <a:spLocks noRot="1" noChangeAspect="1" noMove="1" noResize="1" noEditPoints="1" noAdjustHandles="1" noChangeArrowheads="1" noChangeShapeType="1" noTextEdit="1"/>
-                </p:cNvSpPr>
-                <p:nvPr/>
-              </p:nvSpPr>
-              <p:spPr>
-                <a:xfrm>
-                  <a:off x="7542715" y="6203285"/>
-                  <a:ext cx="3839660" cy="369332"/>
-                </a:xfrm>
-                <a:prstGeom prst="rect">
-                  <a:avLst/>
-                </a:prstGeom>
-                <a:blipFill>
-                  <a:blip r:embed="rId15"/>
-                  <a:stretch>
-                    <a:fillRect t="-10000" b="-26667"/>
-                  </a:stretch>
-                </a:blipFill>
-              </p:spPr>
-              <p:txBody>
-                <a:bodyPr/>
-                <a:lstStyle/>
-                <a:p>
-                  <a:r>
-                    <a:rPr lang="en-US">
-                      <a:noFill/>
-                    </a:rPr>
-                    <a:t> </a:t>
-                  </a:r>
-                </a:p>
-              </p:txBody>
-            </p:sp>
-          </mc:Fallback>
-        </mc:AlternateContent>
-      </p:grpSp>
-    </p:spTree>
-    <p:extLst>
-      <p:ext uri="{BB962C8B-B14F-4D97-AF65-F5344CB8AC3E}">
-        <p14:creationId xmlns:p14="http://schemas.microsoft.com/office/powerpoint/2010/main" val="3817067830"/>
-      </p:ext>
-    </p:extLst>
-  </p:cSld>
-  <p:clrMapOvr>
-    <a:masterClrMapping/>
-  </p:clrMapOvr>
-  <p:timing>
-    <p:tnLst>
-      <p:par>
-        <p:cTn id="1" dur="indefinite" restart="never" nodeType="tmRoot">
-          <p:childTnLst>
-            <p:seq concurrent="1" nextAc="seek">
-              <p:cTn id="2" dur="indefinite" nodeType="mainSeq">
-                <p:childTnLst>
-                  <p:par>
-                    <p:cTn id="3" fill="hold">
-                      <p:stCondLst>
-                        <p:cond delay="indefinite"/>
-                      </p:stCondLst>
-                      <p:childTnLst>
-                        <p:par>
-                          <p:cTn id="4" fill="hold">
-                            <p:stCondLst>
-                              <p:cond delay="0"/>
-                            </p:stCondLst>
-                            <p:childTnLst>
-                              <p:par>
-                                <p:cTn id="5" presetID="1" presetClass="entr" presetSubtype="0" fill="hold" grpId="0" nodeType="clickEffect">
-                                  <p:stCondLst>
-                                    <p:cond delay="0"/>
-                                  </p:stCondLst>
-                                  <p:childTnLst>
-                                    <p:set>
-                                      <p:cBhvr>
-                                        <p:cTn id="6" dur="1" fill="hold">
-                                          <p:stCondLst>
-                                            <p:cond delay="0"/>
-                                          </p:stCondLst>
-                                        </p:cTn>
-                                        <p:tgtEl>
-                                          <p:spTgt spid="7"/>
-                                        </p:tgtEl>
-                                        <p:attrNameLst>
-                                          <p:attrName>style.visibility</p:attrName>
-                                        </p:attrNameLst>
-                                      </p:cBhvr>
-                                      <p:to>
-                                        <p:strVal val="visible"/>
-                                      </p:to>
-                                    </p:set>
-                                  </p:childTnLst>
-                                </p:cTn>
-                              </p:par>
-                              <p:par>
-                                <p:cTn id="7" presetID="1" presetClass="entr" presetSubtype="0" fill="hold" nodeType="withEffect">
-                                  <p:stCondLst>
-                                    <p:cond delay="0"/>
-                                  </p:stCondLst>
-                                  <p:childTnLst>
-                                    <p:set>
-                                      <p:cBhvr>
-                                        <p:cTn id="8" dur="1" fill="hold">
-                                          <p:stCondLst>
-                                            <p:cond delay="0"/>
-                                          </p:stCondLst>
-                                        </p:cTn>
-                                        <p:tgtEl>
-                                          <p:spTgt spid="15"/>
-                                        </p:tgtEl>
-                                        <p:attrNameLst>
-                                          <p:attrName>style.visibility</p:attrName>
-                                        </p:attrNameLst>
-                                      </p:cBhvr>
-                                      <p:to>
-                                        <p:strVal val="visible"/>
-                                      </p:to>
-                                    </p:set>
-                                  </p:childTnLst>
-                                </p:cTn>
-                              </p:par>
-                              <p:par>
-                                <p:cTn id="9" presetID="1" presetClass="entr" presetSubtype="0" fill="hold" nodeType="withEffect">
-                                  <p:stCondLst>
-                                    <p:cond delay="0"/>
-                                  </p:stCondLst>
-                                  <p:childTnLst>
-                                    <p:set>
-                                      <p:cBhvr>
-                                        <p:cTn id="10" dur="1" fill="hold">
-                                          <p:stCondLst>
-                                            <p:cond delay="0"/>
-                                          </p:stCondLst>
-                                        </p:cTn>
-                                        <p:tgtEl>
-                                          <p:spTgt spid="39"/>
-                                        </p:tgtEl>
-                                        <p:attrNameLst>
-                                          <p:attrName>style.visibility</p:attrName>
-                                        </p:attrNameLst>
-                                      </p:cBhvr>
-                                      <p:to>
-                                        <p:strVal val="visible"/>
-                                      </p:to>
-                                    </p:set>
-                                  </p:childTnLst>
-                                </p:cTn>
-                              </p:par>
-                            </p:childTnLst>
-                          </p:cTn>
-                        </p:par>
-                      </p:childTnLst>
-                    </p:cTn>
-                  </p:par>
-                </p:childTnLst>
-              </p:cTn>
-              <p:prevCondLst>
-                <p:cond evt="onPrev" delay="0">
-                  <p:tgtEl>
-                    <p:sldTgt/>
-                  </p:tgtEl>
-                </p:cond>
-              </p:prevCondLst>
-              <p:nextCondLst>
-                <p:cond evt="onNext" delay="0">
-                  <p:tgtEl>
-                    <p:sldTgt/>
-                  </p:tgtEl>
-                </p:cond>
-              </p:nextCondLst>
-            </p:seq>
-          </p:childTnLst>
-        </p:cTn>
-      </p:par>
-    </p:tnLst>
-    <p:bldLst>
-      <p:bldP spid="7" grpId="0"/>
-    </p:bldLst>
-  </p:timing>
-</p:sld>
-</file>
-
-<file path=ppt/slides/slide3.xml><?xml version="1.0" encoding="utf-8"?>
-<p:sld xmlns:a="http://schemas.openxmlformats.org/drawingml/2006/main" xmlns:r="http://schemas.openxmlformats.org/officeDocument/2006/relationships" xmlns:p="http://schemas.openxmlformats.org/presentationml/2006/main">
-  <p:cSld>
-    <p:spTree>
-      <p:nvGrpSpPr>
-        <p:cNvPr id="1" name=""/>
-        <p:cNvGrpSpPr/>
-        <p:nvPr/>
-      </p:nvGrpSpPr>
-      <p:grpSpPr>
-        <a:xfrm>
-          <a:off x="0" y="0"/>
-          <a:ext cx="0" cy="0"/>
-          <a:chOff x="0" y="0"/>
-          <a:chExt cx="0" cy="0"/>
-        </a:xfrm>
-      </p:grpSpPr>
-      <p:sp>
-        <p:nvSpPr>
-          <p:cNvPr id="2" name="Title 1">
-            <a:extLst>
-              <a:ext uri="{FF2B5EF4-FFF2-40B4-BE49-F238E27FC236}">
-                <a16:creationId xmlns:a16="http://schemas.microsoft.com/office/drawing/2014/main" id="{6FDCCBC7-9633-C858-42EB-4E97029DBF89}"/>
-              </a:ext>
-            </a:extLst>
-          </p:cNvPr>
-          <p:cNvSpPr>
-            <a:spLocks noGrp="1"/>
-          </p:cNvSpPr>
-          <p:nvPr>
-            <p:ph type="title"/>
-          </p:nvPr>
-        </p:nvSpPr>
-        <p:spPr>
-          <a:xfrm>
-            <a:off x="282387" y="19078"/>
-            <a:ext cx="10515600" cy="1325563"/>
-          </a:xfrm>
-        </p:spPr>
-        <p:txBody>
-          <a:bodyPr/>
-          <a:lstStyle/>
-          <a:p>
-            <a:r>
-              <a:rPr lang="en-US" dirty="0"/>
-              <a:t>Protein Charge Distribution</a:t>
-            </a:r>
-          </a:p>
-        </p:txBody>
-      </p:sp>
-      <p:pic>
-        <p:nvPicPr>
-          <p:cNvPr id="4" name="Picture 8">
-            <a:extLst>
-              <a:ext uri="{FF2B5EF4-FFF2-40B4-BE49-F238E27FC236}">
-                <a16:creationId xmlns:a16="http://schemas.microsoft.com/office/drawing/2014/main" id="{1084F9D1-C928-3C1D-9824-4FE3BCA79C16}"/>
-              </a:ext>
-            </a:extLst>
-          </p:cNvPr>
-          <p:cNvPicPr>
-            <a:picLocks noChangeAspect="1" noChangeArrowheads="1"/>
-          </p:cNvPicPr>
-          <p:nvPr/>
-        </p:nvPicPr>
-        <p:blipFill>
-          <a:blip r:embed="rId2">
-            <a:extLst>
-              <a:ext uri="{28A0092B-C50C-407E-A947-70E740481C1C}">
-                <a14:useLocalDpi xmlns:a14="http://schemas.microsoft.com/office/drawing/2010/main" val="0"/>
-              </a:ext>
-            </a:extLst>
-          </a:blip>
-          <a:srcRect/>
-          <a:stretch>
-            <a:fillRect/>
-          </a:stretch>
-        </p:blipFill>
-        <p:spPr bwMode="auto">
-          <a:xfrm>
-            <a:off x="2250113" y="3949335"/>
-            <a:ext cx="2043695" cy="1360802"/>
-          </a:xfrm>
-          <a:prstGeom prst="rect">
-            <a:avLst/>
-          </a:prstGeom>
-          <a:noFill/>
-          <a:extLst>
-            <a:ext uri="{909E8E84-426E-40DD-AFC4-6F175D3DCCD1}">
-              <a14:hiddenFill xmlns:a14="http://schemas.microsoft.com/office/drawing/2010/main">
-                <a:solidFill>
-                  <a:srgbClr val="FFFFFF"/>
-                </a:solidFill>
-              </a14:hiddenFill>
-            </a:ext>
-          </a:extLst>
-        </p:spPr>
-      </p:pic>
-      <p:pic>
-        <p:nvPicPr>
-          <p:cNvPr id="5" name="Picture 22">
-            <a:extLst>
-              <a:ext uri="{FF2B5EF4-FFF2-40B4-BE49-F238E27FC236}">
-                <a16:creationId xmlns:a16="http://schemas.microsoft.com/office/drawing/2014/main" id="{6310596E-1236-CEF2-6D4F-CE5A89D0C744}"/>
-              </a:ext>
-            </a:extLst>
-          </p:cNvPr>
-          <p:cNvPicPr>
-            <a:picLocks noChangeAspect="1" noChangeArrowheads="1"/>
-          </p:cNvPicPr>
-          <p:nvPr/>
-        </p:nvPicPr>
-        <p:blipFill rotWithShape="1">
-          <a:blip r:embed="rId3">
-            <a:extLst>
-              <a:ext uri="{28A0092B-C50C-407E-A947-70E740481C1C}">
-                <a14:useLocalDpi xmlns:a14="http://schemas.microsoft.com/office/drawing/2010/main" val="0"/>
-              </a:ext>
-            </a:extLst>
-          </a:blip>
-          <a:srcRect l="5437" r="5640"/>
-          <a:stretch/>
-        </p:blipFill>
-        <p:spPr bwMode="auto">
-          <a:xfrm>
-            <a:off x="2287897" y="4254062"/>
-            <a:ext cx="1976657" cy="676677"/>
-          </a:xfrm>
-          <a:prstGeom prst="rect">
-            <a:avLst/>
-          </a:prstGeom>
-          <a:noFill/>
-          <a:extLst>
-            <a:ext uri="{909E8E84-426E-40DD-AFC4-6F175D3DCCD1}">
-              <a14:hiddenFill xmlns:a14="http://schemas.microsoft.com/office/drawing/2010/main">
-                <a:solidFill>
-                  <a:srgbClr val="FFFFFF"/>
-                </a:solidFill>
-              </a14:hiddenFill>
-            </a:ext>
-          </a:extLst>
-        </p:spPr>
-      </p:pic>
-      <p:sp>
-        <p:nvSpPr>
-          <p:cNvPr id="9" name="TextBox 8">
-            <a:extLst>
-              <a:ext uri="{FF2B5EF4-FFF2-40B4-BE49-F238E27FC236}">
-                <a16:creationId xmlns:a16="http://schemas.microsoft.com/office/drawing/2014/main" id="{D87C7B08-5CCF-98F0-1A20-CBD245BCD5D6}"/>
-              </a:ext>
-            </a:extLst>
-          </p:cNvPr>
-          <p:cNvSpPr txBox="1"/>
-          <p:nvPr/>
-        </p:nvSpPr>
-        <p:spPr>
-          <a:xfrm>
-            <a:off x="691299" y="4381566"/>
-            <a:ext cx="1535130" cy="369332"/>
-          </a:xfrm>
-          <a:prstGeom prst="rect">
-            <a:avLst/>
-          </a:prstGeom>
-          <a:solidFill>
-            <a:schemeClr val="bg1"/>
-          </a:solidFill>
-        </p:spPr>
-        <p:txBody>
-          <a:bodyPr wrap="square" rtlCol="0">
-            <a:spAutoFit/>
-          </a:bodyPr>
-          <a:lstStyle/>
-          <a:p>
-            <a:pPr algn="ctr"/>
-            <a:r>
-              <a:rPr lang="en-US" b="1" dirty="0"/>
-              <a:t>NFL, pH 7.44</a:t>
-            </a:r>
-          </a:p>
-        </p:txBody>
-      </p:sp>
-      <p:grpSp>
-        <p:nvGrpSpPr>
-          <p:cNvPr id="11" name="Group 10">
-            <a:extLst>
-              <a:ext uri="{FF2B5EF4-FFF2-40B4-BE49-F238E27FC236}">
-                <a16:creationId xmlns:a16="http://schemas.microsoft.com/office/drawing/2014/main" id="{4AA14E79-9C75-C1AD-FB53-D80DE5F5B44E}"/>
-              </a:ext>
-            </a:extLst>
-          </p:cNvPr>
-          <p:cNvGrpSpPr/>
-          <p:nvPr/>
-        </p:nvGrpSpPr>
-        <p:grpSpPr>
-          <a:xfrm>
-            <a:off x="4544449" y="4084121"/>
-            <a:ext cx="521487" cy="997076"/>
-            <a:chOff x="4383741" y="2002095"/>
-            <a:chExt cx="881316" cy="1685063"/>
-          </a:xfrm>
-        </p:grpSpPr>
-        <p:sp>
-          <p:nvSpPr>
-            <p:cNvPr id="12" name="Rectangle 11">
-              <a:extLst>
-                <a:ext uri="{FF2B5EF4-FFF2-40B4-BE49-F238E27FC236}">
-                  <a16:creationId xmlns:a16="http://schemas.microsoft.com/office/drawing/2014/main" id="{6B584A60-3ABC-A66F-3EE1-BC443B9CEDFB}"/>
-                </a:ext>
-              </a:extLst>
-            </p:cNvPr>
-            <p:cNvSpPr/>
-            <p:nvPr/>
-          </p:nvSpPr>
-          <p:spPr>
-            <a:xfrm>
-              <a:off x="4383741" y="2002095"/>
-              <a:ext cx="92945" cy="565898"/>
-            </a:xfrm>
-            <a:prstGeom prst="rect">
-              <a:avLst/>
-            </a:prstGeom>
-            <a:solidFill>
-              <a:srgbClr val="C00000"/>
-            </a:solidFill>
-            <a:ln>
-              <a:solidFill>
-                <a:schemeClr val="tx1"/>
-              </a:solidFill>
-            </a:ln>
-          </p:spPr>
-          <p:style>
-            <a:lnRef idx="2">
-              <a:schemeClr val="accent1">
-                <a:shade val="50000"/>
-              </a:schemeClr>
-            </a:lnRef>
-            <a:fillRef idx="1">
-              <a:schemeClr val="accent1"/>
-            </a:fillRef>
-            <a:effectRef idx="0">
-              <a:schemeClr val="accent1"/>
-            </a:effectRef>
-            <a:fontRef idx="minor">
-              <a:schemeClr val="lt1"/>
-            </a:fontRef>
-          </p:style>
-          <p:txBody>
-            <a:bodyPr rtlCol="0" anchor="ctr"/>
-            <a:lstStyle/>
-            <a:p>
-              <a:pPr algn="ctr"/>
-              <a:endParaRPr lang="en-US"/>
-            </a:p>
-          </p:txBody>
-        </p:sp>
-        <p:sp>
-          <p:nvSpPr>
-            <p:cNvPr id="13" name="Rectangle 12">
-              <a:extLst>
-                <a:ext uri="{FF2B5EF4-FFF2-40B4-BE49-F238E27FC236}">
-                  <a16:creationId xmlns:a16="http://schemas.microsoft.com/office/drawing/2014/main" id="{1939D956-42D2-4053-E684-99841779C72A}"/>
-                </a:ext>
-              </a:extLst>
-            </p:cNvPr>
-            <p:cNvSpPr/>
-            <p:nvPr/>
-          </p:nvSpPr>
-          <p:spPr>
-            <a:xfrm>
-              <a:off x="4383741" y="2566311"/>
-              <a:ext cx="92945" cy="565898"/>
-            </a:xfrm>
-            <a:prstGeom prst="rect">
-              <a:avLst/>
-            </a:prstGeom>
-            <a:solidFill>
-              <a:schemeClr val="bg1"/>
-            </a:solidFill>
-            <a:ln>
-              <a:solidFill>
-                <a:schemeClr val="tx1"/>
-              </a:solidFill>
-            </a:ln>
-          </p:spPr>
-          <p:style>
-            <a:lnRef idx="2">
-              <a:schemeClr val="accent1">
-                <a:shade val="50000"/>
-              </a:schemeClr>
-            </a:lnRef>
-            <a:fillRef idx="1">
-              <a:schemeClr val="accent1"/>
-            </a:fillRef>
-            <a:effectRef idx="0">
-              <a:schemeClr val="accent1"/>
-            </a:effectRef>
-            <a:fontRef idx="minor">
-              <a:schemeClr val="lt1"/>
-            </a:fontRef>
-          </p:style>
-          <p:txBody>
-            <a:bodyPr rtlCol="0" anchor="ctr"/>
-            <a:lstStyle/>
-            <a:p>
-              <a:pPr algn="ctr"/>
-              <a:endParaRPr lang="en-US"/>
-            </a:p>
-          </p:txBody>
-        </p:sp>
-        <p:sp>
-          <p:nvSpPr>
-            <p:cNvPr id="14" name="Rectangle 13">
-              <a:extLst>
-                <a:ext uri="{FF2B5EF4-FFF2-40B4-BE49-F238E27FC236}">
-                  <a16:creationId xmlns:a16="http://schemas.microsoft.com/office/drawing/2014/main" id="{FED12CCB-2C44-C566-7121-F08C317E02CF}"/>
-                </a:ext>
-              </a:extLst>
-            </p:cNvPr>
-            <p:cNvSpPr/>
-            <p:nvPr/>
-          </p:nvSpPr>
-          <p:spPr>
-            <a:xfrm>
-              <a:off x="4383741" y="3121260"/>
-              <a:ext cx="92945" cy="565898"/>
-            </a:xfrm>
-            <a:prstGeom prst="rect">
-              <a:avLst/>
-            </a:prstGeom>
-            <a:solidFill>
-              <a:srgbClr val="0070C0"/>
-            </a:solidFill>
-            <a:ln>
-              <a:solidFill>
-                <a:schemeClr val="tx1"/>
-              </a:solidFill>
-            </a:ln>
-          </p:spPr>
-          <p:style>
-            <a:lnRef idx="2">
-              <a:schemeClr val="accent1">
-                <a:shade val="50000"/>
-              </a:schemeClr>
-            </a:lnRef>
-            <a:fillRef idx="1">
-              <a:schemeClr val="accent1"/>
-            </a:fillRef>
-            <a:effectRef idx="0">
-              <a:schemeClr val="accent1"/>
-            </a:effectRef>
-            <a:fontRef idx="minor">
-              <a:schemeClr val="lt1"/>
-            </a:fontRef>
-          </p:style>
-          <p:txBody>
-            <a:bodyPr rtlCol="0" anchor="ctr"/>
-            <a:lstStyle/>
-            <a:p>
-              <a:pPr algn="ctr"/>
-              <a:endParaRPr lang="en-US"/>
-            </a:p>
-          </p:txBody>
-        </p:sp>
-        <p:sp>
-          <p:nvSpPr>
-            <p:cNvPr id="15" name="TextBox 14">
-              <a:extLst>
-                <a:ext uri="{FF2B5EF4-FFF2-40B4-BE49-F238E27FC236}">
-                  <a16:creationId xmlns:a16="http://schemas.microsoft.com/office/drawing/2014/main" id="{35DC3F7C-1B14-9F4B-41D3-319C6926EB0F}"/>
-                </a:ext>
-              </a:extLst>
-            </p:cNvPr>
-            <p:cNvSpPr txBox="1"/>
-            <p:nvPr/>
-          </p:nvSpPr>
-          <p:spPr>
-            <a:xfrm>
-              <a:off x="4684449" y="2079496"/>
-              <a:ext cx="580608" cy="369332"/>
-            </a:xfrm>
-            <a:prstGeom prst="rect">
-              <a:avLst/>
-            </a:prstGeom>
-            <a:noFill/>
-          </p:spPr>
-          <p:txBody>
-            <a:bodyPr wrap="none" rtlCol="0">
-              <a:spAutoFit/>
-            </a:bodyPr>
-            <a:lstStyle/>
-            <a:p>
-              <a:r>
-                <a:rPr lang="en-US" dirty="0"/>
-                <a:t>&gt; 0</a:t>
-              </a:r>
-              <a:r>
-                <a:rPr lang="en-US" i="1" dirty="0"/>
-                <a:t>e</a:t>
-              </a:r>
-              <a:endParaRPr lang="en-US" dirty="0"/>
-            </a:p>
-          </p:txBody>
-        </p:sp>
-        <p:sp>
-          <p:nvSpPr>
-            <p:cNvPr id="16" name="TextBox 15">
-              <a:extLst>
-                <a:ext uri="{FF2B5EF4-FFF2-40B4-BE49-F238E27FC236}">
-                  <a16:creationId xmlns:a16="http://schemas.microsoft.com/office/drawing/2014/main" id="{6D60FED0-9C2B-5431-03DC-F8B027F8335C}"/>
-                </a:ext>
-              </a:extLst>
-            </p:cNvPr>
-            <p:cNvSpPr txBox="1"/>
-            <p:nvPr/>
-          </p:nvSpPr>
-          <p:spPr>
-            <a:xfrm>
-              <a:off x="4684449" y="2668379"/>
-              <a:ext cx="580608" cy="369332"/>
-            </a:xfrm>
-            <a:prstGeom prst="rect">
-              <a:avLst/>
-            </a:prstGeom>
-            <a:noFill/>
-          </p:spPr>
-          <p:txBody>
-            <a:bodyPr wrap="none" rtlCol="0">
-              <a:spAutoFit/>
-            </a:bodyPr>
-            <a:lstStyle/>
-            <a:p>
-              <a:r>
-                <a:rPr lang="en-US" dirty="0"/>
-                <a:t>= 0</a:t>
-              </a:r>
-              <a:r>
-                <a:rPr lang="en-US" i="1" dirty="0"/>
-                <a:t>e</a:t>
-              </a:r>
-              <a:endParaRPr lang="en-US" dirty="0"/>
-            </a:p>
-          </p:txBody>
-        </p:sp>
-        <p:sp>
-          <p:nvSpPr>
-            <p:cNvPr id="17" name="TextBox 16">
-              <a:extLst>
-                <a:ext uri="{FF2B5EF4-FFF2-40B4-BE49-F238E27FC236}">
-                  <a16:creationId xmlns:a16="http://schemas.microsoft.com/office/drawing/2014/main" id="{0677AD1C-BF26-1122-6D43-B72D999209C5}"/>
-                </a:ext>
-              </a:extLst>
-            </p:cNvPr>
-            <p:cNvSpPr txBox="1"/>
-            <p:nvPr/>
-          </p:nvSpPr>
-          <p:spPr>
-            <a:xfrm>
-              <a:off x="4684449" y="3244334"/>
-              <a:ext cx="580608" cy="369332"/>
-            </a:xfrm>
-            <a:prstGeom prst="rect">
-              <a:avLst/>
-            </a:prstGeom>
-            <a:noFill/>
-          </p:spPr>
-          <p:txBody>
-            <a:bodyPr wrap="none" rtlCol="0">
-              <a:spAutoFit/>
-            </a:bodyPr>
-            <a:lstStyle/>
-            <a:p>
-              <a:r>
-                <a:rPr lang="en-US" dirty="0"/>
-                <a:t>&lt; 0</a:t>
-              </a:r>
-              <a:r>
-                <a:rPr lang="en-US" i="1" dirty="0"/>
-                <a:t>e</a:t>
-              </a:r>
-              <a:endParaRPr lang="en-US" dirty="0"/>
-            </a:p>
-          </p:txBody>
-        </p:sp>
-      </p:grpSp>
-      <p:sp>
-        <p:nvSpPr>
-          <p:cNvPr id="36" name="Rectangle 35">
-            <a:extLst>
-              <a:ext uri="{FF2B5EF4-FFF2-40B4-BE49-F238E27FC236}">
-                <a16:creationId xmlns:a16="http://schemas.microsoft.com/office/drawing/2014/main" id="{5B67F721-699E-B7C7-70DC-58B4B685290F}"/>
-              </a:ext>
-            </a:extLst>
-          </p:cNvPr>
-          <p:cNvSpPr/>
-          <p:nvPr/>
-        </p:nvSpPr>
-        <p:spPr>
-          <a:xfrm>
-            <a:off x="2574847" y="3818756"/>
-            <a:ext cx="1407459" cy="271900"/>
-          </a:xfrm>
-          <a:prstGeom prst="rect">
-            <a:avLst/>
-          </a:prstGeom>
-          <a:solidFill>
-            <a:schemeClr val="bg1"/>
-          </a:solidFill>
-          <a:ln>
-            <a:solidFill>
-              <a:schemeClr val="bg1"/>
-            </a:solidFill>
-          </a:ln>
-        </p:spPr>
-        <p:style>
-          <a:lnRef idx="2">
-            <a:schemeClr val="accent1">
-              <a:shade val="50000"/>
-            </a:schemeClr>
-          </a:lnRef>
-          <a:fillRef idx="1">
-            <a:schemeClr val="accent1"/>
-          </a:fillRef>
-          <a:effectRef idx="0">
-            <a:schemeClr val="accent1"/>
-          </a:effectRef>
-          <a:fontRef idx="minor">
-            <a:schemeClr val="lt1"/>
-          </a:fontRef>
-        </p:style>
-        <p:txBody>
-          <a:bodyPr rtlCol="0" anchor="ctr"/>
-          <a:lstStyle/>
-          <a:p>
-            <a:pPr algn="ctr"/>
-            <a:endParaRPr lang="en-US"/>
-          </a:p>
-        </p:txBody>
-      </p:sp>
-      <p:pic>
-        <p:nvPicPr>
-          <p:cNvPr id="7" name="Picture 4">
-            <a:extLst>
-              <a:ext uri="{FF2B5EF4-FFF2-40B4-BE49-F238E27FC236}">
-                <a16:creationId xmlns:a16="http://schemas.microsoft.com/office/drawing/2014/main" id="{EA2AB2D4-FBBF-4F7B-D3C4-A542E463C815}"/>
-              </a:ext>
-            </a:extLst>
-          </p:cNvPr>
-          <p:cNvPicPr>
-            <a:picLocks noChangeAspect="1" noChangeArrowheads="1"/>
-          </p:cNvPicPr>
-          <p:nvPr/>
-        </p:nvPicPr>
-        <p:blipFill>
-          <a:blip r:embed="rId4">
-            <a:extLst>
-              <a:ext uri="{28A0092B-C50C-407E-A947-70E740481C1C}">
-                <a14:useLocalDpi xmlns:a14="http://schemas.microsoft.com/office/drawing/2010/main" val="0"/>
-              </a:ext>
-            </a:extLst>
-          </a:blip>
-          <a:srcRect/>
-          <a:stretch>
-            <a:fillRect/>
-          </a:stretch>
-        </p:blipFill>
-        <p:spPr bwMode="auto">
-          <a:xfrm>
-            <a:off x="2221242" y="5094110"/>
-            <a:ext cx="8094011" cy="1521843"/>
-          </a:xfrm>
-          <a:prstGeom prst="rect">
-            <a:avLst/>
-          </a:prstGeom>
-          <a:noFill/>
-          <a:extLst>
-            <a:ext uri="{909E8E84-426E-40DD-AFC4-6F175D3DCCD1}">
-              <a14:hiddenFill xmlns:a14="http://schemas.microsoft.com/office/drawing/2010/main">
-                <a:solidFill>
-                  <a:srgbClr val="FFFFFF"/>
-                </a:solidFill>
-              </a14:hiddenFill>
-            </a:ext>
-          </a:extLst>
-        </p:spPr>
-      </p:pic>
-      <p:pic>
-        <p:nvPicPr>
-          <p:cNvPr id="8" name="Picture 7">
-            <a:extLst>
-              <a:ext uri="{FF2B5EF4-FFF2-40B4-BE49-F238E27FC236}">
-                <a16:creationId xmlns:a16="http://schemas.microsoft.com/office/drawing/2014/main" id="{5DB56BE0-E5A6-2D54-009C-F87985FDB5E0}"/>
-              </a:ext>
-            </a:extLst>
-          </p:cNvPr>
-          <p:cNvPicPr>
-            <a:picLocks noChangeAspect="1" noChangeArrowheads="1"/>
-          </p:cNvPicPr>
-          <p:nvPr/>
-        </p:nvPicPr>
-        <p:blipFill rotWithShape="1">
-          <a:blip r:embed="rId5">
-            <a:extLst>
-              <a:ext uri="{28A0092B-C50C-407E-A947-70E740481C1C}">
-                <a14:useLocalDpi xmlns:a14="http://schemas.microsoft.com/office/drawing/2010/main" val="0"/>
-              </a:ext>
-            </a:extLst>
-          </a:blip>
-          <a:srcRect l="4913" r="4449"/>
-          <a:stretch/>
-        </p:blipFill>
-        <p:spPr bwMode="auto">
-          <a:xfrm>
-            <a:off x="2286202" y="5471679"/>
-            <a:ext cx="8029051" cy="708968"/>
-          </a:xfrm>
-          <a:prstGeom prst="rect">
-            <a:avLst/>
-          </a:prstGeom>
-          <a:noFill/>
-          <a:extLst>
-            <a:ext uri="{909E8E84-426E-40DD-AFC4-6F175D3DCCD1}">
-              <a14:hiddenFill xmlns:a14="http://schemas.microsoft.com/office/drawing/2010/main">
-                <a:solidFill>
-                  <a:srgbClr val="FFFFFF"/>
-                </a:solidFill>
-              </a14:hiddenFill>
-            </a:ext>
-          </a:extLst>
-        </p:spPr>
-      </p:pic>
-      <p:sp>
-        <p:nvSpPr>
-          <p:cNvPr id="10" name="TextBox 9">
-            <a:extLst>
-              <a:ext uri="{FF2B5EF4-FFF2-40B4-BE49-F238E27FC236}">
-                <a16:creationId xmlns:a16="http://schemas.microsoft.com/office/drawing/2014/main" id="{AAB5ABFF-EF1E-8C5D-BDD2-0A921ED54A2C}"/>
-              </a:ext>
-            </a:extLst>
-          </p:cNvPr>
-          <p:cNvSpPr txBox="1"/>
-          <p:nvPr/>
-        </p:nvSpPr>
-        <p:spPr>
-          <a:xfrm>
-            <a:off x="691299" y="5662606"/>
-            <a:ext cx="1535131" cy="369332"/>
-          </a:xfrm>
-          <a:prstGeom prst="rect">
-            <a:avLst/>
-          </a:prstGeom>
-          <a:solidFill>
-            <a:schemeClr val="bg1"/>
-          </a:solidFill>
-        </p:spPr>
-        <p:txBody>
-          <a:bodyPr wrap="square" rtlCol="0">
-            <a:spAutoFit/>
-          </a:bodyPr>
-          <a:lstStyle/>
-          <a:p>
-            <a:pPr algn="ctr"/>
-            <a:r>
-              <a:rPr lang="en-US" b="1" dirty="0"/>
-              <a:t>NFH, pH 7.44</a:t>
-            </a:r>
-          </a:p>
-        </p:txBody>
-      </p:sp>
-      <p:grpSp>
-        <p:nvGrpSpPr>
-          <p:cNvPr id="18" name="Group 17">
-            <a:extLst>
-              <a:ext uri="{FF2B5EF4-FFF2-40B4-BE49-F238E27FC236}">
-                <a16:creationId xmlns:a16="http://schemas.microsoft.com/office/drawing/2014/main" id="{03D3AF34-66B3-2F46-975A-827AB6113075}"/>
-              </a:ext>
-            </a:extLst>
-          </p:cNvPr>
-          <p:cNvGrpSpPr/>
-          <p:nvPr/>
-        </p:nvGrpSpPr>
-        <p:grpSpPr>
-          <a:xfrm>
-            <a:off x="10488267" y="5308785"/>
-            <a:ext cx="521488" cy="997076"/>
-            <a:chOff x="4383741" y="2002095"/>
-            <a:chExt cx="881316" cy="1685063"/>
-          </a:xfrm>
-        </p:grpSpPr>
-        <p:sp>
-          <p:nvSpPr>
-            <p:cNvPr id="19" name="Rectangle 18">
-              <a:extLst>
-                <a:ext uri="{FF2B5EF4-FFF2-40B4-BE49-F238E27FC236}">
-                  <a16:creationId xmlns:a16="http://schemas.microsoft.com/office/drawing/2014/main" id="{37CF844A-2CFF-7142-25B4-D4F00BEE1026}"/>
-                </a:ext>
-              </a:extLst>
-            </p:cNvPr>
-            <p:cNvSpPr/>
-            <p:nvPr/>
-          </p:nvSpPr>
-          <p:spPr>
-            <a:xfrm>
-              <a:off x="4383741" y="2002095"/>
-              <a:ext cx="92945" cy="565898"/>
-            </a:xfrm>
-            <a:prstGeom prst="rect">
-              <a:avLst/>
-            </a:prstGeom>
-            <a:solidFill>
-              <a:srgbClr val="C00000"/>
-            </a:solidFill>
-            <a:ln>
-              <a:solidFill>
-                <a:schemeClr val="tx1"/>
-              </a:solidFill>
-            </a:ln>
-          </p:spPr>
-          <p:style>
-            <a:lnRef idx="2">
-              <a:schemeClr val="accent1">
-                <a:shade val="50000"/>
-              </a:schemeClr>
-            </a:lnRef>
-            <a:fillRef idx="1">
-              <a:schemeClr val="accent1"/>
-            </a:fillRef>
-            <a:effectRef idx="0">
-              <a:schemeClr val="accent1"/>
-            </a:effectRef>
-            <a:fontRef idx="minor">
-              <a:schemeClr val="lt1"/>
-            </a:fontRef>
-          </p:style>
-          <p:txBody>
-            <a:bodyPr rtlCol="0" anchor="ctr"/>
-            <a:lstStyle/>
-            <a:p>
-              <a:pPr algn="ctr"/>
-              <a:endParaRPr lang="en-US"/>
-            </a:p>
-          </p:txBody>
-        </p:sp>
-        <p:sp>
-          <p:nvSpPr>
-            <p:cNvPr id="20" name="Rectangle 19">
-              <a:extLst>
-                <a:ext uri="{FF2B5EF4-FFF2-40B4-BE49-F238E27FC236}">
-                  <a16:creationId xmlns:a16="http://schemas.microsoft.com/office/drawing/2014/main" id="{D33D9FF3-0263-DFA2-C486-21392382DCF4}"/>
-                </a:ext>
-              </a:extLst>
-            </p:cNvPr>
-            <p:cNvSpPr/>
-            <p:nvPr/>
-          </p:nvSpPr>
-          <p:spPr>
-            <a:xfrm>
-              <a:off x="4383741" y="2566311"/>
-              <a:ext cx="92945" cy="565898"/>
-            </a:xfrm>
-            <a:prstGeom prst="rect">
-              <a:avLst/>
-            </a:prstGeom>
-            <a:solidFill>
-              <a:schemeClr val="bg1"/>
-            </a:solidFill>
-            <a:ln>
-              <a:solidFill>
-                <a:schemeClr val="tx1"/>
-              </a:solidFill>
-            </a:ln>
-          </p:spPr>
-          <p:style>
-            <a:lnRef idx="2">
-              <a:schemeClr val="accent1">
-                <a:shade val="50000"/>
-              </a:schemeClr>
-            </a:lnRef>
-            <a:fillRef idx="1">
-              <a:schemeClr val="accent1"/>
-            </a:fillRef>
-            <a:effectRef idx="0">
-              <a:schemeClr val="accent1"/>
-            </a:effectRef>
-            <a:fontRef idx="minor">
-              <a:schemeClr val="lt1"/>
-            </a:fontRef>
-          </p:style>
-          <p:txBody>
-            <a:bodyPr rtlCol="0" anchor="ctr"/>
-            <a:lstStyle/>
-            <a:p>
-              <a:pPr algn="ctr"/>
-              <a:endParaRPr lang="en-US"/>
-            </a:p>
-          </p:txBody>
-        </p:sp>
-        <p:sp>
-          <p:nvSpPr>
-            <p:cNvPr id="21" name="Rectangle 20">
-              <a:extLst>
-                <a:ext uri="{FF2B5EF4-FFF2-40B4-BE49-F238E27FC236}">
-                  <a16:creationId xmlns:a16="http://schemas.microsoft.com/office/drawing/2014/main" id="{7A059B67-6E77-0A20-A8E6-FB8E9B471DBA}"/>
-                </a:ext>
-              </a:extLst>
-            </p:cNvPr>
-            <p:cNvSpPr/>
-            <p:nvPr/>
-          </p:nvSpPr>
-          <p:spPr>
-            <a:xfrm>
-              <a:off x="4383741" y="3121260"/>
-              <a:ext cx="92945" cy="565898"/>
-            </a:xfrm>
-            <a:prstGeom prst="rect">
-              <a:avLst/>
-            </a:prstGeom>
-            <a:solidFill>
-              <a:srgbClr val="0070C0"/>
-            </a:solidFill>
-            <a:ln>
-              <a:solidFill>
-                <a:schemeClr val="tx1"/>
-              </a:solidFill>
-            </a:ln>
-          </p:spPr>
-          <p:style>
-            <a:lnRef idx="2">
-              <a:schemeClr val="accent1">
-                <a:shade val="50000"/>
-              </a:schemeClr>
-            </a:lnRef>
-            <a:fillRef idx="1">
-              <a:schemeClr val="accent1"/>
-            </a:fillRef>
-            <a:effectRef idx="0">
-              <a:schemeClr val="accent1"/>
-            </a:effectRef>
-            <a:fontRef idx="minor">
-              <a:schemeClr val="lt1"/>
-            </a:fontRef>
-          </p:style>
-          <p:txBody>
-            <a:bodyPr rtlCol="0" anchor="ctr"/>
-            <a:lstStyle/>
-            <a:p>
-              <a:pPr algn="ctr"/>
-              <a:endParaRPr lang="en-US"/>
-            </a:p>
-          </p:txBody>
-        </p:sp>
-        <p:sp>
-          <p:nvSpPr>
-            <p:cNvPr id="22" name="TextBox 21">
-              <a:extLst>
-                <a:ext uri="{FF2B5EF4-FFF2-40B4-BE49-F238E27FC236}">
-                  <a16:creationId xmlns:a16="http://schemas.microsoft.com/office/drawing/2014/main" id="{58344487-4760-E3CD-0666-1E59039E9A9D}"/>
-                </a:ext>
-              </a:extLst>
-            </p:cNvPr>
-            <p:cNvSpPr txBox="1"/>
-            <p:nvPr/>
-          </p:nvSpPr>
-          <p:spPr>
-            <a:xfrm>
-              <a:off x="4684449" y="2079496"/>
-              <a:ext cx="580608" cy="369332"/>
-            </a:xfrm>
-            <a:prstGeom prst="rect">
-              <a:avLst/>
-            </a:prstGeom>
-            <a:noFill/>
-          </p:spPr>
-          <p:txBody>
-            <a:bodyPr wrap="none" rtlCol="0">
-              <a:spAutoFit/>
-            </a:bodyPr>
-            <a:lstStyle/>
-            <a:p>
-              <a:r>
-                <a:rPr lang="en-US" dirty="0"/>
-                <a:t>&gt; 0</a:t>
-              </a:r>
-              <a:r>
-                <a:rPr lang="en-US" i="1" dirty="0"/>
-                <a:t>e</a:t>
-              </a:r>
-              <a:endParaRPr lang="en-US" dirty="0"/>
-            </a:p>
-          </p:txBody>
-        </p:sp>
-        <p:sp>
-          <p:nvSpPr>
-            <p:cNvPr id="23" name="TextBox 22">
-              <a:extLst>
-                <a:ext uri="{FF2B5EF4-FFF2-40B4-BE49-F238E27FC236}">
-                  <a16:creationId xmlns:a16="http://schemas.microsoft.com/office/drawing/2014/main" id="{859A014F-9A2D-854B-26D4-4E76EB2E7F74}"/>
-                </a:ext>
-              </a:extLst>
-            </p:cNvPr>
-            <p:cNvSpPr txBox="1"/>
-            <p:nvPr/>
-          </p:nvSpPr>
-          <p:spPr>
-            <a:xfrm>
-              <a:off x="4684449" y="2668379"/>
-              <a:ext cx="580608" cy="369332"/>
-            </a:xfrm>
-            <a:prstGeom prst="rect">
-              <a:avLst/>
-            </a:prstGeom>
-            <a:noFill/>
-          </p:spPr>
-          <p:txBody>
-            <a:bodyPr wrap="none" rtlCol="0">
-              <a:spAutoFit/>
-            </a:bodyPr>
-            <a:lstStyle/>
-            <a:p>
-              <a:r>
-                <a:rPr lang="en-US" dirty="0"/>
-                <a:t>= 0</a:t>
-              </a:r>
-              <a:r>
-                <a:rPr lang="en-US" i="1" dirty="0"/>
-                <a:t>e</a:t>
-              </a:r>
-              <a:endParaRPr lang="en-US" dirty="0"/>
-            </a:p>
-          </p:txBody>
-        </p:sp>
-        <p:sp>
-          <p:nvSpPr>
-            <p:cNvPr id="24" name="TextBox 23">
-              <a:extLst>
-                <a:ext uri="{FF2B5EF4-FFF2-40B4-BE49-F238E27FC236}">
-                  <a16:creationId xmlns:a16="http://schemas.microsoft.com/office/drawing/2014/main" id="{C2843518-57CF-32EF-9980-05DB504D06EA}"/>
-                </a:ext>
-              </a:extLst>
-            </p:cNvPr>
-            <p:cNvSpPr txBox="1"/>
-            <p:nvPr/>
-          </p:nvSpPr>
-          <p:spPr>
-            <a:xfrm>
-              <a:off x="4684449" y="3244334"/>
-              <a:ext cx="580608" cy="369332"/>
-            </a:xfrm>
-            <a:prstGeom prst="rect">
-              <a:avLst/>
-            </a:prstGeom>
-            <a:noFill/>
-          </p:spPr>
-          <p:txBody>
-            <a:bodyPr wrap="none" rtlCol="0">
-              <a:spAutoFit/>
-            </a:bodyPr>
-            <a:lstStyle/>
-            <a:p>
-              <a:r>
-                <a:rPr lang="en-US" dirty="0"/>
-                <a:t>&lt; 0</a:t>
-              </a:r>
-              <a:r>
-                <a:rPr lang="en-US" i="1" dirty="0"/>
-                <a:t>e</a:t>
-              </a:r>
-              <a:endParaRPr lang="en-US" dirty="0"/>
-            </a:p>
-          </p:txBody>
-        </p:sp>
-      </p:grpSp>
-      <p:sp>
-        <p:nvSpPr>
-          <p:cNvPr id="37" name="Rectangle 36">
-            <a:extLst>
-              <a:ext uri="{FF2B5EF4-FFF2-40B4-BE49-F238E27FC236}">
-                <a16:creationId xmlns:a16="http://schemas.microsoft.com/office/drawing/2014/main" id="{124C4773-E957-81CE-8A94-910DEFEB47A8}"/>
-              </a:ext>
-            </a:extLst>
-          </p:cNvPr>
-          <p:cNvSpPr/>
-          <p:nvPr/>
-        </p:nvSpPr>
-        <p:spPr>
-          <a:xfrm>
-            <a:off x="5540187" y="5036373"/>
-            <a:ext cx="1464269" cy="271900"/>
-          </a:xfrm>
-          <a:prstGeom prst="rect">
-            <a:avLst/>
-          </a:prstGeom>
-          <a:solidFill>
-            <a:schemeClr val="bg1"/>
-          </a:solidFill>
-          <a:ln>
-            <a:solidFill>
-              <a:schemeClr val="bg1"/>
-            </a:solidFill>
-          </a:ln>
-        </p:spPr>
-        <p:style>
-          <a:lnRef idx="2">
-            <a:schemeClr val="accent1">
-              <a:shade val="50000"/>
-            </a:schemeClr>
-          </a:lnRef>
-          <a:fillRef idx="1">
-            <a:schemeClr val="accent1"/>
-          </a:fillRef>
-          <a:effectRef idx="0">
-            <a:schemeClr val="accent1"/>
-          </a:effectRef>
-          <a:fontRef idx="minor">
-            <a:schemeClr val="lt1"/>
-          </a:fontRef>
-        </p:style>
-        <p:txBody>
-          <a:bodyPr rtlCol="0" anchor="ctr"/>
-          <a:lstStyle/>
-          <a:p>
-            <a:pPr algn="ctr"/>
-            <a:endParaRPr lang="en-US"/>
-          </a:p>
-        </p:txBody>
-      </p:sp>
-      <p:grpSp>
-        <p:nvGrpSpPr>
-          <p:cNvPr id="27" name="Group 26">
-            <a:extLst>
-              <a:ext uri="{FF2B5EF4-FFF2-40B4-BE49-F238E27FC236}">
-                <a16:creationId xmlns:a16="http://schemas.microsoft.com/office/drawing/2014/main" id="{FEE247CB-A5B2-D791-3092-BCB3AF907AA2}"/>
-              </a:ext>
-            </a:extLst>
-          </p:cNvPr>
-          <p:cNvGrpSpPr/>
-          <p:nvPr/>
-        </p:nvGrpSpPr>
-        <p:grpSpPr>
-          <a:xfrm>
-            <a:off x="691299" y="1167008"/>
-            <a:ext cx="8374291" cy="2734070"/>
-            <a:chOff x="691299" y="1167008"/>
-            <a:chExt cx="8374291" cy="2734070"/>
-          </a:xfrm>
-        </p:grpSpPr>
-        <p:sp>
-          <p:nvSpPr>
-            <p:cNvPr id="29" name="TextBox 28">
-              <a:extLst>
-                <a:ext uri="{FF2B5EF4-FFF2-40B4-BE49-F238E27FC236}">
-                  <a16:creationId xmlns:a16="http://schemas.microsoft.com/office/drawing/2014/main" id="{D93D56FC-08CC-3B25-2AAB-9FC89587F1BC}"/>
-                </a:ext>
-              </a:extLst>
-            </p:cNvPr>
-            <p:cNvSpPr txBox="1"/>
-            <p:nvPr/>
-          </p:nvSpPr>
-          <p:spPr>
-            <a:xfrm>
-              <a:off x="3840795" y="1394604"/>
-              <a:ext cx="1242442" cy="338554"/>
-            </a:xfrm>
-            <a:prstGeom prst="rect">
-              <a:avLst/>
-            </a:prstGeom>
-            <a:noFill/>
-          </p:spPr>
-          <p:txBody>
-            <a:bodyPr wrap="square" rtlCol="0">
-              <a:spAutoFit/>
-            </a:bodyPr>
-            <a:lstStyle/>
-            <a:p>
-              <a:pPr algn="r"/>
-              <a:r>
-                <a:rPr lang="en-US" sz="1600" dirty="0"/>
-                <a:t>Amino acid </a:t>
-              </a:r>
-            </a:p>
-          </p:txBody>
-        </p:sp>
-        <p:sp>
-          <p:nvSpPr>
-            <p:cNvPr id="30" name="TextBox 29">
-              <a:extLst>
-                <a:ext uri="{FF2B5EF4-FFF2-40B4-BE49-F238E27FC236}">
-                  <a16:creationId xmlns:a16="http://schemas.microsoft.com/office/drawing/2014/main" id="{FEC87875-6361-3501-0287-E91EF2AB2A5C}"/>
-                </a:ext>
-              </a:extLst>
-            </p:cNvPr>
-            <p:cNvSpPr txBox="1"/>
-            <p:nvPr/>
-          </p:nvSpPr>
-          <p:spPr>
-            <a:xfrm>
-              <a:off x="3264929" y="2123270"/>
-              <a:ext cx="1818308" cy="584775"/>
-            </a:xfrm>
-            <a:prstGeom prst="rect">
-              <a:avLst/>
-            </a:prstGeom>
-            <a:noFill/>
-          </p:spPr>
-          <p:txBody>
-            <a:bodyPr wrap="square" rtlCol="0">
-              <a:spAutoFit/>
-            </a:bodyPr>
-            <a:lstStyle/>
-            <a:p>
-              <a:pPr algn="r"/>
-              <a:r>
-                <a:rPr lang="en-US" sz="1600" dirty="0"/>
-                <a:t>Charge </a:t>
-              </a:r>
-              <a:br>
-                <a:rPr lang="en-US" sz="1600" dirty="0"/>
-              </a:br>
-              <a:r>
-                <a:rPr lang="en-US" sz="1600" dirty="0"/>
-                <a:t>(at given pH)</a:t>
-              </a:r>
-            </a:p>
-          </p:txBody>
-        </p:sp>
-        <p:sp>
-          <p:nvSpPr>
-            <p:cNvPr id="31" name="TextBox 30">
-              <a:extLst>
-                <a:ext uri="{FF2B5EF4-FFF2-40B4-BE49-F238E27FC236}">
-                  <a16:creationId xmlns:a16="http://schemas.microsoft.com/office/drawing/2014/main" id="{2CB29859-A137-44F1-F6FE-55189F3B67F3}"/>
-                </a:ext>
-              </a:extLst>
-            </p:cNvPr>
-            <p:cNvSpPr txBox="1"/>
-            <p:nvPr/>
-          </p:nvSpPr>
-          <p:spPr>
-            <a:xfrm>
-              <a:off x="3264929" y="3040436"/>
-              <a:ext cx="1818308" cy="338554"/>
-            </a:xfrm>
-            <a:prstGeom prst="rect">
-              <a:avLst/>
-            </a:prstGeom>
-            <a:noFill/>
-          </p:spPr>
-          <p:txBody>
-            <a:bodyPr wrap="square" rtlCol="0">
-              <a:spAutoFit/>
-            </a:bodyPr>
-            <a:lstStyle/>
-            <a:p>
-              <a:pPr algn="r"/>
-              <a:r>
-                <a:rPr lang="en-US" sz="1600" dirty="0"/>
-                <a:t>Block assignment</a:t>
-              </a:r>
-            </a:p>
-          </p:txBody>
-        </p:sp>
-        <p:sp>
-          <p:nvSpPr>
-            <p:cNvPr id="33" name="TextBox 32">
-              <a:extLst>
-                <a:ext uri="{FF2B5EF4-FFF2-40B4-BE49-F238E27FC236}">
-                  <a16:creationId xmlns:a16="http://schemas.microsoft.com/office/drawing/2014/main" id="{BBA26761-7480-0F29-2BD5-1E0555B0252C}"/>
-                </a:ext>
-              </a:extLst>
-            </p:cNvPr>
-            <p:cNvSpPr txBox="1"/>
-            <p:nvPr/>
-          </p:nvSpPr>
-          <p:spPr>
-            <a:xfrm>
-              <a:off x="691299" y="2062434"/>
-              <a:ext cx="2286000" cy="369332"/>
-            </a:xfrm>
-            <a:prstGeom prst="rect">
-              <a:avLst/>
-            </a:prstGeom>
-            <a:noFill/>
-          </p:spPr>
-          <p:txBody>
-            <a:bodyPr wrap="square" rtlCol="0">
-              <a:spAutoFit/>
-            </a:bodyPr>
-            <a:lstStyle/>
-            <a:p>
-              <a:pPr algn="ctr"/>
-              <a:r>
-                <a:rPr lang="en-US" b="1" dirty="0"/>
-                <a:t>Algorithm overview</a:t>
-              </a:r>
-            </a:p>
-          </p:txBody>
-        </p:sp>
-        <p:pic>
-          <p:nvPicPr>
-            <p:cNvPr id="26" name="Picture 25">
-              <a:extLst>
-                <a:ext uri="{FF2B5EF4-FFF2-40B4-BE49-F238E27FC236}">
-                  <a16:creationId xmlns:a16="http://schemas.microsoft.com/office/drawing/2014/main" id="{DB14B2D1-64A6-9398-F8DD-6E1A5ECE5ACB}"/>
-                </a:ext>
-              </a:extLst>
-            </p:cNvPr>
-            <p:cNvPicPr>
-              <a:picLocks noChangeAspect="1"/>
-            </p:cNvPicPr>
-            <p:nvPr/>
-          </p:nvPicPr>
-          <p:blipFill>
-            <a:blip r:embed="rId6"/>
-            <a:stretch>
-              <a:fillRect/>
-            </a:stretch>
-          </p:blipFill>
-          <p:spPr>
-            <a:xfrm>
-              <a:off x="5083237" y="1167008"/>
-              <a:ext cx="3982353" cy="2734070"/>
-            </a:xfrm>
-            <a:prstGeom prst="rect">
-              <a:avLst/>
-            </a:prstGeom>
-          </p:spPr>
-        </p:pic>
-      </p:grpSp>
-    </p:spTree>
-    <p:extLst>
-      <p:ext uri="{BB962C8B-B14F-4D97-AF65-F5344CB8AC3E}">
-        <p14:creationId xmlns:p14="http://schemas.microsoft.com/office/powerpoint/2010/main" val="3928369765"/>
-      </p:ext>
-    </p:extLst>
-  </p:cSld>
-  <p:clrMapOvr>
-    <a:masterClrMapping/>
-  </p:clrMapOvr>
-  <p:timing>
-    <p:tnLst>
-      <p:par>
-        <p:cTn id="1" dur="indefinite" restart="never" nodeType="tmRoot">
-          <p:childTnLst>
-            <p:seq concurrent="1" nextAc="seek">
-              <p:cTn id="2" dur="indefinite" nodeType="mainSeq">
-                <p:childTnLst>
-                  <p:par>
-                    <p:cTn id="3" fill="hold">
-                      <p:stCondLst>
-                        <p:cond delay="indefinite"/>
-                      </p:stCondLst>
-                      <p:childTnLst>
-                        <p:par>
-                          <p:cTn id="4" fill="hold">
-                            <p:stCondLst>
-                              <p:cond delay="0"/>
-                            </p:stCondLst>
-                            <p:childTnLst>
-                              <p:par>
-                                <p:cTn id="5" presetID="1" presetClass="entr" presetSubtype="0" fill="hold" grpId="0" nodeType="clickEffect">
-                                  <p:stCondLst>
-                                    <p:cond delay="0"/>
-                                  </p:stCondLst>
-                                  <p:childTnLst>
-                                    <p:set>
-                                      <p:cBhvr>
-                                        <p:cTn id="6" dur="1" fill="hold">
-                                          <p:stCondLst>
-                                            <p:cond delay="0"/>
-                                          </p:stCondLst>
-                                        </p:cTn>
-                                        <p:tgtEl>
-                                          <p:spTgt spid="9"/>
-                                        </p:tgtEl>
-                                        <p:attrNameLst>
-                                          <p:attrName>style.visibility</p:attrName>
-                                        </p:attrNameLst>
-                                      </p:cBhvr>
-                                      <p:to>
-                                        <p:strVal val="visible"/>
-                                      </p:to>
-                                    </p:set>
-                                  </p:childTnLst>
-                                </p:cTn>
-                              </p:par>
-                              <p:par>
-                                <p:cTn id="7" presetID="1" presetClass="entr" presetSubtype="0" fill="hold" nodeType="withEffect">
-                                  <p:stCondLst>
-                                    <p:cond delay="0"/>
-                                  </p:stCondLst>
-                                  <p:childTnLst>
-                                    <p:set>
-                                      <p:cBhvr>
-                                        <p:cTn id="8" dur="1" fill="hold">
-                                          <p:stCondLst>
-                                            <p:cond delay="0"/>
-                                          </p:stCondLst>
-                                        </p:cTn>
-                                        <p:tgtEl>
-                                          <p:spTgt spid="4"/>
-                                        </p:tgtEl>
-                                        <p:attrNameLst>
-                                          <p:attrName>style.visibility</p:attrName>
-                                        </p:attrNameLst>
-                                      </p:cBhvr>
-                                      <p:to>
-                                        <p:strVal val="visible"/>
-                                      </p:to>
-                                    </p:set>
-                                  </p:childTnLst>
-                                </p:cTn>
-                              </p:par>
-                              <p:par>
-                                <p:cTn id="9" presetID="1" presetClass="entr" presetSubtype="0" fill="hold" nodeType="withEffect">
-                                  <p:stCondLst>
-                                    <p:cond delay="0"/>
-                                  </p:stCondLst>
-                                  <p:childTnLst>
-                                    <p:set>
-                                      <p:cBhvr>
-                                        <p:cTn id="10" dur="1" fill="hold">
-                                          <p:stCondLst>
-                                            <p:cond delay="0"/>
-                                          </p:stCondLst>
-                                        </p:cTn>
-                                        <p:tgtEl>
-                                          <p:spTgt spid="11"/>
-                                        </p:tgtEl>
-                                        <p:attrNameLst>
-                                          <p:attrName>style.visibility</p:attrName>
-                                        </p:attrNameLst>
-                                      </p:cBhvr>
-                                      <p:to>
-                                        <p:strVal val="visible"/>
-                                      </p:to>
-                                    </p:set>
-                                  </p:childTnLst>
-                                </p:cTn>
-                              </p:par>
-                              <p:par>
-                                <p:cTn id="11" presetID="1" presetClass="entr" presetSubtype="0" fill="hold" grpId="0" nodeType="withEffect">
-                                  <p:stCondLst>
-                                    <p:cond delay="0"/>
-                                  </p:stCondLst>
-                                  <p:childTnLst>
-                                    <p:set>
-                                      <p:cBhvr>
-                                        <p:cTn id="12" dur="1" fill="hold">
-                                          <p:stCondLst>
-                                            <p:cond delay="0"/>
-                                          </p:stCondLst>
-                                        </p:cTn>
-                                        <p:tgtEl>
-                                          <p:spTgt spid="10"/>
-                                        </p:tgtEl>
-                                        <p:attrNameLst>
-                                          <p:attrName>style.visibility</p:attrName>
-                                        </p:attrNameLst>
-                                      </p:cBhvr>
-                                      <p:to>
-                                        <p:strVal val="visible"/>
-                                      </p:to>
-                                    </p:set>
-                                  </p:childTnLst>
-                                </p:cTn>
-                              </p:par>
-                              <p:par>
-                                <p:cTn id="13" presetID="1" presetClass="entr" presetSubtype="0" fill="hold" nodeType="withEffect">
-                                  <p:stCondLst>
-                                    <p:cond delay="0"/>
-                                  </p:stCondLst>
-                                  <p:childTnLst>
-                                    <p:set>
-                                      <p:cBhvr>
-                                        <p:cTn id="14" dur="1" fill="hold">
-                                          <p:stCondLst>
-                                            <p:cond delay="0"/>
-                                          </p:stCondLst>
-                                        </p:cTn>
-                                        <p:tgtEl>
-                                          <p:spTgt spid="7"/>
-                                        </p:tgtEl>
-                                        <p:attrNameLst>
-                                          <p:attrName>style.visibility</p:attrName>
-                                        </p:attrNameLst>
-                                      </p:cBhvr>
-                                      <p:to>
-                                        <p:strVal val="visible"/>
-                                      </p:to>
-                                    </p:set>
-                                  </p:childTnLst>
-                                </p:cTn>
-                              </p:par>
-                              <p:par>
-                                <p:cTn id="15" presetID="1" presetClass="entr" presetSubtype="0" fill="hold" nodeType="withEffect">
-                                  <p:stCondLst>
-                                    <p:cond delay="0"/>
-                                  </p:stCondLst>
-                                  <p:childTnLst>
-                                    <p:set>
-                                      <p:cBhvr>
-                                        <p:cTn id="16" dur="1" fill="hold">
-                                          <p:stCondLst>
-                                            <p:cond delay="0"/>
-                                          </p:stCondLst>
-                                        </p:cTn>
-                                        <p:tgtEl>
-                                          <p:spTgt spid="18"/>
-                                        </p:tgtEl>
-                                        <p:attrNameLst>
-                                          <p:attrName>style.visibility</p:attrName>
-                                        </p:attrNameLst>
-                                      </p:cBhvr>
-                                      <p:to>
-                                        <p:strVal val="visible"/>
-                                      </p:to>
-                                    </p:set>
-                                  </p:childTnLst>
-                                </p:cTn>
-                              </p:par>
-                            </p:childTnLst>
-                          </p:cTn>
-                        </p:par>
-                      </p:childTnLst>
-                    </p:cTn>
-                  </p:par>
-                  <p:par>
-                    <p:cTn id="17" fill="hold">
-                      <p:stCondLst>
-                        <p:cond delay="indefinite"/>
-                      </p:stCondLst>
-                      <p:childTnLst>
-                        <p:par>
-                          <p:cTn id="18" fill="hold">
-                            <p:stCondLst>
-                              <p:cond delay="0"/>
-                            </p:stCondLst>
-                            <p:childTnLst>
-                              <p:par>
-                                <p:cTn id="19" presetID="1" presetClass="entr" presetSubtype="0" fill="hold" nodeType="clickEffect">
-                                  <p:stCondLst>
-                                    <p:cond delay="0"/>
-                                  </p:stCondLst>
-                                  <p:childTnLst>
-                                    <p:set>
-                                      <p:cBhvr>
-                                        <p:cTn id="20" dur="1" fill="hold">
-                                          <p:stCondLst>
-                                            <p:cond delay="0"/>
-                                          </p:stCondLst>
-                                        </p:cTn>
-                                        <p:tgtEl>
-                                          <p:spTgt spid="5"/>
-                                        </p:tgtEl>
-                                        <p:attrNameLst>
-                                          <p:attrName>style.visibility</p:attrName>
-                                        </p:attrNameLst>
-                                      </p:cBhvr>
-                                      <p:to>
-                                        <p:strVal val="visible"/>
-                                      </p:to>
-                                    </p:set>
-                                  </p:childTnLst>
-                                </p:cTn>
-                              </p:par>
-                              <p:par>
-                                <p:cTn id="21" presetID="1" presetClass="entr" presetSubtype="0" fill="hold" nodeType="withEffect">
-                                  <p:stCondLst>
-                                    <p:cond delay="0"/>
-                                  </p:stCondLst>
-                                  <p:childTnLst>
-                                    <p:set>
-                                      <p:cBhvr>
-                                        <p:cTn id="22" dur="1" fill="hold">
-                                          <p:stCondLst>
-                                            <p:cond delay="0"/>
-                                          </p:stCondLst>
-                                        </p:cTn>
-                                        <p:tgtEl>
-                                          <p:spTgt spid="8"/>
-                                        </p:tgtEl>
-                                        <p:attrNameLst>
-                                          <p:attrName>style.visibility</p:attrName>
-                                        </p:attrNameLst>
-                                      </p:cBhvr>
-                                      <p:to>
-                                        <p:strVal val="visible"/>
-                                      </p:to>
-                                    </p:set>
-                                  </p:childTnLst>
-                                </p:cTn>
-                              </p:par>
-                            </p:childTnLst>
-                          </p:cTn>
-                        </p:par>
-                      </p:childTnLst>
-                    </p:cTn>
-                  </p:par>
-                </p:childTnLst>
-              </p:cTn>
-              <p:prevCondLst>
-                <p:cond evt="onPrev" delay="0">
-                  <p:tgtEl>
-                    <p:sldTgt/>
-                  </p:tgtEl>
-                </p:cond>
-              </p:prevCondLst>
-              <p:nextCondLst>
-                <p:cond evt="onNext" delay="0">
-                  <p:tgtEl>
-                    <p:sldTgt/>
-                  </p:tgtEl>
-                </p:cond>
-              </p:nextCondLst>
-            </p:seq>
-          </p:childTnLst>
-        </p:cTn>
-      </p:par>
-    </p:tnLst>
-    <p:bldLst>
-      <p:bldP spid="9" grpId="0" animBg="1"/>
-      <p:bldP spid="10" grpId="0" animBg="1"/>
-    </p:bldLst>
-  </p:timing>
-</p:sld>
-</file>
-
-<file path=ppt/slides/slide4.xml><?xml version="1.0" encoding="utf-8"?>
+<file path=ppt/slides/slide6.xml><?xml version="1.0" encoding="utf-8"?>
 <p:sld xmlns:a="http://schemas.openxmlformats.org/drawingml/2006/main" xmlns:r="http://schemas.openxmlformats.org/officeDocument/2006/relationships" xmlns:p="http://schemas.openxmlformats.org/presentationml/2006/main">
   <p:cSld>
     <p:spTree>
@@ -7047,7 +7145,7 @@
 </p:sld>
 </file>
 
-<file path=ppt/slides/slide5.xml><?xml version="1.0" encoding="utf-8"?>
+<file path=ppt/slides/slide7.xml><?xml version="1.0" encoding="utf-8"?>
 <p:sld xmlns:a="http://schemas.openxmlformats.org/drawingml/2006/main" xmlns:r="http://schemas.openxmlformats.org/officeDocument/2006/relationships" xmlns:p="http://schemas.openxmlformats.org/presentationml/2006/main">
   <p:cSld>
     <p:spTree>
@@ -7232,7 +7330,7 @@
 </p:sld>
 </file>
 
-<file path=ppt/slides/slide6.xml><?xml version="1.0" encoding="utf-8"?>
+<file path=ppt/slides/slide8.xml><?xml version="1.0" encoding="utf-8"?>
 <p:sld xmlns:a="http://schemas.openxmlformats.org/drawingml/2006/main" xmlns:r="http://schemas.openxmlformats.org/officeDocument/2006/relationships" xmlns:p="http://schemas.openxmlformats.org/presentationml/2006/main">
   <p:cSld>
     <p:spTree>
@@ -7795,1623 +7893,6 @@
       <p:bldP spid="10" grpId="0" animBg="1"/>
       <p:bldP spid="18" grpId="0"/>
     </p:bldLst>
-  </p:timing>
-</p:sld>
-</file>
-
-<file path=ppt/slides/slide7.xml><?xml version="1.0" encoding="utf-8"?>
-<p:sld xmlns:a="http://schemas.openxmlformats.org/drawingml/2006/main" xmlns:r="http://schemas.openxmlformats.org/officeDocument/2006/relationships" xmlns:p="http://schemas.openxmlformats.org/presentationml/2006/main">
-  <p:cSld>
-    <p:spTree>
-      <p:nvGrpSpPr>
-        <p:cNvPr id="1" name=""/>
-        <p:cNvGrpSpPr/>
-        <p:nvPr/>
-      </p:nvGrpSpPr>
-      <p:grpSpPr>
-        <a:xfrm>
-          <a:off x="0" y="0"/>
-          <a:ext cx="0" cy="0"/>
-          <a:chOff x="0" y="0"/>
-          <a:chExt cx="0" cy="0"/>
-        </a:xfrm>
-      </p:grpSpPr>
-      <p:sp>
-        <p:nvSpPr>
-          <p:cNvPr id="2" name="Title 1">
-            <a:extLst>
-              <a:ext uri="{FF2B5EF4-FFF2-40B4-BE49-F238E27FC236}">
-                <a16:creationId xmlns:a16="http://schemas.microsoft.com/office/drawing/2014/main" id="{858679F7-641A-5B1B-1B43-6CFFE672DF2D}"/>
-              </a:ext>
-            </a:extLst>
-          </p:cNvPr>
-          <p:cNvSpPr>
-            <a:spLocks noGrp="1"/>
-          </p:cNvSpPr>
-          <p:nvPr>
-            <p:ph type="title"/>
-          </p:nvPr>
-        </p:nvSpPr>
-        <p:spPr/>
-        <p:txBody>
-          <a:bodyPr/>
-          <a:lstStyle/>
-          <a:p>
-            <a:r>
-              <a:rPr lang="en-US" dirty="0"/>
-              <a:t>Fitting pure NFL and NFH</a:t>
-            </a:r>
-          </a:p>
-        </p:txBody>
-      </p:sp>
-      <p:grpSp>
-        <p:nvGrpSpPr>
-          <p:cNvPr id="13" name="Group 12">
-            <a:extLst>
-              <a:ext uri="{FF2B5EF4-FFF2-40B4-BE49-F238E27FC236}">
-                <a16:creationId xmlns:a16="http://schemas.microsoft.com/office/drawing/2014/main" id="{6A7FF2A6-7714-CD52-5DFD-D58B4258B970}"/>
-              </a:ext>
-            </a:extLst>
-          </p:cNvPr>
-          <p:cNvGrpSpPr/>
-          <p:nvPr/>
-        </p:nvGrpSpPr>
-        <p:grpSpPr>
-          <a:xfrm>
-            <a:off x="153637" y="2083434"/>
-            <a:ext cx="3758453" cy="3472776"/>
-            <a:chOff x="153637" y="2083434"/>
-            <a:chExt cx="3758453" cy="3472776"/>
-          </a:xfrm>
-        </p:grpSpPr>
-        <p:pic>
-          <p:nvPicPr>
-            <p:cNvPr id="1026" name="Picture 2">
-              <a:extLst>
-                <a:ext uri="{FF2B5EF4-FFF2-40B4-BE49-F238E27FC236}">
-                  <a16:creationId xmlns:a16="http://schemas.microsoft.com/office/drawing/2014/main" id="{070100FD-A0E0-C2C3-68DF-19FF1A3235FA}"/>
-                </a:ext>
-              </a:extLst>
-            </p:cNvPr>
-            <p:cNvPicPr>
-              <a:picLocks noChangeAspect="1" noChangeArrowheads="1"/>
-            </p:cNvPicPr>
-            <p:nvPr/>
-          </p:nvPicPr>
-          <p:blipFill rotWithShape="1">
-            <a:blip r:embed="rId2">
-              <a:extLst>
-                <a:ext uri="{28A0092B-C50C-407E-A947-70E740481C1C}">
-                  <a14:useLocalDpi xmlns:a14="http://schemas.microsoft.com/office/drawing/2010/main" val="0"/>
-                </a:ext>
-              </a:extLst>
-            </a:blip>
-            <a:srcRect t="7243" r="18035"/>
-            <a:stretch/>
-          </p:blipFill>
-          <p:spPr bwMode="auto">
-            <a:xfrm>
-              <a:off x="153637" y="2452766"/>
-              <a:ext cx="3758453" cy="3103444"/>
-            </a:xfrm>
-            <a:prstGeom prst="rect">
-              <a:avLst/>
-            </a:prstGeom>
-            <a:noFill/>
-            <a:extLst>
-              <a:ext uri="{909E8E84-426E-40DD-AFC4-6F175D3DCCD1}">
-                <a14:hiddenFill xmlns:a14="http://schemas.microsoft.com/office/drawing/2010/main">
-                  <a:solidFill>
-                    <a:srgbClr val="FFFFFF"/>
-                  </a:solidFill>
-                </a14:hiddenFill>
-              </a:ext>
-            </a:extLst>
-          </p:spPr>
-        </p:pic>
-        <p:sp>
-          <p:nvSpPr>
-            <p:cNvPr id="3" name="TextBox 2">
-              <a:extLst>
-                <a:ext uri="{FF2B5EF4-FFF2-40B4-BE49-F238E27FC236}">
-                  <a16:creationId xmlns:a16="http://schemas.microsoft.com/office/drawing/2014/main" id="{ED2ABEA8-14D2-BBAD-AB79-DCE6378C7D54}"/>
-                </a:ext>
-              </a:extLst>
-            </p:cNvPr>
-            <p:cNvSpPr txBox="1"/>
-            <p:nvPr/>
-          </p:nvSpPr>
-          <p:spPr>
-            <a:xfrm>
-              <a:off x="768840" y="2083434"/>
-              <a:ext cx="2931459" cy="369332"/>
-            </a:xfrm>
-            <a:prstGeom prst="rect">
-              <a:avLst/>
-            </a:prstGeom>
-            <a:noFill/>
-          </p:spPr>
-          <p:txBody>
-            <a:bodyPr wrap="square" rtlCol="0">
-              <a:spAutoFit/>
-            </a:bodyPr>
-            <a:lstStyle/>
-            <a:p>
-              <a:r>
-                <a:rPr lang="en-US" dirty="0"/>
-                <a:t>Experimental Data from Erika</a:t>
-              </a:r>
-            </a:p>
-          </p:txBody>
-        </p:sp>
-        <p:sp>
-          <p:nvSpPr>
-            <p:cNvPr id="7" name="TextBox 6">
-              <a:extLst>
-                <a:ext uri="{FF2B5EF4-FFF2-40B4-BE49-F238E27FC236}">
-                  <a16:creationId xmlns:a16="http://schemas.microsoft.com/office/drawing/2014/main" id="{6BF4E757-5AC5-C87C-BD87-B22DA6E07CA7}"/>
-                </a:ext>
-              </a:extLst>
-            </p:cNvPr>
-            <p:cNvSpPr txBox="1"/>
-            <p:nvPr/>
-          </p:nvSpPr>
-          <p:spPr>
-            <a:xfrm>
-              <a:off x="2604924" y="2798005"/>
-              <a:ext cx="638175" cy="369332"/>
-            </a:xfrm>
-            <a:prstGeom prst="rect">
-              <a:avLst/>
-            </a:prstGeom>
-            <a:noFill/>
-          </p:spPr>
-          <p:txBody>
-            <a:bodyPr wrap="square" rtlCol="0">
-              <a:spAutoFit/>
-            </a:bodyPr>
-            <a:lstStyle/>
-            <a:p>
-              <a:pPr algn="ctr"/>
-              <a:r>
-                <a:rPr lang="en-US" dirty="0"/>
-                <a:t>NFL</a:t>
-              </a:r>
-            </a:p>
-          </p:txBody>
-        </p:sp>
-        <p:sp>
-          <p:nvSpPr>
-            <p:cNvPr id="10" name="TextBox 9">
-              <a:extLst>
-                <a:ext uri="{FF2B5EF4-FFF2-40B4-BE49-F238E27FC236}">
-                  <a16:creationId xmlns:a16="http://schemas.microsoft.com/office/drawing/2014/main" id="{5E51FAC9-4A6C-D98D-1A73-5656A5D803D4}"/>
-                </a:ext>
-              </a:extLst>
-            </p:cNvPr>
-            <p:cNvSpPr txBox="1"/>
-            <p:nvPr/>
-          </p:nvSpPr>
-          <p:spPr>
-            <a:xfrm>
-              <a:off x="2604924" y="4059535"/>
-              <a:ext cx="638175" cy="369332"/>
-            </a:xfrm>
-            <a:prstGeom prst="rect">
-              <a:avLst/>
-            </a:prstGeom>
-            <a:noFill/>
-          </p:spPr>
-          <p:txBody>
-            <a:bodyPr wrap="square" rtlCol="0">
-              <a:spAutoFit/>
-            </a:bodyPr>
-            <a:lstStyle/>
-            <a:p>
-              <a:pPr algn="ctr"/>
-              <a:r>
-                <a:rPr lang="en-US" dirty="0"/>
-                <a:t>NFH</a:t>
-              </a:r>
-            </a:p>
-          </p:txBody>
-        </p:sp>
-      </p:grpSp>
-      <p:grpSp>
-        <p:nvGrpSpPr>
-          <p:cNvPr id="18" name="Group 17">
-            <a:extLst>
-              <a:ext uri="{FF2B5EF4-FFF2-40B4-BE49-F238E27FC236}">
-                <a16:creationId xmlns:a16="http://schemas.microsoft.com/office/drawing/2014/main" id="{A472CED9-3DD4-4DC6-4365-5DEAA9628A81}"/>
-              </a:ext>
-            </a:extLst>
-          </p:cNvPr>
-          <p:cNvGrpSpPr/>
-          <p:nvPr/>
-        </p:nvGrpSpPr>
-        <p:grpSpPr>
-          <a:xfrm>
-            <a:off x="4315502" y="2083434"/>
-            <a:ext cx="4587011" cy="3472776"/>
-            <a:chOff x="4823689" y="2083434"/>
-            <a:chExt cx="4587011" cy="3472776"/>
-          </a:xfrm>
-        </p:grpSpPr>
-        <p:sp>
-          <p:nvSpPr>
-            <p:cNvPr id="9" name="TextBox 8">
-              <a:extLst>
-                <a:ext uri="{FF2B5EF4-FFF2-40B4-BE49-F238E27FC236}">
-                  <a16:creationId xmlns:a16="http://schemas.microsoft.com/office/drawing/2014/main" id="{4DA4E189-5610-B56B-75FC-5B9812CF609F}"/>
-                </a:ext>
-              </a:extLst>
-            </p:cNvPr>
-            <p:cNvSpPr txBox="1"/>
-            <p:nvPr/>
-          </p:nvSpPr>
-          <p:spPr>
-            <a:xfrm>
-              <a:off x="5419725" y="2083434"/>
-              <a:ext cx="2931459" cy="369332"/>
-            </a:xfrm>
-            <a:prstGeom prst="rect">
-              <a:avLst/>
-            </a:prstGeom>
-            <a:noFill/>
-          </p:spPr>
-          <p:txBody>
-            <a:bodyPr wrap="square" rtlCol="0">
-              <a:spAutoFit/>
-            </a:bodyPr>
-            <a:lstStyle/>
-            <a:p>
-              <a:pPr algn="ctr"/>
-              <a:r>
-                <a:rPr lang="en-US" dirty="0"/>
-                <a:t>Calculated Heights from SCFT</a:t>
-              </a:r>
-            </a:p>
-          </p:txBody>
-        </p:sp>
-        <p:grpSp>
-          <p:nvGrpSpPr>
-            <p:cNvPr id="15" name="Group 14">
-              <a:extLst>
-                <a:ext uri="{FF2B5EF4-FFF2-40B4-BE49-F238E27FC236}">
-                  <a16:creationId xmlns:a16="http://schemas.microsoft.com/office/drawing/2014/main" id="{5BB3E684-EC60-DAD3-55EA-60EA1AD174C0}"/>
-                </a:ext>
-              </a:extLst>
-            </p:cNvPr>
-            <p:cNvGrpSpPr/>
-            <p:nvPr/>
-          </p:nvGrpSpPr>
-          <p:grpSpPr>
-            <a:xfrm>
-              <a:off x="4823689" y="2489643"/>
-              <a:ext cx="4587011" cy="3066567"/>
-              <a:chOff x="6425009" y="2432493"/>
-              <a:chExt cx="4587011" cy="3066567"/>
-            </a:xfrm>
-          </p:grpSpPr>
-          <p:grpSp>
-            <p:nvGrpSpPr>
-              <p:cNvPr id="8" name="Group 7">
-                <a:extLst>
-                  <a:ext uri="{FF2B5EF4-FFF2-40B4-BE49-F238E27FC236}">
-                    <a16:creationId xmlns:a16="http://schemas.microsoft.com/office/drawing/2014/main" id="{FFC51361-25F0-2A1F-205E-6BC61837EF62}"/>
-                  </a:ext>
-                </a:extLst>
-              </p:cNvPr>
-              <p:cNvGrpSpPr/>
-              <p:nvPr/>
-            </p:nvGrpSpPr>
-            <p:grpSpPr>
-              <a:xfrm>
-                <a:off x="6425009" y="2432493"/>
-                <a:ext cx="3644036" cy="2568790"/>
-                <a:chOff x="6299503" y="2321861"/>
-                <a:chExt cx="3644036" cy="2568790"/>
-              </a:xfrm>
-            </p:grpSpPr>
-            <p:pic>
-              <p:nvPicPr>
-                <p:cNvPr id="1028" name="Picture 4">
-                  <a:extLst>
-                    <a:ext uri="{FF2B5EF4-FFF2-40B4-BE49-F238E27FC236}">
-                      <a16:creationId xmlns:a16="http://schemas.microsoft.com/office/drawing/2014/main" id="{4FD5B347-6169-9532-8402-639F0B617D11}"/>
-                    </a:ext>
-                  </a:extLst>
-                </p:cNvPr>
-                <p:cNvPicPr>
-                  <a:picLocks noChangeAspect="1" noChangeArrowheads="1"/>
-                </p:cNvPicPr>
-                <p:nvPr/>
-              </p:nvPicPr>
-              <p:blipFill rotWithShape="1">
-                <a:blip r:embed="rId3">
-                  <a:extLst>
-                    <a:ext uri="{28A0092B-C50C-407E-A947-70E740481C1C}">
-                      <a14:useLocalDpi xmlns:a14="http://schemas.microsoft.com/office/drawing/2010/main" val="0"/>
-                    </a:ext>
-                  </a:extLst>
-                </a:blip>
-                <a:srcRect t="8947" r="23492"/>
-                <a:stretch/>
-              </p:blipFill>
-              <p:spPr bwMode="auto">
-                <a:xfrm>
-                  <a:off x="6299503" y="2321861"/>
-                  <a:ext cx="3644036" cy="2568790"/>
-                </a:xfrm>
-                <a:prstGeom prst="rect">
-                  <a:avLst/>
-                </a:prstGeom>
-                <a:noFill/>
-                <a:extLst>
-                  <a:ext uri="{909E8E84-426E-40DD-AFC4-6F175D3DCCD1}">
-                    <a14:hiddenFill xmlns:a14="http://schemas.microsoft.com/office/drawing/2010/main">
-                      <a:solidFill>
-                        <a:srgbClr val="FFFFFF"/>
-                      </a:solidFill>
-                    </a14:hiddenFill>
-                  </a:ext>
-                </a:extLst>
-              </p:spPr>
-            </p:pic>
-            <p:sp>
-              <p:nvSpPr>
-                <p:cNvPr id="6" name="Rectangle 5">
-                  <a:extLst>
-                    <a:ext uri="{FF2B5EF4-FFF2-40B4-BE49-F238E27FC236}">
-                      <a16:creationId xmlns:a16="http://schemas.microsoft.com/office/drawing/2014/main" id="{299E0120-925E-F64A-0E4A-D4CB5542D0D3}"/>
-                    </a:ext>
-                  </a:extLst>
-                </p:cNvPr>
-                <p:cNvSpPr/>
-                <p:nvPr/>
-              </p:nvSpPr>
-              <p:spPr>
-                <a:xfrm>
-                  <a:off x="7682753" y="2395616"/>
-                  <a:ext cx="1452282" cy="248972"/>
-                </a:xfrm>
-                <a:prstGeom prst="rect">
-                  <a:avLst/>
-                </a:prstGeom>
-                <a:solidFill>
-                  <a:schemeClr val="bg1"/>
-                </a:solidFill>
-                <a:ln>
-                  <a:solidFill>
-                    <a:schemeClr val="bg1"/>
-                  </a:solidFill>
-                </a:ln>
-              </p:spPr>
-              <p:style>
-                <a:lnRef idx="2">
-                  <a:schemeClr val="accent1">
-                    <a:shade val="50000"/>
-                  </a:schemeClr>
-                </a:lnRef>
-                <a:fillRef idx="1">
-                  <a:schemeClr val="accent1"/>
-                </a:fillRef>
-                <a:effectRef idx="0">
-                  <a:schemeClr val="accent1"/>
-                </a:effectRef>
-                <a:fontRef idx="minor">
-                  <a:schemeClr val="lt1"/>
-                </a:fontRef>
-              </p:style>
-              <p:txBody>
-                <a:bodyPr rtlCol="0" anchor="ctr"/>
-                <a:lstStyle/>
-                <a:p>
-                  <a:pPr algn="ctr"/>
-                  <a:endParaRPr lang="en-US"/>
-                </a:p>
-              </p:txBody>
-            </p:sp>
-          </p:grpSp>
-          <p:pic>
-            <p:nvPicPr>
-              <p:cNvPr id="14" name="Picture 2">
-                <a:extLst>
-                  <a:ext uri="{FF2B5EF4-FFF2-40B4-BE49-F238E27FC236}">
-                    <a16:creationId xmlns:a16="http://schemas.microsoft.com/office/drawing/2014/main" id="{03FF2F60-191D-A96D-6792-230709AF4EDE}"/>
-                  </a:ext>
-                </a:extLst>
-              </p:cNvPr>
-              <p:cNvPicPr>
-                <a:picLocks noChangeAspect="1" noChangeArrowheads="1"/>
-              </p:cNvPicPr>
-              <p:nvPr/>
-            </p:nvPicPr>
-            <p:blipFill rotWithShape="1">
-              <a:blip r:embed="rId2">
-                <a:extLst>
-                  <a:ext uri="{28A0092B-C50C-407E-A947-70E740481C1C}">
-                    <a14:useLocalDpi xmlns:a14="http://schemas.microsoft.com/office/drawing/2010/main" val="0"/>
-                  </a:ext>
-                </a:extLst>
-              </a:blip>
-              <a:srcRect t="77024"/>
-              <a:stretch/>
-            </p:blipFill>
-            <p:spPr bwMode="auto">
-              <a:xfrm>
-                <a:off x="6425009" y="4730322"/>
-                <a:ext cx="4587011" cy="768738"/>
-              </a:xfrm>
-              <a:prstGeom prst="rect">
-                <a:avLst/>
-              </a:prstGeom>
-              <a:noFill/>
-              <a:extLst>
-                <a:ext uri="{909E8E84-426E-40DD-AFC4-6F175D3DCCD1}">
-                  <a14:hiddenFill xmlns:a14="http://schemas.microsoft.com/office/drawing/2010/main">
-                    <a:solidFill>
-                      <a:srgbClr val="FFFFFF"/>
-                    </a:solidFill>
-                  </a14:hiddenFill>
-                </a:ext>
-              </a:extLst>
-            </p:spPr>
-          </p:pic>
-        </p:grpSp>
-        <p:sp>
-          <p:nvSpPr>
-            <p:cNvPr id="11" name="TextBox 10">
-              <a:extLst>
-                <a:ext uri="{FF2B5EF4-FFF2-40B4-BE49-F238E27FC236}">
-                  <a16:creationId xmlns:a16="http://schemas.microsoft.com/office/drawing/2014/main" id="{1F8DF747-8F89-84B5-9CF8-E8246EDFB541}"/>
-                </a:ext>
-              </a:extLst>
-            </p:cNvPr>
-            <p:cNvSpPr txBox="1"/>
-            <p:nvPr/>
-          </p:nvSpPr>
-          <p:spPr>
-            <a:xfrm>
-              <a:off x="7263092" y="2886125"/>
-              <a:ext cx="638175" cy="369332"/>
-            </a:xfrm>
-            <a:prstGeom prst="rect">
-              <a:avLst/>
-            </a:prstGeom>
-            <a:noFill/>
-          </p:spPr>
-          <p:txBody>
-            <a:bodyPr wrap="square" rtlCol="0">
-              <a:spAutoFit/>
-            </a:bodyPr>
-            <a:lstStyle/>
-            <a:p>
-              <a:pPr algn="ctr"/>
-              <a:r>
-                <a:rPr lang="en-US" dirty="0"/>
-                <a:t>NFL</a:t>
-              </a:r>
-            </a:p>
-          </p:txBody>
-        </p:sp>
-        <p:sp>
-          <p:nvSpPr>
-            <p:cNvPr id="12" name="TextBox 11">
-              <a:extLst>
-                <a:ext uri="{FF2B5EF4-FFF2-40B4-BE49-F238E27FC236}">
-                  <a16:creationId xmlns:a16="http://schemas.microsoft.com/office/drawing/2014/main" id="{ED9C548B-0DDC-BF45-4F06-406B24CB3B5A}"/>
-                </a:ext>
-              </a:extLst>
-            </p:cNvPr>
-            <p:cNvSpPr txBox="1"/>
-            <p:nvPr/>
-          </p:nvSpPr>
-          <p:spPr>
-            <a:xfrm>
-              <a:off x="7263092" y="4147655"/>
-              <a:ext cx="638175" cy="369332"/>
-            </a:xfrm>
-            <a:prstGeom prst="rect">
-              <a:avLst/>
-            </a:prstGeom>
-            <a:noFill/>
-          </p:spPr>
-          <p:txBody>
-            <a:bodyPr wrap="square" rtlCol="0">
-              <a:spAutoFit/>
-            </a:bodyPr>
-            <a:lstStyle/>
-            <a:p>
-              <a:pPr algn="ctr"/>
-              <a:r>
-                <a:rPr lang="en-US" dirty="0"/>
-                <a:t>NFH</a:t>
-              </a:r>
-            </a:p>
-          </p:txBody>
-        </p:sp>
-      </p:grpSp>
-      <p:pic>
-        <p:nvPicPr>
-          <p:cNvPr id="2050" name="Picture 2">
-            <a:extLst>
-              <a:ext uri="{FF2B5EF4-FFF2-40B4-BE49-F238E27FC236}">
-                <a16:creationId xmlns:a16="http://schemas.microsoft.com/office/drawing/2014/main" id="{55B7F6C4-3F32-6D1E-BEED-8E26AB70895B}"/>
-              </a:ext>
-            </a:extLst>
-          </p:cNvPr>
-          <p:cNvPicPr>
-            <a:picLocks noChangeAspect="1" noChangeArrowheads="1"/>
-          </p:cNvPicPr>
-          <p:nvPr/>
-        </p:nvPicPr>
-        <p:blipFill>
-          <a:blip r:embed="rId4">
-            <a:extLst>
-              <a:ext uri="{28A0092B-C50C-407E-A947-70E740481C1C}">
-                <a14:useLocalDpi xmlns:a14="http://schemas.microsoft.com/office/drawing/2010/main" val="0"/>
-              </a:ext>
-            </a:extLst>
-          </a:blip>
-          <a:srcRect/>
-          <a:stretch>
-            <a:fillRect/>
-          </a:stretch>
-        </p:blipFill>
-        <p:spPr bwMode="auto">
-          <a:xfrm>
-            <a:off x="8308546" y="1220590"/>
-            <a:ext cx="3552825" cy="2611112"/>
-          </a:xfrm>
-          <a:prstGeom prst="rect">
-            <a:avLst/>
-          </a:prstGeom>
-          <a:noFill/>
-          <a:extLst>
-            <a:ext uri="{909E8E84-426E-40DD-AFC4-6F175D3DCCD1}">
-              <a14:hiddenFill xmlns:a14="http://schemas.microsoft.com/office/drawing/2010/main">
-                <a:solidFill>
-                  <a:srgbClr val="FFFFFF"/>
-                </a:solidFill>
-              </a14:hiddenFill>
-            </a:ext>
-          </a:extLst>
-        </p:spPr>
-      </p:pic>
-      <p:pic>
-        <p:nvPicPr>
-          <p:cNvPr id="2052" name="Picture 4">
-            <a:extLst>
-              <a:ext uri="{FF2B5EF4-FFF2-40B4-BE49-F238E27FC236}">
-                <a16:creationId xmlns:a16="http://schemas.microsoft.com/office/drawing/2014/main" id="{5ADA34E7-5CD9-6270-7DF3-166F1A212DC4}"/>
-              </a:ext>
-            </a:extLst>
-          </p:cNvPr>
-          <p:cNvPicPr>
-            <a:picLocks noChangeAspect="1" noChangeArrowheads="1"/>
-          </p:cNvPicPr>
-          <p:nvPr/>
-        </p:nvPicPr>
-        <p:blipFill>
-          <a:blip r:embed="rId5">
-            <a:extLst>
-              <a:ext uri="{28A0092B-C50C-407E-A947-70E740481C1C}">
-                <a14:useLocalDpi xmlns:a14="http://schemas.microsoft.com/office/drawing/2010/main" val="0"/>
-              </a:ext>
-            </a:extLst>
-          </a:blip>
-          <a:srcRect/>
-          <a:stretch>
-            <a:fillRect/>
-          </a:stretch>
-        </p:blipFill>
-        <p:spPr bwMode="auto">
-          <a:xfrm>
-            <a:off x="8366132" y="3831702"/>
-            <a:ext cx="3495239" cy="2568790"/>
-          </a:xfrm>
-          <a:prstGeom prst="rect">
-            <a:avLst/>
-          </a:prstGeom>
-          <a:noFill/>
-          <a:extLst>
-            <a:ext uri="{909E8E84-426E-40DD-AFC4-6F175D3DCCD1}">
-              <a14:hiddenFill xmlns:a14="http://schemas.microsoft.com/office/drawing/2010/main">
-                <a:solidFill>
-                  <a:srgbClr val="FFFFFF"/>
-                </a:solidFill>
-              </a14:hiddenFill>
-            </a:ext>
-          </a:extLst>
-        </p:spPr>
-      </p:pic>
-    </p:spTree>
-    <p:extLst>
-      <p:ext uri="{BB962C8B-B14F-4D97-AF65-F5344CB8AC3E}">
-        <p14:creationId xmlns:p14="http://schemas.microsoft.com/office/powerpoint/2010/main" val="2360702709"/>
-      </p:ext>
-    </p:extLst>
-  </p:cSld>
-  <p:clrMapOvr>
-    <a:masterClrMapping/>
-  </p:clrMapOvr>
-  <p:timing>
-    <p:tnLst>
-      <p:par>
-        <p:cTn id="1" dur="indefinite" restart="never" nodeType="tmRoot">
-          <p:childTnLst>
-            <p:seq concurrent="1" nextAc="seek">
-              <p:cTn id="2" dur="indefinite" nodeType="mainSeq">
-                <p:childTnLst>
-                  <p:par>
-                    <p:cTn id="3" fill="hold">
-                      <p:stCondLst>
-                        <p:cond delay="indefinite"/>
-                      </p:stCondLst>
-                      <p:childTnLst>
-                        <p:par>
-                          <p:cTn id="4" fill="hold">
-                            <p:stCondLst>
-                              <p:cond delay="0"/>
-                            </p:stCondLst>
-                            <p:childTnLst>
-                              <p:par>
-                                <p:cTn id="5" presetID="1" presetClass="entr" presetSubtype="0" fill="hold" nodeType="clickEffect">
-                                  <p:stCondLst>
-                                    <p:cond delay="0"/>
-                                  </p:stCondLst>
-                                  <p:childTnLst>
-                                    <p:set>
-                                      <p:cBhvr>
-                                        <p:cTn id="6" dur="1" fill="hold">
-                                          <p:stCondLst>
-                                            <p:cond delay="0"/>
-                                          </p:stCondLst>
-                                        </p:cTn>
-                                        <p:tgtEl>
-                                          <p:spTgt spid="18"/>
-                                        </p:tgtEl>
-                                        <p:attrNameLst>
-                                          <p:attrName>style.visibility</p:attrName>
-                                        </p:attrNameLst>
-                                      </p:cBhvr>
-                                      <p:to>
-                                        <p:strVal val="visible"/>
-                                      </p:to>
-                                    </p:set>
-                                  </p:childTnLst>
-                                </p:cTn>
-                              </p:par>
-                            </p:childTnLst>
-                          </p:cTn>
-                        </p:par>
-                      </p:childTnLst>
-                    </p:cTn>
-                  </p:par>
-                  <p:par>
-                    <p:cTn id="7" fill="hold">
-                      <p:stCondLst>
-                        <p:cond delay="indefinite"/>
-                      </p:stCondLst>
-                      <p:childTnLst>
-                        <p:par>
-                          <p:cTn id="8" fill="hold">
-                            <p:stCondLst>
-                              <p:cond delay="0"/>
-                            </p:stCondLst>
-                            <p:childTnLst>
-                              <p:par>
-                                <p:cTn id="9" presetID="1" presetClass="entr" presetSubtype="0" fill="hold" nodeType="clickEffect">
-                                  <p:stCondLst>
-                                    <p:cond delay="0"/>
-                                  </p:stCondLst>
-                                  <p:childTnLst>
-                                    <p:set>
-                                      <p:cBhvr>
-                                        <p:cTn id="10" dur="1" fill="hold">
-                                          <p:stCondLst>
-                                            <p:cond delay="0"/>
-                                          </p:stCondLst>
-                                        </p:cTn>
-                                        <p:tgtEl>
-                                          <p:spTgt spid="2050"/>
-                                        </p:tgtEl>
-                                        <p:attrNameLst>
-                                          <p:attrName>style.visibility</p:attrName>
-                                        </p:attrNameLst>
-                                      </p:cBhvr>
-                                      <p:to>
-                                        <p:strVal val="visible"/>
-                                      </p:to>
-                                    </p:set>
-                                  </p:childTnLst>
-                                </p:cTn>
-                              </p:par>
-                              <p:par>
-                                <p:cTn id="11" presetID="1" presetClass="entr" presetSubtype="0" fill="hold" nodeType="withEffect">
-                                  <p:stCondLst>
-                                    <p:cond delay="0"/>
-                                  </p:stCondLst>
-                                  <p:childTnLst>
-                                    <p:set>
-                                      <p:cBhvr>
-                                        <p:cTn id="12" dur="1" fill="hold">
-                                          <p:stCondLst>
-                                            <p:cond delay="0"/>
-                                          </p:stCondLst>
-                                        </p:cTn>
-                                        <p:tgtEl>
-                                          <p:spTgt spid="2052"/>
-                                        </p:tgtEl>
-                                        <p:attrNameLst>
-                                          <p:attrName>style.visibility</p:attrName>
-                                        </p:attrNameLst>
-                                      </p:cBhvr>
-                                      <p:to>
-                                        <p:strVal val="visible"/>
-                                      </p:to>
-                                    </p:set>
-                                  </p:childTnLst>
-                                </p:cTn>
-                              </p:par>
-                            </p:childTnLst>
-                          </p:cTn>
-                        </p:par>
-                      </p:childTnLst>
-                    </p:cTn>
-                  </p:par>
-                </p:childTnLst>
-              </p:cTn>
-              <p:prevCondLst>
-                <p:cond evt="onPrev" delay="0">
-                  <p:tgtEl>
-                    <p:sldTgt/>
-                  </p:tgtEl>
-                </p:cond>
-              </p:prevCondLst>
-              <p:nextCondLst>
-                <p:cond evt="onNext" delay="0">
-                  <p:tgtEl>
-                    <p:sldTgt/>
-                  </p:tgtEl>
-                </p:cond>
-              </p:nextCondLst>
-            </p:seq>
-          </p:childTnLst>
-        </p:cTn>
-      </p:par>
-    </p:tnLst>
-  </p:timing>
-</p:sld>
-</file>
-
-<file path=ppt/slides/slide8.xml><?xml version="1.0" encoding="utf-8"?>
-<p:sld xmlns:a="http://schemas.openxmlformats.org/drawingml/2006/main" xmlns:r="http://schemas.openxmlformats.org/officeDocument/2006/relationships" xmlns:p="http://schemas.openxmlformats.org/presentationml/2006/main">
-  <p:cSld>
-    <p:spTree>
-      <p:nvGrpSpPr>
-        <p:cNvPr id="1" name=""/>
-        <p:cNvGrpSpPr/>
-        <p:nvPr/>
-      </p:nvGrpSpPr>
-      <p:grpSpPr>
-        <a:xfrm>
-          <a:off x="0" y="0"/>
-          <a:ext cx="0" cy="0"/>
-          <a:chOff x="0" y="0"/>
-          <a:chExt cx="0" cy="0"/>
-        </a:xfrm>
-      </p:grpSpPr>
-      <p:sp>
-        <p:nvSpPr>
-          <p:cNvPr id="2" name="Title 1">
-            <a:extLst>
-              <a:ext uri="{FF2B5EF4-FFF2-40B4-BE49-F238E27FC236}">
-                <a16:creationId xmlns:a16="http://schemas.microsoft.com/office/drawing/2014/main" id="{4E4A009F-F15F-ECAE-0C5E-D326E3E3C19D}"/>
-              </a:ext>
-            </a:extLst>
-          </p:cNvPr>
-          <p:cNvSpPr>
-            <a:spLocks noGrp="1"/>
-          </p:cNvSpPr>
-          <p:nvPr>
-            <p:ph type="title"/>
-          </p:nvPr>
-        </p:nvSpPr>
-        <p:spPr/>
-        <p:txBody>
-          <a:bodyPr/>
-          <a:lstStyle/>
-          <a:p>
-            <a:r>
-              <a:rPr lang="en-US" dirty="0"/>
-              <a:t>Mixture of NFL and NFH (by mole fraction)</a:t>
-            </a:r>
-          </a:p>
-        </p:txBody>
-      </p:sp>
-      <p:pic>
-        <p:nvPicPr>
-          <p:cNvPr id="2050" name="Picture 2">
-            <a:extLst>
-              <a:ext uri="{FF2B5EF4-FFF2-40B4-BE49-F238E27FC236}">
-                <a16:creationId xmlns:a16="http://schemas.microsoft.com/office/drawing/2014/main" id="{E348EDAE-0BDB-7FF0-5378-94E89CAFA00E}"/>
-              </a:ext>
-            </a:extLst>
-          </p:cNvPr>
-          <p:cNvPicPr>
-            <a:picLocks noChangeAspect="1" noChangeArrowheads="1"/>
-          </p:cNvPicPr>
-          <p:nvPr/>
-        </p:nvPicPr>
-        <p:blipFill>
-          <a:blip r:embed="rId2">
-            <a:extLst>
-              <a:ext uri="{28A0092B-C50C-407E-A947-70E740481C1C}">
-                <a14:useLocalDpi xmlns:a14="http://schemas.microsoft.com/office/drawing/2010/main" val="0"/>
-              </a:ext>
-            </a:extLst>
-          </a:blip>
-          <a:srcRect/>
-          <a:stretch>
-            <a:fillRect/>
-          </a:stretch>
-        </p:blipFill>
-        <p:spPr bwMode="auto">
-          <a:xfrm>
-            <a:off x="1418665" y="2295113"/>
-            <a:ext cx="4363571" cy="3206962"/>
-          </a:xfrm>
-          <a:prstGeom prst="rect">
-            <a:avLst/>
-          </a:prstGeom>
-          <a:noFill/>
-          <a:extLst>
-            <a:ext uri="{909E8E84-426E-40DD-AFC4-6F175D3DCCD1}">
-              <a14:hiddenFill xmlns:a14="http://schemas.microsoft.com/office/drawing/2010/main">
-                <a:solidFill>
-                  <a:srgbClr val="FFFFFF"/>
-                </a:solidFill>
-              </a14:hiddenFill>
-            </a:ext>
-          </a:extLst>
-        </p:spPr>
-      </p:pic>
-      <p:pic>
-        <p:nvPicPr>
-          <p:cNvPr id="2052" name="Picture 4">
-            <a:extLst>
-              <a:ext uri="{FF2B5EF4-FFF2-40B4-BE49-F238E27FC236}">
-                <a16:creationId xmlns:a16="http://schemas.microsoft.com/office/drawing/2014/main" id="{F848CFC6-6102-2DC7-73FD-9F085CCDCBD6}"/>
-              </a:ext>
-            </a:extLst>
-          </p:cNvPr>
-          <p:cNvPicPr>
-            <a:picLocks noChangeAspect="1" noChangeArrowheads="1"/>
-          </p:cNvPicPr>
-          <p:nvPr/>
-        </p:nvPicPr>
-        <p:blipFill>
-          <a:blip r:embed="rId3">
-            <a:extLst>
-              <a:ext uri="{28A0092B-C50C-407E-A947-70E740481C1C}">
-                <a14:useLocalDpi xmlns:a14="http://schemas.microsoft.com/office/drawing/2010/main" val="0"/>
-              </a:ext>
-            </a:extLst>
-          </a:blip>
-          <a:srcRect/>
-          <a:stretch>
-            <a:fillRect/>
-          </a:stretch>
-        </p:blipFill>
-        <p:spPr bwMode="auto">
-          <a:xfrm>
-            <a:off x="6096000" y="2295113"/>
-            <a:ext cx="4363571" cy="3206962"/>
-          </a:xfrm>
-          <a:prstGeom prst="rect">
-            <a:avLst/>
-          </a:prstGeom>
-          <a:noFill/>
-          <a:extLst>
-            <a:ext uri="{909E8E84-426E-40DD-AFC4-6F175D3DCCD1}">
-              <a14:hiddenFill xmlns:a14="http://schemas.microsoft.com/office/drawing/2010/main">
-                <a:solidFill>
-                  <a:srgbClr val="FFFFFF"/>
-                </a:solidFill>
-              </a14:hiddenFill>
-            </a:ext>
-          </a:extLst>
-        </p:spPr>
-      </p:pic>
-      <p:sp>
-        <p:nvSpPr>
-          <p:cNvPr id="3" name="TextBox 2">
-            <a:extLst>
-              <a:ext uri="{FF2B5EF4-FFF2-40B4-BE49-F238E27FC236}">
-                <a16:creationId xmlns:a16="http://schemas.microsoft.com/office/drawing/2014/main" id="{869AADF6-AB7C-2229-4F05-5D376B101592}"/>
-              </a:ext>
-            </a:extLst>
-          </p:cNvPr>
-          <p:cNvSpPr txBox="1"/>
-          <p:nvPr/>
-        </p:nvSpPr>
-        <p:spPr>
-          <a:xfrm>
-            <a:off x="3236259" y="2008094"/>
-            <a:ext cx="1174377" cy="369332"/>
-          </a:xfrm>
-          <a:prstGeom prst="rect">
-            <a:avLst/>
-          </a:prstGeom>
-          <a:noFill/>
-        </p:spPr>
-        <p:txBody>
-          <a:bodyPr wrap="square" rtlCol="0">
-            <a:spAutoFit/>
-          </a:bodyPr>
-          <a:lstStyle/>
-          <a:p>
-            <a:pPr algn="ctr"/>
-            <a:r>
-              <a:rPr lang="en-US" dirty="0"/>
-              <a:t>30% L</a:t>
-            </a:r>
-          </a:p>
-        </p:txBody>
-      </p:sp>
-      <p:sp>
-        <p:nvSpPr>
-          <p:cNvPr id="4" name="TextBox 3">
-            <a:extLst>
-              <a:ext uri="{FF2B5EF4-FFF2-40B4-BE49-F238E27FC236}">
-                <a16:creationId xmlns:a16="http://schemas.microsoft.com/office/drawing/2014/main" id="{0A7F8752-8289-CA6A-98AE-219447FA8005}"/>
-              </a:ext>
-            </a:extLst>
-          </p:cNvPr>
-          <p:cNvSpPr txBox="1"/>
-          <p:nvPr/>
-        </p:nvSpPr>
-        <p:spPr>
-          <a:xfrm>
-            <a:off x="8104094" y="2008094"/>
-            <a:ext cx="1174377" cy="369332"/>
-          </a:xfrm>
-          <a:prstGeom prst="rect">
-            <a:avLst/>
-          </a:prstGeom>
-          <a:noFill/>
-        </p:spPr>
-        <p:txBody>
-          <a:bodyPr wrap="square" rtlCol="0">
-            <a:spAutoFit/>
-          </a:bodyPr>
-          <a:lstStyle/>
-          <a:p>
-            <a:pPr algn="ctr"/>
-            <a:r>
-              <a:rPr lang="en-US" dirty="0"/>
-              <a:t>80% L</a:t>
-            </a:r>
-          </a:p>
-        </p:txBody>
-      </p:sp>
-      <p:sp>
-        <p:nvSpPr>
-          <p:cNvPr id="5" name="TextBox 4">
-            <a:extLst>
-              <a:ext uri="{FF2B5EF4-FFF2-40B4-BE49-F238E27FC236}">
-                <a16:creationId xmlns:a16="http://schemas.microsoft.com/office/drawing/2014/main" id="{775EE9BF-7B43-A8EE-4B35-C208B82A9BCB}"/>
-              </a:ext>
-            </a:extLst>
-          </p:cNvPr>
-          <p:cNvSpPr txBox="1"/>
-          <p:nvPr/>
-        </p:nvSpPr>
-        <p:spPr>
-          <a:xfrm>
-            <a:off x="2061882" y="2883680"/>
-            <a:ext cx="1174377" cy="338554"/>
-          </a:xfrm>
-          <a:prstGeom prst="rect">
-            <a:avLst/>
-          </a:prstGeom>
-          <a:noFill/>
-        </p:spPr>
-        <p:txBody>
-          <a:bodyPr wrap="square" rtlCol="0">
-            <a:spAutoFit/>
-          </a:bodyPr>
-          <a:lstStyle/>
-          <a:p>
-            <a:pPr algn="ctr"/>
-            <a:r>
-              <a:rPr lang="en-US" sz="1600" dirty="0"/>
-              <a:t>NFH</a:t>
-            </a:r>
-          </a:p>
-        </p:txBody>
-      </p:sp>
-      <p:sp>
-        <p:nvSpPr>
-          <p:cNvPr id="6" name="TextBox 5">
-            <a:extLst>
-              <a:ext uri="{FF2B5EF4-FFF2-40B4-BE49-F238E27FC236}">
-                <a16:creationId xmlns:a16="http://schemas.microsoft.com/office/drawing/2014/main" id="{AC286FF9-9DDF-906F-3E00-0FB5A25736A8}"/>
-              </a:ext>
-            </a:extLst>
-          </p:cNvPr>
-          <p:cNvSpPr txBox="1"/>
-          <p:nvPr/>
-        </p:nvSpPr>
-        <p:spPr>
-          <a:xfrm>
-            <a:off x="2133600" y="4493773"/>
-            <a:ext cx="1174377" cy="338554"/>
-          </a:xfrm>
-          <a:prstGeom prst="rect">
-            <a:avLst/>
-          </a:prstGeom>
-          <a:noFill/>
-        </p:spPr>
-        <p:txBody>
-          <a:bodyPr wrap="square" rtlCol="0">
-            <a:spAutoFit/>
-          </a:bodyPr>
-          <a:lstStyle/>
-          <a:p>
-            <a:pPr algn="ctr"/>
-            <a:r>
-              <a:rPr lang="en-US" sz="1600" dirty="0"/>
-              <a:t>NFL</a:t>
-            </a:r>
-          </a:p>
-        </p:txBody>
-      </p:sp>
-      <p:sp>
-        <p:nvSpPr>
-          <p:cNvPr id="7" name="TextBox 6">
-            <a:extLst>
-              <a:ext uri="{FF2B5EF4-FFF2-40B4-BE49-F238E27FC236}">
-                <a16:creationId xmlns:a16="http://schemas.microsoft.com/office/drawing/2014/main" id="{747064C9-7004-AD20-A589-86AB9D90C7E6}"/>
-              </a:ext>
-            </a:extLst>
-          </p:cNvPr>
-          <p:cNvSpPr txBox="1"/>
-          <p:nvPr/>
-        </p:nvSpPr>
-        <p:spPr>
-          <a:xfrm>
-            <a:off x="6884893" y="3222234"/>
-            <a:ext cx="1174377" cy="338554"/>
-          </a:xfrm>
-          <a:prstGeom prst="rect">
-            <a:avLst/>
-          </a:prstGeom>
-          <a:noFill/>
-        </p:spPr>
-        <p:txBody>
-          <a:bodyPr wrap="square" rtlCol="0">
-            <a:spAutoFit/>
-          </a:bodyPr>
-          <a:lstStyle/>
-          <a:p>
-            <a:pPr algn="ctr"/>
-            <a:r>
-              <a:rPr lang="en-US" sz="1600" dirty="0"/>
-              <a:t>NFH</a:t>
-            </a:r>
-          </a:p>
-        </p:txBody>
-      </p:sp>
-      <p:sp>
-        <p:nvSpPr>
-          <p:cNvPr id="8" name="TextBox 7">
-            <a:extLst>
-              <a:ext uri="{FF2B5EF4-FFF2-40B4-BE49-F238E27FC236}">
-                <a16:creationId xmlns:a16="http://schemas.microsoft.com/office/drawing/2014/main" id="{8B9506C3-4D9B-E577-B8B3-01F0D67D6825}"/>
-              </a:ext>
-            </a:extLst>
-          </p:cNvPr>
-          <p:cNvSpPr txBox="1"/>
-          <p:nvPr/>
-        </p:nvSpPr>
-        <p:spPr>
-          <a:xfrm>
-            <a:off x="6992470" y="4318632"/>
-            <a:ext cx="1174377" cy="338554"/>
-          </a:xfrm>
-          <a:prstGeom prst="rect">
-            <a:avLst/>
-          </a:prstGeom>
-          <a:noFill/>
-        </p:spPr>
-        <p:txBody>
-          <a:bodyPr wrap="square" rtlCol="0">
-            <a:spAutoFit/>
-          </a:bodyPr>
-          <a:lstStyle/>
-          <a:p>
-            <a:pPr algn="ctr"/>
-            <a:r>
-              <a:rPr lang="en-US" sz="1600" dirty="0"/>
-              <a:t>NFL</a:t>
-            </a:r>
-          </a:p>
-        </p:txBody>
-      </p:sp>
-      <p:sp>
-        <p:nvSpPr>
-          <p:cNvPr id="9" name="TextBox 8">
-            <a:extLst>
-              <a:ext uri="{FF2B5EF4-FFF2-40B4-BE49-F238E27FC236}">
-                <a16:creationId xmlns:a16="http://schemas.microsoft.com/office/drawing/2014/main" id="{88F06721-99C8-FB9C-83AB-0E0AC6B0AC5C}"/>
-              </a:ext>
-            </a:extLst>
-          </p:cNvPr>
-          <p:cNvSpPr txBox="1"/>
-          <p:nvPr/>
-        </p:nvSpPr>
-        <p:spPr>
-          <a:xfrm>
-            <a:off x="2061881" y="2450998"/>
-            <a:ext cx="1174377" cy="338554"/>
-          </a:xfrm>
-          <a:prstGeom prst="rect">
-            <a:avLst/>
-          </a:prstGeom>
-          <a:noFill/>
-        </p:spPr>
-        <p:txBody>
-          <a:bodyPr wrap="square" rtlCol="0">
-            <a:spAutoFit/>
-          </a:bodyPr>
-          <a:lstStyle/>
-          <a:p>
-            <a:pPr algn="ctr"/>
-            <a:r>
-              <a:rPr lang="en-US" sz="1600" dirty="0"/>
-              <a:t>Overall</a:t>
-            </a:r>
-          </a:p>
-        </p:txBody>
-      </p:sp>
-      <p:sp>
-        <p:nvSpPr>
-          <p:cNvPr id="10" name="TextBox 9">
-            <a:extLst>
-              <a:ext uri="{FF2B5EF4-FFF2-40B4-BE49-F238E27FC236}">
-                <a16:creationId xmlns:a16="http://schemas.microsoft.com/office/drawing/2014/main" id="{3D956118-F008-80C6-3784-5DBD4D73F13D}"/>
-              </a:ext>
-            </a:extLst>
-          </p:cNvPr>
-          <p:cNvSpPr txBox="1"/>
-          <p:nvPr/>
-        </p:nvSpPr>
-        <p:spPr>
-          <a:xfrm>
-            <a:off x="6705600" y="2492054"/>
-            <a:ext cx="1174377" cy="338554"/>
-          </a:xfrm>
-          <a:prstGeom prst="rect">
-            <a:avLst/>
-          </a:prstGeom>
-          <a:noFill/>
-        </p:spPr>
-        <p:txBody>
-          <a:bodyPr wrap="square" rtlCol="0">
-            <a:spAutoFit/>
-          </a:bodyPr>
-          <a:lstStyle/>
-          <a:p>
-            <a:pPr algn="ctr"/>
-            <a:r>
-              <a:rPr lang="en-US" sz="1600" dirty="0"/>
-              <a:t>Overall</a:t>
-            </a:r>
-          </a:p>
-        </p:txBody>
-      </p:sp>
-      <p:sp>
-        <p:nvSpPr>
-          <p:cNvPr id="11" name="TextBox 10">
-            <a:extLst>
-              <a:ext uri="{FF2B5EF4-FFF2-40B4-BE49-F238E27FC236}">
-                <a16:creationId xmlns:a16="http://schemas.microsoft.com/office/drawing/2014/main" id="{08EB6726-41BE-4527-9A13-20BAFF379DB2}"/>
-              </a:ext>
-            </a:extLst>
-          </p:cNvPr>
-          <p:cNvSpPr txBox="1"/>
-          <p:nvPr/>
-        </p:nvSpPr>
-        <p:spPr>
-          <a:xfrm>
-            <a:off x="3998259" y="6436659"/>
-            <a:ext cx="3783106" cy="369332"/>
-          </a:xfrm>
-          <a:prstGeom prst="rect">
-            <a:avLst/>
-          </a:prstGeom>
-          <a:noFill/>
-        </p:spPr>
-        <p:txBody>
-          <a:bodyPr wrap="square" rtlCol="0">
-            <a:spAutoFit/>
-          </a:bodyPr>
-          <a:lstStyle/>
-          <a:p>
-            <a:pPr algn="ctr"/>
-            <a:r>
-              <a:rPr lang="en-US" dirty="0"/>
-              <a:t>(Preliminary results)</a:t>
-            </a:r>
-          </a:p>
-        </p:txBody>
-      </p:sp>
-    </p:spTree>
-    <p:extLst>
-      <p:ext uri="{BB962C8B-B14F-4D97-AF65-F5344CB8AC3E}">
-        <p14:creationId xmlns:p14="http://schemas.microsoft.com/office/powerpoint/2010/main" val="456691455"/>
-      </p:ext>
-    </p:extLst>
-  </p:cSld>
-  <p:clrMapOvr>
-    <a:masterClrMapping/>
-  </p:clrMapOvr>
-</p:sld>
-</file>
-
-<file path=ppt/slides/slide9.xml><?xml version="1.0" encoding="utf-8"?>
-<p:sld xmlns:a="http://schemas.openxmlformats.org/drawingml/2006/main" xmlns:r="http://schemas.openxmlformats.org/officeDocument/2006/relationships" xmlns:p="http://schemas.openxmlformats.org/presentationml/2006/main">
-  <p:cSld>
-    <p:spTree>
-      <p:nvGrpSpPr>
-        <p:cNvPr id="1" name=""/>
-        <p:cNvGrpSpPr/>
-        <p:nvPr/>
-      </p:nvGrpSpPr>
-      <p:grpSpPr>
-        <a:xfrm>
-          <a:off x="0" y="0"/>
-          <a:ext cx="0" cy="0"/>
-          <a:chOff x="0" y="0"/>
-          <a:chExt cx="0" cy="0"/>
-        </a:xfrm>
-      </p:grpSpPr>
-      <p:sp>
-        <p:nvSpPr>
-          <p:cNvPr id="2" name="Title 1">
-            <a:extLst>
-              <a:ext uri="{FF2B5EF4-FFF2-40B4-BE49-F238E27FC236}">
-                <a16:creationId xmlns:a16="http://schemas.microsoft.com/office/drawing/2014/main" id="{45598F3A-08D7-E105-EB67-776C509BC9BB}"/>
-              </a:ext>
-            </a:extLst>
-          </p:cNvPr>
-          <p:cNvSpPr>
-            <a:spLocks noGrp="1"/>
-          </p:cNvSpPr>
-          <p:nvPr>
-            <p:ph type="title"/>
-          </p:nvPr>
-        </p:nvSpPr>
-        <p:spPr/>
-        <p:txBody>
-          <a:bodyPr/>
-          <a:lstStyle/>
-          <a:p>
-            <a:r>
-              <a:rPr lang="en-US" dirty="0"/>
-              <a:t>Next Steps</a:t>
-            </a:r>
-          </a:p>
-        </p:txBody>
-      </p:sp>
-      <p:sp>
-        <p:nvSpPr>
-          <p:cNvPr id="3" name="Content Placeholder 2">
-            <a:extLst>
-              <a:ext uri="{FF2B5EF4-FFF2-40B4-BE49-F238E27FC236}">
-                <a16:creationId xmlns:a16="http://schemas.microsoft.com/office/drawing/2014/main" id="{FC03A595-7715-E96F-DD86-DFEA1C7DDA78}"/>
-              </a:ext>
-            </a:extLst>
-          </p:cNvPr>
-          <p:cNvSpPr>
-            <a:spLocks noGrp="1"/>
-          </p:cNvSpPr>
-          <p:nvPr>
-            <p:ph idx="1"/>
-          </p:nvPr>
-        </p:nvSpPr>
-        <p:spPr/>
-        <p:txBody>
-          <a:bodyPr>
-            <a:normAutofit/>
-          </a:bodyPr>
-          <a:lstStyle/>
-          <a:p>
-            <a:pPr>
-              <a:lnSpc>
-                <a:spcPct val="150000"/>
-              </a:lnSpc>
-            </a:pPr>
-            <a:r>
-              <a:rPr lang="en-US" sz="2400" dirty="0"/>
-              <a:t>Fine tuning of parameters for best fit with height profiles of L-H brush</a:t>
-            </a:r>
-          </a:p>
-          <a:p>
-            <a:pPr>
-              <a:lnSpc>
-                <a:spcPct val="150000"/>
-              </a:lnSpc>
-            </a:pPr>
-            <a:r>
-              <a:rPr lang="en-US" sz="2400" dirty="0"/>
-              <a:t>Role of charge distribution of NFH at biological pH</a:t>
-            </a:r>
-          </a:p>
-          <a:p>
-            <a:pPr lvl="1">
-              <a:lnSpc>
-                <a:spcPct val="150000"/>
-              </a:lnSpc>
-            </a:pPr>
-            <a:r>
-              <a:rPr lang="en-US" dirty="0"/>
-              <a:t>Charge of heterogeneous negative block of NFH (blocks 2 &amp; 3)</a:t>
-            </a:r>
-            <a:endParaRPr lang="en-US" sz="2000" dirty="0"/>
-          </a:p>
-          <a:p>
-            <a:pPr>
-              <a:lnSpc>
-                <a:spcPct val="150000"/>
-              </a:lnSpc>
-            </a:pPr>
-            <a:r>
-              <a:rPr lang="en-US" sz="2400" dirty="0"/>
-              <a:t>L-H brushes after phosphorylation</a:t>
-            </a:r>
-          </a:p>
-          <a:p>
-            <a:pPr>
-              <a:lnSpc>
-                <a:spcPct val="150000"/>
-              </a:lnSpc>
-            </a:pPr>
-            <a:r>
-              <a:rPr lang="en-US" sz="2400" dirty="0"/>
-              <a:t>L-M brushes (once experiments are finished)</a:t>
-            </a:r>
-          </a:p>
-          <a:p>
-            <a:pPr>
-              <a:lnSpc>
-                <a:spcPct val="150000"/>
-              </a:lnSpc>
-            </a:pPr>
-            <a:endParaRPr lang="en-US" sz="2400" dirty="0"/>
-          </a:p>
-        </p:txBody>
-      </p:sp>
-    </p:spTree>
-    <p:extLst>
-      <p:ext uri="{BB962C8B-B14F-4D97-AF65-F5344CB8AC3E}">
-        <p14:creationId xmlns:p14="http://schemas.microsoft.com/office/powerpoint/2010/main" val="1578744647"/>
-      </p:ext>
-    </p:extLst>
-  </p:cSld>
-  <p:clrMapOvr>
-    <a:masterClrMapping/>
-  </p:clrMapOvr>
-  <p:timing>
-    <p:tnLst>
-      <p:par>
-        <p:cTn id="1" dur="indefinite" restart="never" nodeType="tmRoot">
-          <p:childTnLst>
-            <p:seq concurrent="1" nextAc="seek">
-              <p:cTn id="2" dur="indefinite" nodeType="mainSeq">
-                <p:childTnLst>
-                  <p:par>
-                    <p:cTn id="3" fill="hold">
-                      <p:stCondLst>
-                        <p:cond delay="indefinite"/>
-                      </p:stCondLst>
-                      <p:childTnLst>
-                        <p:par>
-                          <p:cTn id="4" fill="hold">
-                            <p:stCondLst>
-                              <p:cond delay="0"/>
-                            </p:stCondLst>
-                            <p:childTnLst>
-                              <p:par>
-                                <p:cTn id="5" presetID="1" presetClass="entr" presetSubtype="0" fill="hold" nodeType="clickEffect">
-                                  <p:stCondLst>
-                                    <p:cond delay="0"/>
-                                  </p:stCondLst>
-                                  <p:childTnLst>
-                                    <p:set>
-                                      <p:cBhvr>
-                                        <p:cTn id="6" dur="1" fill="hold">
-                                          <p:stCondLst>
-                                            <p:cond delay="0"/>
-                                          </p:stCondLst>
-                                        </p:cTn>
-                                        <p:tgtEl>
-                                          <p:spTgt spid="3">
-                                            <p:txEl>
-                                              <p:pRg st="1" end="1"/>
-                                            </p:txEl>
-                                          </p:spTgt>
-                                        </p:tgtEl>
-                                        <p:attrNameLst>
-                                          <p:attrName>style.visibility</p:attrName>
-                                        </p:attrNameLst>
-                                      </p:cBhvr>
-                                      <p:to>
-                                        <p:strVal val="visible"/>
-                                      </p:to>
-                                    </p:set>
-                                  </p:childTnLst>
-                                </p:cTn>
-                              </p:par>
-                              <p:par>
-                                <p:cTn id="7" presetID="1" presetClass="entr" presetSubtype="0" fill="hold" nodeType="withEffect">
-                                  <p:stCondLst>
-                                    <p:cond delay="0"/>
-                                  </p:stCondLst>
-                                  <p:childTnLst>
-                                    <p:set>
-                                      <p:cBhvr>
-                                        <p:cTn id="8" dur="1" fill="hold">
-                                          <p:stCondLst>
-                                            <p:cond delay="0"/>
-                                          </p:stCondLst>
-                                        </p:cTn>
-                                        <p:tgtEl>
-                                          <p:spTgt spid="3">
-                                            <p:txEl>
-                                              <p:pRg st="2" end="2"/>
-                                            </p:txEl>
-                                          </p:spTgt>
-                                        </p:tgtEl>
-                                        <p:attrNameLst>
-                                          <p:attrName>style.visibility</p:attrName>
-                                        </p:attrNameLst>
-                                      </p:cBhvr>
-                                      <p:to>
-                                        <p:strVal val="visible"/>
-                                      </p:to>
-                                    </p:set>
-                                  </p:childTnLst>
-                                </p:cTn>
-                              </p:par>
-                            </p:childTnLst>
-                          </p:cTn>
-                        </p:par>
-                      </p:childTnLst>
-                    </p:cTn>
-                  </p:par>
-                  <p:par>
-                    <p:cTn id="9" fill="hold">
-                      <p:stCondLst>
-                        <p:cond delay="indefinite"/>
-                      </p:stCondLst>
-                      <p:childTnLst>
-                        <p:par>
-                          <p:cTn id="10" fill="hold">
-                            <p:stCondLst>
-                              <p:cond delay="0"/>
-                            </p:stCondLst>
-                            <p:childTnLst>
-                              <p:par>
-                                <p:cTn id="11" presetID="1" presetClass="entr" presetSubtype="0" fill="hold" nodeType="clickEffect">
-                                  <p:stCondLst>
-                                    <p:cond delay="0"/>
-                                  </p:stCondLst>
-                                  <p:childTnLst>
-                                    <p:set>
-                                      <p:cBhvr>
-                                        <p:cTn id="12" dur="1" fill="hold">
-                                          <p:stCondLst>
-                                            <p:cond delay="0"/>
-                                          </p:stCondLst>
-                                        </p:cTn>
-                                        <p:tgtEl>
-                                          <p:spTgt spid="3">
-                                            <p:txEl>
-                                              <p:pRg st="3" end="3"/>
-                                            </p:txEl>
-                                          </p:spTgt>
-                                        </p:tgtEl>
-                                        <p:attrNameLst>
-                                          <p:attrName>style.visibility</p:attrName>
-                                        </p:attrNameLst>
-                                      </p:cBhvr>
-                                      <p:to>
-                                        <p:strVal val="visible"/>
-                                      </p:to>
-                                    </p:set>
-                                  </p:childTnLst>
-                                </p:cTn>
-                              </p:par>
-                            </p:childTnLst>
-                          </p:cTn>
-                        </p:par>
-                      </p:childTnLst>
-                    </p:cTn>
-                  </p:par>
-                  <p:par>
-                    <p:cTn id="13" fill="hold">
-                      <p:stCondLst>
-                        <p:cond delay="indefinite"/>
-                      </p:stCondLst>
-                      <p:childTnLst>
-                        <p:par>
-                          <p:cTn id="14" fill="hold">
-                            <p:stCondLst>
-                              <p:cond delay="0"/>
-                            </p:stCondLst>
-                            <p:childTnLst>
-                              <p:par>
-                                <p:cTn id="15" presetID="1" presetClass="entr" presetSubtype="0" fill="hold" nodeType="clickEffect">
-                                  <p:stCondLst>
-                                    <p:cond delay="0"/>
-                                  </p:stCondLst>
-                                  <p:childTnLst>
-                                    <p:set>
-                                      <p:cBhvr>
-                                        <p:cTn id="16" dur="1" fill="hold">
-                                          <p:stCondLst>
-                                            <p:cond delay="0"/>
-                                          </p:stCondLst>
-                                        </p:cTn>
-                                        <p:tgtEl>
-                                          <p:spTgt spid="3">
-                                            <p:txEl>
-                                              <p:pRg st="4" end="4"/>
-                                            </p:txEl>
-                                          </p:spTgt>
-                                        </p:tgtEl>
-                                        <p:attrNameLst>
-                                          <p:attrName>style.visibility</p:attrName>
-                                        </p:attrNameLst>
-                                      </p:cBhvr>
-                                      <p:to>
-                                        <p:strVal val="visible"/>
-                                      </p:to>
-                                    </p:set>
-                                  </p:childTnLst>
-                                </p:cTn>
-                              </p:par>
-                            </p:childTnLst>
-                          </p:cTn>
-                        </p:par>
-                      </p:childTnLst>
-                    </p:cTn>
-                  </p:par>
-                </p:childTnLst>
-              </p:cTn>
-              <p:prevCondLst>
-                <p:cond evt="onPrev" delay="0">
-                  <p:tgtEl>
-                    <p:sldTgt/>
-                  </p:tgtEl>
-                </p:cond>
-              </p:prevCondLst>
-              <p:nextCondLst>
-                <p:cond evt="onNext" delay="0">
-                  <p:tgtEl>
-                    <p:sldTgt/>
-                  </p:tgtEl>
-                </p:cond>
-              </p:nextCondLst>
-            </p:seq>
-          </p:childTnLst>
-        </p:cTn>
-      </p:par>
-    </p:tnLst>
   </p:timing>
 </p:sld>
 </file>
@@ -9709,4 +8190,299 @@
     </a:ext>
   </a:extLst>
 </a:theme>
+</file>
+
+<file path=ppt/theme/theme2.xml><?xml version="1.0" encoding="utf-8"?>
+<a:theme xmlns:a="http://schemas.openxmlformats.org/drawingml/2006/main" name="Office Theme">
+  <a:themeElements>
+    <a:clrScheme name="Office">
+      <a:dk1>
+        <a:sysClr val="windowText" lastClr="000000"/>
+      </a:dk1>
+      <a:lt1>
+        <a:sysClr val="window" lastClr="FFFFFF"/>
+      </a:lt1>
+      <a:dk2>
+        <a:srgbClr val="44546A"/>
+      </a:dk2>
+      <a:lt2>
+        <a:srgbClr val="E7E6E6"/>
+      </a:lt2>
+      <a:accent1>
+        <a:srgbClr val="4472C4"/>
+      </a:accent1>
+      <a:accent2>
+        <a:srgbClr val="ED7D31"/>
+      </a:accent2>
+      <a:accent3>
+        <a:srgbClr val="A5A5A5"/>
+      </a:accent3>
+      <a:accent4>
+        <a:srgbClr val="FFC000"/>
+      </a:accent4>
+      <a:accent5>
+        <a:srgbClr val="5B9BD5"/>
+      </a:accent5>
+      <a:accent6>
+        <a:srgbClr val="70AD47"/>
+      </a:accent6>
+      <a:hlink>
+        <a:srgbClr val="0563C1"/>
+      </a:hlink>
+      <a:folHlink>
+        <a:srgbClr val="954F72"/>
+      </a:folHlink>
+    </a:clrScheme>
+    <a:fontScheme name="Office">
+      <a:majorFont>
+        <a:latin typeface="Calibri Light" panose="020F0302020204030204"/>
+        <a:ea typeface=""/>
+        <a:cs typeface=""/>
+        <a:font script="Jpan" typeface="游ゴシック Light"/>
+        <a:font script="Hang" typeface="맑은 고딕"/>
+        <a:font script="Hans" typeface="等线 Light"/>
+        <a:font script="Hant" typeface="新細明體"/>
+        <a:font script="Arab" typeface="Times New Roman"/>
+        <a:font script="Hebr" typeface="Times New Roman"/>
+        <a:font script="Thai" typeface="Angsana New"/>
+        <a:font script="Ethi" typeface="Nyala"/>
+        <a:font script="Beng" typeface="Vrinda"/>
+        <a:font script="Gujr" typeface="Shruti"/>
+        <a:font script="Khmr" typeface="MoolBoran"/>
+        <a:font script="Knda" typeface="Tunga"/>
+        <a:font script="Guru" typeface="Raavi"/>
+        <a:font script="Cans" typeface="Euphemia"/>
+        <a:font script="Cher" typeface="Plantagenet Cherokee"/>
+        <a:font script="Yiii" typeface="Microsoft Yi Baiti"/>
+        <a:font script="Tibt" typeface="Microsoft Himalaya"/>
+        <a:font script="Thaa" typeface="MV Boli"/>
+        <a:font script="Deva" typeface="Mangal"/>
+        <a:font script="Telu" typeface="Gautami"/>
+        <a:font script="Taml" typeface="Latha"/>
+        <a:font script="Syrc" typeface="Estrangelo Edessa"/>
+        <a:font script="Orya" typeface="Kalinga"/>
+        <a:font script="Mlym" typeface="Kartika"/>
+        <a:font script="Laoo" typeface="DokChampa"/>
+        <a:font script="Sinh" typeface="Iskoola Pota"/>
+        <a:font script="Mong" typeface="Mongolian Baiti"/>
+        <a:font script="Viet" typeface="Times New Roman"/>
+        <a:font script="Uigh" typeface="Microsoft Uighur"/>
+        <a:font script="Geor" typeface="Sylfaen"/>
+        <a:font script="Armn" typeface="Arial"/>
+        <a:font script="Bugi" typeface="Leelawadee UI"/>
+        <a:font script="Bopo" typeface="Microsoft JhengHei"/>
+        <a:font script="Java" typeface="Javanese Text"/>
+        <a:font script="Lisu" typeface="Segoe UI"/>
+        <a:font script="Mymr" typeface="Myanmar Text"/>
+        <a:font script="Nkoo" typeface="Ebrima"/>
+        <a:font script="Olck" typeface="Nirmala UI"/>
+        <a:font script="Osma" typeface="Ebrima"/>
+        <a:font script="Phag" typeface="Phagspa"/>
+        <a:font script="Syrn" typeface="Estrangelo Edessa"/>
+        <a:font script="Syrj" typeface="Estrangelo Edessa"/>
+        <a:font script="Syre" typeface="Estrangelo Edessa"/>
+        <a:font script="Sora" typeface="Nirmala UI"/>
+        <a:font script="Tale" typeface="Microsoft Tai Le"/>
+        <a:font script="Talu" typeface="Microsoft New Tai Lue"/>
+        <a:font script="Tfng" typeface="Ebrima"/>
+      </a:majorFont>
+      <a:minorFont>
+        <a:latin typeface="Calibri" panose="020F0502020204030204"/>
+        <a:ea typeface=""/>
+        <a:cs typeface=""/>
+        <a:font script="Jpan" typeface="游ゴシック"/>
+        <a:font script="Hang" typeface="맑은 고딕"/>
+        <a:font script="Hans" typeface="等线"/>
+        <a:font script="Hant" typeface="新細明體"/>
+        <a:font script="Arab" typeface="Arial"/>
+        <a:font script="Hebr" typeface="Arial"/>
+        <a:font script="Thai" typeface="Cordia New"/>
+        <a:font script="Ethi" typeface="Nyala"/>
+        <a:font script="Beng" typeface="Vrinda"/>
+        <a:font script="Gujr" typeface="Shruti"/>
+        <a:font script="Khmr" typeface="DaunPenh"/>
+        <a:font script="Knda" typeface="Tunga"/>
+        <a:font script="Guru" typeface="Raavi"/>
+        <a:font script="Cans" typeface="Euphemia"/>
+        <a:font script="Cher" typeface="Plantagenet Cherokee"/>
+        <a:font script="Yiii" typeface="Microsoft Yi Baiti"/>
+        <a:font script="Tibt" typeface="Microsoft Himalaya"/>
+        <a:font script="Thaa" typeface="MV Boli"/>
+        <a:font script="Deva" typeface="Mangal"/>
+        <a:font script="Telu" typeface="Gautami"/>
+        <a:font script="Taml" typeface="Latha"/>
+        <a:font script="Syrc" typeface="Estrangelo Edessa"/>
+        <a:font script="Orya" typeface="Kalinga"/>
+        <a:font script="Mlym" typeface="Kartika"/>
+        <a:font script="Laoo" typeface="DokChampa"/>
+        <a:font script="Sinh" typeface="Iskoola Pota"/>
+        <a:font script="Mong" typeface="Mongolian Baiti"/>
+        <a:font script="Viet" typeface="Arial"/>
+        <a:font script="Uigh" typeface="Microsoft Uighur"/>
+        <a:font script="Geor" typeface="Sylfaen"/>
+        <a:font script="Armn" typeface="Arial"/>
+        <a:font script="Bugi" typeface="Leelawadee UI"/>
+        <a:font script="Bopo" typeface="Microsoft JhengHei"/>
+        <a:font script="Java" typeface="Javanese Text"/>
+        <a:font script="Lisu" typeface="Segoe UI"/>
+        <a:font script="Mymr" typeface="Myanmar Text"/>
+        <a:font script="Nkoo" typeface="Ebrima"/>
+        <a:font script="Olck" typeface="Nirmala UI"/>
+        <a:font script="Osma" typeface="Ebrima"/>
+        <a:font script="Phag" typeface="Phagspa"/>
+        <a:font script="Syrn" typeface="Estrangelo Edessa"/>
+        <a:font script="Syrj" typeface="Estrangelo Edessa"/>
+        <a:font script="Syre" typeface="Estrangelo Edessa"/>
+        <a:font script="Sora" typeface="Nirmala UI"/>
+        <a:font script="Tale" typeface="Microsoft Tai Le"/>
+        <a:font script="Talu" typeface="Microsoft New Tai Lue"/>
+        <a:font script="Tfng" typeface="Ebrima"/>
+      </a:minorFont>
+    </a:fontScheme>
+    <a:fmtScheme name="Office">
+      <a:fillStyleLst>
+        <a:solidFill>
+          <a:schemeClr val="phClr"/>
+        </a:solidFill>
+        <a:gradFill rotWithShape="1">
+          <a:gsLst>
+            <a:gs pos="0">
+              <a:schemeClr val="phClr">
+                <a:lumMod val="110000"/>
+                <a:satMod val="105000"/>
+                <a:tint val="67000"/>
+              </a:schemeClr>
+            </a:gs>
+            <a:gs pos="50000">
+              <a:schemeClr val="phClr">
+                <a:lumMod val="105000"/>
+                <a:satMod val="103000"/>
+                <a:tint val="73000"/>
+              </a:schemeClr>
+            </a:gs>
+            <a:gs pos="100000">
+              <a:schemeClr val="phClr">
+                <a:lumMod val="105000"/>
+                <a:satMod val="109000"/>
+                <a:tint val="81000"/>
+              </a:schemeClr>
+            </a:gs>
+          </a:gsLst>
+          <a:lin ang="5400000" scaled="0"/>
+        </a:gradFill>
+        <a:gradFill rotWithShape="1">
+          <a:gsLst>
+            <a:gs pos="0">
+              <a:schemeClr val="phClr">
+                <a:satMod val="103000"/>
+                <a:lumMod val="102000"/>
+                <a:tint val="94000"/>
+              </a:schemeClr>
+            </a:gs>
+            <a:gs pos="50000">
+              <a:schemeClr val="phClr">
+                <a:satMod val="110000"/>
+                <a:lumMod val="100000"/>
+                <a:shade val="100000"/>
+              </a:schemeClr>
+            </a:gs>
+            <a:gs pos="100000">
+              <a:schemeClr val="phClr">
+                <a:lumMod val="99000"/>
+                <a:satMod val="120000"/>
+                <a:shade val="78000"/>
+              </a:schemeClr>
+            </a:gs>
+          </a:gsLst>
+          <a:lin ang="5400000" scaled="0"/>
+        </a:gradFill>
+      </a:fillStyleLst>
+      <a:lnStyleLst>
+        <a:ln w="6350" cap="flat" cmpd="sng" algn="ctr">
+          <a:solidFill>
+            <a:schemeClr val="phClr"/>
+          </a:solidFill>
+          <a:prstDash val="solid"/>
+          <a:miter lim="800000"/>
+        </a:ln>
+        <a:ln w="12700" cap="flat" cmpd="sng" algn="ctr">
+          <a:solidFill>
+            <a:schemeClr val="phClr"/>
+          </a:solidFill>
+          <a:prstDash val="solid"/>
+          <a:miter lim="800000"/>
+        </a:ln>
+        <a:ln w="19050" cap="flat" cmpd="sng" algn="ctr">
+          <a:solidFill>
+            <a:schemeClr val="phClr"/>
+          </a:solidFill>
+          <a:prstDash val="solid"/>
+          <a:miter lim="800000"/>
+        </a:ln>
+      </a:lnStyleLst>
+      <a:effectStyleLst>
+        <a:effectStyle>
+          <a:effectLst/>
+        </a:effectStyle>
+        <a:effectStyle>
+          <a:effectLst/>
+        </a:effectStyle>
+        <a:effectStyle>
+          <a:effectLst>
+            <a:outerShdw blurRad="57150" dist="19050" dir="5400000" algn="ctr" rotWithShape="0">
+              <a:srgbClr val="000000">
+                <a:alpha val="63000"/>
+              </a:srgbClr>
+            </a:outerShdw>
+          </a:effectLst>
+        </a:effectStyle>
+      </a:effectStyleLst>
+      <a:bgFillStyleLst>
+        <a:solidFill>
+          <a:schemeClr val="phClr"/>
+        </a:solidFill>
+        <a:solidFill>
+          <a:schemeClr val="phClr">
+            <a:tint val="95000"/>
+            <a:satMod val="170000"/>
+          </a:schemeClr>
+        </a:solidFill>
+        <a:gradFill rotWithShape="1">
+          <a:gsLst>
+            <a:gs pos="0">
+              <a:schemeClr val="phClr">
+                <a:tint val="93000"/>
+                <a:satMod val="150000"/>
+                <a:shade val="98000"/>
+                <a:lumMod val="102000"/>
+              </a:schemeClr>
+            </a:gs>
+            <a:gs pos="50000">
+              <a:schemeClr val="phClr">
+                <a:tint val="98000"/>
+                <a:satMod val="130000"/>
+                <a:shade val="90000"/>
+                <a:lumMod val="103000"/>
+              </a:schemeClr>
+            </a:gs>
+            <a:gs pos="100000">
+              <a:schemeClr val="phClr">
+                <a:shade val="63000"/>
+                <a:satMod val="120000"/>
+              </a:schemeClr>
+            </a:gs>
+          </a:gsLst>
+          <a:lin ang="5400000" scaled="0"/>
+        </a:gradFill>
+      </a:bgFillStyleLst>
+    </a:fmtScheme>
+  </a:themeElements>
+  <a:objectDefaults/>
+  <a:extraClrSchemeLst/>
+  <a:extLst>
+    <a:ext uri="{05A4C25C-085E-4340-85A3-A5531E510DB2}">
+      <thm15:themeFamily xmlns:thm15="http://schemas.microsoft.com/office/thememl/2012/main" name="Office Theme" id="{62F939B6-93AF-4DB8-9C6B-D6C7DFDC589F}" vid="{4A3C46E8-61CC-4603-A589-7422A47A8E4A}"/>
+    </a:ext>
+  </a:extLst>
+</a:theme>
 </file>
--- a/20230515 NF Collab Update.pptx
+++ b/20230515 NF Collab Update.pptx
@@ -5685,7 +5685,7 @@
         </p:blipFill>
         <p:spPr bwMode="auto">
           <a:xfrm>
-            <a:off x="223838" y="2038350"/>
+            <a:off x="166688" y="1924050"/>
             <a:ext cx="6376987" cy="3950868"/>
           </a:xfrm>
           <a:prstGeom prst="rect">
@@ -5717,8 +5717,8 @@
         </p:nvSpPr>
         <p:spPr>
           <a:xfrm>
-            <a:off x="7105650" y="2038350"/>
-            <a:ext cx="4505325" cy="2139047"/>
+            <a:off x="6977062" y="2305050"/>
+            <a:ext cx="5048250" cy="2769989"/>
           </a:xfrm>
           <a:prstGeom prst="rect">
             <a:avLst/>
@@ -5751,7 +5751,33 @@
             </a:pPr>
             <a:r>
               <a:rPr lang="en-US" dirty="0"/>
-              <a:t>NFM fitting still in progress</a:t>
+              <a:t>NFH is essentially finished;</a:t>
+            </a:r>
+          </a:p>
+          <a:p>
+            <a:pPr marL="742950" lvl="1" indent="-285750">
+              <a:spcAft>
+                <a:spcPts val="600"/>
+              </a:spcAft>
+              <a:buFont typeface="Arial" panose="020B0604020202020204" pitchFamily="34" charset="0"/>
+              <a:buChar char="•"/>
+            </a:pPr>
+            <a:r>
+              <a:rPr lang="en-US" dirty="0"/>
+              <a:t>Fine tuning for a closer fit</a:t>
+            </a:r>
+          </a:p>
+          <a:p>
+            <a:pPr marL="742950" lvl="1" indent="-285750">
+              <a:spcAft>
+                <a:spcPts val="600"/>
+              </a:spcAft>
+              <a:buFont typeface="Arial" panose="020B0604020202020204" pitchFamily="34" charset="0"/>
+              <a:buChar char="•"/>
+            </a:pPr>
+            <a:r>
+              <a:rPr lang="en-US" dirty="0"/>
+              <a:t>More points to smoothen out curve </a:t>
             </a:r>
           </a:p>
           <a:p>
@@ -5763,8 +5789,29 @@
               <a:buChar char="•"/>
             </a:pPr>
             <a:r>
+              <a:rPr lang="en-US" dirty="0" err="1"/>
+              <a:t>pNFH</a:t>
+            </a:r>
+            <a:r>
               <a:rPr lang="en-US" dirty="0"/>
-              <a:t>NFH is essentially finished;</a:t>
+              <a:t> and NFH same b, v values used</a:t>
+            </a:r>
+          </a:p>
+          <a:p>
+            <a:pPr marL="285750" indent="-285750">
+              <a:spcAft>
+                <a:spcPts val="600"/>
+              </a:spcAft>
+              <a:buFont typeface="Arial" panose="020B0604020202020204" pitchFamily="34" charset="0"/>
+              <a:buChar char="•"/>
+            </a:pPr>
+            <a:r>
+              <a:rPr lang="en-US" dirty="0" err="1"/>
+              <a:t>pNFM</a:t>
+            </a:r>
+            <a:r>
+              <a:rPr lang="en-US" dirty="0"/>
+              <a:t> fitting still in progress</a:t>
             </a:r>
           </a:p>
           <a:p>
@@ -5777,37 +5824,7 @@
             </a:pPr>
             <a:r>
               <a:rPr lang="en-US" dirty="0"/>
-              <a:t>Fine tuning for a closer fit</a:t>
-            </a:r>
-          </a:p>
-          <a:p>
-            <a:pPr marL="742950" lvl="1" indent="-285750">
-              <a:spcAft>
-                <a:spcPts val="600"/>
-              </a:spcAft>
-              <a:buFont typeface="Arial" panose="020B0604020202020204" pitchFamily="34" charset="0"/>
-              <a:buChar char="•"/>
-            </a:pPr>
-            <a:r>
-              <a:rPr lang="en-US" dirty="0"/>
-              <a:t>More points to smoothen out curve </a:t>
-            </a:r>
-          </a:p>
-          <a:p>
-            <a:pPr marL="285750" indent="-285750">
-              <a:spcAft>
-                <a:spcPts val="600"/>
-              </a:spcAft>
-              <a:buFont typeface="Arial" panose="020B0604020202020204" pitchFamily="34" charset="0"/>
-              <a:buChar char="•"/>
-            </a:pPr>
-            <a:r>
-              <a:rPr lang="en-US" dirty="0" err="1"/>
-              <a:t>pNFH</a:t>
-            </a:r>
-            <a:r>
-              <a:rPr lang="en-US" dirty="0"/>
-              <a:t> and NFH same b, v values used</a:t>
+              <a:t>NFM fitting will follow; expecting little difference</a:t>
             </a:r>
           </a:p>
         </p:txBody>

--- a/20230515 NF Collab Update.pptx
+++ b/20230515 NF Collab Update.pptx
@@ -5,17 +5,19 @@
     <p:sldMasterId id="2147483648" r:id="rId1"/>
   </p:sldMasterIdLst>
   <p:notesMasterIdLst>
-    <p:notesMasterId r:id="rId10"/>
+    <p:notesMasterId r:id="rId12"/>
   </p:notesMasterIdLst>
   <p:sldIdLst>
     <p:sldId id="256" r:id="rId2"/>
     <p:sldId id="260" r:id="rId3"/>
     <p:sldId id="269" r:id="rId4"/>
-    <p:sldId id="263" r:id="rId5"/>
-    <p:sldId id="267" r:id="rId6"/>
-    <p:sldId id="265" r:id="rId7"/>
-    <p:sldId id="268" r:id="rId8"/>
-    <p:sldId id="264" r:id="rId9"/>
+    <p:sldId id="270" r:id="rId5"/>
+    <p:sldId id="271" r:id="rId6"/>
+    <p:sldId id="263" r:id="rId7"/>
+    <p:sldId id="267" r:id="rId8"/>
+    <p:sldId id="265" r:id="rId9"/>
+    <p:sldId id="268" r:id="rId10"/>
+    <p:sldId id="264" r:id="rId11"/>
   </p:sldIdLst>
   <p:sldSz cx="12192000" cy="6858000"/>
   <p:notesSz cx="6858000" cy="9144000"/>
@@ -3866,6 +3868,573 @@
 </p:sld>
 </file>
 
+<file path=ppt/slides/slide10.xml><?xml version="1.0" encoding="utf-8"?>
+<p:sld xmlns:a="http://schemas.openxmlformats.org/drawingml/2006/main" xmlns:r="http://schemas.openxmlformats.org/officeDocument/2006/relationships" xmlns:p="http://schemas.openxmlformats.org/presentationml/2006/main">
+  <p:cSld>
+    <p:spTree>
+      <p:nvGrpSpPr>
+        <p:cNvPr id="1" name=""/>
+        <p:cNvGrpSpPr/>
+        <p:nvPr/>
+      </p:nvGrpSpPr>
+      <p:grpSpPr>
+        <a:xfrm>
+          <a:off x="0" y="0"/>
+          <a:ext cx="0" cy="0"/>
+          <a:chOff x="0" y="0"/>
+          <a:chExt cx="0" cy="0"/>
+        </a:xfrm>
+      </p:grpSpPr>
+      <p:sp>
+        <p:nvSpPr>
+          <p:cNvPr id="2" name="Title 1">
+            <a:extLst>
+              <a:ext uri="{FF2B5EF4-FFF2-40B4-BE49-F238E27FC236}">
+                <a16:creationId xmlns:a16="http://schemas.microsoft.com/office/drawing/2014/main" id="{40F4ECA0-2A13-44DA-AD91-22617F5FC2E7}"/>
+              </a:ext>
+            </a:extLst>
+          </p:cNvPr>
+          <p:cNvSpPr>
+            <a:spLocks noGrp="1"/>
+          </p:cNvSpPr>
+          <p:nvPr>
+            <p:ph type="title"/>
+          </p:nvPr>
+        </p:nvSpPr>
+        <p:spPr>
+          <a:xfrm>
+            <a:off x="282389" y="176563"/>
+            <a:ext cx="10515600" cy="1325563"/>
+          </a:xfrm>
+        </p:spPr>
+        <p:txBody>
+          <a:bodyPr/>
+          <a:lstStyle/>
+          <a:p>
+            <a:r>
+              <a:rPr lang="en-US" dirty="0"/>
+              <a:t>Characterization</a:t>
+            </a:r>
+          </a:p>
+        </p:txBody>
+      </p:sp>
+      <p:pic>
+        <p:nvPicPr>
+          <p:cNvPr id="4" name="Picture 3">
+            <a:extLst>
+              <a:ext uri="{FF2B5EF4-FFF2-40B4-BE49-F238E27FC236}">
+                <a16:creationId xmlns:a16="http://schemas.microsoft.com/office/drawing/2014/main" id="{9FCA48FE-E0AE-D7F1-1C8E-527D4E04E040}"/>
+              </a:ext>
+            </a:extLst>
+          </p:cNvPr>
+          <p:cNvPicPr>
+            <a:picLocks noChangeAspect="1"/>
+          </p:cNvPicPr>
+          <p:nvPr/>
+        </p:nvPicPr>
+        <p:blipFill>
+          <a:blip r:embed="rId2"/>
+          <a:stretch>
+            <a:fillRect/>
+          </a:stretch>
+        </p:blipFill>
+        <p:spPr>
+          <a:xfrm>
+            <a:off x="397781" y="2017898"/>
+            <a:ext cx="4035538" cy="3505200"/>
+          </a:xfrm>
+          <a:prstGeom prst="rect">
+            <a:avLst/>
+          </a:prstGeom>
+        </p:spPr>
+      </p:pic>
+      <p:sp>
+        <p:nvSpPr>
+          <p:cNvPr id="5" name="TextBox 4">
+            <a:extLst>
+              <a:ext uri="{FF2B5EF4-FFF2-40B4-BE49-F238E27FC236}">
+                <a16:creationId xmlns:a16="http://schemas.microsoft.com/office/drawing/2014/main" id="{C340DF4E-E8EC-DFA2-F44C-0ED56F26BAEF}"/>
+              </a:ext>
+            </a:extLst>
+          </p:cNvPr>
+          <p:cNvSpPr txBox="1"/>
+          <p:nvPr/>
+        </p:nvSpPr>
+        <p:spPr>
+          <a:xfrm>
+            <a:off x="1083581" y="1803585"/>
+            <a:ext cx="2895600" cy="371475"/>
+          </a:xfrm>
+          <a:prstGeom prst="rect">
+            <a:avLst/>
+          </a:prstGeom>
+          <a:noFill/>
+        </p:spPr>
+        <p:txBody>
+          <a:bodyPr wrap="square" rtlCol="0">
+            <a:spAutoFit/>
+          </a:bodyPr>
+          <a:lstStyle/>
+          <a:p>
+            <a:pPr algn="ctr"/>
+            <a:r>
+              <a:rPr lang="en-US" dirty="0"/>
+              <a:t>Reflectivity Spectra</a:t>
+            </a:r>
+          </a:p>
+        </p:txBody>
+      </p:sp>
+      <p:cxnSp>
+        <p:nvCxnSpPr>
+          <p:cNvPr id="8" name="Straight Arrow Connector 7">
+            <a:extLst>
+              <a:ext uri="{FF2B5EF4-FFF2-40B4-BE49-F238E27FC236}">
+                <a16:creationId xmlns:a16="http://schemas.microsoft.com/office/drawing/2014/main" id="{4DC2216C-A58B-BE98-8AA8-B2C0FC139FD3}"/>
+              </a:ext>
+            </a:extLst>
+          </p:cNvPr>
+          <p:cNvCxnSpPr>
+            <a:cxnSpLocks/>
+          </p:cNvCxnSpPr>
+          <p:nvPr/>
+        </p:nvCxnSpPr>
+        <p:spPr>
+          <a:xfrm>
+            <a:off x="2245631" y="2494147"/>
+            <a:ext cx="169919" cy="2000250"/>
+          </a:xfrm>
+          <a:prstGeom prst="straightConnector1">
+            <a:avLst/>
+          </a:prstGeom>
+          <a:ln w="28575">
+            <a:solidFill>
+              <a:schemeClr val="tx1"/>
+            </a:solidFill>
+            <a:tailEnd type="triangle"/>
+          </a:ln>
+        </p:spPr>
+        <p:style>
+          <a:lnRef idx="1">
+            <a:schemeClr val="accent1"/>
+          </a:lnRef>
+          <a:fillRef idx="0">
+            <a:schemeClr val="accent1"/>
+          </a:fillRef>
+          <a:effectRef idx="0">
+            <a:schemeClr val="accent1"/>
+          </a:effectRef>
+          <a:fontRef idx="minor">
+            <a:schemeClr val="tx1"/>
+          </a:fontRef>
+        </p:style>
+      </p:cxnSp>
+      <p:sp>
+        <p:nvSpPr>
+          <p:cNvPr id="10" name="TextBox 9">
+            <a:extLst>
+              <a:ext uri="{FF2B5EF4-FFF2-40B4-BE49-F238E27FC236}">
+                <a16:creationId xmlns:a16="http://schemas.microsoft.com/office/drawing/2014/main" id="{3BB36B47-017F-AA02-17D9-118FD5B555DB}"/>
+              </a:ext>
+            </a:extLst>
+          </p:cNvPr>
+          <p:cNvSpPr txBox="1"/>
+          <p:nvPr/>
+        </p:nvSpPr>
+        <p:spPr>
+          <a:xfrm>
+            <a:off x="2478610" y="2511470"/>
+            <a:ext cx="3001141" cy="307777"/>
+          </a:xfrm>
+          <a:prstGeom prst="rect">
+            <a:avLst/>
+          </a:prstGeom>
+          <a:solidFill>
+            <a:schemeClr val="bg1"/>
+          </a:solidFill>
+          <a:ln w="19050">
+            <a:solidFill>
+              <a:schemeClr val="tx1"/>
+            </a:solidFill>
+          </a:ln>
+        </p:spPr>
+        <p:txBody>
+          <a:bodyPr wrap="square" rtlCol="0">
+            <a:spAutoFit/>
+          </a:bodyPr>
+          <a:lstStyle/>
+          <a:p>
+            <a:pPr algn="ctr"/>
+            <a:r>
+              <a:rPr lang="en-US" sz="1400" dirty="0"/>
+              <a:t>Emergence of inner condensed phase</a:t>
+            </a:r>
+          </a:p>
+        </p:txBody>
+      </p:sp>
+      <p:pic>
+        <p:nvPicPr>
+          <p:cNvPr id="3074" name="Picture 2">
+            <a:extLst>
+              <a:ext uri="{FF2B5EF4-FFF2-40B4-BE49-F238E27FC236}">
+                <a16:creationId xmlns:a16="http://schemas.microsoft.com/office/drawing/2014/main" id="{8A0650D1-B37A-942F-3A5F-91433F9689F9}"/>
+              </a:ext>
+            </a:extLst>
+          </p:cNvPr>
+          <p:cNvPicPr>
+            <a:picLocks noChangeAspect="1" noChangeArrowheads="1"/>
+          </p:cNvPicPr>
+          <p:nvPr/>
+        </p:nvPicPr>
+        <p:blipFill rotWithShape="1">
+          <a:blip r:embed="rId3">
+            <a:extLst>
+              <a:ext uri="{28A0092B-C50C-407E-A947-70E740481C1C}">
+                <a14:useLocalDpi xmlns:a14="http://schemas.microsoft.com/office/drawing/2010/main" val="0"/>
+              </a:ext>
+            </a:extLst>
+          </a:blip>
+          <a:srcRect r="16850"/>
+          <a:stretch/>
+        </p:blipFill>
+        <p:spPr bwMode="auto">
+          <a:xfrm>
+            <a:off x="6783945" y="986173"/>
+            <a:ext cx="3972630" cy="2907111"/>
+          </a:xfrm>
+          <a:prstGeom prst="rect">
+            <a:avLst/>
+          </a:prstGeom>
+          <a:noFill/>
+          <a:extLst>
+            <a:ext uri="{909E8E84-426E-40DD-AFC4-6F175D3DCCD1}">
+              <a14:hiddenFill xmlns:a14="http://schemas.microsoft.com/office/drawing/2010/main">
+                <a:solidFill>
+                  <a:srgbClr val="FFFFFF"/>
+                </a:solidFill>
+              </a14:hiddenFill>
+            </a:ext>
+          </a:extLst>
+        </p:spPr>
+      </p:pic>
+      <p:pic>
+        <p:nvPicPr>
+          <p:cNvPr id="3076" name="Picture 4">
+            <a:extLst>
+              <a:ext uri="{FF2B5EF4-FFF2-40B4-BE49-F238E27FC236}">
+                <a16:creationId xmlns:a16="http://schemas.microsoft.com/office/drawing/2014/main" id="{B808C02D-C479-74CD-78C0-CB2179F6CA37}"/>
+              </a:ext>
+            </a:extLst>
+          </p:cNvPr>
+          <p:cNvPicPr>
+            <a:picLocks noChangeAspect="1" noChangeArrowheads="1"/>
+          </p:cNvPicPr>
+          <p:nvPr/>
+        </p:nvPicPr>
+        <p:blipFill>
+          <a:blip r:embed="rId4">
+            <a:extLst>
+              <a:ext uri="{28A0092B-C50C-407E-A947-70E740481C1C}">
+                <a14:useLocalDpi xmlns:a14="http://schemas.microsoft.com/office/drawing/2010/main" val="0"/>
+              </a:ext>
+            </a:extLst>
+          </a:blip>
+          <a:srcRect/>
+          <a:stretch>
+            <a:fillRect/>
+          </a:stretch>
+        </p:blipFill>
+        <p:spPr bwMode="auto">
+          <a:xfrm>
+            <a:off x="5430473" y="3893284"/>
+            <a:ext cx="6679575" cy="2788153"/>
+          </a:xfrm>
+          <a:prstGeom prst="rect">
+            <a:avLst/>
+          </a:prstGeom>
+          <a:noFill/>
+          <a:extLst>
+            <a:ext uri="{909E8E84-426E-40DD-AFC4-6F175D3DCCD1}">
+              <a14:hiddenFill xmlns:a14="http://schemas.microsoft.com/office/drawing/2010/main">
+                <a:solidFill>
+                  <a:srgbClr val="FFFFFF"/>
+                </a:solidFill>
+              </a14:hiddenFill>
+            </a:ext>
+          </a:extLst>
+        </p:spPr>
+      </p:pic>
+      <p:sp>
+        <p:nvSpPr>
+          <p:cNvPr id="18" name="TextBox 17">
+            <a:extLst>
+              <a:ext uri="{FF2B5EF4-FFF2-40B4-BE49-F238E27FC236}">
+                <a16:creationId xmlns:a16="http://schemas.microsoft.com/office/drawing/2014/main" id="{1103D703-D809-6BF4-F2D1-2A4968CD2263}"/>
+              </a:ext>
+            </a:extLst>
+          </p:cNvPr>
+          <p:cNvSpPr txBox="1"/>
+          <p:nvPr/>
+        </p:nvSpPr>
+        <p:spPr>
+          <a:xfrm>
+            <a:off x="7510718" y="653606"/>
+            <a:ext cx="2895600" cy="371475"/>
+          </a:xfrm>
+          <a:prstGeom prst="rect">
+            <a:avLst/>
+          </a:prstGeom>
+          <a:noFill/>
+        </p:spPr>
+        <p:txBody>
+          <a:bodyPr wrap="square" rtlCol="0">
+            <a:spAutoFit/>
+          </a:bodyPr>
+          <a:lstStyle/>
+          <a:p>
+            <a:pPr algn="ctr"/>
+            <a:r>
+              <a:rPr lang="en-US" dirty="0"/>
+              <a:t>Interacting Brushes (4 mM)</a:t>
+            </a:r>
+          </a:p>
+        </p:txBody>
+      </p:sp>
+    </p:spTree>
+    <p:extLst>
+      <p:ext uri="{BB962C8B-B14F-4D97-AF65-F5344CB8AC3E}">
+        <p14:creationId xmlns:p14="http://schemas.microsoft.com/office/powerpoint/2010/main" val="2606141381"/>
+      </p:ext>
+    </p:extLst>
+  </p:cSld>
+  <p:clrMapOvr>
+    <a:masterClrMapping/>
+  </p:clrMapOvr>
+  <p:timing>
+    <p:tnLst>
+      <p:par>
+        <p:cTn id="1" dur="indefinite" restart="never" nodeType="tmRoot">
+          <p:childTnLst>
+            <p:seq concurrent="1" nextAc="seek">
+              <p:cTn id="2" dur="indefinite" nodeType="mainSeq">
+                <p:childTnLst>
+                  <p:par>
+                    <p:cTn id="3" fill="hold">
+                      <p:stCondLst>
+                        <p:cond delay="indefinite"/>
+                      </p:stCondLst>
+                      <p:childTnLst>
+                        <p:par>
+                          <p:cTn id="4" fill="hold">
+                            <p:stCondLst>
+                              <p:cond delay="0"/>
+                            </p:stCondLst>
+                            <p:childTnLst>
+                              <p:par>
+                                <p:cTn id="5" presetID="1" presetClass="entr" presetSubtype="0" fill="hold" nodeType="clickEffect">
+                                  <p:stCondLst>
+                                    <p:cond delay="0"/>
+                                  </p:stCondLst>
+                                  <p:childTnLst>
+                                    <p:set>
+                                      <p:cBhvr>
+                                        <p:cTn id="6" dur="1" fill="hold">
+                                          <p:stCondLst>
+                                            <p:cond delay="0"/>
+                                          </p:stCondLst>
+                                        </p:cTn>
+                                        <p:tgtEl>
+                                          <p:spTgt spid="8"/>
+                                        </p:tgtEl>
+                                        <p:attrNameLst>
+                                          <p:attrName>style.visibility</p:attrName>
+                                        </p:attrNameLst>
+                                      </p:cBhvr>
+                                      <p:to>
+                                        <p:strVal val="visible"/>
+                                      </p:to>
+                                    </p:set>
+                                  </p:childTnLst>
+                                </p:cTn>
+                              </p:par>
+                              <p:par>
+                                <p:cTn id="7" presetID="1" presetClass="entr" presetSubtype="0" fill="hold" grpId="0" nodeType="withEffect">
+                                  <p:stCondLst>
+                                    <p:cond delay="0"/>
+                                  </p:stCondLst>
+                                  <p:childTnLst>
+                                    <p:set>
+                                      <p:cBhvr>
+                                        <p:cTn id="8" dur="1" fill="hold">
+                                          <p:stCondLst>
+                                            <p:cond delay="0"/>
+                                          </p:stCondLst>
+                                        </p:cTn>
+                                        <p:tgtEl>
+                                          <p:spTgt spid="10"/>
+                                        </p:tgtEl>
+                                        <p:attrNameLst>
+                                          <p:attrName>style.visibility</p:attrName>
+                                        </p:attrNameLst>
+                                      </p:cBhvr>
+                                      <p:to>
+                                        <p:strVal val="visible"/>
+                                      </p:to>
+                                    </p:set>
+                                  </p:childTnLst>
+                                </p:cTn>
+                              </p:par>
+                            </p:childTnLst>
+                          </p:cTn>
+                        </p:par>
+                      </p:childTnLst>
+                    </p:cTn>
+                  </p:par>
+                  <p:par>
+                    <p:cTn id="9" fill="hold">
+                      <p:stCondLst>
+                        <p:cond delay="indefinite"/>
+                      </p:stCondLst>
+                      <p:childTnLst>
+                        <p:par>
+                          <p:cTn id="10" fill="hold">
+                            <p:stCondLst>
+                              <p:cond delay="0"/>
+                            </p:stCondLst>
+                            <p:childTnLst>
+                              <p:par>
+                                <p:cTn id="11" presetID="1" presetClass="entr" presetSubtype="0" fill="hold" nodeType="clickEffect">
+                                  <p:stCondLst>
+                                    <p:cond delay="0"/>
+                                  </p:stCondLst>
+                                  <p:childTnLst>
+                                    <p:set>
+                                      <p:cBhvr>
+                                        <p:cTn id="12" dur="1" fill="hold">
+                                          <p:stCondLst>
+                                            <p:cond delay="0"/>
+                                          </p:stCondLst>
+                                        </p:cTn>
+                                        <p:tgtEl>
+                                          <p:spTgt spid="3074"/>
+                                        </p:tgtEl>
+                                        <p:attrNameLst>
+                                          <p:attrName>style.visibility</p:attrName>
+                                        </p:attrNameLst>
+                                      </p:cBhvr>
+                                      <p:to>
+                                        <p:strVal val="visible"/>
+                                      </p:to>
+                                    </p:set>
+                                  </p:childTnLst>
+                                </p:cTn>
+                              </p:par>
+                              <p:par>
+                                <p:cTn id="13" presetID="1" presetClass="entr" presetSubtype="0" fill="hold" grpId="0" nodeType="withEffect">
+                                  <p:stCondLst>
+                                    <p:cond delay="0"/>
+                                  </p:stCondLst>
+                                  <p:childTnLst>
+                                    <p:set>
+                                      <p:cBhvr>
+                                        <p:cTn id="14" dur="1" fill="hold">
+                                          <p:stCondLst>
+                                            <p:cond delay="0"/>
+                                          </p:stCondLst>
+                                        </p:cTn>
+                                        <p:tgtEl>
+                                          <p:spTgt spid="18"/>
+                                        </p:tgtEl>
+                                        <p:attrNameLst>
+                                          <p:attrName>style.visibility</p:attrName>
+                                        </p:attrNameLst>
+                                      </p:cBhvr>
+                                      <p:to>
+                                        <p:strVal val="visible"/>
+                                      </p:to>
+                                    </p:set>
+                                  </p:childTnLst>
+                                </p:cTn>
+                              </p:par>
+                            </p:childTnLst>
+                          </p:cTn>
+                        </p:par>
+                      </p:childTnLst>
+                    </p:cTn>
+                  </p:par>
+                  <p:par>
+                    <p:cTn id="15" fill="hold">
+                      <p:stCondLst>
+                        <p:cond delay="indefinite"/>
+                      </p:stCondLst>
+                      <p:childTnLst>
+                        <p:par>
+                          <p:cTn id="16" fill="hold">
+                            <p:stCondLst>
+                              <p:cond delay="0"/>
+                            </p:stCondLst>
+                            <p:childTnLst>
+                              <p:par>
+                                <p:cTn id="17" presetID="1" presetClass="entr" presetSubtype="0" fill="hold" nodeType="clickEffect">
+                                  <p:stCondLst>
+                                    <p:cond delay="0"/>
+                                  </p:stCondLst>
+                                  <p:childTnLst>
+                                    <p:set>
+                                      <p:cBhvr>
+                                        <p:cTn id="18" dur="1" fill="hold">
+                                          <p:stCondLst>
+                                            <p:cond delay="0"/>
+                                          </p:stCondLst>
+                                        </p:cTn>
+                                        <p:tgtEl>
+                                          <p:spTgt spid="3076"/>
+                                        </p:tgtEl>
+                                        <p:attrNameLst>
+                                          <p:attrName>style.visibility</p:attrName>
+                                        </p:attrNameLst>
+                                      </p:cBhvr>
+                                      <p:to>
+                                        <p:strVal val="visible"/>
+                                      </p:to>
+                                    </p:set>
+                                  </p:childTnLst>
+                                </p:cTn>
+                              </p:par>
+                            </p:childTnLst>
+                          </p:cTn>
+                        </p:par>
+                      </p:childTnLst>
+                    </p:cTn>
+                  </p:par>
+                </p:childTnLst>
+              </p:cTn>
+              <p:prevCondLst>
+                <p:cond evt="onPrev" delay="0">
+                  <p:tgtEl>
+                    <p:sldTgt/>
+                  </p:tgtEl>
+                </p:cond>
+              </p:prevCondLst>
+              <p:nextCondLst>
+                <p:cond evt="onNext" delay="0">
+                  <p:tgtEl>
+                    <p:sldTgt/>
+                  </p:tgtEl>
+                </p:cond>
+              </p:nextCondLst>
+            </p:seq>
+          </p:childTnLst>
+        </p:cTn>
+      </p:par>
+    </p:tnLst>
+    <p:bldLst>
+      <p:bldP spid="10" grpId="0" animBg="1"/>
+      <p:bldP spid="18" grpId="0"/>
+    </p:bldLst>
+  </p:timing>
+</p:sld>
+</file>
+
 <file path=ppt/slides/slide2.xml><?xml version="1.0" encoding="utf-8"?>
 <p:sld xmlns:a="http://schemas.openxmlformats.org/drawingml/2006/main" xmlns:r="http://schemas.openxmlformats.org/officeDocument/2006/relationships" xmlns:p="http://schemas.openxmlformats.org/presentationml/2006/main">
   <p:cSld>
@@ -4382,7 +4951,7 @@
           <p:spPr>
             <a:xfrm>
               <a:off x="1375705" y="1460986"/>
-              <a:ext cx="1025980" cy="307777"/>
+              <a:ext cx="1025980" cy="307778"/>
             </a:xfrm>
             <a:prstGeom prst="rect">
               <a:avLst/>
@@ -4461,7 +5030,7 @@
           <p:spPr>
             <a:xfrm>
               <a:off x="900170" y="3036790"/>
-              <a:ext cx="1501516" cy="307777"/>
+              <a:ext cx="1501516" cy="307778"/>
             </a:xfrm>
             <a:prstGeom prst="rect">
               <a:avLst/>
@@ -5864,6 +6433,733 @@
           <p:cNvPr id="2" name="Title 1">
             <a:extLst>
               <a:ext uri="{FF2B5EF4-FFF2-40B4-BE49-F238E27FC236}">
+                <a16:creationId xmlns:a16="http://schemas.microsoft.com/office/drawing/2014/main" id="{F33FD31B-DC40-3BB8-2DC0-4AC84F90FC86}"/>
+              </a:ext>
+            </a:extLst>
+          </p:cNvPr>
+          <p:cNvSpPr>
+            <a:spLocks noGrp="1"/>
+          </p:cNvSpPr>
+          <p:nvPr>
+            <p:ph type="title"/>
+          </p:nvPr>
+        </p:nvSpPr>
+        <p:spPr/>
+        <p:txBody>
+          <a:bodyPr/>
+          <a:lstStyle/>
+          <a:p>
+            <a:r>
+              <a:rPr lang="en-US" dirty="0"/>
+              <a:t>Density profiles (Proposed Figure)</a:t>
+            </a:r>
+          </a:p>
+        </p:txBody>
+      </p:sp>
+      <p:sp>
+        <p:nvSpPr>
+          <p:cNvPr id="3" name="Content Placeholder 2">
+            <a:extLst>
+              <a:ext uri="{FF2B5EF4-FFF2-40B4-BE49-F238E27FC236}">
+                <a16:creationId xmlns:a16="http://schemas.microsoft.com/office/drawing/2014/main" id="{CB8C2162-FB3F-D29D-DA9B-00D2893661D6}"/>
+              </a:ext>
+            </a:extLst>
+          </p:cNvPr>
+          <p:cNvSpPr txBox="1">
+            <a:spLocks/>
+          </p:cNvSpPr>
+          <p:nvPr/>
+        </p:nvSpPr>
+        <p:spPr>
+          <a:xfrm>
+            <a:off x="838200" y="1825625"/>
+            <a:ext cx="10515600" cy="4351338"/>
+          </a:xfrm>
+          <a:prstGeom prst="rect">
+            <a:avLst/>
+          </a:prstGeom>
+        </p:spPr>
+        <p:txBody>
+          <a:bodyPr>
+            <a:normAutofit/>
+          </a:bodyPr>
+          <a:lstStyle>
+            <a:lvl1pPr marL="228600" indent="-228600" algn="l" defTabSz="914400" rtl="0" eaLnBrk="1" latinLnBrk="0" hangingPunct="1">
+              <a:lnSpc>
+                <a:spcPct val="90000"/>
+              </a:lnSpc>
+              <a:spcBef>
+                <a:spcPts val="1000"/>
+              </a:spcBef>
+              <a:buFont typeface="Arial" panose="020B0604020202020204" pitchFamily="34" charset="0"/>
+              <a:buChar char="•"/>
+              <a:defRPr sz="2800" kern="1200">
+                <a:solidFill>
+                  <a:schemeClr val="tx1"/>
+                </a:solidFill>
+                <a:latin typeface="+mn-lt"/>
+                <a:ea typeface="+mn-ea"/>
+                <a:cs typeface="+mn-cs"/>
+              </a:defRPr>
+            </a:lvl1pPr>
+            <a:lvl2pPr marL="685800" indent="-228600" algn="l" defTabSz="914400" rtl="0" eaLnBrk="1" latinLnBrk="0" hangingPunct="1">
+              <a:lnSpc>
+                <a:spcPct val="90000"/>
+              </a:lnSpc>
+              <a:spcBef>
+                <a:spcPts val="500"/>
+              </a:spcBef>
+              <a:buFont typeface="Arial" panose="020B0604020202020204" pitchFamily="34" charset="0"/>
+              <a:buChar char="•"/>
+              <a:defRPr sz="2400" kern="1200">
+                <a:solidFill>
+                  <a:schemeClr val="tx1"/>
+                </a:solidFill>
+                <a:latin typeface="+mn-lt"/>
+                <a:ea typeface="+mn-ea"/>
+                <a:cs typeface="+mn-cs"/>
+              </a:defRPr>
+            </a:lvl2pPr>
+            <a:lvl3pPr marL="1143000" indent="-228600" algn="l" defTabSz="914400" rtl="0" eaLnBrk="1" latinLnBrk="0" hangingPunct="1">
+              <a:lnSpc>
+                <a:spcPct val="90000"/>
+              </a:lnSpc>
+              <a:spcBef>
+                <a:spcPts val="500"/>
+              </a:spcBef>
+              <a:buFont typeface="Arial" panose="020B0604020202020204" pitchFamily="34" charset="0"/>
+              <a:buChar char="•"/>
+              <a:defRPr sz="2000" kern="1200">
+                <a:solidFill>
+                  <a:schemeClr val="tx1"/>
+                </a:solidFill>
+                <a:latin typeface="+mn-lt"/>
+                <a:ea typeface="+mn-ea"/>
+                <a:cs typeface="+mn-cs"/>
+              </a:defRPr>
+            </a:lvl3pPr>
+            <a:lvl4pPr marL="1600200" indent="-228600" algn="l" defTabSz="914400" rtl="0" eaLnBrk="1" latinLnBrk="0" hangingPunct="1">
+              <a:lnSpc>
+                <a:spcPct val="90000"/>
+              </a:lnSpc>
+              <a:spcBef>
+                <a:spcPts val="500"/>
+              </a:spcBef>
+              <a:buFont typeface="Arial" panose="020B0604020202020204" pitchFamily="34" charset="0"/>
+              <a:buChar char="•"/>
+              <a:defRPr sz="1800" kern="1200">
+                <a:solidFill>
+                  <a:schemeClr val="tx1"/>
+                </a:solidFill>
+                <a:latin typeface="+mn-lt"/>
+                <a:ea typeface="+mn-ea"/>
+                <a:cs typeface="+mn-cs"/>
+              </a:defRPr>
+            </a:lvl4pPr>
+            <a:lvl5pPr marL="2057400" indent="-228600" algn="l" defTabSz="914400" rtl="0" eaLnBrk="1" latinLnBrk="0" hangingPunct="1">
+              <a:lnSpc>
+                <a:spcPct val="90000"/>
+              </a:lnSpc>
+              <a:spcBef>
+                <a:spcPts val="500"/>
+              </a:spcBef>
+              <a:buFont typeface="Arial" panose="020B0604020202020204" pitchFamily="34" charset="0"/>
+              <a:buChar char="•"/>
+              <a:defRPr sz="1800" kern="1200">
+                <a:solidFill>
+                  <a:schemeClr val="tx1"/>
+                </a:solidFill>
+                <a:latin typeface="+mn-lt"/>
+                <a:ea typeface="+mn-ea"/>
+                <a:cs typeface="+mn-cs"/>
+              </a:defRPr>
+            </a:lvl5pPr>
+            <a:lvl6pPr marL="2514600" indent="-228600" algn="l" defTabSz="914400" rtl="0" eaLnBrk="1" latinLnBrk="0" hangingPunct="1">
+              <a:lnSpc>
+                <a:spcPct val="90000"/>
+              </a:lnSpc>
+              <a:spcBef>
+                <a:spcPts val="500"/>
+              </a:spcBef>
+              <a:buFont typeface="Arial" panose="020B0604020202020204" pitchFamily="34" charset="0"/>
+              <a:buChar char="•"/>
+              <a:defRPr sz="1800" kern="1200">
+                <a:solidFill>
+                  <a:schemeClr val="tx1"/>
+                </a:solidFill>
+                <a:latin typeface="+mn-lt"/>
+                <a:ea typeface="+mn-ea"/>
+                <a:cs typeface="+mn-cs"/>
+              </a:defRPr>
+            </a:lvl6pPr>
+            <a:lvl7pPr marL="2971800" indent="-228600" algn="l" defTabSz="914400" rtl="0" eaLnBrk="1" latinLnBrk="0" hangingPunct="1">
+              <a:lnSpc>
+                <a:spcPct val="90000"/>
+              </a:lnSpc>
+              <a:spcBef>
+                <a:spcPts val="500"/>
+              </a:spcBef>
+              <a:buFont typeface="Arial" panose="020B0604020202020204" pitchFamily="34" charset="0"/>
+              <a:buChar char="•"/>
+              <a:defRPr sz="1800" kern="1200">
+                <a:solidFill>
+                  <a:schemeClr val="tx1"/>
+                </a:solidFill>
+                <a:latin typeface="+mn-lt"/>
+                <a:ea typeface="+mn-ea"/>
+                <a:cs typeface="+mn-cs"/>
+              </a:defRPr>
+            </a:lvl7pPr>
+            <a:lvl8pPr marL="3429000" indent="-228600" algn="l" defTabSz="914400" rtl="0" eaLnBrk="1" latinLnBrk="0" hangingPunct="1">
+              <a:lnSpc>
+                <a:spcPct val="90000"/>
+              </a:lnSpc>
+              <a:spcBef>
+                <a:spcPts val="500"/>
+              </a:spcBef>
+              <a:buFont typeface="Arial" panose="020B0604020202020204" pitchFamily="34" charset="0"/>
+              <a:buChar char="•"/>
+              <a:defRPr sz="1800" kern="1200">
+                <a:solidFill>
+                  <a:schemeClr val="tx1"/>
+                </a:solidFill>
+                <a:latin typeface="+mn-lt"/>
+                <a:ea typeface="+mn-ea"/>
+                <a:cs typeface="+mn-cs"/>
+              </a:defRPr>
+            </a:lvl8pPr>
+            <a:lvl9pPr marL="3886200" indent="-228600" algn="l" defTabSz="914400" rtl="0" eaLnBrk="1" latinLnBrk="0" hangingPunct="1">
+              <a:lnSpc>
+                <a:spcPct val="90000"/>
+              </a:lnSpc>
+              <a:spcBef>
+                <a:spcPts val="500"/>
+              </a:spcBef>
+              <a:buFont typeface="Arial" panose="020B0604020202020204" pitchFamily="34" charset="0"/>
+              <a:buChar char="•"/>
+              <a:defRPr sz="1800" kern="1200">
+                <a:solidFill>
+                  <a:schemeClr val="tx1"/>
+                </a:solidFill>
+                <a:latin typeface="+mn-lt"/>
+                <a:ea typeface="+mn-ea"/>
+                <a:cs typeface="+mn-cs"/>
+              </a:defRPr>
+            </a:lvl9pPr>
+          </a:lstStyle>
+          <a:p>
+            <a:pPr>
+              <a:lnSpc>
+                <a:spcPct val="150000"/>
+              </a:lnSpc>
+            </a:pPr>
+            <a:r>
+              <a:rPr lang="en-US" sz="2400" dirty="0"/>
+              <a:t>Height fit with experimental data gives confidence for calculated density profiles</a:t>
+            </a:r>
+          </a:p>
+          <a:p>
+            <a:pPr>
+              <a:lnSpc>
+                <a:spcPct val="150000"/>
+              </a:lnSpc>
+            </a:pPr>
+            <a:r>
+              <a:rPr lang="en-US" sz="2400" dirty="0"/>
+              <a:t>Fitting parameters indicate ____</a:t>
+            </a:r>
+          </a:p>
+          <a:p>
+            <a:pPr lvl="1">
+              <a:lnSpc>
+                <a:spcPct val="150000"/>
+              </a:lnSpc>
+            </a:pPr>
+            <a:r>
+              <a:rPr lang="en-US" sz="2000" dirty="0"/>
+              <a:t>b : Kuhn’s statistical segment length</a:t>
+            </a:r>
+          </a:p>
+          <a:p>
+            <a:pPr lvl="2">
+              <a:lnSpc>
+                <a:spcPct val="150000"/>
+              </a:lnSpc>
+            </a:pPr>
+            <a:r>
+              <a:rPr lang="en-US" dirty="0"/>
+              <a:t>NFH: 0.50 nm, NFM: 3.00 nm</a:t>
+            </a:r>
+          </a:p>
+          <a:p>
+            <a:pPr lvl="1">
+              <a:lnSpc>
+                <a:spcPct val="150000"/>
+              </a:lnSpc>
+            </a:pPr>
+            <a:r>
+              <a:rPr lang="en-US" sz="2000" dirty="0"/>
+              <a:t>v : Volume of Kuhn’s segment</a:t>
+            </a:r>
+          </a:p>
+          <a:p>
+            <a:pPr lvl="2">
+              <a:lnSpc>
+                <a:spcPct val="150000"/>
+              </a:lnSpc>
+            </a:pPr>
+            <a:r>
+              <a:rPr lang="en-US" dirty="0"/>
+              <a:t>NFH: 0.20 nm</a:t>
+            </a:r>
+            <a:r>
+              <a:rPr lang="en-US" baseline="30000" dirty="0"/>
+              <a:t>3</a:t>
+            </a:r>
+            <a:r>
+              <a:rPr lang="en-US" dirty="0"/>
+              <a:t>, NFM: 2.00 nm</a:t>
+            </a:r>
+            <a:r>
+              <a:rPr lang="en-US" baseline="30000" dirty="0"/>
+              <a:t>3</a:t>
+            </a:r>
+          </a:p>
+          <a:p>
+            <a:pPr lvl="2">
+              <a:lnSpc>
+                <a:spcPct val="150000"/>
+              </a:lnSpc>
+            </a:pPr>
+            <a:endParaRPr lang="en-US" dirty="0"/>
+          </a:p>
+          <a:p>
+            <a:pPr>
+              <a:lnSpc>
+                <a:spcPct val="150000"/>
+              </a:lnSpc>
+            </a:pPr>
+            <a:endParaRPr lang="en-US" sz="2400" dirty="0"/>
+          </a:p>
+        </p:txBody>
+      </p:sp>
+    </p:spTree>
+    <p:extLst>
+      <p:ext uri="{BB962C8B-B14F-4D97-AF65-F5344CB8AC3E}">
+        <p14:creationId xmlns:p14="http://schemas.microsoft.com/office/powerpoint/2010/main" val="2160141623"/>
+      </p:ext>
+    </p:extLst>
+  </p:cSld>
+  <p:clrMapOvr>
+    <a:masterClrMapping/>
+  </p:clrMapOvr>
+  <p:timing>
+    <p:tnLst>
+      <p:par>
+        <p:cTn id="1" dur="indefinite" restart="never" nodeType="tmRoot">
+          <p:childTnLst>
+            <p:seq concurrent="1" nextAc="seek">
+              <p:cTn id="2" dur="indefinite" nodeType="mainSeq">
+                <p:childTnLst>
+                  <p:par>
+                    <p:cTn id="3" fill="hold">
+                      <p:stCondLst>
+                        <p:cond delay="indefinite"/>
+                      </p:stCondLst>
+                      <p:childTnLst>
+                        <p:par>
+                          <p:cTn id="4" fill="hold">
+                            <p:stCondLst>
+                              <p:cond delay="0"/>
+                            </p:stCondLst>
+                            <p:childTnLst>
+                              <p:par>
+                                <p:cTn id="5" presetID="1" presetClass="entr" presetSubtype="0" fill="hold" nodeType="clickEffect">
+                                  <p:stCondLst>
+                                    <p:cond delay="0"/>
+                                  </p:stCondLst>
+                                  <p:childTnLst>
+                                    <p:set>
+                                      <p:cBhvr>
+                                        <p:cTn id="6" dur="1" fill="hold">
+                                          <p:stCondLst>
+                                            <p:cond delay="0"/>
+                                          </p:stCondLst>
+                                        </p:cTn>
+                                        <p:tgtEl>
+                                          <p:spTgt spid="3">
+                                            <p:txEl>
+                                              <p:pRg st="0" end="0"/>
+                                            </p:txEl>
+                                          </p:spTgt>
+                                        </p:tgtEl>
+                                        <p:attrNameLst>
+                                          <p:attrName>style.visibility</p:attrName>
+                                        </p:attrNameLst>
+                                      </p:cBhvr>
+                                      <p:to>
+                                        <p:strVal val="visible"/>
+                                      </p:to>
+                                    </p:set>
+                                  </p:childTnLst>
+                                </p:cTn>
+                              </p:par>
+                            </p:childTnLst>
+                          </p:cTn>
+                        </p:par>
+                      </p:childTnLst>
+                    </p:cTn>
+                  </p:par>
+                  <p:par>
+                    <p:cTn id="7" fill="hold">
+                      <p:stCondLst>
+                        <p:cond delay="indefinite"/>
+                      </p:stCondLst>
+                      <p:childTnLst>
+                        <p:par>
+                          <p:cTn id="8" fill="hold">
+                            <p:stCondLst>
+                              <p:cond delay="0"/>
+                            </p:stCondLst>
+                            <p:childTnLst>
+                              <p:par>
+                                <p:cTn id="9" presetID="1" presetClass="entr" presetSubtype="0" fill="hold" nodeType="clickEffect">
+                                  <p:stCondLst>
+                                    <p:cond delay="0"/>
+                                  </p:stCondLst>
+                                  <p:childTnLst>
+                                    <p:set>
+                                      <p:cBhvr>
+                                        <p:cTn id="10" dur="1" fill="hold">
+                                          <p:stCondLst>
+                                            <p:cond delay="0"/>
+                                          </p:stCondLst>
+                                        </p:cTn>
+                                        <p:tgtEl>
+                                          <p:spTgt spid="3">
+                                            <p:txEl>
+                                              <p:pRg st="1" end="1"/>
+                                            </p:txEl>
+                                          </p:spTgt>
+                                        </p:tgtEl>
+                                        <p:attrNameLst>
+                                          <p:attrName>style.visibility</p:attrName>
+                                        </p:attrNameLst>
+                                      </p:cBhvr>
+                                      <p:to>
+                                        <p:strVal val="visible"/>
+                                      </p:to>
+                                    </p:set>
+                                  </p:childTnLst>
+                                </p:cTn>
+                              </p:par>
+                            </p:childTnLst>
+                          </p:cTn>
+                        </p:par>
+                      </p:childTnLst>
+                    </p:cTn>
+                  </p:par>
+                  <p:par>
+                    <p:cTn id="11" fill="hold">
+                      <p:stCondLst>
+                        <p:cond delay="indefinite"/>
+                      </p:stCondLst>
+                      <p:childTnLst>
+                        <p:par>
+                          <p:cTn id="12" fill="hold">
+                            <p:stCondLst>
+                              <p:cond delay="0"/>
+                            </p:stCondLst>
+                            <p:childTnLst>
+                              <p:par>
+                                <p:cTn id="13" presetID="1" presetClass="entr" presetSubtype="0" fill="hold" nodeType="clickEffect">
+                                  <p:stCondLst>
+                                    <p:cond delay="0"/>
+                                  </p:stCondLst>
+                                  <p:childTnLst>
+                                    <p:set>
+                                      <p:cBhvr>
+                                        <p:cTn id="14" dur="1" fill="hold">
+                                          <p:stCondLst>
+                                            <p:cond delay="0"/>
+                                          </p:stCondLst>
+                                        </p:cTn>
+                                        <p:tgtEl>
+                                          <p:spTgt spid="3">
+                                            <p:txEl>
+                                              <p:pRg st="2" end="2"/>
+                                            </p:txEl>
+                                          </p:spTgt>
+                                        </p:tgtEl>
+                                        <p:attrNameLst>
+                                          <p:attrName>style.visibility</p:attrName>
+                                        </p:attrNameLst>
+                                      </p:cBhvr>
+                                      <p:to>
+                                        <p:strVal val="visible"/>
+                                      </p:to>
+                                    </p:set>
+                                  </p:childTnLst>
+                                </p:cTn>
+                              </p:par>
+                            </p:childTnLst>
+                          </p:cTn>
+                        </p:par>
+                      </p:childTnLst>
+                    </p:cTn>
+                  </p:par>
+                  <p:par>
+                    <p:cTn id="15" fill="hold">
+                      <p:stCondLst>
+                        <p:cond delay="indefinite"/>
+                      </p:stCondLst>
+                      <p:childTnLst>
+                        <p:par>
+                          <p:cTn id="16" fill="hold">
+                            <p:stCondLst>
+                              <p:cond delay="0"/>
+                            </p:stCondLst>
+                            <p:childTnLst>
+                              <p:par>
+                                <p:cTn id="17" presetID="1" presetClass="entr" presetSubtype="0" fill="hold" nodeType="clickEffect">
+                                  <p:stCondLst>
+                                    <p:cond delay="0"/>
+                                  </p:stCondLst>
+                                  <p:childTnLst>
+                                    <p:set>
+                                      <p:cBhvr>
+                                        <p:cTn id="18" dur="1" fill="hold">
+                                          <p:stCondLst>
+                                            <p:cond delay="0"/>
+                                          </p:stCondLst>
+                                        </p:cTn>
+                                        <p:tgtEl>
+                                          <p:spTgt spid="3">
+                                            <p:txEl>
+                                              <p:pRg st="3" end="3"/>
+                                            </p:txEl>
+                                          </p:spTgt>
+                                        </p:tgtEl>
+                                        <p:attrNameLst>
+                                          <p:attrName>style.visibility</p:attrName>
+                                        </p:attrNameLst>
+                                      </p:cBhvr>
+                                      <p:to>
+                                        <p:strVal val="visible"/>
+                                      </p:to>
+                                    </p:set>
+                                  </p:childTnLst>
+                                </p:cTn>
+                              </p:par>
+                            </p:childTnLst>
+                          </p:cTn>
+                        </p:par>
+                      </p:childTnLst>
+                    </p:cTn>
+                  </p:par>
+                  <p:par>
+                    <p:cTn id="19" fill="hold">
+                      <p:stCondLst>
+                        <p:cond delay="indefinite"/>
+                      </p:stCondLst>
+                      <p:childTnLst>
+                        <p:par>
+                          <p:cTn id="20" fill="hold">
+                            <p:stCondLst>
+                              <p:cond delay="0"/>
+                            </p:stCondLst>
+                            <p:childTnLst>
+                              <p:par>
+                                <p:cTn id="21" presetID="1" presetClass="entr" presetSubtype="0" fill="hold" nodeType="clickEffect">
+                                  <p:stCondLst>
+                                    <p:cond delay="0"/>
+                                  </p:stCondLst>
+                                  <p:childTnLst>
+                                    <p:set>
+                                      <p:cBhvr>
+                                        <p:cTn id="22" dur="1" fill="hold">
+                                          <p:stCondLst>
+                                            <p:cond delay="0"/>
+                                          </p:stCondLst>
+                                        </p:cTn>
+                                        <p:tgtEl>
+                                          <p:spTgt spid="3">
+                                            <p:txEl>
+                                              <p:pRg st="4" end="4"/>
+                                            </p:txEl>
+                                          </p:spTgt>
+                                        </p:tgtEl>
+                                        <p:attrNameLst>
+                                          <p:attrName>style.visibility</p:attrName>
+                                        </p:attrNameLst>
+                                      </p:cBhvr>
+                                      <p:to>
+                                        <p:strVal val="visible"/>
+                                      </p:to>
+                                    </p:set>
+                                  </p:childTnLst>
+                                </p:cTn>
+                              </p:par>
+                            </p:childTnLst>
+                          </p:cTn>
+                        </p:par>
+                      </p:childTnLst>
+                    </p:cTn>
+                  </p:par>
+                  <p:par>
+                    <p:cTn id="23" fill="hold">
+                      <p:stCondLst>
+                        <p:cond delay="indefinite"/>
+                      </p:stCondLst>
+                      <p:childTnLst>
+                        <p:par>
+                          <p:cTn id="24" fill="hold">
+                            <p:stCondLst>
+                              <p:cond delay="0"/>
+                            </p:stCondLst>
+                            <p:childTnLst>
+                              <p:par>
+                                <p:cTn id="25" presetID="1" presetClass="entr" presetSubtype="0" fill="hold" nodeType="clickEffect">
+                                  <p:stCondLst>
+                                    <p:cond delay="0"/>
+                                  </p:stCondLst>
+                                  <p:childTnLst>
+                                    <p:set>
+                                      <p:cBhvr>
+                                        <p:cTn id="26" dur="1" fill="hold">
+                                          <p:stCondLst>
+                                            <p:cond delay="0"/>
+                                          </p:stCondLst>
+                                        </p:cTn>
+                                        <p:tgtEl>
+                                          <p:spTgt spid="3">
+                                            <p:txEl>
+                                              <p:pRg st="5" end="5"/>
+                                            </p:txEl>
+                                          </p:spTgt>
+                                        </p:tgtEl>
+                                        <p:attrNameLst>
+                                          <p:attrName>style.visibility</p:attrName>
+                                        </p:attrNameLst>
+                                      </p:cBhvr>
+                                      <p:to>
+                                        <p:strVal val="visible"/>
+                                      </p:to>
+                                    </p:set>
+                                  </p:childTnLst>
+                                </p:cTn>
+                              </p:par>
+                            </p:childTnLst>
+                          </p:cTn>
+                        </p:par>
+                      </p:childTnLst>
+                    </p:cTn>
+                  </p:par>
+                </p:childTnLst>
+              </p:cTn>
+              <p:prevCondLst>
+                <p:cond evt="onPrev" delay="0">
+                  <p:tgtEl>
+                    <p:sldTgt/>
+                  </p:tgtEl>
+                </p:cond>
+              </p:prevCondLst>
+              <p:nextCondLst>
+                <p:cond evt="onNext" delay="0">
+                  <p:tgtEl>
+                    <p:sldTgt/>
+                  </p:tgtEl>
+                </p:cond>
+              </p:nextCondLst>
+            </p:seq>
+          </p:childTnLst>
+        </p:cTn>
+      </p:par>
+    </p:tnLst>
+  </p:timing>
+</p:sld>
+</file>
+
+<file path=ppt/slides/slide5.xml><?xml version="1.0" encoding="utf-8"?>
+<p:sld xmlns:a="http://schemas.openxmlformats.org/drawingml/2006/main" xmlns:r="http://schemas.openxmlformats.org/officeDocument/2006/relationships" xmlns:p="http://schemas.openxmlformats.org/presentationml/2006/main">
+  <p:cSld>
+    <p:spTree>
+      <p:nvGrpSpPr>
+        <p:cNvPr id="1" name=""/>
+        <p:cNvGrpSpPr/>
+        <p:nvPr/>
+      </p:nvGrpSpPr>
+      <p:grpSpPr>
+        <a:xfrm>
+          <a:off x="0" y="0"/>
+          <a:ext cx="0" cy="0"/>
+          <a:chOff x="0" y="0"/>
+          <a:chExt cx="0" cy="0"/>
+        </a:xfrm>
+      </p:grpSpPr>
+      <p:sp>
+        <p:nvSpPr>
+          <p:cNvPr id="2" name="Title 1">
+            <a:extLst>
+              <a:ext uri="{FF2B5EF4-FFF2-40B4-BE49-F238E27FC236}">
+                <a16:creationId xmlns:a16="http://schemas.microsoft.com/office/drawing/2014/main" id="{0506C201-532D-DA7B-C9D9-819D0E3A5385}"/>
+              </a:ext>
+            </a:extLst>
+          </p:cNvPr>
+          <p:cNvSpPr>
+            <a:spLocks noGrp="1"/>
+          </p:cNvSpPr>
+          <p:nvPr>
+            <p:ph type="title"/>
+          </p:nvPr>
+        </p:nvSpPr>
+        <p:spPr/>
+        <p:txBody>
+          <a:bodyPr/>
+          <a:lstStyle/>
+          <a:p>
+            <a:r>
+              <a:rPr lang="en-US" dirty="0"/>
+              <a:t>Discussion</a:t>
+            </a:r>
+          </a:p>
+        </p:txBody>
+      </p:sp>
+    </p:spTree>
+    <p:extLst>
+      <p:ext uri="{BB962C8B-B14F-4D97-AF65-F5344CB8AC3E}">
+        <p14:creationId xmlns:p14="http://schemas.microsoft.com/office/powerpoint/2010/main" val="2879197442"/>
+      </p:ext>
+    </p:extLst>
+  </p:cSld>
+  <p:clrMapOvr>
+    <a:masterClrMapping/>
+  </p:clrMapOvr>
+</p:sld>
+</file>
+
+<file path=ppt/slides/slide6.xml><?xml version="1.0" encoding="utf-8"?>
+<p:sld xmlns:a="http://schemas.openxmlformats.org/drawingml/2006/main" xmlns:r="http://schemas.openxmlformats.org/officeDocument/2006/relationships" xmlns:p="http://schemas.openxmlformats.org/presentationml/2006/main">
+  <p:cSld>
+    <p:spTree>
+      <p:nvGrpSpPr>
+        <p:cNvPr id="1" name=""/>
+        <p:cNvGrpSpPr/>
+        <p:nvPr/>
+      </p:nvGrpSpPr>
+      <p:grpSpPr>
+        <a:xfrm>
+          <a:off x="0" y="0"/>
+          <a:ext cx="0" cy="0"/>
+          <a:chOff x="0" y="0"/>
+          <a:chExt cx="0" cy="0"/>
+        </a:xfrm>
+      </p:grpSpPr>
+      <p:sp>
+        <p:nvSpPr>
+          <p:cNvPr id="2" name="Title 1">
+            <a:extLst>
+              <a:ext uri="{FF2B5EF4-FFF2-40B4-BE49-F238E27FC236}">
                 <a16:creationId xmlns:a16="http://schemas.microsoft.com/office/drawing/2014/main" id="{45598F3A-08D7-E105-EB67-776C509BC9BB}"/>
               </a:ext>
             </a:extLst>
@@ -6196,7 +7492,7 @@
 </p:sld>
 </file>
 
-<file path=ppt/slides/slide5.xml><?xml version="1.0" encoding="utf-8"?>
+<file path=ppt/slides/slide7.xml><?xml version="1.0" encoding="utf-8"?>
 <p:sld xmlns:a="http://schemas.openxmlformats.org/drawingml/2006/main" xmlns:r="http://schemas.openxmlformats.org/officeDocument/2006/relationships" xmlns:p="http://schemas.openxmlformats.org/presentationml/2006/main">
   <p:cSld>
     <p:spTree>
@@ -6603,7 +7899,7 @@
 </p:sld>
 </file>
 
-<file path=ppt/slides/slide6.xml><?xml version="1.0" encoding="utf-8"?>
+<file path=ppt/slides/slide8.xml><?xml version="1.0" encoding="utf-8"?>
 <p:sld xmlns:a="http://schemas.openxmlformats.org/drawingml/2006/main" xmlns:r="http://schemas.openxmlformats.org/officeDocument/2006/relationships" xmlns:p="http://schemas.openxmlformats.org/presentationml/2006/main">
   <p:cSld>
     <p:spTree>
@@ -7162,7 +8458,7 @@
 </p:sld>
 </file>
 
-<file path=ppt/slides/slide7.xml><?xml version="1.0" encoding="utf-8"?>
+<file path=ppt/slides/slide9.xml><?xml version="1.0" encoding="utf-8"?>
 <p:sld xmlns:a="http://schemas.openxmlformats.org/drawingml/2006/main" xmlns:r="http://schemas.openxmlformats.org/officeDocument/2006/relationships" xmlns:p="http://schemas.openxmlformats.org/presentationml/2006/main">
   <p:cSld>
     <p:spTree>
@@ -7344,573 +8640,6 @@
   <p:clrMapOvr>
     <a:masterClrMapping/>
   </p:clrMapOvr>
-</p:sld>
-</file>
-
-<file path=ppt/slides/slide8.xml><?xml version="1.0" encoding="utf-8"?>
-<p:sld xmlns:a="http://schemas.openxmlformats.org/drawingml/2006/main" xmlns:r="http://schemas.openxmlformats.org/officeDocument/2006/relationships" xmlns:p="http://schemas.openxmlformats.org/presentationml/2006/main">
-  <p:cSld>
-    <p:spTree>
-      <p:nvGrpSpPr>
-        <p:cNvPr id="1" name=""/>
-        <p:cNvGrpSpPr/>
-        <p:nvPr/>
-      </p:nvGrpSpPr>
-      <p:grpSpPr>
-        <a:xfrm>
-          <a:off x="0" y="0"/>
-          <a:ext cx="0" cy="0"/>
-          <a:chOff x="0" y="0"/>
-          <a:chExt cx="0" cy="0"/>
-        </a:xfrm>
-      </p:grpSpPr>
-      <p:sp>
-        <p:nvSpPr>
-          <p:cNvPr id="2" name="Title 1">
-            <a:extLst>
-              <a:ext uri="{FF2B5EF4-FFF2-40B4-BE49-F238E27FC236}">
-                <a16:creationId xmlns:a16="http://schemas.microsoft.com/office/drawing/2014/main" id="{40F4ECA0-2A13-44DA-AD91-22617F5FC2E7}"/>
-              </a:ext>
-            </a:extLst>
-          </p:cNvPr>
-          <p:cNvSpPr>
-            <a:spLocks noGrp="1"/>
-          </p:cNvSpPr>
-          <p:nvPr>
-            <p:ph type="title"/>
-          </p:nvPr>
-        </p:nvSpPr>
-        <p:spPr>
-          <a:xfrm>
-            <a:off x="282389" y="176563"/>
-            <a:ext cx="10515600" cy="1325563"/>
-          </a:xfrm>
-        </p:spPr>
-        <p:txBody>
-          <a:bodyPr/>
-          <a:lstStyle/>
-          <a:p>
-            <a:r>
-              <a:rPr lang="en-US" dirty="0"/>
-              <a:t>Characterization</a:t>
-            </a:r>
-          </a:p>
-        </p:txBody>
-      </p:sp>
-      <p:pic>
-        <p:nvPicPr>
-          <p:cNvPr id="4" name="Picture 3">
-            <a:extLst>
-              <a:ext uri="{FF2B5EF4-FFF2-40B4-BE49-F238E27FC236}">
-                <a16:creationId xmlns:a16="http://schemas.microsoft.com/office/drawing/2014/main" id="{9FCA48FE-E0AE-D7F1-1C8E-527D4E04E040}"/>
-              </a:ext>
-            </a:extLst>
-          </p:cNvPr>
-          <p:cNvPicPr>
-            <a:picLocks noChangeAspect="1"/>
-          </p:cNvPicPr>
-          <p:nvPr/>
-        </p:nvPicPr>
-        <p:blipFill>
-          <a:blip r:embed="rId2"/>
-          <a:stretch>
-            <a:fillRect/>
-          </a:stretch>
-        </p:blipFill>
-        <p:spPr>
-          <a:xfrm>
-            <a:off x="397781" y="2017898"/>
-            <a:ext cx="4035538" cy="3505200"/>
-          </a:xfrm>
-          <a:prstGeom prst="rect">
-            <a:avLst/>
-          </a:prstGeom>
-        </p:spPr>
-      </p:pic>
-      <p:sp>
-        <p:nvSpPr>
-          <p:cNvPr id="5" name="TextBox 4">
-            <a:extLst>
-              <a:ext uri="{FF2B5EF4-FFF2-40B4-BE49-F238E27FC236}">
-                <a16:creationId xmlns:a16="http://schemas.microsoft.com/office/drawing/2014/main" id="{C340DF4E-E8EC-DFA2-F44C-0ED56F26BAEF}"/>
-              </a:ext>
-            </a:extLst>
-          </p:cNvPr>
-          <p:cNvSpPr txBox="1"/>
-          <p:nvPr/>
-        </p:nvSpPr>
-        <p:spPr>
-          <a:xfrm>
-            <a:off x="1083581" y="1803585"/>
-            <a:ext cx="2895600" cy="371475"/>
-          </a:xfrm>
-          <a:prstGeom prst="rect">
-            <a:avLst/>
-          </a:prstGeom>
-          <a:noFill/>
-        </p:spPr>
-        <p:txBody>
-          <a:bodyPr wrap="square" rtlCol="0">
-            <a:spAutoFit/>
-          </a:bodyPr>
-          <a:lstStyle/>
-          <a:p>
-            <a:pPr algn="ctr"/>
-            <a:r>
-              <a:rPr lang="en-US" dirty="0"/>
-              <a:t>Reflectivity Spectra</a:t>
-            </a:r>
-          </a:p>
-        </p:txBody>
-      </p:sp>
-      <p:cxnSp>
-        <p:nvCxnSpPr>
-          <p:cNvPr id="8" name="Straight Arrow Connector 7">
-            <a:extLst>
-              <a:ext uri="{FF2B5EF4-FFF2-40B4-BE49-F238E27FC236}">
-                <a16:creationId xmlns:a16="http://schemas.microsoft.com/office/drawing/2014/main" id="{4DC2216C-A58B-BE98-8AA8-B2C0FC139FD3}"/>
-              </a:ext>
-            </a:extLst>
-          </p:cNvPr>
-          <p:cNvCxnSpPr>
-            <a:cxnSpLocks/>
-          </p:cNvCxnSpPr>
-          <p:nvPr/>
-        </p:nvCxnSpPr>
-        <p:spPr>
-          <a:xfrm>
-            <a:off x="2245631" y="2494147"/>
-            <a:ext cx="169919" cy="2000250"/>
-          </a:xfrm>
-          <a:prstGeom prst="straightConnector1">
-            <a:avLst/>
-          </a:prstGeom>
-          <a:ln w="28575">
-            <a:solidFill>
-              <a:schemeClr val="tx1"/>
-            </a:solidFill>
-            <a:tailEnd type="triangle"/>
-          </a:ln>
-        </p:spPr>
-        <p:style>
-          <a:lnRef idx="1">
-            <a:schemeClr val="accent1"/>
-          </a:lnRef>
-          <a:fillRef idx="0">
-            <a:schemeClr val="accent1"/>
-          </a:fillRef>
-          <a:effectRef idx="0">
-            <a:schemeClr val="accent1"/>
-          </a:effectRef>
-          <a:fontRef idx="minor">
-            <a:schemeClr val="tx1"/>
-          </a:fontRef>
-        </p:style>
-      </p:cxnSp>
-      <p:sp>
-        <p:nvSpPr>
-          <p:cNvPr id="10" name="TextBox 9">
-            <a:extLst>
-              <a:ext uri="{FF2B5EF4-FFF2-40B4-BE49-F238E27FC236}">
-                <a16:creationId xmlns:a16="http://schemas.microsoft.com/office/drawing/2014/main" id="{3BB36B47-017F-AA02-17D9-118FD5B555DB}"/>
-              </a:ext>
-            </a:extLst>
-          </p:cNvPr>
-          <p:cNvSpPr txBox="1"/>
-          <p:nvPr/>
-        </p:nvSpPr>
-        <p:spPr>
-          <a:xfrm>
-            <a:off x="2478610" y="2511470"/>
-            <a:ext cx="3001141" cy="307777"/>
-          </a:xfrm>
-          <a:prstGeom prst="rect">
-            <a:avLst/>
-          </a:prstGeom>
-          <a:solidFill>
-            <a:schemeClr val="bg1"/>
-          </a:solidFill>
-          <a:ln w="19050">
-            <a:solidFill>
-              <a:schemeClr val="tx1"/>
-            </a:solidFill>
-          </a:ln>
-        </p:spPr>
-        <p:txBody>
-          <a:bodyPr wrap="square" rtlCol="0">
-            <a:spAutoFit/>
-          </a:bodyPr>
-          <a:lstStyle/>
-          <a:p>
-            <a:pPr algn="ctr"/>
-            <a:r>
-              <a:rPr lang="en-US" sz="1400" dirty="0"/>
-              <a:t>Emergence of inner condensed phase</a:t>
-            </a:r>
-          </a:p>
-        </p:txBody>
-      </p:sp>
-      <p:pic>
-        <p:nvPicPr>
-          <p:cNvPr id="3074" name="Picture 2">
-            <a:extLst>
-              <a:ext uri="{FF2B5EF4-FFF2-40B4-BE49-F238E27FC236}">
-                <a16:creationId xmlns:a16="http://schemas.microsoft.com/office/drawing/2014/main" id="{8A0650D1-B37A-942F-3A5F-91433F9689F9}"/>
-              </a:ext>
-            </a:extLst>
-          </p:cNvPr>
-          <p:cNvPicPr>
-            <a:picLocks noChangeAspect="1" noChangeArrowheads="1"/>
-          </p:cNvPicPr>
-          <p:nvPr/>
-        </p:nvPicPr>
-        <p:blipFill rotWithShape="1">
-          <a:blip r:embed="rId3">
-            <a:extLst>
-              <a:ext uri="{28A0092B-C50C-407E-A947-70E740481C1C}">
-                <a14:useLocalDpi xmlns:a14="http://schemas.microsoft.com/office/drawing/2010/main" val="0"/>
-              </a:ext>
-            </a:extLst>
-          </a:blip>
-          <a:srcRect r="16850"/>
-          <a:stretch/>
-        </p:blipFill>
-        <p:spPr bwMode="auto">
-          <a:xfrm>
-            <a:off x="6783945" y="986173"/>
-            <a:ext cx="3972630" cy="2907111"/>
-          </a:xfrm>
-          <a:prstGeom prst="rect">
-            <a:avLst/>
-          </a:prstGeom>
-          <a:noFill/>
-          <a:extLst>
-            <a:ext uri="{909E8E84-426E-40DD-AFC4-6F175D3DCCD1}">
-              <a14:hiddenFill xmlns:a14="http://schemas.microsoft.com/office/drawing/2010/main">
-                <a:solidFill>
-                  <a:srgbClr val="FFFFFF"/>
-                </a:solidFill>
-              </a14:hiddenFill>
-            </a:ext>
-          </a:extLst>
-        </p:spPr>
-      </p:pic>
-      <p:pic>
-        <p:nvPicPr>
-          <p:cNvPr id="3076" name="Picture 4">
-            <a:extLst>
-              <a:ext uri="{FF2B5EF4-FFF2-40B4-BE49-F238E27FC236}">
-                <a16:creationId xmlns:a16="http://schemas.microsoft.com/office/drawing/2014/main" id="{B808C02D-C479-74CD-78C0-CB2179F6CA37}"/>
-              </a:ext>
-            </a:extLst>
-          </p:cNvPr>
-          <p:cNvPicPr>
-            <a:picLocks noChangeAspect="1" noChangeArrowheads="1"/>
-          </p:cNvPicPr>
-          <p:nvPr/>
-        </p:nvPicPr>
-        <p:blipFill>
-          <a:blip r:embed="rId4">
-            <a:extLst>
-              <a:ext uri="{28A0092B-C50C-407E-A947-70E740481C1C}">
-                <a14:useLocalDpi xmlns:a14="http://schemas.microsoft.com/office/drawing/2010/main" val="0"/>
-              </a:ext>
-            </a:extLst>
-          </a:blip>
-          <a:srcRect/>
-          <a:stretch>
-            <a:fillRect/>
-          </a:stretch>
-        </p:blipFill>
-        <p:spPr bwMode="auto">
-          <a:xfrm>
-            <a:off x="5430473" y="3893284"/>
-            <a:ext cx="6679575" cy="2788153"/>
-          </a:xfrm>
-          <a:prstGeom prst="rect">
-            <a:avLst/>
-          </a:prstGeom>
-          <a:noFill/>
-          <a:extLst>
-            <a:ext uri="{909E8E84-426E-40DD-AFC4-6F175D3DCCD1}">
-              <a14:hiddenFill xmlns:a14="http://schemas.microsoft.com/office/drawing/2010/main">
-                <a:solidFill>
-                  <a:srgbClr val="FFFFFF"/>
-                </a:solidFill>
-              </a14:hiddenFill>
-            </a:ext>
-          </a:extLst>
-        </p:spPr>
-      </p:pic>
-      <p:sp>
-        <p:nvSpPr>
-          <p:cNvPr id="18" name="TextBox 17">
-            <a:extLst>
-              <a:ext uri="{FF2B5EF4-FFF2-40B4-BE49-F238E27FC236}">
-                <a16:creationId xmlns:a16="http://schemas.microsoft.com/office/drawing/2014/main" id="{1103D703-D809-6BF4-F2D1-2A4968CD2263}"/>
-              </a:ext>
-            </a:extLst>
-          </p:cNvPr>
-          <p:cNvSpPr txBox="1"/>
-          <p:nvPr/>
-        </p:nvSpPr>
-        <p:spPr>
-          <a:xfrm>
-            <a:off x="7510718" y="653606"/>
-            <a:ext cx="2895600" cy="371475"/>
-          </a:xfrm>
-          <a:prstGeom prst="rect">
-            <a:avLst/>
-          </a:prstGeom>
-          <a:noFill/>
-        </p:spPr>
-        <p:txBody>
-          <a:bodyPr wrap="square" rtlCol="0">
-            <a:spAutoFit/>
-          </a:bodyPr>
-          <a:lstStyle/>
-          <a:p>
-            <a:pPr algn="ctr"/>
-            <a:r>
-              <a:rPr lang="en-US" dirty="0"/>
-              <a:t>Interacting Brushes (4 mM)</a:t>
-            </a:r>
-          </a:p>
-        </p:txBody>
-      </p:sp>
-    </p:spTree>
-    <p:extLst>
-      <p:ext uri="{BB962C8B-B14F-4D97-AF65-F5344CB8AC3E}">
-        <p14:creationId xmlns:p14="http://schemas.microsoft.com/office/powerpoint/2010/main" val="2606141381"/>
-      </p:ext>
-    </p:extLst>
-  </p:cSld>
-  <p:clrMapOvr>
-    <a:masterClrMapping/>
-  </p:clrMapOvr>
-  <p:timing>
-    <p:tnLst>
-      <p:par>
-        <p:cTn id="1" dur="indefinite" restart="never" nodeType="tmRoot">
-          <p:childTnLst>
-            <p:seq concurrent="1" nextAc="seek">
-              <p:cTn id="2" dur="indefinite" nodeType="mainSeq">
-                <p:childTnLst>
-                  <p:par>
-                    <p:cTn id="3" fill="hold">
-                      <p:stCondLst>
-                        <p:cond delay="indefinite"/>
-                      </p:stCondLst>
-                      <p:childTnLst>
-                        <p:par>
-                          <p:cTn id="4" fill="hold">
-                            <p:stCondLst>
-                              <p:cond delay="0"/>
-                            </p:stCondLst>
-                            <p:childTnLst>
-                              <p:par>
-                                <p:cTn id="5" presetID="1" presetClass="entr" presetSubtype="0" fill="hold" nodeType="clickEffect">
-                                  <p:stCondLst>
-                                    <p:cond delay="0"/>
-                                  </p:stCondLst>
-                                  <p:childTnLst>
-                                    <p:set>
-                                      <p:cBhvr>
-                                        <p:cTn id="6" dur="1" fill="hold">
-                                          <p:stCondLst>
-                                            <p:cond delay="0"/>
-                                          </p:stCondLst>
-                                        </p:cTn>
-                                        <p:tgtEl>
-                                          <p:spTgt spid="8"/>
-                                        </p:tgtEl>
-                                        <p:attrNameLst>
-                                          <p:attrName>style.visibility</p:attrName>
-                                        </p:attrNameLst>
-                                      </p:cBhvr>
-                                      <p:to>
-                                        <p:strVal val="visible"/>
-                                      </p:to>
-                                    </p:set>
-                                  </p:childTnLst>
-                                </p:cTn>
-                              </p:par>
-                              <p:par>
-                                <p:cTn id="7" presetID="1" presetClass="entr" presetSubtype="0" fill="hold" grpId="0" nodeType="withEffect">
-                                  <p:stCondLst>
-                                    <p:cond delay="0"/>
-                                  </p:stCondLst>
-                                  <p:childTnLst>
-                                    <p:set>
-                                      <p:cBhvr>
-                                        <p:cTn id="8" dur="1" fill="hold">
-                                          <p:stCondLst>
-                                            <p:cond delay="0"/>
-                                          </p:stCondLst>
-                                        </p:cTn>
-                                        <p:tgtEl>
-                                          <p:spTgt spid="10"/>
-                                        </p:tgtEl>
-                                        <p:attrNameLst>
-                                          <p:attrName>style.visibility</p:attrName>
-                                        </p:attrNameLst>
-                                      </p:cBhvr>
-                                      <p:to>
-                                        <p:strVal val="visible"/>
-                                      </p:to>
-                                    </p:set>
-                                  </p:childTnLst>
-                                </p:cTn>
-                              </p:par>
-                            </p:childTnLst>
-                          </p:cTn>
-                        </p:par>
-                      </p:childTnLst>
-                    </p:cTn>
-                  </p:par>
-                  <p:par>
-                    <p:cTn id="9" fill="hold">
-                      <p:stCondLst>
-                        <p:cond delay="indefinite"/>
-                      </p:stCondLst>
-                      <p:childTnLst>
-                        <p:par>
-                          <p:cTn id="10" fill="hold">
-                            <p:stCondLst>
-                              <p:cond delay="0"/>
-                            </p:stCondLst>
-                            <p:childTnLst>
-                              <p:par>
-                                <p:cTn id="11" presetID="1" presetClass="entr" presetSubtype="0" fill="hold" nodeType="clickEffect">
-                                  <p:stCondLst>
-                                    <p:cond delay="0"/>
-                                  </p:stCondLst>
-                                  <p:childTnLst>
-                                    <p:set>
-                                      <p:cBhvr>
-                                        <p:cTn id="12" dur="1" fill="hold">
-                                          <p:stCondLst>
-                                            <p:cond delay="0"/>
-                                          </p:stCondLst>
-                                        </p:cTn>
-                                        <p:tgtEl>
-                                          <p:spTgt spid="3074"/>
-                                        </p:tgtEl>
-                                        <p:attrNameLst>
-                                          <p:attrName>style.visibility</p:attrName>
-                                        </p:attrNameLst>
-                                      </p:cBhvr>
-                                      <p:to>
-                                        <p:strVal val="visible"/>
-                                      </p:to>
-                                    </p:set>
-                                  </p:childTnLst>
-                                </p:cTn>
-                              </p:par>
-                              <p:par>
-                                <p:cTn id="13" presetID="1" presetClass="entr" presetSubtype="0" fill="hold" grpId="0" nodeType="withEffect">
-                                  <p:stCondLst>
-                                    <p:cond delay="0"/>
-                                  </p:stCondLst>
-                                  <p:childTnLst>
-                                    <p:set>
-                                      <p:cBhvr>
-                                        <p:cTn id="14" dur="1" fill="hold">
-                                          <p:stCondLst>
-                                            <p:cond delay="0"/>
-                                          </p:stCondLst>
-                                        </p:cTn>
-                                        <p:tgtEl>
-                                          <p:spTgt spid="18"/>
-                                        </p:tgtEl>
-                                        <p:attrNameLst>
-                                          <p:attrName>style.visibility</p:attrName>
-                                        </p:attrNameLst>
-                                      </p:cBhvr>
-                                      <p:to>
-                                        <p:strVal val="visible"/>
-                                      </p:to>
-                                    </p:set>
-                                  </p:childTnLst>
-                                </p:cTn>
-                              </p:par>
-                            </p:childTnLst>
-                          </p:cTn>
-                        </p:par>
-                      </p:childTnLst>
-                    </p:cTn>
-                  </p:par>
-                  <p:par>
-                    <p:cTn id="15" fill="hold">
-                      <p:stCondLst>
-                        <p:cond delay="indefinite"/>
-                      </p:stCondLst>
-                      <p:childTnLst>
-                        <p:par>
-                          <p:cTn id="16" fill="hold">
-                            <p:stCondLst>
-                              <p:cond delay="0"/>
-                            </p:stCondLst>
-                            <p:childTnLst>
-                              <p:par>
-                                <p:cTn id="17" presetID="1" presetClass="entr" presetSubtype="0" fill="hold" nodeType="clickEffect">
-                                  <p:stCondLst>
-                                    <p:cond delay="0"/>
-                                  </p:stCondLst>
-                                  <p:childTnLst>
-                                    <p:set>
-                                      <p:cBhvr>
-                                        <p:cTn id="18" dur="1" fill="hold">
-                                          <p:stCondLst>
-                                            <p:cond delay="0"/>
-                                          </p:stCondLst>
-                                        </p:cTn>
-                                        <p:tgtEl>
-                                          <p:spTgt spid="3076"/>
-                                        </p:tgtEl>
-                                        <p:attrNameLst>
-                                          <p:attrName>style.visibility</p:attrName>
-                                        </p:attrNameLst>
-                                      </p:cBhvr>
-                                      <p:to>
-                                        <p:strVal val="visible"/>
-                                      </p:to>
-                                    </p:set>
-                                  </p:childTnLst>
-                                </p:cTn>
-                              </p:par>
-                            </p:childTnLst>
-                          </p:cTn>
-                        </p:par>
-                      </p:childTnLst>
-                    </p:cTn>
-                  </p:par>
-                </p:childTnLst>
-              </p:cTn>
-              <p:prevCondLst>
-                <p:cond evt="onPrev" delay="0">
-                  <p:tgtEl>
-                    <p:sldTgt/>
-                  </p:tgtEl>
-                </p:cond>
-              </p:prevCondLst>
-              <p:nextCondLst>
-                <p:cond evt="onNext" delay="0">
-                  <p:tgtEl>
-                    <p:sldTgt/>
-                  </p:tgtEl>
-                </p:cond>
-              </p:nextCondLst>
-            </p:seq>
-          </p:childTnLst>
-        </p:cTn>
-      </p:par>
-    </p:tnLst>
-    <p:bldLst>
-      <p:bldP spid="10" grpId="0" animBg="1"/>
-      <p:bldP spid="18" grpId="0"/>
-    </p:bldLst>
-  </p:timing>
 </p:sld>
 </file>
 

--- a/20230515 NF Collab Update.pptx
+++ b/20230515 NF Collab Update.pptx
@@ -11,8 +11,8 @@
     <p:sldId id="256" r:id="rId2"/>
     <p:sldId id="260" r:id="rId3"/>
     <p:sldId id="269" r:id="rId4"/>
-    <p:sldId id="270" r:id="rId5"/>
-    <p:sldId id="271" r:id="rId6"/>
+    <p:sldId id="271" r:id="rId5"/>
+    <p:sldId id="270" r:id="rId6"/>
     <p:sldId id="263" r:id="rId7"/>
     <p:sldId id="267" r:id="rId8"/>
     <p:sldId id="265" r:id="rId9"/>
@@ -6254,7 +6254,7 @@
         </p:blipFill>
         <p:spPr bwMode="auto">
           <a:xfrm>
-            <a:off x="166688" y="1924050"/>
+            <a:off x="271463" y="2000250"/>
             <a:ext cx="6376987" cy="3950868"/>
           </a:xfrm>
           <a:prstGeom prst="rect">
@@ -6286,7 +6286,7 @@
         </p:nvSpPr>
         <p:spPr>
           <a:xfrm>
-            <a:off x="6977062" y="2305050"/>
+            <a:off x="7143750" y="1905000"/>
             <a:ext cx="5048250" cy="2769989"/>
           </a:xfrm>
           <a:prstGeom prst="rect">
@@ -6346,7 +6346,15 @@
             </a:pPr>
             <a:r>
               <a:rPr lang="en-US" dirty="0"/>
-              <a:t>More points to smoothen out curve </a:t>
+              <a:t>More points to smoothen out </a:t>
+            </a:r>
+            <a:r>
+              <a:rPr lang="en-US" dirty="0" err="1"/>
+              <a:t>pNFH</a:t>
+            </a:r>
+            <a:r>
+              <a:rPr lang="en-US" dirty="0"/>
+              <a:t> curve </a:t>
             </a:r>
           </a:p>
           <a:p>
@@ -6363,7 +6371,7 @@
             </a:r>
             <a:r>
               <a:rPr lang="en-US" dirty="0"/>
-              <a:t> and NFH same b, v values used</a:t>
+              <a:t> and NFH use same b, v values</a:t>
             </a:r>
           </a:p>
           <a:p>
@@ -6398,6 +6406,49 @@
           </a:p>
         </p:txBody>
       </p:sp>
+      <p:cxnSp>
+        <p:nvCxnSpPr>
+          <p:cNvPr id="5" name="Straight Connector 4">
+            <a:extLst>
+              <a:ext uri="{FF2B5EF4-FFF2-40B4-BE49-F238E27FC236}">
+                <a16:creationId xmlns:a16="http://schemas.microsoft.com/office/drawing/2014/main" id="{5E9B6401-0529-D4E9-4E7D-E0C19D821E39}"/>
+              </a:ext>
+            </a:extLst>
+          </p:cNvPr>
+          <p:cNvCxnSpPr>
+            <a:cxnSpLocks/>
+          </p:cNvCxnSpPr>
+          <p:nvPr/>
+        </p:nvCxnSpPr>
+        <p:spPr>
+          <a:xfrm>
+            <a:off x="6867525" y="1690688"/>
+            <a:ext cx="0" cy="4872037"/>
+          </a:xfrm>
+          <a:prstGeom prst="line">
+            <a:avLst/>
+          </a:prstGeom>
+          <a:ln w="28575">
+            <a:solidFill>
+              <a:schemeClr val="tx1"/>
+            </a:solidFill>
+          </a:ln>
+        </p:spPr>
+        <p:style>
+          <a:lnRef idx="1">
+            <a:schemeClr val="accent1"/>
+          </a:lnRef>
+          <a:fillRef idx="0">
+            <a:schemeClr val="accent1"/>
+          </a:fillRef>
+          <a:effectRef idx="0">
+            <a:schemeClr val="accent1"/>
+          </a:effectRef>
+          <a:fontRef idx="minor">
+            <a:schemeClr val="tx1"/>
+          </a:fontRef>
+        </p:style>
+      </p:cxnSp>
     </p:spTree>
     <p:extLst>
       <p:ext uri="{BB962C8B-B14F-4D97-AF65-F5344CB8AC3E}">
@@ -6433,7 +6484,7 @@
           <p:cNvPr id="2" name="Title 1">
             <a:extLst>
               <a:ext uri="{FF2B5EF4-FFF2-40B4-BE49-F238E27FC236}">
-                <a16:creationId xmlns:a16="http://schemas.microsoft.com/office/drawing/2014/main" id="{F33FD31B-DC40-3BB8-2DC0-4AC84F90FC86}"/>
+                <a16:creationId xmlns:a16="http://schemas.microsoft.com/office/drawing/2014/main" id="{0506C201-532D-DA7B-C9D9-819D0E3A5385}"/>
               </a:ext>
             </a:extLst>
           </p:cNvPr>
@@ -6452,6 +6503,196 @@
             <a:r>
               <a:rPr lang="en-US" dirty="0"/>
               <a:t>Density profiles (Proposed Figure)</a:t>
+            </a:r>
+          </a:p>
+        </p:txBody>
+      </p:sp>
+      <p:sp>
+        <p:nvSpPr>
+          <p:cNvPr id="4" name="Rectangle 3">
+            <a:extLst>
+              <a:ext uri="{FF2B5EF4-FFF2-40B4-BE49-F238E27FC236}">
+                <a16:creationId xmlns:a16="http://schemas.microsoft.com/office/drawing/2014/main" id="{C3E8F39C-E450-ACF5-7C75-48A27B8C46D8}"/>
+              </a:ext>
+            </a:extLst>
+          </p:cNvPr>
+          <p:cNvSpPr/>
+          <p:nvPr/>
+        </p:nvSpPr>
+        <p:spPr>
+          <a:xfrm>
+            <a:off x="7305675" y="2457450"/>
+            <a:ext cx="1809750" cy="571500"/>
+          </a:xfrm>
+          <a:prstGeom prst="rect">
+            <a:avLst/>
+          </a:prstGeom>
+        </p:spPr>
+        <p:style>
+          <a:lnRef idx="2">
+            <a:schemeClr val="accent1">
+              <a:shade val="50000"/>
+            </a:schemeClr>
+          </a:lnRef>
+          <a:fillRef idx="1">
+            <a:schemeClr val="accent1"/>
+          </a:fillRef>
+          <a:effectRef idx="0">
+            <a:schemeClr val="accent1"/>
+          </a:effectRef>
+          <a:fontRef idx="minor">
+            <a:schemeClr val="lt1"/>
+          </a:fontRef>
+        </p:style>
+        <p:txBody>
+          <a:bodyPr rtlCol="0" anchor="ctr"/>
+          <a:lstStyle/>
+          <a:p>
+            <a:pPr algn="ctr"/>
+            <a:r>
+              <a:rPr lang="en-US" dirty="0"/>
+              <a:t>Low conc</a:t>
+            </a:r>
+          </a:p>
+        </p:txBody>
+      </p:sp>
+      <p:pic>
+        <p:nvPicPr>
+          <p:cNvPr id="3076" name="Picture 4">
+            <a:extLst>
+              <a:ext uri="{FF2B5EF4-FFF2-40B4-BE49-F238E27FC236}">
+                <a16:creationId xmlns:a16="http://schemas.microsoft.com/office/drawing/2014/main" id="{CF038F67-AB2E-300B-03D0-749D45F5F3B2}"/>
+              </a:ext>
+            </a:extLst>
+          </p:cNvPr>
+          <p:cNvPicPr>
+            <a:picLocks noChangeAspect="1" noChangeArrowheads="1"/>
+          </p:cNvPicPr>
+          <p:nvPr/>
+        </p:nvPicPr>
+        <p:blipFill>
+          <a:blip r:embed="rId2">
+            <a:extLst>
+              <a:ext uri="{28A0092B-C50C-407E-A947-70E740481C1C}">
+                <a14:useLocalDpi xmlns:a14="http://schemas.microsoft.com/office/drawing/2010/main" val="0"/>
+              </a:ext>
+            </a:extLst>
+          </a:blip>
+          <a:srcRect/>
+          <a:stretch>
+            <a:fillRect/>
+          </a:stretch>
+        </p:blipFill>
+        <p:spPr bwMode="auto">
+          <a:xfrm>
+            <a:off x="1409701" y="2043113"/>
+            <a:ext cx="4206226" cy="3281362"/>
+          </a:xfrm>
+          <a:prstGeom prst="rect">
+            <a:avLst/>
+          </a:prstGeom>
+          <a:noFill/>
+          <a:extLst>
+            <a:ext uri="{909E8E84-426E-40DD-AFC4-6F175D3DCCD1}">
+              <a14:hiddenFill xmlns:a14="http://schemas.microsoft.com/office/drawing/2010/main">
+                <a:solidFill>
+                  <a:srgbClr val="FFFFFF"/>
+                </a:solidFill>
+              </a14:hiddenFill>
+            </a:ext>
+          </a:extLst>
+        </p:spPr>
+      </p:pic>
+      <p:sp>
+        <p:nvSpPr>
+          <p:cNvPr id="5" name="TextBox 4">
+            <a:extLst>
+              <a:ext uri="{FF2B5EF4-FFF2-40B4-BE49-F238E27FC236}">
+                <a16:creationId xmlns:a16="http://schemas.microsoft.com/office/drawing/2014/main" id="{028489F7-4328-A846-0C28-E5AE24A64616}"/>
+              </a:ext>
+            </a:extLst>
+          </p:cNvPr>
+          <p:cNvSpPr txBox="1"/>
+          <p:nvPr/>
+        </p:nvSpPr>
+        <p:spPr>
+          <a:xfrm>
+            <a:off x="1514475" y="5492234"/>
+            <a:ext cx="4305300" cy="369332"/>
+          </a:xfrm>
+          <a:prstGeom prst="rect">
+            <a:avLst/>
+          </a:prstGeom>
+          <a:noFill/>
+        </p:spPr>
+        <p:txBody>
+          <a:bodyPr wrap="square" rtlCol="0">
+            <a:spAutoFit/>
+          </a:bodyPr>
+          <a:lstStyle/>
+          <a:p>
+            <a:pPr algn="ctr"/>
+            <a:r>
+              <a:rPr lang="en-US" dirty="0"/>
+              <a:t>Block 2 (negative block) highlighted</a:t>
+            </a:r>
+          </a:p>
+        </p:txBody>
+      </p:sp>
+    </p:spTree>
+    <p:extLst>
+      <p:ext uri="{BB962C8B-B14F-4D97-AF65-F5344CB8AC3E}">
+        <p14:creationId xmlns:p14="http://schemas.microsoft.com/office/powerpoint/2010/main" val="2879197442"/>
+      </p:ext>
+    </p:extLst>
+  </p:cSld>
+  <p:clrMapOvr>
+    <a:masterClrMapping/>
+  </p:clrMapOvr>
+</p:sld>
+</file>
+
+<file path=ppt/slides/slide5.xml><?xml version="1.0" encoding="utf-8"?>
+<p:sld xmlns:a="http://schemas.openxmlformats.org/drawingml/2006/main" xmlns:r="http://schemas.openxmlformats.org/officeDocument/2006/relationships" xmlns:p="http://schemas.openxmlformats.org/presentationml/2006/main">
+  <p:cSld>
+    <p:spTree>
+      <p:nvGrpSpPr>
+        <p:cNvPr id="1" name=""/>
+        <p:cNvGrpSpPr/>
+        <p:nvPr/>
+      </p:nvGrpSpPr>
+      <p:grpSpPr>
+        <a:xfrm>
+          <a:off x="0" y="0"/>
+          <a:ext cx="0" cy="0"/>
+          <a:chOff x="0" y="0"/>
+          <a:chExt cx="0" cy="0"/>
+        </a:xfrm>
+      </p:grpSpPr>
+      <p:sp>
+        <p:nvSpPr>
+          <p:cNvPr id="2" name="Title 1">
+            <a:extLst>
+              <a:ext uri="{FF2B5EF4-FFF2-40B4-BE49-F238E27FC236}">
+                <a16:creationId xmlns:a16="http://schemas.microsoft.com/office/drawing/2014/main" id="{F33FD31B-DC40-3BB8-2DC0-4AC84F90FC86}"/>
+              </a:ext>
+            </a:extLst>
+          </p:cNvPr>
+          <p:cNvSpPr>
+            <a:spLocks noGrp="1"/>
+          </p:cNvSpPr>
+          <p:nvPr>
+            <p:ph type="title"/>
+          </p:nvPr>
+        </p:nvSpPr>
+        <p:spPr/>
+        <p:txBody>
+          <a:bodyPr/>
+          <a:lstStyle/>
+          <a:p>
+            <a:r>
+              <a:rPr lang="en-US" dirty="0"/>
+              <a:t>Discussion</a:t>
             </a:r>
           </a:p>
         </p:txBody>
@@ -6481,7 +6722,7 @@
         </p:spPr>
         <p:txBody>
           <a:bodyPr>
-            <a:normAutofit/>
+            <a:normAutofit fontScale="92500" lnSpcReduction="20000"/>
           </a:bodyPr>
           <a:lstStyle>
             <a:lvl1pPr marL="228600" indent="-228600" algn="l" defTabSz="914400" rtl="0" eaLnBrk="1" latinLnBrk="0" hangingPunct="1">
@@ -6655,8 +6896,13 @@
             </a:pPr>
             <a:r>
               <a:rPr lang="en-US" sz="2400" dirty="0"/>
-              <a:t>Height fit with experimental data gives confidence for calculated density profiles</a:t>
-            </a:r>
+              <a:t>Height fit (over all Cs) with experimental data gives confidence for calculated </a:t>
+            </a:r>
+            <a:r>
+              <a:rPr lang="en-US" sz="2400"/>
+              <a:t>density profiles</a:t>
+            </a:r>
+            <a:endParaRPr lang="en-US" sz="2400" dirty="0"/>
           </a:p>
           <a:p>
             <a:pPr>
@@ -6666,7 +6912,7 @@
             </a:pPr>
             <a:r>
               <a:rPr lang="en-US" sz="2400" dirty="0"/>
-              <a:t>Fitting parameters indicate ____</a:t>
+              <a:t>Coarse-graining (fitting) parameters</a:t>
             </a:r>
           </a:p>
           <a:p>
@@ -6677,7 +6923,15 @@
             </a:pPr>
             <a:r>
               <a:rPr lang="en-US" sz="2000" dirty="0"/>
-              <a:t>b : Kuhn’s statistical segment length</a:t>
+              <a:t>b : Kuhn’s statistical segment length (spring </a:t>
+            </a:r>
+            <a:r>
+              <a:rPr lang="en-US" sz="2000" dirty="0" err="1"/>
+              <a:t>equil</a:t>
+            </a:r>
+            <a:r>
+              <a:rPr lang="en-US" sz="2000" dirty="0"/>
+              <a:t>. distance)</a:t>
             </a:r>
           </a:p>
           <a:p>
@@ -6699,7 +6953,7 @@
             </a:pPr>
             <a:r>
               <a:rPr lang="en-US" sz="2000" dirty="0"/>
-              <a:t>v : Volume of Kuhn’s segment</a:t>
+              <a:t>v : Volume of Kuhn’s segment (spring volume)</a:t>
             </a:r>
           </a:p>
           <a:p>
@@ -6726,23 +6980,768 @@
             </a:r>
           </a:p>
           <a:p>
-            <a:pPr lvl="2">
-              <a:lnSpc>
-                <a:spcPct val="150000"/>
-              </a:lnSpc>
-            </a:pPr>
-            <a:endParaRPr lang="en-US" dirty="0"/>
-          </a:p>
-          <a:p>
             <a:pPr>
               <a:lnSpc>
                 <a:spcPct val="150000"/>
               </a:lnSpc>
             </a:pPr>
-            <a:endParaRPr lang="en-US" sz="2400" dirty="0"/>
+            <a:r>
+              <a:rPr lang="en-US" sz="2400" dirty="0"/>
+              <a:t>Stiffness parameter, p = b</a:t>
+            </a:r>
+            <a:r>
+              <a:rPr lang="en-US" sz="2400" baseline="30000" dirty="0"/>
+              <a:t>3</a:t>
+            </a:r>
+            <a:r>
+              <a:rPr lang="en-US" sz="2400" dirty="0"/>
+              <a:t>/v (spring constant)</a:t>
+            </a:r>
+          </a:p>
+          <a:p>
+            <a:pPr lvl="1">
+              <a:lnSpc>
+                <a:spcPct val="150000"/>
+              </a:lnSpc>
+            </a:pPr>
+            <a:r>
+              <a:rPr lang="en-US" sz="2000" dirty="0"/>
+              <a:t>NFH: 0.625, NFM: 13.5</a:t>
+            </a:r>
           </a:p>
         </p:txBody>
       </p:sp>
+      <p:grpSp>
+        <p:nvGrpSpPr>
+          <p:cNvPr id="45" name="Group 44">
+            <a:extLst>
+              <a:ext uri="{FF2B5EF4-FFF2-40B4-BE49-F238E27FC236}">
+                <a16:creationId xmlns:a16="http://schemas.microsoft.com/office/drawing/2014/main" id="{0D52F37B-67ED-20B3-9B03-FBF57503D98E}"/>
+              </a:ext>
+            </a:extLst>
+          </p:cNvPr>
+          <p:cNvGrpSpPr/>
+          <p:nvPr/>
+        </p:nvGrpSpPr>
+        <p:grpSpPr>
+          <a:xfrm>
+            <a:off x="8153399" y="4181476"/>
+            <a:ext cx="3524945" cy="572294"/>
+            <a:chOff x="7153274" y="3543301"/>
+            <a:chExt cx="3524945" cy="572294"/>
+          </a:xfrm>
+        </p:grpSpPr>
+        <p:grpSp>
+          <p:nvGrpSpPr>
+            <p:cNvPr id="7" name="Group 6">
+              <a:extLst>
+                <a:ext uri="{FF2B5EF4-FFF2-40B4-BE49-F238E27FC236}">
+                  <a16:creationId xmlns:a16="http://schemas.microsoft.com/office/drawing/2014/main" id="{AFDEA641-C42F-D3D1-96DD-F95D351E8BA4}"/>
+                </a:ext>
+              </a:extLst>
+            </p:cNvPr>
+            <p:cNvGrpSpPr/>
+            <p:nvPr/>
+          </p:nvGrpSpPr>
+          <p:grpSpPr>
+            <a:xfrm>
+              <a:off x="7153274" y="3543301"/>
+              <a:ext cx="3524945" cy="572294"/>
+              <a:chOff x="7515224" y="3623457"/>
+              <a:chExt cx="2952861" cy="479413"/>
+            </a:xfrm>
+          </p:grpSpPr>
+          <p:sp>
+            <p:nvSpPr>
+              <p:cNvPr id="4" name="Oval 3">
+                <a:extLst>
+                  <a:ext uri="{FF2B5EF4-FFF2-40B4-BE49-F238E27FC236}">
+                    <a16:creationId xmlns:a16="http://schemas.microsoft.com/office/drawing/2014/main" id="{8C1E3946-A07F-E422-5FE4-4168560673AD}"/>
+                  </a:ext>
+                </a:extLst>
+              </p:cNvPr>
+              <p:cNvSpPr/>
+              <p:nvPr/>
+            </p:nvSpPr>
+            <p:spPr>
+              <a:xfrm rot="20297369">
+                <a:off x="7515224" y="3674245"/>
+                <a:ext cx="1104900" cy="428625"/>
+              </a:xfrm>
+              <a:prstGeom prst="ellipse">
+                <a:avLst/>
+              </a:prstGeom>
+            </p:spPr>
+            <p:style>
+              <a:lnRef idx="2">
+                <a:schemeClr val="accent1">
+                  <a:shade val="50000"/>
+                </a:schemeClr>
+              </a:lnRef>
+              <a:fillRef idx="1">
+                <a:schemeClr val="accent1"/>
+              </a:fillRef>
+              <a:effectRef idx="0">
+                <a:schemeClr val="accent1"/>
+              </a:effectRef>
+              <a:fontRef idx="minor">
+                <a:schemeClr val="lt1"/>
+              </a:fontRef>
+            </p:style>
+            <p:txBody>
+              <a:bodyPr rtlCol="0" anchor="ctr"/>
+              <a:lstStyle/>
+              <a:p>
+                <a:pPr algn="ctr"/>
+                <a:endParaRPr lang="en-US"/>
+              </a:p>
+            </p:txBody>
+          </p:sp>
+          <p:sp>
+            <p:nvSpPr>
+              <p:cNvPr id="5" name="Oval 4">
+                <a:extLst>
+                  <a:ext uri="{FF2B5EF4-FFF2-40B4-BE49-F238E27FC236}">
+                    <a16:creationId xmlns:a16="http://schemas.microsoft.com/office/drawing/2014/main" id="{7DE56D8B-33B5-0CE6-A177-DBF36CED6D61}"/>
+                  </a:ext>
+                </a:extLst>
+              </p:cNvPr>
+              <p:cNvSpPr/>
+              <p:nvPr/>
+            </p:nvSpPr>
+            <p:spPr>
+              <a:xfrm rot="1430240">
+                <a:off x="8439150" y="3653655"/>
+                <a:ext cx="1104900" cy="428625"/>
+              </a:xfrm>
+              <a:prstGeom prst="ellipse">
+                <a:avLst/>
+              </a:prstGeom>
+            </p:spPr>
+            <p:style>
+              <a:lnRef idx="2">
+                <a:schemeClr val="accent1">
+                  <a:shade val="50000"/>
+                </a:schemeClr>
+              </a:lnRef>
+              <a:fillRef idx="1">
+                <a:schemeClr val="accent1"/>
+              </a:fillRef>
+              <a:effectRef idx="0">
+                <a:schemeClr val="accent1"/>
+              </a:effectRef>
+              <a:fontRef idx="minor">
+                <a:schemeClr val="lt1"/>
+              </a:fontRef>
+            </p:style>
+            <p:txBody>
+              <a:bodyPr rtlCol="0" anchor="ctr"/>
+              <a:lstStyle/>
+              <a:p>
+                <a:pPr algn="ctr"/>
+                <a:endParaRPr lang="en-US"/>
+              </a:p>
+            </p:txBody>
+          </p:sp>
+          <p:sp>
+            <p:nvSpPr>
+              <p:cNvPr id="6" name="Oval 5">
+                <a:extLst>
+                  <a:ext uri="{FF2B5EF4-FFF2-40B4-BE49-F238E27FC236}">
+                    <a16:creationId xmlns:a16="http://schemas.microsoft.com/office/drawing/2014/main" id="{BC4A3B7F-4D8B-7A29-24CE-A427EF625140}"/>
+                  </a:ext>
+                </a:extLst>
+              </p:cNvPr>
+              <p:cNvSpPr/>
+              <p:nvPr/>
+            </p:nvSpPr>
+            <p:spPr>
+              <a:xfrm rot="20255153">
+                <a:off x="9363185" y="3623457"/>
+                <a:ext cx="1104900" cy="428625"/>
+              </a:xfrm>
+              <a:prstGeom prst="ellipse">
+                <a:avLst/>
+              </a:prstGeom>
+            </p:spPr>
+            <p:style>
+              <a:lnRef idx="2">
+                <a:schemeClr val="accent1">
+                  <a:shade val="50000"/>
+                </a:schemeClr>
+              </a:lnRef>
+              <a:fillRef idx="1">
+                <a:schemeClr val="accent1"/>
+              </a:fillRef>
+              <a:effectRef idx="0">
+                <a:schemeClr val="accent1"/>
+              </a:effectRef>
+              <a:fontRef idx="minor">
+                <a:schemeClr val="lt1"/>
+              </a:fontRef>
+            </p:style>
+            <p:txBody>
+              <a:bodyPr rtlCol="0" anchor="ctr"/>
+              <a:lstStyle/>
+              <a:p>
+                <a:pPr algn="ctr"/>
+                <a:endParaRPr lang="en-US"/>
+              </a:p>
+            </p:txBody>
+          </p:sp>
+        </p:grpSp>
+        <p:grpSp>
+          <p:nvGrpSpPr>
+            <p:cNvPr id="40" name="Group 39">
+              <a:extLst>
+                <a:ext uri="{FF2B5EF4-FFF2-40B4-BE49-F238E27FC236}">
+                  <a16:creationId xmlns:a16="http://schemas.microsoft.com/office/drawing/2014/main" id="{199D6871-1B78-EA4C-AF40-6480E4F603A6}"/>
+                </a:ext>
+              </a:extLst>
+            </p:cNvPr>
+            <p:cNvGrpSpPr/>
+            <p:nvPr/>
+          </p:nvGrpSpPr>
+          <p:grpSpPr>
+            <a:xfrm>
+              <a:off x="7353300" y="3586418"/>
+              <a:ext cx="896479" cy="518857"/>
+              <a:chOff x="7353300" y="3586418"/>
+              <a:chExt cx="896479" cy="518857"/>
+            </a:xfrm>
+          </p:grpSpPr>
+          <p:cxnSp>
+            <p:nvCxnSpPr>
+              <p:cNvPr id="9" name="Straight Connector 8">
+                <a:extLst>
+                  <a:ext uri="{FF2B5EF4-FFF2-40B4-BE49-F238E27FC236}">
+                    <a16:creationId xmlns:a16="http://schemas.microsoft.com/office/drawing/2014/main" id="{67A05FA2-2410-1105-D6BD-0665F09E4995}"/>
+                  </a:ext>
+                </a:extLst>
+              </p:cNvPr>
+              <p:cNvCxnSpPr>
+                <a:cxnSpLocks/>
+              </p:cNvCxnSpPr>
+              <p:nvPr/>
+            </p:nvCxnSpPr>
+            <p:spPr>
+              <a:xfrm flipV="1">
+                <a:off x="7353300" y="3799134"/>
+                <a:ext cx="152400" cy="306141"/>
+              </a:xfrm>
+              <a:prstGeom prst="line">
+                <a:avLst/>
+              </a:prstGeom>
+              <a:ln w="12700">
+                <a:solidFill>
+                  <a:schemeClr val="tx1"/>
+                </a:solidFill>
+              </a:ln>
+            </p:spPr>
+            <p:style>
+              <a:lnRef idx="1">
+                <a:schemeClr val="accent1"/>
+              </a:lnRef>
+              <a:fillRef idx="0">
+                <a:schemeClr val="accent1"/>
+              </a:fillRef>
+              <a:effectRef idx="0">
+                <a:schemeClr val="accent1"/>
+              </a:effectRef>
+              <a:fontRef idx="minor">
+                <a:schemeClr val="tx1"/>
+              </a:fontRef>
+            </p:style>
+          </p:cxnSp>
+          <p:cxnSp>
+            <p:nvCxnSpPr>
+              <p:cNvPr id="11" name="Straight Connector 10">
+                <a:extLst>
+                  <a:ext uri="{FF2B5EF4-FFF2-40B4-BE49-F238E27FC236}">
+                    <a16:creationId xmlns:a16="http://schemas.microsoft.com/office/drawing/2014/main" id="{1577F3CD-8434-C428-6C1F-ECB5F90CE4F1}"/>
+                  </a:ext>
+                </a:extLst>
+              </p:cNvPr>
+              <p:cNvCxnSpPr>
+                <a:cxnSpLocks/>
+              </p:cNvCxnSpPr>
+              <p:nvPr/>
+            </p:nvCxnSpPr>
+            <p:spPr>
+              <a:xfrm flipH="1" flipV="1">
+                <a:off x="7505700" y="3799134"/>
+                <a:ext cx="228600" cy="153070"/>
+              </a:xfrm>
+              <a:prstGeom prst="line">
+                <a:avLst/>
+              </a:prstGeom>
+              <a:ln w="12700">
+                <a:solidFill>
+                  <a:schemeClr val="tx1"/>
+                </a:solidFill>
+              </a:ln>
+            </p:spPr>
+            <p:style>
+              <a:lnRef idx="1">
+                <a:schemeClr val="accent1"/>
+              </a:lnRef>
+              <a:fillRef idx="0">
+                <a:schemeClr val="accent1"/>
+              </a:fillRef>
+              <a:effectRef idx="0">
+                <a:schemeClr val="accent1"/>
+              </a:effectRef>
+              <a:fontRef idx="minor">
+                <a:schemeClr val="tx1"/>
+              </a:fontRef>
+            </p:style>
+          </p:cxnSp>
+          <p:cxnSp>
+            <p:nvCxnSpPr>
+              <p:cNvPr id="14" name="Straight Connector 13">
+                <a:extLst>
+                  <a:ext uri="{FF2B5EF4-FFF2-40B4-BE49-F238E27FC236}">
+                    <a16:creationId xmlns:a16="http://schemas.microsoft.com/office/drawing/2014/main" id="{680E4C4A-48BC-712A-B1E9-83300D2E3A0D}"/>
+                  </a:ext>
+                </a:extLst>
+              </p:cNvPr>
+              <p:cNvCxnSpPr>
+                <a:cxnSpLocks/>
+              </p:cNvCxnSpPr>
+              <p:nvPr/>
+            </p:nvCxnSpPr>
+            <p:spPr>
+              <a:xfrm flipV="1">
+                <a:off x="7505700" y="3944816"/>
+                <a:ext cx="228600" cy="50862"/>
+              </a:xfrm>
+              <a:prstGeom prst="line">
+                <a:avLst/>
+              </a:prstGeom>
+              <a:ln w="12700">
+                <a:solidFill>
+                  <a:schemeClr val="tx1"/>
+                </a:solidFill>
+              </a:ln>
+            </p:spPr>
+            <p:style>
+              <a:lnRef idx="1">
+                <a:schemeClr val="accent1"/>
+              </a:lnRef>
+              <a:fillRef idx="0">
+                <a:schemeClr val="accent1"/>
+              </a:fillRef>
+              <a:effectRef idx="0">
+                <a:schemeClr val="accent1"/>
+              </a:effectRef>
+              <a:fontRef idx="minor">
+                <a:schemeClr val="tx1"/>
+              </a:fontRef>
+            </p:style>
+          </p:cxnSp>
+          <p:cxnSp>
+            <p:nvCxnSpPr>
+              <p:cNvPr id="18" name="Straight Connector 17">
+                <a:extLst>
+                  <a:ext uri="{FF2B5EF4-FFF2-40B4-BE49-F238E27FC236}">
+                    <a16:creationId xmlns:a16="http://schemas.microsoft.com/office/drawing/2014/main" id="{34782B50-C8DE-A438-D03A-A8519F35DB99}"/>
+                  </a:ext>
+                </a:extLst>
+              </p:cNvPr>
+              <p:cNvCxnSpPr>
+                <a:cxnSpLocks/>
+              </p:cNvCxnSpPr>
+              <p:nvPr/>
+            </p:nvCxnSpPr>
+            <p:spPr>
+              <a:xfrm flipV="1">
+                <a:off x="7523409" y="3739753"/>
+                <a:ext cx="231546" cy="240018"/>
+              </a:xfrm>
+              <a:prstGeom prst="line">
+                <a:avLst/>
+              </a:prstGeom>
+              <a:ln w="12700">
+                <a:solidFill>
+                  <a:schemeClr val="tx1"/>
+                </a:solidFill>
+              </a:ln>
+            </p:spPr>
+            <p:style>
+              <a:lnRef idx="1">
+                <a:schemeClr val="accent1"/>
+              </a:lnRef>
+              <a:fillRef idx="0">
+                <a:schemeClr val="accent1"/>
+              </a:fillRef>
+              <a:effectRef idx="0">
+                <a:schemeClr val="accent1"/>
+              </a:effectRef>
+              <a:fontRef idx="minor">
+                <a:schemeClr val="tx1"/>
+              </a:fontRef>
+            </p:style>
+          </p:cxnSp>
+          <p:cxnSp>
+            <p:nvCxnSpPr>
+              <p:cNvPr id="21" name="Straight Connector 20">
+                <a:extLst>
+                  <a:ext uri="{FF2B5EF4-FFF2-40B4-BE49-F238E27FC236}">
+                    <a16:creationId xmlns:a16="http://schemas.microsoft.com/office/drawing/2014/main" id="{3FD9E671-8C8B-447C-FEBA-B12ACB9C30DF}"/>
+                  </a:ext>
+                </a:extLst>
+              </p:cNvPr>
+              <p:cNvCxnSpPr>
+                <a:cxnSpLocks/>
+              </p:cNvCxnSpPr>
+              <p:nvPr/>
+            </p:nvCxnSpPr>
+            <p:spPr>
+              <a:xfrm>
+                <a:off x="7733970" y="3738170"/>
+                <a:ext cx="258516" cy="156489"/>
+              </a:xfrm>
+              <a:prstGeom prst="line">
+                <a:avLst/>
+              </a:prstGeom>
+              <a:ln w="12700">
+                <a:solidFill>
+                  <a:schemeClr val="tx1"/>
+                </a:solidFill>
+              </a:ln>
+            </p:spPr>
+            <p:style>
+              <a:lnRef idx="1">
+                <a:schemeClr val="accent1"/>
+              </a:lnRef>
+              <a:fillRef idx="0">
+                <a:schemeClr val="accent1"/>
+              </a:fillRef>
+              <a:effectRef idx="0">
+                <a:schemeClr val="accent1"/>
+              </a:effectRef>
+              <a:fontRef idx="minor">
+                <a:schemeClr val="tx1"/>
+              </a:fontRef>
+            </p:style>
+          </p:cxnSp>
+          <p:cxnSp>
+            <p:nvCxnSpPr>
+              <p:cNvPr id="25" name="Straight Connector 24">
+                <a:extLst>
+                  <a:ext uri="{FF2B5EF4-FFF2-40B4-BE49-F238E27FC236}">
+                    <a16:creationId xmlns:a16="http://schemas.microsoft.com/office/drawing/2014/main" id="{1BFD9873-5667-70F8-5419-9CC39A2D035F}"/>
+                  </a:ext>
+                </a:extLst>
+              </p:cNvPr>
+              <p:cNvCxnSpPr>
+                <a:cxnSpLocks/>
+              </p:cNvCxnSpPr>
+              <p:nvPr/>
+            </p:nvCxnSpPr>
+            <p:spPr>
+              <a:xfrm flipH="1" flipV="1">
+                <a:off x="7971532" y="3738170"/>
+                <a:ext cx="20954" cy="156489"/>
+              </a:xfrm>
+              <a:prstGeom prst="line">
+                <a:avLst/>
+              </a:prstGeom>
+              <a:ln w="12700">
+                <a:solidFill>
+                  <a:schemeClr val="tx1"/>
+                </a:solidFill>
+              </a:ln>
+            </p:spPr>
+            <p:style>
+              <a:lnRef idx="1">
+                <a:schemeClr val="accent1"/>
+              </a:lnRef>
+              <a:fillRef idx="0">
+                <a:schemeClr val="accent1"/>
+              </a:fillRef>
+              <a:effectRef idx="0">
+                <a:schemeClr val="accent1"/>
+              </a:effectRef>
+              <a:fontRef idx="minor">
+                <a:schemeClr val="tx1"/>
+              </a:fontRef>
+            </p:style>
+          </p:cxnSp>
+          <p:cxnSp>
+            <p:nvCxnSpPr>
+              <p:cNvPr id="28" name="Straight Connector 27">
+                <a:extLst>
+                  <a:ext uri="{FF2B5EF4-FFF2-40B4-BE49-F238E27FC236}">
+                    <a16:creationId xmlns:a16="http://schemas.microsoft.com/office/drawing/2014/main" id="{DDCCBB23-883C-A99F-1A93-E0DB64584C8F}"/>
+                  </a:ext>
+                </a:extLst>
+              </p:cNvPr>
+              <p:cNvCxnSpPr>
+                <a:cxnSpLocks/>
+              </p:cNvCxnSpPr>
+              <p:nvPr/>
+            </p:nvCxnSpPr>
+            <p:spPr>
+              <a:xfrm flipH="1" flipV="1">
+                <a:off x="7959808" y="3738170"/>
+                <a:ext cx="228600" cy="60964"/>
+              </a:xfrm>
+              <a:prstGeom prst="line">
+                <a:avLst/>
+              </a:prstGeom>
+              <a:ln w="12700">
+                <a:solidFill>
+                  <a:schemeClr val="tx1"/>
+                </a:solidFill>
+              </a:ln>
+            </p:spPr>
+            <p:style>
+              <a:lnRef idx="1">
+                <a:schemeClr val="accent1"/>
+              </a:lnRef>
+              <a:fillRef idx="0">
+                <a:schemeClr val="accent1"/>
+              </a:fillRef>
+              <a:effectRef idx="0">
+                <a:schemeClr val="accent1"/>
+              </a:effectRef>
+              <a:fontRef idx="minor">
+                <a:schemeClr val="tx1"/>
+              </a:fontRef>
+            </p:style>
+          </p:cxnSp>
+          <p:cxnSp>
+            <p:nvCxnSpPr>
+              <p:cNvPr id="32" name="Straight Connector 31">
+                <a:extLst>
+                  <a:ext uri="{FF2B5EF4-FFF2-40B4-BE49-F238E27FC236}">
+                    <a16:creationId xmlns:a16="http://schemas.microsoft.com/office/drawing/2014/main" id="{A444D8DC-2B34-C9DD-52BE-AA0C056F7154}"/>
+                  </a:ext>
+                </a:extLst>
+              </p:cNvPr>
+              <p:cNvCxnSpPr>
+                <a:cxnSpLocks/>
+              </p:cNvCxnSpPr>
+              <p:nvPr/>
+            </p:nvCxnSpPr>
+            <p:spPr>
+              <a:xfrm flipH="1">
+                <a:off x="8177132" y="3586418"/>
+                <a:ext cx="41310" cy="213272"/>
+              </a:xfrm>
+              <a:prstGeom prst="line">
+                <a:avLst/>
+              </a:prstGeom>
+              <a:ln w="12700">
+                <a:solidFill>
+                  <a:schemeClr val="tx1"/>
+                </a:solidFill>
+              </a:ln>
+            </p:spPr>
+            <p:style>
+              <a:lnRef idx="1">
+                <a:schemeClr val="accent1"/>
+              </a:lnRef>
+              <a:fillRef idx="0">
+                <a:schemeClr val="accent1"/>
+              </a:fillRef>
+              <a:effectRef idx="0">
+                <a:schemeClr val="accent1"/>
+              </a:effectRef>
+              <a:fontRef idx="minor">
+                <a:schemeClr val="tx1"/>
+              </a:fontRef>
+            </p:style>
+          </p:cxnSp>
+          <p:cxnSp>
+            <p:nvCxnSpPr>
+              <p:cNvPr id="35" name="Straight Connector 34">
+                <a:extLst>
+                  <a:ext uri="{FF2B5EF4-FFF2-40B4-BE49-F238E27FC236}">
+                    <a16:creationId xmlns:a16="http://schemas.microsoft.com/office/drawing/2014/main" id="{67A1AE87-F5A1-DB51-0BCF-24C9EFB1A3F6}"/>
+                  </a:ext>
+                </a:extLst>
+              </p:cNvPr>
+              <p:cNvCxnSpPr>
+                <a:cxnSpLocks/>
+              </p:cNvCxnSpPr>
+              <p:nvPr/>
+            </p:nvCxnSpPr>
+            <p:spPr>
+              <a:xfrm flipH="1">
+                <a:off x="7982009" y="3601691"/>
+                <a:ext cx="235839" cy="0"/>
+              </a:xfrm>
+              <a:prstGeom prst="line">
+                <a:avLst/>
+              </a:prstGeom>
+              <a:ln w="12700">
+                <a:solidFill>
+                  <a:schemeClr val="tx1"/>
+                </a:solidFill>
+              </a:ln>
+            </p:spPr>
+            <p:style>
+              <a:lnRef idx="1">
+                <a:schemeClr val="accent1"/>
+              </a:lnRef>
+              <a:fillRef idx="0">
+                <a:schemeClr val="accent1"/>
+              </a:fillRef>
+              <a:effectRef idx="0">
+                <a:schemeClr val="accent1"/>
+              </a:effectRef>
+              <a:fontRef idx="minor">
+                <a:schemeClr val="tx1"/>
+              </a:fontRef>
+            </p:style>
+          </p:cxnSp>
+          <p:cxnSp>
+            <p:nvCxnSpPr>
+              <p:cNvPr id="37" name="Straight Connector 36">
+                <a:extLst>
+                  <a:ext uri="{FF2B5EF4-FFF2-40B4-BE49-F238E27FC236}">
+                    <a16:creationId xmlns:a16="http://schemas.microsoft.com/office/drawing/2014/main" id="{FEE424A6-F6B5-8776-5BB1-8B6A640CB391}"/>
+                  </a:ext>
+                </a:extLst>
+              </p:cNvPr>
+              <p:cNvCxnSpPr>
+                <a:cxnSpLocks/>
+              </p:cNvCxnSpPr>
+              <p:nvPr/>
+            </p:nvCxnSpPr>
+            <p:spPr>
+              <a:xfrm flipH="1" flipV="1">
+                <a:off x="7992486" y="3611216"/>
+                <a:ext cx="257293" cy="111996"/>
+              </a:xfrm>
+              <a:prstGeom prst="line">
+                <a:avLst/>
+              </a:prstGeom>
+              <a:ln w="12700">
+                <a:solidFill>
+                  <a:schemeClr val="tx1"/>
+                </a:solidFill>
+              </a:ln>
+            </p:spPr>
+            <p:style>
+              <a:lnRef idx="1">
+                <a:schemeClr val="accent1"/>
+              </a:lnRef>
+              <a:fillRef idx="0">
+                <a:schemeClr val="accent1"/>
+              </a:fillRef>
+              <a:effectRef idx="0">
+                <a:schemeClr val="accent1"/>
+              </a:effectRef>
+              <a:fontRef idx="minor">
+                <a:schemeClr val="tx1"/>
+              </a:fontRef>
+            </p:style>
+          </p:cxnSp>
+        </p:grpSp>
+      </p:grpSp>
+      <p:grpSp>
+        <p:nvGrpSpPr>
+          <p:cNvPr id="44" name="Group 43">
+            <a:extLst>
+              <a:ext uri="{FF2B5EF4-FFF2-40B4-BE49-F238E27FC236}">
+                <a16:creationId xmlns:a16="http://schemas.microsoft.com/office/drawing/2014/main" id="{BD9B1966-2641-B81B-81B8-98C4190FE310}"/>
+              </a:ext>
+            </a:extLst>
+          </p:cNvPr>
+          <p:cNvGrpSpPr/>
+          <p:nvPr/>
+        </p:nvGrpSpPr>
+        <p:grpSpPr>
+          <a:xfrm>
+            <a:off x="8029575" y="3761597"/>
+            <a:ext cx="1220329" cy="569632"/>
+            <a:chOff x="7029450" y="3123422"/>
+            <a:chExt cx="1220329" cy="569632"/>
+          </a:xfrm>
+        </p:grpSpPr>
+        <p:cxnSp>
+          <p:nvCxnSpPr>
+            <p:cNvPr id="42" name="Straight Arrow Connector 41">
+              <a:extLst>
+                <a:ext uri="{FF2B5EF4-FFF2-40B4-BE49-F238E27FC236}">
+                  <a16:creationId xmlns:a16="http://schemas.microsoft.com/office/drawing/2014/main" id="{D1BB5625-BF66-C153-8DBB-4E019A55D875}"/>
+                </a:ext>
+              </a:extLst>
+            </p:cNvPr>
+            <p:cNvCxnSpPr/>
+            <p:nvPr/>
+          </p:nvCxnSpPr>
+          <p:spPr>
+            <a:xfrm flipV="1">
+              <a:off x="7029450" y="3238500"/>
+              <a:ext cx="1220329" cy="454554"/>
+            </a:xfrm>
+            <a:prstGeom prst="straightConnector1">
+              <a:avLst/>
+            </a:prstGeom>
+            <a:ln>
+              <a:solidFill>
+                <a:schemeClr val="tx1"/>
+              </a:solidFill>
+              <a:headEnd type="triangle"/>
+              <a:tailEnd type="triangle"/>
+            </a:ln>
+          </p:spPr>
+          <p:style>
+            <a:lnRef idx="1">
+              <a:schemeClr val="accent1"/>
+            </a:lnRef>
+            <a:fillRef idx="0">
+              <a:schemeClr val="accent1"/>
+            </a:fillRef>
+            <a:effectRef idx="0">
+              <a:schemeClr val="accent1"/>
+            </a:effectRef>
+            <a:fontRef idx="minor">
+              <a:schemeClr val="tx1"/>
+            </a:fontRef>
+          </p:style>
+        </p:cxnSp>
+        <p:sp>
+          <p:nvSpPr>
+            <p:cNvPr id="43" name="TextBox 42">
+              <a:extLst>
+                <a:ext uri="{FF2B5EF4-FFF2-40B4-BE49-F238E27FC236}">
+                  <a16:creationId xmlns:a16="http://schemas.microsoft.com/office/drawing/2014/main" id="{8FC58326-9334-BD81-56E9-B90456E93709}"/>
+                </a:ext>
+              </a:extLst>
+            </p:cNvPr>
+            <p:cNvSpPr txBox="1"/>
+            <p:nvPr/>
+          </p:nvSpPr>
+          <p:spPr>
+            <a:xfrm rot="20314286">
+              <a:off x="7245523" y="3123422"/>
+              <a:ext cx="582630" cy="369332"/>
+            </a:xfrm>
+            <a:prstGeom prst="rect">
+              <a:avLst/>
+            </a:prstGeom>
+            <a:noFill/>
+          </p:spPr>
+          <p:txBody>
+            <a:bodyPr wrap="square" rtlCol="0">
+              <a:spAutoFit/>
+            </a:bodyPr>
+            <a:lstStyle/>
+            <a:p>
+              <a:pPr algn="ctr"/>
+              <a:r>
+                <a:rPr lang="en-US" dirty="0"/>
+                <a:t>b</a:t>
+              </a:r>
+            </a:p>
+          </p:txBody>
+        </p:sp>
+      </p:grpSp>
     </p:spTree>
     <p:extLst>
       <p:ext uri="{BB962C8B-B14F-4D97-AF65-F5344CB8AC3E}">
@@ -7055,6 +8054,104 @@
                       </p:childTnLst>
                     </p:cTn>
                   </p:par>
+                  <p:par>
+                    <p:cTn id="27" fill="hold">
+                      <p:stCondLst>
+                        <p:cond delay="indefinite"/>
+                      </p:stCondLst>
+                      <p:childTnLst>
+                        <p:par>
+                          <p:cTn id="28" fill="hold">
+                            <p:stCondLst>
+                              <p:cond delay="0"/>
+                            </p:stCondLst>
+                            <p:childTnLst>
+                              <p:par>
+                                <p:cTn id="29" presetID="1" presetClass="entr" presetSubtype="0" fill="hold" nodeType="clickEffect">
+                                  <p:stCondLst>
+                                    <p:cond delay="0"/>
+                                  </p:stCondLst>
+                                  <p:childTnLst>
+                                    <p:set>
+                                      <p:cBhvr>
+                                        <p:cTn id="30" dur="1" fill="hold">
+                                          <p:stCondLst>
+                                            <p:cond delay="0"/>
+                                          </p:stCondLst>
+                                        </p:cTn>
+                                        <p:tgtEl>
+                                          <p:spTgt spid="3">
+                                            <p:txEl>
+                                              <p:pRg st="6" end="6"/>
+                                            </p:txEl>
+                                          </p:spTgt>
+                                        </p:tgtEl>
+                                        <p:attrNameLst>
+                                          <p:attrName>style.visibility</p:attrName>
+                                        </p:attrNameLst>
+                                      </p:cBhvr>
+                                      <p:to>
+                                        <p:strVal val="visible"/>
+                                      </p:to>
+                                    </p:set>
+                                  </p:childTnLst>
+                                </p:cTn>
+                              </p:par>
+                            </p:childTnLst>
+                          </p:cTn>
+                        </p:par>
+                      </p:childTnLst>
+                    </p:cTn>
+                  </p:par>
+                  <p:par>
+                    <p:cTn id="31" fill="hold">
+                      <p:stCondLst>
+                        <p:cond delay="indefinite"/>
+                      </p:stCondLst>
+                      <p:childTnLst>
+                        <p:par>
+                          <p:cTn id="32" fill="hold">
+                            <p:stCondLst>
+                              <p:cond delay="0"/>
+                            </p:stCondLst>
+                            <p:childTnLst>
+                              <p:par>
+                                <p:cTn id="33" presetID="1" presetClass="entr" presetSubtype="0" fill="hold" nodeType="clickEffect">
+                                  <p:stCondLst>
+                                    <p:cond delay="0"/>
+                                  </p:stCondLst>
+                                  <p:childTnLst>
+                                    <p:set>
+                                      <p:cBhvr>
+                                        <p:cTn id="34" dur="1" fill="hold">
+                                          <p:stCondLst>
+                                            <p:cond delay="0"/>
+                                          </p:stCondLst>
+                                        </p:cTn>
+                                        <p:tgtEl>
+                                          <p:spTgt spid="3">
+                                            <p:txEl>
+                                              <p:pRg st="7" end="7"/>
+                                            </p:txEl>
+                                          </p:spTgt>
+                                        </p:tgtEl>
+                                        <p:attrNameLst>
+                                          <p:attrName>style.visibility</p:attrName>
+                                        </p:attrNameLst>
+                                      </p:cBhvr>
+                                      <p:to>
+                                        <p:strVal val="visible"/>
+                                      </p:to>
+                                    </p:set>
+                                  </p:childTnLst>
+                                </p:cTn>
+                              </p:par>
+                            </p:childTnLst>
+                          </p:cTn>
+                        </p:par>
+                      </p:childTnLst>
+                    </p:cTn>
+                  </p:par>
                 </p:childTnLst>
               </p:cTn>
               <p:prevCondLst>
@@ -7077,64 +8174,6 @@
       </p:par>
     </p:tnLst>
   </p:timing>
-</p:sld>
-</file>
-
-<file path=ppt/slides/slide5.xml><?xml version="1.0" encoding="utf-8"?>
-<p:sld xmlns:a="http://schemas.openxmlformats.org/drawingml/2006/main" xmlns:r="http://schemas.openxmlformats.org/officeDocument/2006/relationships" xmlns:p="http://schemas.openxmlformats.org/presentationml/2006/main">
-  <p:cSld>
-    <p:spTree>
-      <p:nvGrpSpPr>
-        <p:cNvPr id="1" name=""/>
-        <p:cNvGrpSpPr/>
-        <p:nvPr/>
-      </p:nvGrpSpPr>
-      <p:grpSpPr>
-        <a:xfrm>
-          <a:off x="0" y="0"/>
-          <a:ext cx="0" cy="0"/>
-          <a:chOff x="0" y="0"/>
-          <a:chExt cx="0" cy="0"/>
-        </a:xfrm>
-      </p:grpSpPr>
-      <p:sp>
-        <p:nvSpPr>
-          <p:cNvPr id="2" name="Title 1">
-            <a:extLst>
-              <a:ext uri="{FF2B5EF4-FFF2-40B4-BE49-F238E27FC236}">
-                <a16:creationId xmlns:a16="http://schemas.microsoft.com/office/drawing/2014/main" id="{0506C201-532D-DA7B-C9D9-819D0E3A5385}"/>
-              </a:ext>
-            </a:extLst>
-          </p:cNvPr>
-          <p:cNvSpPr>
-            <a:spLocks noGrp="1"/>
-          </p:cNvSpPr>
-          <p:nvPr>
-            <p:ph type="title"/>
-          </p:nvPr>
-        </p:nvSpPr>
-        <p:spPr/>
-        <p:txBody>
-          <a:bodyPr/>
-          <a:lstStyle/>
-          <a:p>
-            <a:r>
-              <a:rPr lang="en-US" dirty="0"/>
-              <a:t>Discussion</a:t>
-            </a:r>
-          </a:p>
-        </p:txBody>
-      </p:sp>
-    </p:spTree>
-    <p:extLst>
-      <p:ext uri="{BB962C8B-B14F-4D97-AF65-F5344CB8AC3E}">
-        <p14:creationId xmlns:p14="http://schemas.microsoft.com/office/powerpoint/2010/main" val="2879197442"/>
-      </p:ext>
-    </p:extLst>
-  </p:cSld>
-  <p:clrMapOvr>
-    <a:masterClrMapping/>
-  </p:clrMapOvr>
 </p:sld>
 </file>
 

--- a/20230515 NF Collab Update.pptx
+++ b/20230515 NF Collab Update.pptx
@@ -6556,12 +6556,48 @@
           </a:p>
         </p:txBody>
       </p:sp>
+      <p:sp>
+        <p:nvSpPr>
+          <p:cNvPr id="5" name="TextBox 4">
+            <a:extLst>
+              <a:ext uri="{FF2B5EF4-FFF2-40B4-BE49-F238E27FC236}">
+                <a16:creationId xmlns:a16="http://schemas.microsoft.com/office/drawing/2014/main" id="{028489F7-4328-A846-0C28-E5AE24A64616}"/>
+              </a:ext>
+            </a:extLst>
+          </p:cNvPr>
+          <p:cNvSpPr txBox="1"/>
+          <p:nvPr/>
+        </p:nvSpPr>
+        <p:spPr>
+          <a:xfrm>
+            <a:off x="1638300" y="5492233"/>
+            <a:ext cx="4305300" cy="369332"/>
+          </a:xfrm>
+          <a:prstGeom prst="rect">
+            <a:avLst/>
+          </a:prstGeom>
+          <a:noFill/>
+        </p:spPr>
+        <p:txBody>
+          <a:bodyPr wrap="square" rtlCol="0">
+            <a:spAutoFit/>
+          </a:bodyPr>
+          <a:lstStyle/>
+          <a:p>
+            <a:pPr algn="ctr"/>
+            <a:r>
+              <a:rPr lang="en-US" dirty="0"/>
+              <a:t>Block 2 (negative block) highlighted</a:t>
+            </a:r>
+          </a:p>
+        </p:txBody>
+      </p:sp>
       <p:pic>
         <p:nvPicPr>
-          <p:cNvPr id="3076" name="Picture 4">
-            <a:extLst>
-              <a:ext uri="{FF2B5EF4-FFF2-40B4-BE49-F238E27FC236}">
-                <a16:creationId xmlns:a16="http://schemas.microsoft.com/office/drawing/2014/main" id="{CF038F67-AB2E-300B-03D0-749D45F5F3B2}"/>
+          <p:cNvPr id="3080" name="Picture 8">
+            <a:extLst>
+              <a:ext uri="{FF2B5EF4-FFF2-40B4-BE49-F238E27FC236}">
+                <a16:creationId xmlns:a16="http://schemas.microsoft.com/office/drawing/2014/main" id="{2BAF92F6-08BA-F681-D146-DD3384C8BB0F}"/>
               </a:ext>
             </a:extLst>
           </p:cNvPr>
@@ -6585,8 +6621,8 @@
         </p:blipFill>
         <p:spPr bwMode="auto">
           <a:xfrm>
-            <a:off x="1409701" y="2043113"/>
-            <a:ext cx="4206226" cy="3281362"/>
+            <a:off x="1487702" y="1891248"/>
+            <a:ext cx="4358846" cy="3400425"/>
           </a:xfrm>
           <a:prstGeom prst="rect">
             <a:avLst/>
@@ -6603,42 +6639,6 @@
           </a:extLst>
         </p:spPr>
       </p:pic>
-      <p:sp>
-        <p:nvSpPr>
-          <p:cNvPr id="5" name="TextBox 4">
-            <a:extLst>
-              <a:ext uri="{FF2B5EF4-FFF2-40B4-BE49-F238E27FC236}">
-                <a16:creationId xmlns:a16="http://schemas.microsoft.com/office/drawing/2014/main" id="{028489F7-4328-A846-0C28-E5AE24A64616}"/>
-              </a:ext>
-            </a:extLst>
-          </p:cNvPr>
-          <p:cNvSpPr txBox="1"/>
-          <p:nvPr/>
-        </p:nvSpPr>
-        <p:spPr>
-          <a:xfrm>
-            <a:off x="1514475" y="5492234"/>
-            <a:ext cx="4305300" cy="369332"/>
-          </a:xfrm>
-          <a:prstGeom prst="rect">
-            <a:avLst/>
-          </a:prstGeom>
-          <a:noFill/>
-        </p:spPr>
-        <p:txBody>
-          <a:bodyPr wrap="square" rtlCol="0">
-            <a:spAutoFit/>
-          </a:bodyPr>
-          <a:lstStyle/>
-          <a:p>
-            <a:pPr algn="ctr"/>
-            <a:r>
-              <a:rPr lang="en-US" dirty="0"/>
-              <a:t>Block 2 (negative block) highlighted</a:t>
-            </a:r>
-          </a:p>
-        </p:txBody>
-      </p:sp>
     </p:spTree>
     <p:extLst>
       <p:ext uri="{BB962C8B-B14F-4D97-AF65-F5344CB8AC3E}">
@@ -6896,13 +6896,8 @@
             </a:pPr>
             <a:r>
               <a:rPr lang="en-US" sz="2400" dirty="0"/>
-              <a:t>Height fit (over all Cs) with experimental data gives confidence for calculated </a:t>
-            </a:r>
-            <a:r>
-              <a:rPr lang="en-US" sz="2400"/>
-              <a:t>density profiles</a:t>
-            </a:r>
-            <a:endParaRPr lang="en-US" sz="2400" dirty="0"/>
+              <a:t>Height fit (over all Cs) with experimental data gives confidence for calculated density profiles</a:t>
+            </a:r>
           </a:p>
           <a:p>
             <a:pPr>

--- a/20230515 NF Collab Update.pptx
+++ b/20230515 NF Collab Update.pptx
@@ -6213,7 +6213,12 @@
             <p:ph type="title"/>
           </p:nvPr>
         </p:nvSpPr>
-        <p:spPr/>
+        <p:spPr>
+          <a:xfrm>
+            <a:off x="271463" y="0"/>
+            <a:ext cx="10515600" cy="1325563"/>
+          </a:xfrm>
+        </p:spPr>
         <p:txBody>
           <a:bodyPr/>
           <a:lstStyle/>
@@ -6495,7 +6500,12 @@
             <p:ph type="title"/>
           </p:nvPr>
         </p:nvSpPr>
-        <p:spPr/>
+        <p:spPr>
+          <a:xfrm>
+            <a:off x="685801" y="0"/>
+            <a:ext cx="10515600" cy="1325563"/>
+          </a:xfrm>
+        </p:spPr>
         <p:txBody>
           <a:bodyPr/>
           <a:lstStyle/>
@@ -6503,101 +6513,16 @@
             <a:r>
               <a:rPr lang="en-US" dirty="0"/>
               <a:t>Density profiles (Proposed Figure)</a:t>
-            </a:r>
-          </a:p>
-        </p:txBody>
-      </p:sp>
-      <p:sp>
-        <p:nvSpPr>
-          <p:cNvPr id="4" name="Rectangle 3">
-            <a:extLst>
-              <a:ext uri="{FF2B5EF4-FFF2-40B4-BE49-F238E27FC236}">
-                <a16:creationId xmlns:a16="http://schemas.microsoft.com/office/drawing/2014/main" id="{C3E8F39C-E450-ACF5-7C75-48A27B8C46D8}"/>
-              </a:ext>
-            </a:extLst>
-          </p:cNvPr>
-          <p:cNvSpPr/>
-          <p:nvPr/>
-        </p:nvSpPr>
-        <p:spPr>
-          <a:xfrm>
-            <a:off x="7305675" y="2457450"/>
-            <a:ext cx="1809750" cy="571500"/>
-          </a:xfrm>
-          <a:prstGeom prst="rect">
-            <a:avLst/>
-          </a:prstGeom>
-        </p:spPr>
-        <p:style>
-          <a:lnRef idx="2">
-            <a:schemeClr val="accent1">
-              <a:shade val="50000"/>
-            </a:schemeClr>
-          </a:lnRef>
-          <a:fillRef idx="1">
-            <a:schemeClr val="accent1"/>
-          </a:fillRef>
-          <a:effectRef idx="0">
-            <a:schemeClr val="accent1"/>
-          </a:effectRef>
-          <a:fontRef idx="minor">
-            <a:schemeClr val="lt1"/>
-          </a:fontRef>
-        </p:style>
-        <p:txBody>
-          <a:bodyPr rtlCol="0" anchor="ctr"/>
-          <a:lstStyle/>
-          <a:p>
-            <a:pPr algn="ctr"/>
-            <a:r>
-              <a:rPr lang="en-US" dirty="0"/>
-              <a:t>Low conc</a:t>
-            </a:r>
-          </a:p>
-        </p:txBody>
-      </p:sp>
-      <p:sp>
-        <p:nvSpPr>
-          <p:cNvPr id="5" name="TextBox 4">
-            <a:extLst>
-              <a:ext uri="{FF2B5EF4-FFF2-40B4-BE49-F238E27FC236}">
-                <a16:creationId xmlns:a16="http://schemas.microsoft.com/office/drawing/2014/main" id="{028489F7-4328-A846-0C28-E5AE24A64616}"/>
-              </a:ext>
-            </a:extLst>
-          </p:cNvPr>
-          <p:cNvSpPr txBox="1"/>
-          <p:nvPr/>
-        </p:nvSpPr>
-        <p:spPr>
-          <a:xfrm>
-            <a:off x="1638300" y="5492233"/>
-            <a:ext cx="4305300" cy="369332"/>
-          </a:xfrm>
-          <a:prstGeom prst="rect">
-            <a:avLst/>
-          </a:prstGeom>
-          <a:noFill/>
-        </p:spPr>
-        <p:txBody>
-          <a:bodyPr wrap="square" rtlCol="0">
-            <a:spAutoFit/>
-          </a:bodyPr>
-          <a:lstStyle/>
-          <a:p>
-            <a:pPr algn="ctr"/>
-            <a:r>
-              <a:rPr lang="en-US" dirty="0"/>
-              <a:t>Block 2 (negative block) highlighted</a:t>
             </a:r>
           </a:p>
         </p:txBody>
       </p:sp>
       <p:pic>
         <p:nvPicPr>
-          <p:cNvPr id="3080" name="Picture 8">
-            <a:extLst>
-              <a:ext uri="{FF2B5EF4-FFF2-40B4-BE49-F238E27FC236}">
-                <a16:creationId xmlns:a16="http://schemas.microsoft.com/office/drawing/2014/main" id="{2BAF92F6-08BA-F681-D146-DD3384C8BB0F}"/>
+          <p:cNvPr id="3082" name="Picture 10">
+            <a:extLst>
+              <a:ext uri="{FF2B5EF4-FFF2-40B4-BE49-F238E27FC236}">
+                <a16:creationId xmlns:a16="http://schemas.microsoft.com/office/drawing/2014/main" id="{DAEDD7C9-57E8-E5BA-92F3-00F9ABF81CED}"/>
               </a:ext>
             </a:extLst>
           </p:cNvPr>
@@ -6621,8 +6546,8 @@
         </p:blipFill>
         <p:spPr bwMode="auto">
           <a:xfrm>
-            <a:off x="1487702" y="1891248"/>
-            <a:ext cx="4358846" cy="3400425"/>
+            <a:off x="6096000" y="1119723"/>
+            <a:ext cx="3627224" cy="2791831"/>
           </a:xfrm>
           <a:prstGeom prst="rect">
             <a:avLst/>
@@ -6639,6 +6564,268 @@
           </a:extLst>
         </p:spPr>
       </p:pic>
+      <p:pic>
+        <p:nvPicPr>
+          <p:cNvPr id="3084" name="Picture 12">
+            <a:extLst>
+              <a:ext uri="{FF2B5EF4-FFF2-40B4-BE49-F238E27FC236}">
+                <a16:creationId xmlns:a16="http://schemas.microsoft.com/office/drawing/2014/main" id="{6CB14CF5-A854-6F28-219C-51498F52170E}"/>
+              </a:ext>
+            </a:extLst>
+          </p:cNvPr>
+          <p:cNvPicPr>
+            <a:picLocks noChangeAspect="1" noChangeArrowheads="1"/>
+          </p:cNvPicPr>
+          <p:nvPr/>
+        </p:nvPicPr>
+        <p:blipFill>
+          <a:blip r:embed="rId3">
+            <a:extLst>
+              <a:ext uri="{28A0092B-C50C-407E-A947-70E740481C1C}">
+                <a14:useLocalDpi xmlns:a14="http://schemas.microsoft.com/office/drawing/2010/main" val="0"/>
+              </a:ext>
+            </a:extLst>
+          </a:blip>
+          <a:srcRect/>
+          <a:stretch>
+            <a:fillRect/>
+          </a:stretch>
+        </p:blipFill>
+        <p:spPr bwMode="auto">
+          <a:xfrm>
+            <a:off x="6096001" y="3679440"/>
+            <a:ext cx="3627223" cy="2829671"/>
+          </a:xfrm>
+          <a:prstGeom prst="rect">
+            <a:avLst/>
+          </a:prstGeom>
+          <a:noFill/>
+          <a:extLst>
+            <a:ext uri="{909E8E84-426E-40DD-AFC4-6F175D3DCCD1}">
+              <a14:hiddenFill xmlns:a14="http://schemas.microsoft.com/office/drawing/2010/main">
+                <a:solidFill>
+                  <a:srgbClr val="FFFFFF"/>
+                </a:solidFill>
+              </a14:hiddenFill>
+            </a:ext>
+          </a:extLst>
+        </p:spPr>
+      </p:pic>
+      <p:grpSp>
+        <p:nvGrpSpPr>
+          <p:cNvPr id="6" name="Group 5">
+            <a:extLst>
+              <a:ext uri="{FF2B5EF4-FFF2-40B4-BE49-F238E27FC236}">
+                <a16:creationId xmlns:a16="http://schemas.microsoft.com/office/drawing/2014/main" id="{5828A4F1-9C41-8C2D-C30E-9F9E5C07C7AD}"/>
+              </a:ext>
+            </a:extLst>
+          </p:cNvPr>
+          <p:cNvGrpSpPr/>
+          <p:nvPr/>
+        </p:nvGrpSpPr>
+        <p:grpSpPr>
+          <a:xfrm>
+            <a:off x="2221126" y="1081883"/>
+            <a:ext cx="3751048" cy="2829671"/>
+            <a:chOff x="2221126" y="1081883"/>
+            <a:chExt cx="3751048" cy="2829671"/>
+          </a:xfrm>
+        </p:grpSpPr>
+        <p:pic>
+          <p:nvPicPr>
+            <p:cNvPr id="3080" name="Picture 8">
+              <a:extLst>
+                <a:ext uri="{FF2B5EF4-FFF2-40B4-BE49-F238E27FC236}">
+                  <a16:creationId xmlns:a16="http://schemas.microsoft.com/office/drawing/2014/main" id="{2BAF92F6-08BA-F681-D146-DD3384C8BB0F}"/>
+                </a:ext>
+              </a:extLst>
+            </p:cNvPr>
+            <p:cNvPicPr>
+              <a:picLocks noChangeAspect="1" noChangeArrowheads="1"/>
+            </p:cNvPicPr>
+            <p:nvPr/>
+          </p:nvPicPr>
+          <p:blipFill>
+            <a:blip r:embed="rId4">
+              <a:extLst>
+                <a:ext uri="{28A0092B-C50C-407E-A947-70E740481C1C}">
+                  <a14:useLocalDpi xmlns:a14="http://schemas.microsoft.com/office/drawing/2010/main" val="0"/>
+                </a:ext>
+              </a:extLst>
+            </a:blip>
+            <a:srcRect/>
+            <a:stretch>
+              <a:fillRect/>
+            </a:stretch>
+          </p:blipFill>
+          <p:spPr bwMode="auto">
+            <a:xfrm>
+              <a:off x="2221126" y="1081883"/>
+              <a:ext cx="3627223" cy="2829671"/>
+            </a:xfrm>
+            <a:prstGeom prst="rect">
+              <a:avLst/>
+            </a:prstGeom>
+            <a:noFill/>
+            <a:extLst>
+              <a:ext uri="{909E8E84-426E-40DD-AFC4-6F175D3DCCD1}">
+                <a14:hiddenFill xmlns:a14="http://schemas.microsoft.com/office/drawing/2010/main">
+                  <a:solidFill>
+                    <a:srgbClr val="FFFFFF"/>
+                  </a:solidFill>
+                </a14:hiddenFill>
+              </a:ext>
+            </a:extLst>
+          </p:spPr>
+        </p:pic>
+        <p:sp>
+          <p:nvSpPr>
+            <p:cNvPr id="5" name="TextBox 4">
+              <a:extLst>
+                <a:ext uri="{FF2B5EF4-FFF2-40B4-BE49-F238E27FC236}">
+                  <a16:creationId xmlns:a16="http://schemas.microsoft.com/office/drawing/2014/main" id="{028489F7-4328-A846-0C28-E5AE24A64616}"/>
+                </a:ext>
+              </a:extLst>
+            </p:cNvPr>
+            <p:cNvSpPr txBox="1"/>
+            <p:nvPr/>
+          </p:nvSpPr>
+          <p:spPr>
+            <a:xfrm>
+              <a:off x="3724275" y="2789101"/>
+              <a:ext cx="2247899" cy="523220"/>
+            </a:xfrm>
+            <a:prstGeom prst="rect">
+              <a:avLst/>
+            </a:prstGeom>
+            <a:noFill/>
+          </p:spPr>
+          <p:txBody>
+            <a:bodyPr wrap="square" rtlCol="0">
+              <a:spAutoFit/>
+            </a:bodyPr>
+            <a:lstStyle/>
+            <a:p>
+              <a:pPr algn="ctr"/>
+              <a:r>
+                <a:rPr lang="en-US" sz="1400" dirty="0"/>
+                <a:t>Block 2 (negative block) dashed</a:t>
+              </a:r>
+            </a:p>
+          </p:txBody>
+        </p:sp>
+      </p:grpSp>
+      <p:grpSp>
+        <p:nvGrpSpPr>
+          <p:cNvPr id="8" name="Group 7">
+            <a:extLst>
+              <a:ext uri="{FF2B5EF4-FFF2-40B4-BE49-F238E27FC236}">
+                <a16:creationId xmlns:a16="http://schemas.microsoft.com/office/drawing/2014/main" id="{3D11BB2F-8C14-969E-5FCD-3FEB1B603542}"/>
+              </a:ext>
+            </a:extLst>
+          </p:cNvPr>
+          <p:cNvGrpSpPr/>
+          <p:nvPr/>
+        </p:nvGrpSpPr>
+        <p:grpSpPr>
+          <a:xfrm>
+            <a:off x="2192552" y="3679440"/>
+            <a:ext cx="3627223" cy="3178560"/>
+            <a:chOff x="2192552" y="3679440"/>
+            <a:chExt cx="3627223" cy="3178560"/>
+          </a:xfrm>
+        </p:grpSpPr>
+        <p:pic>
+          <p:nvPicPr>
+            <p:cNvPr id="3088" name="Picture 16">
+              <a:extLst>
+                <a:ext uri="{FF2B5EF4-FFF2-40B4-BE49-F238E27FC236}">
+                  <a16:creationId xmlns:a16="http://schemas.microsoft.com/office/drawing/2014/main" id="{1C55BCF6-F52B-BD65-7989-2CA43AED9B79}"/>
+                </a:ext>
+              </a:extLst>
+            </p:cNvPr>
+            <p:cNvPicPr>
+              <a:picLocks noChangeAspect="1" noChangeArrowheads="1"/>
+            </p:cNvPicPr>
+            <p:nvPr/>
+          </p:nvPicPr>
+          <p:blipFill rotWithShape="1">
+            <a:blip r:embed="rId5">
+              <a:extLst>
+                <a:ext uri="{28A0092B-C50C-407E-A947-70E740481C1C}">
+                  <a14:useLocalDpi xmlns:a14="http://schemas.microsoft.com/office/drawing/2010/main" val="0"/>
+                </a:ext>
+              </a:extLst>
+            </a:blip>
+            <a:srcRect r="48474"/>
+            <a:stretch/>
+          </p:blipFill>
+          <p:spPr bwMode="auto">
+            <a:xfrm>
+              <a:off x="2192552" y="3679440"/>
+              <a:ext cx="3627223" cy="3178560"/>
+            </a:xfrm>
+            <a:prstGeom prst="rect">
+              <a:avLst/>
+            </a:prstGeom>
+            <a:noFill/>
+            <a:extLst>
+              <a:ext uri="{909E8E84-426E-40DD-AFC4-6F175D3DCCD1}">
+                <a14:hiddenFill xmlns:a14="http://schemas.microsoft.com/office/drawing/2010/main">
+                  <a:solidFill>
+                    <a:srgbClr val="FFFFFF"/>
+                  </a:solidFill>
+                </a14:hiddenFill>
+              </a:ext>
+            </a:extLst>
+          </p:spPr>
+        </p:pic>
+        <p:pic>
+          <p:nvPicPr>
+            <p:cNvPr id="7" name="Picture 14">
+              <a:extLst>
+                <a:ext uri="{FF2B5EF4-FFF2-40B4-BE49-F238E27FC236}">
+                  <a16:creationId xmlns:a16="http://schemas.microsoft.com/office/drawing/2014/main" id="{F7449CDC-B934-74FE-2531-410A72840955}"/>
+                </a:ext>
+              </a:extLst>
+            </p:cNvPr>
+            <p:cNvPicPr>
+              <a:picLocks noChangeAspect="1" noChangeArrowheads="1"/>
+            </p:cNvPicPr>
+            <p:nvPr/>
+          </p:nvPicPr>
+          <p:blipFill rotWithShape="1">
+            <a:blip r:embed="rId6">
+              <a:extLst>
+                <a:ext uri="{28A0092B-C50C-407E-A947-70E740481C1C}">
+                  <a14:useLocalDpi xmlns:a14="http://schemas.microsoft.com/office/drawing/2010/main" val="0"/>
+                </a:ext>
+              </a:extLst>
+            </a:blip>
+            <a:srcRect l="51436"/>
+            <a:stretch/>
+          </p:blipFill>
+          <p:spPr bwMode="auto">
+            <a:xfrm>
+              <a:off x="3571876" y="4081545"/>
+              <a:ext cx="2085976" cy="1823784"/>
+            </a:xfrm>
+            <a:prstGeom prst="rect">
+              <a:avLst/>
+            </a:prstGeom>
+            <a:noFill/>
+            <a:extLst>
+              <a:ext uri="{909E8E84-426E-40DD-AFC4-6F175D3DCCD1}">
+                <a14:hiddenFill xmlns:a14="http://schemas.microsoft.com/office/drawing/2010/main">
+                  <a:solidFill>
+                    <a:srgbClr val="FFFFFF"/>
+                  </a:solidFill>
+                </a14:hiddenFill>
+              </a:ext>
+            </a:extLst>
+          </p:spPr>
+        </p:pic>
+      </p:grpSp>
     </p:spTree>
     <p:extLst>
       <p:ext uri="{BB962C8B-B14F-4D97-AF65-F5344CB8AC3E}">

--- a/20230515 NF Collab Update.pptx
+++ b/20230515 NF Collab Update.pptx
@@ -6593,7 +6593,7 @@
         </p:blipFill>
         <p:spPr bwMode="auto">
           <a:xfrm>
-            <a:off x="6096001" y="3679440"/>
+            <a:off x="6096001" y="3719877"/>
             <a:ext cx="3627223" cy="2829671"/>
           </a:xfrm>
           <a:prstGeom prst="rect">
@@ -6717,10 +6717,10 @@
       </p:grpSp>
       <p:grpSp>
         <p:nvGrpSpPr>
-          <p:cNvPr id="8" name="Group 7">
-            <a:extLst>
-              <a:ext uri="{FF2B5EF4-FFF2-40B4-BE49-F238E27FC236}">
-                <a16:creationId xmlns:a16="http://schemas.microsoft.com/office/drawing/2014/main" id="{3D11BB2F-8C14-969E-5FCD-3FEB1B603542}"/>
+          <p:cNvPr id="10" name="Group 9">
+            <a:extLst>
+              <a:ext uri="{FF2B5EF4-FFF2-40B4-BE49-F238E27FC236}">
+                <a16:creationId xmlns:a16="http://schemas.microsoft.com/office/drawing/2014/main" id="{179F72D5-6B39-3E0C-9E28-DA8E7B440CA4}"/>
               </a:ext>
             </a:extLst>
           </p:cNvPr>
@@ -6729,10 +6729,10 @@
         </p:nvGrpSpPr>
         <p:grpSpPr>
           <a:xfrm>
-            <a:off x="2192552" y="3679440"/>
-            <a:ext cx="3627223" cy="3178560"/>
-            <a:chOff x="2192552" y="3679440"/>
-            <a:chExt cx="3627223" cy="3178560"/>
+            <a:off x="2325900" y="3637247"/>
+            <a:ext cx="3417673" cy="2994930"/>
+            <a:chOff x="2325900" y="3637247"/>
+            <a:chExt cx="3417673" cy="2994930"/>
           </a:xfrm>
         </p:grpSpPr>
         <p:pic>
@@ -6762,8 +6762,8 @@
           </p:blipFill>
           <p:spPr bwMode="auto">
             <a:xfrm>
-              <a:off x="2192552" y="3679440"/>
-              <a:ext cx="3627223" cy="3178560"/>
+              <a:off x="2325900" y="3637247"/>
+              <a:ext cx="3417673" cy="2994930"/>
             </a:xfrm>
             <a:prstGeom prst="rect">
               <a:avLst/>
@@ -6807,8 +6807,8 @@
           </p:blipFill>
           <p:spPr bwMode="auto">
             <a:xfrm>
-              <a:off x="3571876" y="4081545"/>
-              <a:ext cx="2085976" cy="1823784"/>
+              <a:off x="3625538" y="4016122"/>
+              <a:ext cx="1965466" cy="1718421"/>
             </a:xfrm>
             <a:prstGeom prst="rect">
               <a:avLst/>
@@ -6825,6 +6825,50 @@
             </a:extLst>
           </p:spPr>
         </p:pic>
+        <p:sp>
+          <p:nvSpPr>
+            <p:cNvPr id="9" name="TextBox 8">
+              <a:extLst>
+                <a:ext uri="{FF2B5EF4-FFF2-40B4-BE49-F238E27FC236}">
+                  <a16:creationId xmlns:a16="http://schemas.microsoft.com/office/drawing/2014/main" id="{D39FA0A2-9EFE-FE1A-8672-B48BF9918318}"/>
+                </a:ext>
+              </a:extLst>
+            </p:cNvPr>
+            <p:cNvSpPr txBox="1"/>
+            <p:nvPr/>
+          </p:nvSpPr>
+          <p:spPr>
+            <a:xfrm>
+              <a:off x="3343105" y="5721694"/>
+              <a:ext cx="2247899" cy="307777"/>
+            </a:xfrm>
+            <a:prstGeom prst="rect">
+              <a:avLst/>
+            </a:prstGeom>
+            <a:noFill/>
+          </p:spPr>
+          <p:txBody>
+            <a:bodyPr wrap="square" rtlCol="0">
+              <a:spAutoFit/>
+            </a:bodyPr>
+            <a:lstStyle/>
+            <a:p>
+              <a:pPr algn="ctr"/>
+              <a:r>
+                <a:rPr lang="en-US" sz="1400" dirty="0"/>
+                <a:t>Block 3 (</a:t>
+              </a:r>
+              <a:r>
+                <a:rPr lang="en-US" sz="1400" dirty="0" err="1"/>
+                <a:t>phos</a:t>
+              </a:r>
+              <a:r>
+                <a:rPr lang="en-US" sz="1400" dirty="0"/>
+                <a:t> block) dashed</a:t>
+              </a:r>
+            </a:p>
+          </p:txBody>
+        </p:sp>
       </p:grpSp>
     </p:spTree>
     <p:extLst>

--- a/20230515 NF Collab Update.pptx
+++ b/20230515 NF Collab Update.pptx
@@ -6546,7 +6546,7 @@
         </p:blipFill>
         <p:spPr bwMode="auto">
           <a:xfrm>
-            <a:off x="6096000" y="1119723"/>
+            <a:off x="8107201" y="1081883"/>
             <a:ext cx="3627224" cy="2791831"/>
           </a:xfrm>
           <a:prstGeom prst="rect">
@@ -6593,7 +6593,7 @@
         </p:blipFill>
         <p:spPr bwMode="auto">
           <a:xfrm>
-            <a:off x="6096001" y="3719877"/>
+            <a:off x="8107202" y="3682037"/>
             <a:ext cx="3627223" cy="2829671"/>
           </a:xfrm>
           <a:prstGeom prst="rect">
@@ -6625,7 +6625,7 @@
         </p:nvGrpSpPr>
         <p:grpSpPr>
           <a:xfrm>
-            <a:off x="2221126" y="1081883"/>
+            <a:off x="866775" y="1081883"/>
             <a:ext cx="3751048" cy="2829671"/>
             <a:chOff x="2221126" y="1081883"/>
             <a:chExt cx="3751048" cy="2829671"/>
@@ -6729,7 +6729,7 @@
         </p:nvGrpSpPr>
         <p:grpSpPr>
           <a:xfrm>
-            <a:off x="2325900" y="3637247"/>
+            <a:off x="971549" y="3637247"/>
             <a:ext cx="3417673" cy="2994930"/>
             <a:chOff x="2325900" y="3637247"/>
             <a:chExt cx="3417673" cy="2994930"/>
@@ -6870,6 +6870,42 @@
           </p:txBody>
         </p:sp>
       </p:grpSp>
+      <p:sp>
+        <p:nvSpPr>
+          <p:cNvPr id="11" name="TextBox 10">
+            <a:extLst>
+              <a:ext uri="{FF2B5EF4-FFF2-40B4-BE49-F238E27FC236}">
+                <a16:creationId xmlns:a16="http://schemas.microsoft.com/office/drawing/2014/main" id="{E0E4AC11-7690-3292-EA7A-48B03023BB9D}"/>
+              </a:ext>
+            </a:extLst>
+          </p:cNvPr>
+          <p:cNvSpPr txBox="1"/>
+          <p:nvPr/>
+        </p:nvSpPr>
+        <p:spPr>
+          <a:xfrm>
+            <a:off x="4714875" y="1733550"/>
+            <a:ext cx="2847975" cy="369332"/>
+          </a:xfrm>
+          <a:prstGeom prst="rect">
+            <a:avLst/>
+          </a:prstGeom>
+          <a:noFill/>
+        </p:spPr>
+        <p:txBody>
+          <a:bodyPr wrap="square" rtlCol="0">
+            <a:spAutoFit/>
+          </a:bodyPr>
+          <a:lstStyle/>
+          <a:p>
+            <a:r>
+              <a:rPr lang="en-US"/>
+              <a:t>Changes: </a:t>
+            </a:r>
+            <a:endParaRPr lang="en-US" dirty="0"/>
+          </a:p>
+        </p:txBody>
+      </p:sp>
     </p:spTree>
     <p:extLst>
       <p:ext uri="{BB962C8B-B14F-4D97-AF65-F5344CB8AC3E}">

--- a/20230515 NF Collab Update.pptx
+++ b/20230515 NF Collab Update.pptx
@@ -6546,8 +6546,8 @@
         </p:blipFill>
         <p:spPr bwMode="auto">
           <a:xfrm>
-            <a:off x="8107201" y="1081883"/>
-            <a:ext cx="3627224" cy="2791831"/>
+            <a:off x="8873350" y="1546672"/>
+            <a:ext cx="3228395" cy="2484857"/>
           </a:xfrm>
           <a:prstGeom prst="rect">
             <a:avLst/>
@@ -6593,8 +6593,8 @@
         </p:blipFill>
         <p:spPr bwMode="auto">
           <a:xfrm>
-            <a:off x="8107202" y="3682037"/>
-            <a:ext cx="3627223" cy="2829671"/>
+            <a:off x="8825030" y="3854144"/>
+            <a:ext cx="3228394" cy="2518536"/>
           </a:xfrm>
           <a:prstGeom prst="rect">
             <a:avLst/>
@@ -6625,7 +6625,7 @@
         </p:nvGrpSpPr>
         <p:grpSpPr>
           <a:xfrm>
-            <a:off x="866775" y="1081883"/>
+            <a:off x="90255" y="1201858"/>
             <a:ext cx="3751048" cy="2829671"/>
             <a:chOff x="2221126" y="1081883"/>
             <a:chExt cx="3751048" cy="2829671"/>
@@ -6729,7 +6729,7 @@
         </p:nvGrpSpPr>
         <p:grpSpPr>
           <a:xfrm>
-            <a:off x="971549" y="3637247"/>
+            <a:off x="195029" y="3747772"/>
             <a:ext cx="3417673" cy="2994930"/>
             <a:chOff x="2325900" y="3637247"/>
             <a:chExt cx="3417673" cy="2994930"/>
@@ -6872,10 +6872,10 @@
       </p:grpSp>
       <p:sp>
         <p:nvSpPr>
-          <p:cNvPr id="11" name="TextBox 10">
-            <a:extLst>
-              <a:ext uri="{FF2B5EF4-FFF2-40B4-BE49-F238E27FC236}">
-                <a16:creationId xmlns:a16="http://schemas.microsoft.com/office/drawing/2014/main" id="{E0E4AC11-7690-3292-EA7A-48B03023BB9D}"/>
+          <p:cNvPr id="12" name="TextBox 11">
+            <a:extLst>
+              <a:ext uri="{FF2B5EF4-FFF2-40B4-BE49-F238E27FC236}">
+                <a16:creationId xmlns:a16="http://schemas.microsoft.com/office/drawing/2014/main" id="{B26BD399-2F5E-B963-0F1F-4BB67E4C77CE}"/>
               </a:ext>
             </a:extLst>
           </p:cNvPr>
@@ -6884,8 +6884,8 @@
         </p:nvSpPr>
         <p:spPr>
           <a:xfrm>
-            <a:off x="4714875" y="1733550"/>
-            <a:ext cx="2847975" cy="369332"/>
+            <a:off x="3943454" y="2616693"/>
+            <a:ext cx="4714072" cy="2262158"/>
           </a:xfrm>
           <a:prstGeom prst="rect">
             <a:avLst/>
@@ -6898,11 +6898,78 @@
           </a:bodyPr>
           <a:lstStyle/>
           <a:p>
-            <a:r>
-              <a:rPr lang="en-US"/>
-              <a:t>Changes: </a:t>
-            </a:r>
-            <a:endParaRPr lang="en-US" dirty="0"/>
+            <a:pPr>
+              <a:spcAft>
+                <a:spcPts val="600"/>
+              </a:spcAft>
+            </a:pPr>
+            <a:r>
+              <a:rPr lang="en-US" b="1" dirty="0"/>
+              <a:t>(p)NFH changes:</a:t>
+            </a:r>
+          </a:p>
+          <a:p>
+            <a:pPr marL="285750" indent="-285750">
+              <a:spcAft>
+                <a:spcPts val="600"/>
+              </a:spcAft>
+              <a:buFont typeface="Arial" panose="020B0604020202020204" pitchFamily="34" charset="0"/>
+              <a:buChar char="•"/>
+            </a:pPr>
+            <a:r>
+              <a:rPr lang="en-US" dirty="0"/>
+              <a:t>Blocks 2 and 3 play different roles depending on ionic strength</a:t>
+            </a:r>
+          </a:p>
+          <a:p>
+            <a:pPr marL="285750" indent="-285750">
+              <a:spcAft>
+                <a:spcPts val="600"/>
+              </a:spcAft>
+              <a:buFont typeface="Arial" panose="020B0604020202020204" pitchFamily="34" charset="0"/>
+              <a:buChar char="•"/>
+            </a:pPr>
+            <a:r>
+              <a:rPr lang="en-US" dirty="0"/>
+              <a:t>At high Cs, the </a:t>
+            </a:r>
+            <a:r>
+              <a:rPr lang="en-US" dirty="0" err="1"/>
+              <a:t>inhomogeneously</a:t>
+            </a:r>
+            <a:r>
+              <a:rPr lang="en-US" dirty="0"/>
+              <a:t> charged block (2) is at the edge of the </a:t>
+            </a:r>
+            <a:r>
+              <a:rPr lang="en-US" dirty="0" err="1"/>
+              <a:t>phos</a:t>
+            </a:r>
+            <a:r>
+              <a:rPr lang="en-US" dirty="0"/>
+              <a:t>. brush</a:t>
+            </a:r>
+          </a:p>
+          <a:p>
+            <a:pPr marL="285750" indent="-285750">
+              <a:spcAft>
+                <a:spcPts val="600"/>
+              </a:spcAft>
+              <a:buFont typeface="Arial" panose="020B0604020202020204" pitchFamily="34" charset="0"/>
+              <a:buChar char="•"/>
+            </a:pPr>
+            <a:r>
+              <a:rPr lang="en-US" dirty="0"/>
+              <a:t>At low Cs, the </a:t>
+            </a:r>
+            <a:r>
+              <a:rPr lang="en-US" dirty="0" err="1"/>
+              <a:t>phos</a:t>
+            </a:r>
+            <a:r>
+              <a:rPr lang="en-US" dirty="0"/>
+              <a:t>. block (3) leads the rest of the chain to a dilute outer layer</a:t>
+            </a:r>
           </a:p>
         </p:txBody>
       </p:sp>

--- a/20230515 NF Collab Update.pptx
+++ b/20230515 NF Collab Update.pptx
@@ -6065,7 +6065,7 @@
                             </p:stCondLst>
                             <p:childTnLst>
                               <p:par>
-                                <p:cTn id="5" presetID="1" presetClass="entr" presetSubtype="0" fill="hold" grpId="0" nodeType="clickEffect">
+                                <p:cTn id="5" presetID="1" presetClass="entr" presetSubtype="0" fill="hold" nodeType="clickEffect">
                                   <p:stCondLst>
                                     <p:cond delay="0"/>
                                   </p:stCondLst>
@@ -6073,6 +6073,51 @@
                                     <p:set>
                                       <p:cBhvr>
                                         <p:cTn id="6" dur="1" fill="hold">
+                                          <p:stCondLst>
+                                            <p:cond delay="0"/>
+                                          </p:stCondLst>
+                                        </p:cTn>
+                                        <p:tgtEl>
+                                          <p:spTgt spid="27"/>
+                                        </p:tgtEl>
+                                        <p:attrNameLst>
+                                          <p:attrName>style.visibility</p:attrName>
+                                        </p:attrNameLst>
+                                      </p:cBhvr>
+                                      <p:to>
+                                        <p:strVal val="visible"/>
+                                      </p:to>
+                                    </p:set>
+                                  </p:childTnLst>
+                                </p:cTn>
+                              </p:par>
+                            </p:childTnLst>
+                          </p:cTn>
+                        </p:par>
+                      </p:childTnLst>
+                    </p:cTn>
+                  </p:par>
+                  <p:par>
+                    <p:cTn id="7" fill="hold">
+                      <p:stCondLst>
+                        <p:cond delay="indefinite"/>
+                      </p:stCondLst>
+                      <p:childTnLst>
+                        <p:par>
+                          <p:cTn id="8" fill="hold">
+                            <p:stCondLst>
+                              <p:cond delay="0"/>
+                            </p:stCondLst>
+                            <p:childTnLst>
+                              <p:par>
+                                <p:cTn id="9" presetID="1" presetClass="entr" presetSubtype="0" fill="hold" grpId="0" nodeType="clickEffect">
+                                  <p:stCondLst>
+                                    <p:cond delay="0"/>
+                                  </p:stCondLst>
+                                  <p:childTnLst>
+                                    <p:set>
+                                      <p:cBhvr>
+                                        <p:cTn id="10" dur="1" fill="hold">
                                           <p:stCondLst>
                                             <p:cond delay="0"/>
                                           </p:stCondLst>
@@ -6092,14 +6137,113 @@
                                 </p:cTn>
                               </p:par>
                               <p:par>
-                                <p:cTn id="7" presetID="1" presetClass="entr" presetSubtype="0" fill="hold" grpId="0" nodeType="withEffect">
+                                <p:cTn id="11" presetID="1" presetClass="entr" presetSubtype="0" fill="hold" nodeType="withEffect">
                                   <p:stCondLst>
                                     <p:cond delay="0"/>
                                   </p:stCondLst>
                                   <p:childTnLst>
                                     <p:set>
                                       <p:cBhvr>
-                                        <p:cTn id="8" dur="1" fill="hold">
+                                        <p:cTn id="12" dur="1" fill="hold">
+                                          <p:stCondLst>
+                                            <p:cond delay="0"/>
+                                          </p:stCondLst>
+                                        </p:cTn>
+                                        <p:tgtEl>
+                                          <p:spTgt spid="1026"/>
+                                        </p:tgtEl>
+                                        <p:attrNameLst>
+                                          <p:attrName>style.visibility</p:attrName>
+                                        </p:attrNameLst>
+                                      </p:cBhvr>
+                                      <p:to>
+                                        <p:strVal val="visible"/>
+                                      </p:to>
+                                    </p:set>
+                                  </p:childTnLst>
+                                </p:cTn>
+                              </p:par>
+                              <p:par>
+                                <p:cTn id="13" presetID="1" presetClass="entr" presetSubtype="0" fill="hold" nodeType="withEffect">
+                                  <p:stCondLst>
+                                    <p:cond delay="0"/>
+                                  </p:stCondLst>
+                                  <p:childTnLst>
+                                    <p:set>
+                                      <p:cBhvr>
+                                        <p:cTn id="14" dur="1" fill="hold">
+                                          <p:stCondLst>
+                                            <p:cond delay="0"/>
+                                          </p:stCondLst>
+                                        </p:cTn>
+                                        <p:tgtEl>
+                                          <p:spTgt spid="18"/>
+                                        </p:tgtEl>
+                                        <p:attrNameLst>
+                                          <p:attrName>style.visibility</p:attrName>
+                                        </p:attrNameLst>
+                                      </p:cBhvr>
+                                      <p:to>
+                                        <p:strVal val="visible"/>
+                                      </p:to>
+                                    </p:set>
+                                  </p:childTnLst>
+                                </p:cTn>
+                              </p:par>
+                              <p:par>
+                                <p:cTn id="15" presetID="1" presetClass="entr" presetSubtype="0" fill="hold" nodeType="withEffect">
+                                  <p:stCondLst>
+                                    <p:cond delay="0"/>
+                                  </p:stCondLst>
+                                  <p:childTnLst>
+                                    <p:set>
+                                      <p:cBhvr>
+                                        <p:cTn id="16" dur="1" fill="hold">
+                                          <p:stCondLst>
+                                            <p:cond delay="0"/>
+                                          </p:stCondLst>
+                                        </p:cTn>
+                                        <p:tgtEl>
+                                          <p:spTgt spid="3"/>
+                                        </p:tgtEl>
+                                        <p:attrNameLst>
+                                          <p:attrName>style.visibility</p:attrName>
+                                        </p:attrNameLst>
+                                      </p:cBhvr>
+                                      <p:to>
+                                        <p:strVal val="visible"/>
+                                      </p:to>
+                                    </p:set>
+                                  </p:childTnLst>
+                                </p:cTn>
+                              </p:par>
+                            </p:childTnLst>
+                          </p:cTn>
+                        </p:par>
+                      </p:childTnLst>
+                    </p:cTn>
+                  </p:par>
+                  <p:par>
+                    <p:cTn id="17" fill="hold">
+                      <p:stCondLst>
+                        <p:cond delay="indefinite"/>
+                      </p:stCondLst>
+                      <p:childTnLst>
+                        <p:par>
+                          <p:cTn id="18" fill="hold">
+                            <p:stCondLst>
+                              <p:cond delay="0"/>
+                            </p:stCondLst>
+                            <p:childTnLst>
+                              <p:par>
+                                <p:cTn id="19" presetID="1" presetClass="entr" presetSubtype="0" fill="hold" grpId="0" nodeType="clickEffect">
+                                  <p:stCondLst>
+                                    <p:cond delay="0"/>
+                                  </p:stCondLst>
+                                  <p:childTnLst>
+                                    <p:set>
+                                      <p:cBhvr>
+                                        <p:cTn id="20" dur="1" fill="hold">
                                           <p:stCondLst>
                                             <p:cond delay="0"/>
                                           </p:stCondLst>
@@ -6119,20 +6263,119 @@
                                 </p:cTn>
                               </p:par>
                               <p:par>
-                                <p:cTn id="9" presetID="1" presetClass="entr" presetSubtype="0" fill="hold" nodeType="withEffect">
+                                <p:cTn id="21" presetID="1" presetClass="entr" presetSubtype="0" fill="hold" nodeType="withEffect">
                                   <p:stCondLst>
                                     <p:cond delay="0"/>
                                   </p:stCondLst>
                                   <p:childTnLst>
                                     <p:set>
                                       <p:cBhvr>
-                                        <p:cTn id="10" dur="1" fill="hold">
+                                        <p:cTn id="22" dur="1" fill="hold">
                                           <p:stCondLst>
                                             <p:cond delay="0"/>
                                           </p:stCondLst>
                                         </p:cTn>
                                         <p:tgtEl>
-                                          <p:spTgt spid="18"/>
+                                          <p:spTgt spid="1028"/>
+                                        </p:tgtEl>
+                                        <p:attrNameLst>
+                                          <p:attrName>style.visibility</p:attrName>
+                                        </p:attrNameLst>
+                                      </p:cBhvr>
+                                      <p:to>
+                                        <p:strVal val="visible"/>
+                                      </p:to>
+                                    </p:set>
+                                  </p:childTnLst>
+                                </p:cTn>
+                              </p:par>
+                              <p:par>
+                                <p:cTn id="23" presetID="1" presetClass="entr" presetSubtype="0" fill="hold" nodeType="withEffect">
+                                  <p:stCondLst>
+                                    <p:cond delay="0"/>
+                                  </p:stCondLst>
+                                  <p:childTnLst>
+                                    <p:set>
+                                      <p:cBhvr>
+                                        <p:cTn id="24" dur="1" fill="hold">
+                                          <p:stCondLst>
+                                            <p:cond delay="0"/>
+                                          </p:stCondLst>
+                                        </p:cTn>
+                                        <p:tgtEl>
+                                          <p:spTgt spid="6"/>
+                                        </p:tgtEl>
+                                        <p:attrNameLst>
+                                          <p:attrName>style.visibility</p:attrName>
+                                        </p:attrNameLst>
+                                      </p:cBhvr>
+                                      <p:to>
+                                        <p:strVal val="visible"/>
+                                      </p:to>
+                                    </p:set>
+                                  </p:childTnLst>
+                                </p:cTn>
+                              </p:par>
+                            </p:childTnLst>
+                          </p:cTn>
+                        </p:par>
+                      </p:childTnLst>
+                    </p:cTn>
+                  </p:par>
+                  <p:par>
+                    <p:cTn id="25" fill="hold">
+                      <p:stCondLst>
+                        <p:cond delay="indefinite"/>
+                      </p:stCondLst>
+                      <p:childTnLst>
+                        <p:par>
+                          <p:cTn id="26" fill="hold">
+                            <p:stCondLst>
+                              <p:cond delay="0"/>
+                            </p:stCondLst>
+                            <p:childTnLst>
+                              <p:par>
+                                <p:cTn id="27" presetID="1" presetClass="entr" presetSubtype="0" fill="hold" nodeType="clickEffect">
+                                  <p:stCondLst>
+                                    <p:cond delay="0"/>
+                                  </p:stCondLst>
+                                  <p:childTnLst>
+                                    <p:set>
+                                      <p:cBhvr>
+                                        <p:cTn id="28" dur="1" fill="hold">
+                                          <p:stCondLst>
+                                            <p:cond delay="0"/>
+                                          </p:stCondLst>
+                                        </p:cTn>
+                                        <p:tgtEl>
+                                          <p:spTgt spid="52"/>
+                                        </p:tgtEl>
+                                        <p:attrNameLst>
+                                          <p:attrName>style.visibility</p:attrName>
+                                        </p:attrNameLst>
+                                      </p:cBhvr>
+                                      <p:to>
+                                        <p:strVal val="visible"/>
+                                      </p:to>
+                                    </p:set>
+                                  </p:childTnLst>
+                                </p:cTn>
+                              </p:par>
+                              <p:par>
+                                <p:cTn id="29" presetID="1" presetClass="entr" presetSubtype="0" fill="hold" nodeType="withEffect">
+                                  <p:stCondLst>
+                                    <p:cond delay="0"/>
+                                  </p:stCondLst>
+                                  <p:childTnLst>
+                                    <p:set>
+                                      <p:cBhvr>
+                                        <p:cTn id="30" dur="1" fill="hold">
+                                          <p:stCondLst>
+                                            <p:cond delay="0"/>
+                                          </p:stCondLst>
+                                        </p:cTn>
+                                        <p:tgtEl>
+                                          <p:spTgt spid="25"/>
                                         </p:tgtEl>
                                         <p:attrNameLst>
                                           <p:attrName>style.visibility</p:attrName>
@@ -6291,7 +6534,7 @@
         </p:nvSpPr>
         <p:spPr>
           <a:xfrm>
-            <a:off x="7143750" y="1905000"/>
+            <a:off x="7143750" y="2333625"/>
             <a:ext cx="5048250" cy="2769989"/>
           </a:xfrm>
           <a:prstGeom prst="rect">
@@ -6502,16 +6745,18 @@
         </p:nvSpPr>
         <p:spPr>
           <a:xfrm>
-            <a:off x="685801" y="0"/>
-            <a:ext cx="10515600" cy="1325563"/>
+            <a:off x="685801" y="1"/>
+            <a:ext cx="10515600" cy="1012932"/>
           </a:xfrm>
         </p:spPr>
         <p:txBody>
-          <a:bodyPr/>
+          <a:bodyPr>
+            <a:normAutofit/>
+          </a:bodyPr>
           <a:lstStyle/>
           <a:p>
             <a:r>
-              <a:rPr lang="en-US" dirty="0"/>
+              <a:rPr lang="en-US" sz="3600" dirty="0"/>
               <a:t>Density profiles (Proposed Figure)</a:t>
             </a:r>
           </a:p>
@@ -6625,7 +6870,7 @@
         </p:nvGrpSpPr>
         <p:grpSpPr>
           <a:xfrm>
-            <a:off x="90255" y="1201858"/>
+            <a:off x="195029" y="956201"/>
             <a:ext cx="3751048" cy="2829671"/>
             <a:chOff x="2221126" y="1081883"/>
             <a:chExt cx="3751048" cy="2829671"/>
@@ -6729,8 +6974,8 @@
         </p:nvGrpSpPr>
         <p:grpSpPr>
           <a:xfrm>
-            <a:off x="195029" y="3747772"/>
-            <a:ext cx="3417673" cy="2994930"/>
+            <a:off x="102974" y="3495539"/>
+            <a:ext cx="3732568" cy="3270875"/>
             <a:chOff x="2325900" y="3637247"/>
             <a:chExt cx="3417673" cy="2994930"/>
           </a:xfrm>
@@ -6983,6 +7228,174 @@
   <p:clrMapOvr>
     <a:masterClrMapping/>
   </p:clrMapOvr>
+  <p:timing>
+    <p:tnLst>
+      <p:par>
+        <p:cTn id="1" dur="indefinite" restart="never" nodeType="tmRoot">
+          <p:childTnLst>
+            <p:seq concurrent="1" nextAc="seek">
+              <p:cTn id="2" dur="indefinite" nodeType="mainSeq">
+                <p:childTnLst>
+                  <p:par>
+                    <p:cTn id="3" fill="hold">
+                      <p:stCondLst>
+                        <p:cond delay="indefinite"/>
+                      </p:stCondLst>
+                      <p:childTnLst>
+                        <p:par>
+                          <p:cTn id="4" fill="hold">
+                            <p:stCondLst>
+                              <p:cond delay="0"/>
+                            </p:stCondLst>
+                            <p:childTnLst>
+                              <p:par>
+                                <p:cTn id="5" presetID="1" presetClass="entr" presetSubtype="0" fill="hold" nodeType="clickEffect">
+                                  <p:stCondLst>
+                                    <p:cond delay="0"/>
+                                  </p:stCondLst>
+                                  <p:childTnLst>
+                                    <p:set>
+                                      <p:cBhvr>
+                                        <p:cTn id="6" dur="1" fill="hold">
+                                          <p:stCondLst>
+                                            <p:cond delay="0"/>
+                                          </p:stCondLst>
+                                        </p:cTn>
+                                        <p:tgtEl>
+                                          <p:spTgt spid="6"/>
+                                        </p:tgtEl>
+                                        <p:attrNameLst>
+                                          <p:attrName>style.visibility</p:attrName>
+                                        </p:attrNameLst>
+                                      </p:cBhvr>
+                                      <p:to>
+                                        <p:strVal val="visible"/>
+                                      </p:to>
+                                    </p:set>
+                                  </p:childTnLst>
+                                </p:cTn>
+                              </p:par>
+                            </p:childTnLst>
+                          </p:cTn>
+                        </p:par>
+                      </p:childTnLst>
+                    </p:cTn>
+                  </p:par>
+                  <p:par>
+                    <p:cTn id="7" fill="hold">
+                      <p:stCondLst>
+                        <p:cond delay="indefinite"/>
+                      </p:stCondLst>
+                      <p:childTnLst>
+                        <p:par>
+                          <p:cTn id="8" fill="hold">
+                            <p:stCondLst>
+                              <p:cond delay="0"/>
+                            </p:stCondLst>
+                            <p:childTnLst>
+                              <p:par>
+                                <p:cTn id="9" presetID="1" presetClass="entr" presetSubtype="0" fill="hold" nodeType="clickEffect">
+                                  <p:stCondLst>
+                                    <p:cond delay="0"/>
+                                  </p:stCondLst>
+                                  <p:childTnLst>
+                                    <p:set>
+                                      <p:cBhvr>
+                                        <p:cTn id="10" dur="1" fill="hold">
+                                          <p:stCondLst>
+                                            <p:cond delay="0"/>
+                                          </p:stCondLst>
+                                        </p:cTn>
+                                        <p:tgtEl>
+                                          <p:spTgt spid="10"/>
+                                        </p:tgtEl>
+                                        <p:attrNameLst>
+                                          <p:attrName>style.visibility</p:attrName>
+                                        </p:attrNameLst>
+                                      </p:cBhvr>
+                                      <p:to>
+                                        <p:strVal val="visible"/>
+                                      </p:to>
+                                    </p:set>
+                                  </p:childTnLst>
+                                </p:cTn>
+                              </p:par>
+                            </p:childTnLst>
+                          </p:cTn>
+                        </p:par>
+                      </p:childTnLst>
+                    </p:cTn>
+                  </p:par>
+                  <p:par>
+                    <p:cTn id="11" fill="hold">
+                      <p:stCondLst>
+                        <p:cond delay="indefinite"/>
+                      </p:stCondLst>
+                      <p:childTnLst>
+                        <p:par>
+                          <p:cTn id="12" fill="hold">
+                            <p:stCondLst>
+                              <p:cond delay="0"/>
+                            </p:stCondLst>
+                            <p:childTnLst>
+                              <p:par>
+                                <p:cTn id="13" presetID="1" presetClass="entr" presetSubtype="0" fill="hold" grpId="0" nodeType="clickEffect">
+                                  <p:stCondLst>
+                                    <p:cond delay="0"/>
+                                  </p:stCondLst>
+                                  <p:childTnLst>
+                                    <p:set>
+                                      <p:cBhvr>
+                                        <p:cTn id="14" dur="1" fill="hold">
+                                          <p:stCondLst>
+                                            <p:cond delay="0"/>
+                                          </p:stCondLst>
+                                        </p:cTn>
+                                        <p:tgtEl>
+                                          <p:spTgt spid="12"/>
+                                        </p:tgtEl>
+                                        <p:attrNameLst>
+                                          <p:attrName>style.visibility</p:attrName>
+                                        </p:attrNameLst>
+                                      </p:cBhvr>
+                                      <p:to>
+                                        <p:strVal val="visible"/>
+                                      </p:to>
+                                    </p:set>
+                                  </p:childTnLst>
+                                </p:cTn>
+                              </p:par>
+                            </p:childTnLst>
+                          </p:cTn>
+                        </p:par>
+                      </p:childTnLst>
+                    </p:cTn>
+                  </p:par>
+                </p:childTnLst>
+              </p:cTn>
+              <p:prevCondLst>
+                <p:cond evt="onPrev" delay="0">
+                  <p:tgtEl>
+                    <p:sldTgt/>
+                  </p:tgtEl>
+                </p:cond>
+              </p:prevCondLst>
+              <p:nextCondLst>
+                <p:cond evt="onNext" delay="0">
+                  <p:tgtEl>
+                    <p:sldTgt/>
+                  </p:tgtEl>
+                </p:cond>
+              </p:nextCondLst>
+            </p:seq>
+          </p:childTnLst>
+        </p:cTn>
+      </p:par>
+    </p:tnLst>
+    <p:bldLst>
+      <p:bldP spid="12" grpId="0"/>
+    </p:bldLst>
+  </p:timing>
 </p:sld>
 </file>
 
@@ -7019,7 +7432,12 @@
             <p:ph type="title"/>
           </p:nvPr>
         </p:nvSpPr>
-        <p:spPr/>
+        <p:spPr>
+          <a:xfrm>
+            <a:off x="838200" y="153192"/>
+            <a:ext cx="10515600" cy="1325563"/>
+          </a:xfrm>
+        </p:spPr>
         <p:txBody>
           <a:bodyPr/>
           <a:lstStyle/>
@@ -7047,7 +7465,7 @@
         </p:nvSpPr>
         <p:spPr>
           <a:xfrm>
-            <a:off x="838200" y="1825625"/>
+            <a:off x="838200" y="1690688"/>
             <a:ext cx="10515600" cy="4351338"/>
           </a:xfrm>
           <a:prstGeom prst="rect">
@@ -8581,8 +8999,13 @@
             </a:pPr>
             <a:r>
               <a:rPr lang="en-US" sz="2400" dirty="0"/>
-              <a:t>Fine tuning of parameters for best fit with height profiles of L-H brush</a:t>
-            </a:r>
+              <a:t>Finish fitting </a:t>
+            </a:r>
+            <a:r>
+              <a:rPr lang="en-US" sz="2400" dirty="0" err="1"/>
+              <a:t>pNFM</a:t>
+            </a:r>
+            <a:endParaRPr lang="en-US" sz="2400" dirty="0"/>
           </a:p>
           <a:p>
             <a:pPr>
@@ -8592,20 +9015,8 @@
             </a:pPr>
             <a:r>
               <a:rPr lang="en-US" sz="2400" dirty="0"/>
-              <a:t>Role of charge distribution of NFH at biological pH</a:t>
-            </a:r>
-          </a:p>
-          <a:p>
-            <a:pPr lvl="1">
-              <a:lnSpc>
-                <a:spcPct val="150000"/>
-              </a:lnSpc>
-            </a:pPr>
-            <a:r>
-              <a:rPr lang="en-US" dirty="0"/>
-              <a:t>Charge of heterogeneous negative block of NFH (blocks 2 &amp; 3)</a:t>
-            </a:r>
-            <a:endParaRPr lang="en-US" sz="2000" dirty="0"/>
+              <a:t>Use same parameters for NFM (expect little to change)</a:t>
+            </a:r>
           </a:p>
           <a:p>
             <a:pPr>
@@ -8615,18 +9026,7 @@
             </a:pPr>
             <a:r>
               <a:rPr lang="en-US" sz="2400" dirty="0"/>
-              <a:t>L-H brushes after phosphorylation</a:t>
-            </a:r>
-          </a:p>
-          <a:p>
-            <a:pPr>
-              <a:lnSpc>
-                <a:spcPct val="150000"/>
-              </a:lnSpc>
-            </a:pPr>
-            <a:r>
-              <a:rPr lang="en-US" sz="2400" dirty="0"/>
-              <a:t>L-M brushes (once experiments are finished)</a:t>
+              <a:t>Very fine-tune (p)NFH </a:t>
             </a:r>
           </a:p>
           <a:p>
@@ -8685,38 +9085,7 @@
                                         <p:tgtEl>
                                           <p:spTgt spid="3">
                                             <p:txEl>
-                                              <p:pRg st="1" end="1"/>
-                                            </p:txEl>
-                                          </p:spTgt>
-                                        </p:tgtEl>
-                                        <p:attrNameLst>
-                                          <p:attrName>style.visibility</p:attrName>
-                                        </p:attrNameLst>
-                                      </p:cBhvr>
-                                      <p:to>
-                                        <p:strVal val="visible"/>
-                                      </p:to>
-                                    </p:set>
-                                  </p:childTnLst>
-                                </p:cTn>
-                              </p:par>
-                              <p:par>
-                                <p:cTn id="7" presetID="1" presetClass="entr" presetSubtype="0" fill="hold" nodeType="withEffect">
-                                  <p:stCondLst>
-                                    <p:cond delay="0"/>
-                                  </p:stCondLst>
-                                  <p:childTnLst>
-                                    <p:set>
-                                      <p:cBhvr>
-                                        <p:cTn id="8" dur="1" fill="hold">
-                                          <p:stCondLst>
-                                            <p:cond delay="0"/>
-                                          </p:stCondLst>
-                                        </p:cTn>
-                                        <p:tgtEl>
-                                          <p:spTgt spid="3">
-                                            <p:txEl>
-                                              <p:pRg st="2" end="2"/>
+                                              <p:pRg st="0" end="0"/>
                                             </p:txEl>
                                           </p:spTgt>
                                         </p:tgtEl>
@@ -8738,26 +9107,26 @@
                     </p:cTn>
                   </p:par>
                   <p:par>
-                    <p:cTn id="9" fill="hold">
+                    <p:cTn id="7" fill="hold">
                       <p:stCondLst>
                         <p:cond delay="indefinite"/>
                       </p:stCondLst>
                       <p:childTnLst>
                         <p:par>
-                          <p:cTn id="10" fill="hold">
+                          <p:cTn id="8" fill="hold">
                             <p:stCondLst>
                               <p:cond delay="0"/>
                             </p:stCondLst>
                             <p:childTnLst>
                               <p:par>
-                                <p:cTn id="11" presetID="1" presetClass="entr" presetSubtype="0" fill="hold" nodeType="clickEffect">
+                                <p:cTn id="9" presetID="1" presetClass="entr" presetSubtype="0" fill="hold" nodeType="clickEffect">
                                   <p:stCondLst>
                                     <p:cond delay="0"/>
                                   </p:stCondLst>
                                   <p:childTnLst>
                                     <p:set>
                                       <p:cBhvr>
-                                        <p:cTn id="12" dur="1" fill="hold">
+                                        <p:cTn id="10" dur="1" fill="hold">
                                           <p:stCondLst>
                                             <p:cond delay="0"/>
                                           </p:stCondLst>
@@ -8765,7 +9134,7 @@
                                         <p:tgtEl>
                                           <p:spTgt spid="3">
                                             <p:txEl>
-                                              <p:pRg st="3" end="3"/>
+                                              <p:pRg st="1" end="1"/>
                                             </p:txEl>
                                           </p:spTgt>
                                         </p:tgtEl>
@@ -8787,26 +9156,26 @@
                     </p:cTn>
                   </p:par>
                   <p:par>
-                    <p:cTn id="13" fill="hold">
+                    <p:cTn id="11" fill="hold">
                       <p:stCondLst>
                         <p:cond delay="indefinite"/>
                       </p:stCondLst>
                       <p:childTnLst>
                         <p:par>
-                          <p:cTn id="14" fill="hold">
+                          <p:cTn id="12" fill="hold">
                             <p:stCondLst>
                               <p:cond delay="0"/>
                             </p:stCondLst>
                             <p:childTnLst>
                               <p:par>
-                                <p:cTn id="15" presetID="1" presetClass="entr" presetSubtype="0" fill="hold" nodeType="clickEffect">
+                                <p:cTn id="13" presetID="1" presetClass="entr" presetSubtype="0" fill="hold" nodeType="clickEffect">
                                   <p:stCondLst>
                                     <p:cond delay="0"/>
                                   </p:stCondLst>
                                   <p:childTnLst>
                                     <p:set>
                                       <p:cBhvr>
-                                        <p:cTn id="16" dur="1" fill="hold">
+                                        <p:cTn id="14" dur="1" fill="hold">
                                           <p:stCondLst>
                                             <p:cond delay="0"/>
                                           </p:stCondLst>
@@ -8814,7 +9183,7 @@
                                         <p:tgtEl>
                                           <p:spTgt spid="3">
                                             <p:txEl>
-                                              <p:pRg st="4" end="4"/>
+                                              <p:pRg st="2" end="2"/>
                                             </p:txEl>
                                           </p:spTgt>
                                         </p:tgtEl>

--- a/20230515 NF Collab Update.pptx
+++ b/20230515 NF Collab Update.pptx
@@ -7371,6 +7371,78 @@
                       </p:childTnLst>
                     </p:cTn>
                   </p:par>
+                  <p:par>
+                    <p:cTn id="15" fill="hold">
+                      <p:stCondLst>
+                        <p:cond delay="indefinite"/>
+                      </p:stCondLst>
+                      <p:childTnLst>
+                        <p:par>
+                          <p:cTn id="16" fill="hold">
+                            <p:stCondLst>
+                              <p:cond delay="0"/>
+                            </p:stCondLst>
+                            <p:childTnLst>
+                              <p:par>
+                                <p:cTn id="17" presetID="1" presetClass="entr" presetSubtype="0" fill="hold" nodeType="clickEffect">
+                                  <p:stCondLst>
+                                    <p:cond delay="0"/>
+                                  </p:stCondLst>
+                                  <p:childTnLst>
+                                    <p:set>
+                                      <p:cBhvr>
+                                        <p:cTn id="18" dur="1" fill="hold">
+                                          <p:stCondLst>
+                                            <p:cond delay="0"/>
+                                          </p:stCondLst>
+                                        </p:cTn>
+                                        <p:tgtEl>
+                                          <p:spTgt spid="3082"/>
+                                        </p:tgtEl>
+                                        <p:attrNameLst>
+                                          <p:attrName>style.visibility</p:attrName>
+                                        </p:attrNameLst>
+                                      </p:cBhvr>
+                                      <p:to>
+                                        <p:strVal val="visible"/>
+                                      </p:to>
+                                    </p:set>
+                                  </p:childTnLst>
+                                </p:cTn>
+                              </p:par>
+                              <p:par>
+                                <p:cTn id="19" presetID="1" presetClass="entr" presetSubtype="0" fill="hold" nodeType="withEffect">
+                                  <p:stCondLst>
+                                    <p:cond delay="0"/>
+                                  </p:stCondLst>
+                                  <p:childTnLst>
+                                    <p:set>
+                                      <p:cBhvr>
+                                        <p:cTn id="20" dur="1" fill="hold">
+                                          <p:stCondLst>
+                                            <p:cond delay="0"/>
+                                          </p:stCondLst>
+                                        </p:cTn>
+                                        <p:tgtEl>
+                                          <p:spTgt spid="3084"/>
+                                        </p:tgtEl>
+                                        <p:attrNameLst>
+                                          <p:attrName>style.visibility</p:attrName>
+                                        </p:attrNameLst>
+                                      </p:cBhvr>
+                                      <p:to>
+                                        <p:strVal val="visible"/>
+                                      </p:to>
+                                    </p:set>
+                                  </p:childTnLst>
+                                </p:cTn>
+                              </p:par>
+                            </p:childTnLst>
+                          </p:cTn>
+                        </p:par>
+                      </p:childTnLst>
+                    </p:cTn>
+                  </p:par>
                 </p:childTnLst>
               </p:cTn>
               <p:prevCondLst>
@@ -7465,8 +7537,8 @@
         </p:nvSpPr>
         <p:spPr>
           <a:xfrm>
-            <a:off x="838200" y="1690688"/>
-            <a:ext cx="10515600" cy="4351338"/>
+            <a:off x="838200" y="1209675"/>
+            <a:ext cx="10515600" cy="5495133"/>
           </a:xfrm>
           <a:prstGeom prst="rect">
             <a:avLst/>
@@ -7755,6 +7827,44 @@
               <a:rPr lang="en-US" sz="2000" dirty="0"/>
               <a:t>NFH: 0.625, NFM: 13.5</a:t>
             </a:r>
+          </a:p>
+          <a:p>
+            <a:pPr lvl="1">
+              <a:lnSpc>
+                <a:spcPct val="150000"/>
+              </a:lnSpc>
+            </a:pPr>
+            <a:r>
+              <a:rPr lang="en-US" sz="2000" dirty="0"/>
+              <a:t>High NFM stiffness prevents reorganization and high height</a:t>
+            </a:r>
+          </a:p>
+          <a:p>
+            <a:pPr lvl="1">
+              <a:lnSpc>
+                <a:spcPct val="150000"/>
+              </a:lnSpc>
+            </a:pPr>
+            <a:r>
+              <a:rPr lang="en-US" sz="2000" dirty="0"/>
+              <a:t>Low NFH stiffness allows for reorganization with </a:t>
+            </a:r>
+            <a:r>
+              <a:rPr lang="en-US" sz="2000" dirty="0" err="1"/>
+              <a:t>phos</a:t>
+            </a:r>
+            <a:r>
+              <a:rPr lang="en-US" sz="2000" dirty="0"/>
+              <a:t>. and ionic strength</a:t>
+            </a:r>
+          </a:p>
+          <a:p>
+            <a:pPr lvl="1">
+              <a:lnSpc>
+                <a:spcPct val="150000"/>
+              </a:lnSpc>
+            </a:pPr>
+            <a:endParaRPr lang="en-US" sz="2000" dirty="0"/>
           </a:p>
         </p:txBody>
       </p:sp>
@@ -8599,33 +8709,15 @@
                                   </p:childTnLst>
                                 </p:cTn>
                               </p:par>
-                            </p:childTnLst>
-                          </p:cTn>
-                        </p:par>
-                      </p:childTnLst>
-                    </p:cTn>
-                  </p:par>
-                  <p:par>
-                    <p:cTn id="11" fill="hold">
-                      <p:stCondLst>
-                        <p:cond delay="indefinite"/>
-                      </p:stCondLst>
-                      <p:childTnLst>
-                        <p:par>
-                          <p:cTn id="12" fill="hold">
-                            <p:stCondLst>
-                              <p:cond delay="0"/>
-                            </p:stCondLst>
-                            <p:childTnLst>
                               <p:par>
-                                <p:cTn id="13" presetID="1" presetClass="entr" presetSubtype="0" fill="hold" nodeType="clickEffect">
+                                <p:cTn id="11" presetID="1" presetClass="entr" presetSubtype="0" fill="hold" nodeType="withEffect">
                                   <p:stCondLst>
                                     <p:cond delay="0"/>
                                   </p:stCondLst>
                                   <p:childTnLst>
                                     <p:set>
                                       <p:cBhvr>
-                                        <p:cTn id="14" dur="1" fill="hold">
+                                        <p:cTn id="12" dur="1" fill="hold">
                                           <p:stCondLst>
                                             <p:cond delay="0"/>
                                           </p:stCondLst>
@@ -8648,33 +8740,15 @@
                                   </p:childTnLst>
                                 </p:cTn>
                               </p:par>
-                            </p:childTnLst>
-                          </p:cTn>
-                        </p:par>
-                      </p:childTnLst>
-                    </p:cTn>
-                  </p:par>
-                  <p:par>
-                    <p:cTn id="15" fill="hold">
-                      <p:stCondLst>
-                        <p:cond delay="indefinite"/>
-                      </p:stCondLst>
-                      <p:childTnLst>
-                        <p:par>
-                          <p:cTn id="16" fill="hold">
-                            <p:stCondLst>
-                              <p:cond delay="0"/>
-                            </p:stCondLst>
-                            <p:childTnLst>
                               <p:par>
-                                <p:cTn id="17" presetID="1" presetClass="entr" presetSubtype="0" fill="hold" nodeType="clickEffect">
+                                <p:cTn id="13" presetID="1" presetClass="entr" presetSubtype="0" fill="hold" nodeType="withEffect">
                                   <p:stCondLst>
                                     <p:cond delay="0"/>
                                   </p:stCondLst>
                                   <p:childTnLst>
                                     <p:set>
                                       <p:cBhvr>
-                                        <p:cTn id="18" dur="1" fill="hold">
+                                        <p:cTn id="14" dur="1" fill="hold">
                                           <p:stCondLst>
                                             <p:cond delay="0"/>
                                           </p:stCondLst>
@@ -8697,26 +8771,97 @@
                                   </p:childTnLst>
                                 </p:cTn>
                               </p:par>
-                            </p:childTnLst>
-                          </p:cTn>
-                        </p:par>
-                      </p:childTnLst>
-                    </p:cTn>
-                  </p:par>
-                  <p:par>
-                    <p:cTn id="19" fill="hold">
-                      <p:stCondLst>
-                        <p:cond delay="indefinite"/>
-                      </p:stCondLst>
-                      <p:childTnLst>
-                        <p:par>
-                          <p:cTn id="20" fill="hold">
-                            <p:stCondLst>
-                              <p:cond delay="0"/>
-                            </p:stCondLst>
-                            <p:childTnLst>
                               <p:par>
-                                <p:cTn id="21" presetID="1" presetClass="entr" presetSubtype="0" fill="hold" nodeType="clickEffect">
+                                <p:cTn id="15" presetID="1" presetClass="entr" presetSubtype="0" fill="hold" nodeType="withEffect">
+                                  <p:stCondLst>
+                                    <p:cond delay="0"/>
+                                  </p:stCondLst>
+                                  <p:childTnLst>
+                                    <p:set>
+                                      <p:cBhvr>
+                                        <p:cTn id="16" dur="1" fill="hold">
+                                          <p:stCondLst>
+                                            <p:cond delay="0"/>
+                                          </p:stCondLst>
+                                        </p:cTn>
+                                        <p:tgtEl>
+                                          <p:spTgt spid="3">
+                                            <p:txEl>
+                                              <p:pRg st="4" end="4"/>
+                                            </p:txEl>
+                                          </p:spTgt>
+                                        </p:tgtEl>
+                                        <p:attrNameLst>
+                                          <p:attrName>style.visibility</p:attrName>
+                                        </p:attrNameLst>
+                                      </p:cBhvr>
+                                      <p:to>
+                                        <p:strVal val="visible"/>
+                                      </p:to>
+                                    </p:set>
+                                  </p:childTnLst>
+                                </p:cTn>
+                              </p:par>
+                              <p:par>
+                                <p:cTn id="17" presetID="1" presetClass="entr" presetSubtype="0" fill="hold" nodeType="withEffect">
+                                  <p:stCondLst>
+                                    <p:cond delay="0"/>
+                                  </p:stCondLst>
+                                  <p:childTnLst>
+                                    <p:set>
+                                      <p:cBhvr>
+                                        <p:cTn id="18" dur="1" fill="hold">
+                                          <p:stCondLst>
+                                            <p:cond delay="0"/>
+                                          </p:stCondLst>
+                                        </p:cTn>
+                                        <p:tgtEl>
+                                          <p:spTgt spid="3">
+                                            <p:txEl>
+                                              <p:pRg st="5" end="5"/>
+                                            </p:txEl>
+                                          </p:spTgt>
+                                        </p:tgtEl>
+                                        <p:attrNameLst>
+                                          <p:attrName>style.visibility</p:attrName>
+                                        </p:attrNameLst>
+                                      </p:cBhvr>
+                                      <p:to>
+                                        <p:strVal val="visible"/>
+                                      </p:to>
+                                    </p:set>
+                                  </p:childTnLst>
+                                </p:cTn>
+                              </p:par>
+                              <p:par>
+                                <p:cTn id="19" presetID="1" presetClass="entr" presetSubtype="0" fill="hold" nodeType="withEffect">
+                                  <p:stCondLst>
+                                    <p:cond delay="0"/>
+                                  </p:stCondLst>
+                                  <p:childTnLst>
+                                    <p:set>
+                                      <p:cBhvr>
+                                        <p:cTn id="20" dur="1" fill="hold">
+                                          <p:stCondLst>
+                                            <p:cond delay="0"/>
+                                          </p:stCondLst>
+                                        </p:cTn>
+                                        <p:tgtEl>
+                                          <p:spTgt spid="45"/>
+                                        </p:tgtEl>
+                                        <p:attrNameLst>
+                                          <p:attrName>style.visibility</p:attrName>
+                                        </p:attrNameLst>
+                                      </p:cBhvr>
+                                      <p:to>
+                                        <p:strVal val="visible"/>
+                                      </p:to>
+                                    </p:set>
+                                  </p:childTnLst>
+                                </p:cTn>
+                              </p:par>
+                              <p:par>
+                                <p:cTn id="21" presetID="1" presetClass="entr" presetSubtype="0" fill="hold" nodeType="withEffect">
                                   <p:stCondLst>
                                     <p:cond delay="0"/>
                                   </p:stCondLst>
@@ -8729,11 +8874,7 @@
                                           </p:stCondLst>
                                         </p:cTn>
                                         <p:tgtEl>
-                                          <p:spTgt spid="3">
-                                            <p:txEl>
-                                              <p:pRg st="4" end="4"/>
-                                            </p:txEl>
-                                          </p:spTgt>
+                                          <p:spTgt spid="44"/>
                                         </p:tgtEl>
                                         <p:attrNameLst>
                                           <p:attrName>style.visibility</p:attrName>
@@ -8780,55 +8921,6 @@
                                         <p:tgtEl>
                                           <p:spTgt spid="3">
                                             <p:txEl>
-                                              <p:pRg st="5" end="5"/>
-                                            </p:txEl>
-                                          </p:spTgt>
-                                        </p:tgtEl>
-                                        <p:attrNameLst>
-                                          <p:attrName>style.visibility</p:attrName>
-                                        </p:attrNameLst>
-                                      </p:cBhvr>
-                                      <p:to>
-                                        <p:strVal val="visible"/>
-                                      </p:to>
-                                    </p:set>
-                                  </p:childTnLst>
-                                </p:cTn>
-                              </p:par>
-                            </p:childTnLst>
-                          </p:cTn>
-                        </p:par>
-                      </p:childTnLst>
-                    </p:cTn>
-                  </p:par>
-                  <p:par>
-                    <p:cTn id="27" fill="hold">
-                      <p:stCondLst>
-                        <p:cond delay="indefinite"/>
-                      </p:stCondLst>
-                      <p:childTnLst>
-                        <p:par>
-                          <p:cTn id="28" fill="hold">
-                            <p:stCondLst>
-                              <p:cond delay="0"/>
-                            </p:stCondLst>
-                            <p:childTnLst>
-                              <p:par>
-                                <p:cTn id="29" presetID="1" presetClass="entr" presetSubtype="0" fill="hold" nodeType="clickEffect">
-                                  <p:stCondLst>
-                                    <p:cond delay="0"/>
-                                  </p:stCondLst>
-                                  <p:childTnLst>
-                                    <p:set>
-                                      <p:cBhvr>
-                                        <p:cTn id="30" dur="1" fill="hold">
-                                          <p:stCondLst>
-                                            <p:cond delay="0"/>
-                                          </p:stCondLst>
-                                        </p:cTn>
-                                        <p:tgtEl>
-                                          <p:spTgt spid="3">
-                                            <p:txEl>
                                               <p:pRg st="6" end="6"/>
                                             </p:txEl>
                                           </p:spTgt>
@@ -8844,33 +8936,15 @@
                                   </p:childTnLst>
                                 </p:cTn>
                               </p:par>
-                            </p:childTnLst>
-                          </p:cTn>
-                        </p:par>
-                      </p:childTnLst>
-                    </p:cTn>
-                  </p:par>
-                  <p:par>
-                    <p:cTn id="31" fill="hold">
-                      <p:stCondLst>
-                        <p:cond delay="indefinite"/>
-                      </p:stCondLst>
-                      <p:childTnLst>
-                        <p:par>
-                          <p:cTn id="32" fill="hold">
-                            <p:stCondLst>
-                              <p:cond delay="0"/>
-                            </p:stCondLst>
-                            <p:childTnLst>
                               <p:par>
-                                <p:cTn id="33" presetID="1" presetClass="entr" presetSubtype="0" fill="hold" nodeType="clickEffect">
+                                <p:cTn id="27" presetID="1" presetClass="entr" presetSubtype="0" fill="hold" nodeType="withEffect">
                                   <p:stCondLst>
                                     <p:cond delay="0"/>
                                   </p:stCondLst>
                                   <p:childTnLst>
                                     <p:set>
                                       <p:cBhvr>
-                                        <p:cTn id="34" dur="1" fill="hold">
+                                        <p:cTn id="28" dur="1" fill="hold">
                                           <p:stCondLst>
                                             <p:cond delay="0"/>
                                           </p:stCondLst>
@@ -8879,6 +8953,68 @@
                                           <p:spTgt spid="3">
                                             <p:txEl>
                                               <p:pRg st="7" end="7"/>
+                                            </p:txEl>
+                                          </p:spTgt>
+                                        </p:tgtEl>
+                                        <p:attrNameLst>
+                                          <p:attrName>style.visibility</p:attrName>
+                                        </p:attrNameLst>
+                                      </p:cBhvr>
+                                      <p:to>
+                                        <p:strVal val="visible"/>
+                                      </p:to>
+                                    </p:set>
+                                  </p:childTnLst>
+                                </p:cTn>
+                              </p:par>
+                              <p:par>
+                                <p:cTn id="29" presetID="1" presetClass="entr" presetSubtype="0" fill="hold" nodeType="withEffect">
+                                  <p:stCondLst>
+                                    <p:cond delay="0"/>
+                                  </p:stCondLst>
+                                  <p:childTnLst>
+                                    <p:set>
+                                      <p:cBhvr>
+                                        <p:cTn id="30" dur="1" fill="hold">
+                                          <p:stCondLst>
+                                            <p:cond delay="0"/>
+                                          </p:stCondLst>
+                                        </p:cTn>
+                                        <p:tgtEl>
+                                          <p:spTgt spid="3">
+                                            <p:txEl>
+                                              <p:pRg st="8" end="8"/>
+                                            </p:txEl>
+                                          </p:spTgt>
+                                        </p:tgtEl>
+                                        <p:attrNameLst>
+                                          <p:attrName>style.visibility</p:attrName>
+                                        </p:attrNameLst>
+                                      </p:cBhvr>
+                                      <p:to>
+                                        <p:strVal val="visible"/>
+                                      </p:to>
+                                    </p:set>
+                                  </p:childTnLst>
+                                </p:cTn>
+                              </p:par>
+                              <p:par>
+                                <p:cTn id="31" presetID="1" presetClass="entr" presetSubtype="0" fill="hold" nodeType="withEffect">
+                                  <p:stCondLst>
+                                    <p:cond delay="0"/>
+                                  </p:stCondLst>
+                                  <p:childTnLst>
+                                    <p:set>
+                                      <p:cBhvr>
+                                        <p:cTn id="32" dur="1" fill="hold">
+                                          <p:stCondLst>
+                                            <p:cond delay="0"/>
+                                          </p:stCondLst>
+                                        </p:cTn>
+                                        <p:tgtEl>
+                                          <p:spTgt spid="3">
+                                            <p:txEl>
+                                              <p:pRg st="9" end="9"/>
                                             </p:txEl>
                                           </p:spTgt>
                                         </p:tgtEl>
@@ -9049,183 +9185,6 @@
   <p:clrMapOvr>
     <a:masterClrMapping/>
   </p:clrMapOvr>
-  <p:timing>
-    <p:tnLst>
-      <p:par>
-        <p:cTn id="1" dur="indefinite" restart="never" nodeType="tmRoot">
-          <p:childTnLst>
-            <p:seq concurrent="1" nextAc="seek">
-              <p:cTn id="2" dur="indefinite" nodeType="mainSeq">
-                <p:childTnLst>
-                  <p:par>
-                    <p:cTn id="3" fill="hold">
-                      <p:stCondLst>
-                        <p:cond delay="indefinite"/>
-                      </p:stCondLst>
-                      <p:childTnLst>
-                        <p:par>
-                          <p:cTn id="4" fill="hold">
-                            <p:stCondLst>
-                              <p:cond delay="0"/>
-                            </p:stCondLst>
-                            <p:childTnLst>
-                              <p:par>
-                                <p:cTn id="5" presetID="1" presetClass="entr" presetSubtype="0" fill="hold" nodeType="clickEffect">
-                                  <p:stCondLst>
-                                    <p:cond delay="0"/>
-                                  </p:stCondLst>
-                                  <p:childTnLst>
-                                    <p:set>
-                                      <p:cBhvr>
-                                        <p:cTn id="6" dur="1" fill="hold">
-                                          <p:stCondLst>
-                                            <p:cond delay="0"/>
-                                          </p:stCondLst>
-                                        </p:cTn>
-                                        <p:tgtEl>
-                                          <p:spTgt spid="3">
-                                            <p:txEl>
-                                              <p:pRg st="0" end="0"/>
-                                            </p:txEl>
-                                          </p:spTgt>
-                                        </p:tgtEl>
-                                        <p:attrNameLst>
-                                          <p:attrName>style.visibility</p:attrName>
-                                        </p:attrNameLst>
-                                      </p:cBhvr>
-                                      <p:to>
-                                        <p:strVal val="visible"/>
-                                      </p:to>
-                                    </p:set>
-                                  </p:childTnLst>
-                                </p:cTn>
-                              </p:par>
-                            </p:childTnLst>
-                          </p:cTn>
-                        </p:par>
-                      </p:childTnLst>
-                    </p:cTn>
-                  </p:par>
-                  <p:par>
-                    <p:cTn id="7" fill="hold">
-                      <p:stCondLst>
-                        <p:cond delay="indefinite"/>
-                      </p:stCondLst>
-                      <p:childTnLst>
-                        <p:par>
-                          <p:cTn id="8" fill="hold">
-                            <p:stCondLst>
-                              <p:cond delay="0"/>
-                            </p:stCondLst>
-                            <p:childTnLst>
-                              <p:par>
-                                <p:cTn id="9" presetID="1" presetClass="entr" presetSubtype="0" fill="hold" nodeType="clickEffect">
-                                  <p:stCondLst>
-                                    <p:cond delay="0"/>
-                                  </p:stCondLst>
-                                  <p:childTnLst>
-                                    <p:set>
-                                      <p:cBhvr>
-                                        <p:cTn id="10" dur="1" fill="hold">
-                                          <p:stCondLst>
-                                            <p:cond delay="0"/>
-                                          </p:stCondLst>
-                                        </p:cTn>
-                                        <p:tgtEl>
-                                          <p:spTgt spid="3">
-                                            <p:txEl>
-                                              <p:pRg st="1" end="1"/>
-                                            </p:txEl>
-                                          </p:spTgt>
-                                        </p:tgtEl>
-                                        <p:attrNameLst>
-                                          <p:attrName>style.visibility</p:attrName>
-                                        </p:attrNameLst>
-                                      </p:cBhvr>
-                                      <p:to>
-                                        <p:strVal val="visible"/>
-                                      </p:to>
-                                    </p:set>
-                                  </p:childTnLst>
-                                </p:cTn>
-                              </p:par>
-                            </p:childTnLst>
-                          </p:cTn>
-                        </p:par>
-                      </p:childTnLst>
-                    </p:cTn>
-                  </p:par>
-                  <p:par>
-                    <p:cTn id="11" fill="hold">
-                      <p:stCondLst>
-                        <p:cond delay="indefinite"/>
-                      </p:stCondLst>
-                      <p:childTnLst>
-                        <p:par>
-                          <p:cTn id="12" fill="hold">
-                            <p:stCondLst>
-                              <p:cond delay="0"/>
-                            </p:stCondLst>
-                            <p:childTnLst>
-                              <p:par>
-                                <p:cTn id="13" presetID="1" presetClass="entr" presetSubtype="0" fill="hold" nodeType="clickEffect">
-                                  <p:stCondLst>
-                                    <p:cond delay="0"/>
-                                  </p:stCondLst>
-                                  <p:childTnLst>
-                                    <p:set>
-                                      <p:cBhvr>
-                                        <p:cTn id="14" dur="1" fill="hold">
-                                          <p:stCondLst>
-                                            <p:cond delay="0"/>
-                                          </p:stCondLst>
-                                        </p:cTn>
-                                        <p:tgtEl>
-                                          <p:spTgt spid="3">
-                                            <p:txEl>
-                                              <p:pRg st="2" end="2"/>
-                                            </p:txEl>
-                                          </p:spTgt>
-                                        </p:tgtEl>
-                                        <p:attrNameLst>
-                                          <p:attrName>style.visibility</p:attrName>
-                                        </p:attrNameLst>
-                                      </p:cBhvr>
-                                      <p:to>
-                                        <p:strVal val="visible"/>
-                                      </p:to>
-                                    </p:set>
-                                  </p:childTnLst>
-                                </p:cTn>
-                              </p:par>
-                            </p:childTnLst>
-                          </p:cTn>
-                        </p:par>
-                      </p:childTnLst>
-                    </p:cTn>
-                  </p:par>
-                </p:childTnLst>
-              </p:cTn>
-              <p:prevCondLst>
-                <p:cond evt="onPrev" delay="0">
-                  <p:tgtEl>
-                    <p:sldTgt/>
-                  </p:tgtEl>
-                </p:cond>
-              </p:prevCondLst>
-              <p:nextCondLst>
-                <p:cond evt="onNext" delay="0">
-                  <p:tgtEl>
-                    <p:sldTgt/>
-                  </p:tgtEl>
-                </p:cond>
-              </p:nextCondLst>
-            </p:seq>
-          </p:childTnLst>
-        </p:cTn>
-      </p:par>
-    </p:tnLst>
-  </p:timing>
 </p:sld>
 </file>
 

--- a/20230515 NF Collab Update.pptx
+++ b/20230515 NF Collab Update.pptx
@@ -5,7 +5,7 @@
     <p:sldMasterId id="2147483648" r:id="rId1"/>
   </p:sldMasterIdLst>
   <p:notesMasterIdLst>
-    <p:notesMasterId r:id="rId12"/>
+    <p:notesMasterId r:id="rId13"/>
   </p:notesMasterIdLst>
   <p:sldIdLst>
     <p:sldId id="256" r:id="rId2"/>
@@ -14,10 +14,11 @@
     <p:sldId id="271" r:id="rId5"/>
     <p:sldId id="270" r:id="rId6"/>
     <p:sldId id="263" r:id="rId7"/>
-    <p:sldId id="267" r:id="rId8"/>
-    <p:sldId id="265" r:id="rId9"/>
-    <p:sldId id="268" r:id="rId10"/>
-    <p:sldId id="264" r:id="rId11"/>
+    <p:sldId id="272" r:id="rId8"/>
+    <p:sldId id="267" r:id="rId9"/>
+    <p:sldId id="265" r:id="rId10"/>
+    <p:sldId id="268" r:id="rId11"/>
+    <p:sldId id="264" r:id="rId12"/>
   </p:sldIdLst>
   <p:sldSz cx="12192000" cy="6858000"/>
   <p:notesSz cx="6858000" cy="9144000"/>
@@ -548,6 +549,90 @@
     <p:extLst>
       <p:ext uri="{BB962C8B-B14F-4D97-AF65-F5344CB8AC3E}">
         <p14:creationId xmlns:p14="http://schemas.microsoft.com/office/powerpoint/2010/main" val="1524983712"/>
+      </p:ext>
+    </p:extLst>
+  </p:cSld>
+  <p:clrMapOvr>
+    <a:masterClrMapping/>
+  </p:clrMapOvr>
+</p:notes>
+</file>
+
+<file path=ppt/notesSlides/notesSlide2.xml><?xml version="1.0" encoding="utf-8"?>
+<p:notes xmlns:a="http://schemas.openxmlformats.org/drawingml/2006/main" xmlns:r="http://schemas.openxmlformats.org/officeDocument/2006/relationships" xmlns:p="http://schemas.openxmlformats.org/presentationml/2006/main">
+  <p:cSld>
+    <p:spTree>
+      <p:nvGrpSpPr>
+        <p:cNvPr id="1" name=""/>
+        <p:cNvGrpSpPr/>
+        <p:nvPr/>
+      </p:nvGrpSpPr>
+      <p:grpSpPr>
+        <a:xfrm>
+          <a:off x="0" y="0"/>
+          <a:ext cx="0" cy="0"/>
+          <a:chOff x="0" y="0"/>
+          <a:chExt cx="0" cy="0"/>
+        </a:xfrm>
+      </p:grpSpPr>
+      <p:sp>
+        <p:nvSpPr>
+          <p:cNvPr id="2" name="Slide Image Placeholder 1"/>
+          <p:cNvSpPr>
+            <a:spLocks noGrp="1" noRot="1" noChangeAspect="1"/>
+          </p:cNvSpPr>
+          <p:nvPr>
+            <p:ph type="sldImg"/>
+          </p:nvPr>
+        </p:nvSpPr>
+        <p:spPr/>
+      </p:sp>
+      <p:sp>
+        <p:nvSpPr>
+          <p:cNvPr id="3" name="Notes Placeholder 2"/>
+          <p:cNvSpPr>
+            <a:spLocks noGrp="1"/>
+          </p:cNvSpPr>
+          <p:nvPr>
+            <p:ph type="body" idx="1"/>
+          </p:nvPr>
+        </p:nvSpPr>
+        <p:spPr/>
+        <p:txBody>
+          <a:bodyPr/>
+          <a:lstStyle/>
+          <a:p>
+            <a:endParaRPr lang="en-US" dirty="0"/>
+          </a:p>
+        </p:txBody>
+      </p:sp>
+      <p:sp>
+        <p:nvSpPr>
+          <p:cNvPr id="4" name="Slide Number Placeholder 3"/>
+          <p:cNvSpPr>
+            <a:spLocks noGrp="1"/>
+          </p:cNvSpPr>
+          <p:nvPr>
+            <p:ph type="sldNum" sz="quarter" idx="5"/>
+          </p:nvPr>
+        </p:nvSpPr>
+        <p:spPr/>
+        <p:txBody>
+          <a:bodyPr/>
+          <a:lstStyle/>
+          <a:p>
+            <a:fld id="{52A5B05C-A693-40F1-9D0D-52E7CE735D11}" type="slidenum">
+              <a:rPr lang="en-US" smtClean="0"/>
+              <a:t>4</a:t>
+            </a:fld>
+            <a:endParaRPr lang="en-US"/>
+          </a:p>
+        </p:txBody>
+      </p:sp>
+    </p:spTree>
+    <p:extLst>
+      <p:ext uri="{BB962C8B-B14F-4D97-AF65-F5344CB8AC3E}">
+        <p14:creationId xmlns:p14="http://schemas.microsoft.com/office/powerpoint/2010/main" val="3323973699"/>
       </p:ext>
     </p:extLst>
   </p:cSld>
@@ -3869,6 +3954,191 @@
 </file>
 
 <file path=ppt/slides/slide10.xml><?xml version="1.0" encoding="utf-8"?>
+<p:sld xmlns:a="http://schemas.openxmlformats.org/drawingml/2006/main" xmlns:r="http://schemas.openxmlformats.org/officeDocument/2006/relationships" xmlns:p="http://schemas.openxmlformats.org/presentationml/2006/main">
+  <p:cSld>
+    <p:spTree>
+      <p:nvGrpSpPr>
+        <p:cNvPr id="1" name=""/>
+        <p:cNvGrpSpPr/>
+        <p:nvPr/>
+      </p:nvGrpSpPr>
+      <p:grpSpPr>
+        <a:xfrm>
+          <a:off x="0" y="0"/>
+          <a:ext cx="0" cy="0"/>
+          <a:chOff x="0" y="0"/>
+          <a:chExt cx="0" cy="0"/>
+        </a:xfrm>
+      </p:grpSpPr>
+      <p:pic>
+        <p:nvPicPr>
+          <p:cNvPr id="2050" name="Picture 2">
+            <a:extLst>
+              <a:ext uri="{FF2B5EF4-FFF2-40B4-BE49-F238E27FC236}">
+                <a16:creationId xmlns:a16="http://schemas.microsoft.com/office/drawing/2014/main" id="{278685EF-C31B-EA48-4586-03D427043A19}"/>
+              </a:ext>
+            </a:extLst>
+          </p:cNvPr>
+          <p:cNvPicPr>
+            <a:picLocks noChangeAspect="1" noChangeArrowheads="1"/>
+          </p:cNvPicPr>
+          <p:nvPr/>
+        </p:nvPicPr>
+        <p:blipFill>
+          <a:blip r:embed="rId2">
+            <a:extLst>
+              <a:ext uri="{28A0092B-C50C-407E-A947-70E740481C1C}">
+                <a14:useLocalDpi xmlns:a14="http://schemas.microsoft.com/office/drawing/2010/main" val="0"/>
+              </a:ext>
+            </a:extLst>
+          </a:blip>
+          <a:srcRect/>
+          <a:stretch>
+            <a:fillRect/>
+          </a:stretch>
+        </p:blipFill>
+        <p:spPr bwMode="auto">
+          <a:xfrm>
+            <a:off x="3102348" y="699247"/>
+            <a:ext cx="6381750" cy="4648200"/>
+          </a:xfrm>
+          <a:prstGeom prst="rect">
+            <a:avLst/>
+          </a:prstGeom>
+          <a:noFill/>
+          <a:extLst>
+            <a:ext uri="{909E8E84-426E-40DD-AFC4-6F175D3DCCD1}">
+              <a14:hiddenFill xmlns:a14="http://schemas.microsoft.com/office/drawing/2010/main">
+                <a:solidFill>
+                  <a:srgbClr val="FFFFFF"/>
+                </a:solidFill>
+              </a14:hiddenFill>
+            </a:ext>
+          </a:extLst>
+        </p:spPr>
+      </p:pic>
+      <p:pic>
+        <p:nvPicPr>
+          <p:cNvPr id="3" name="Graphic 2">
+            <a:extLst>
+              <a:ext uri="{FF2B5EF4-FFF2-40B4-BE49-F238E27FC236}">
+                <a16:creationId xmlns:a16="http://schemas.microsoft.com/office/drawing/2014/main" id="{8A8111A2-39BB-10DB-0F12-704B879FCBC4}"/>
+              </a:ext>
+            </a:extLst>
+          </p:cNvPr>
+          <p:cNvPicPr>
+            <a:picLocks noChangeAspect="1"/>
+          </p:cNvPicPr>
+          <p:nvPr/>
+        </p:nvPicPr>
+        <p:blipFill>
+          <a:blip r:embed="rId3">
+            <a:extLst>
+              <a:ext uri="{96DAC541-7B7A-43D3-8B79-37D633B846F1}">
+                <asvg:svgBlip xmlns:asvg="http://schemas.microsoft.com/office/drawing/2016/SVG/main" r:embed="rId4"/>
+              </a:ext>
+            </a:extLst>
+          </a:blip>
+          <a:stretch>
+            <a:fillRect/>
+          </a:stretch>
+        </p:blipFill>
+        <p:spPr>
+          <a:xfrm>
+            <a:off x="4482911" y="980216"/>
+            <a:ext cx="2249687" cy="775597"/>
+          </a:xfrm>
+          <a:prstGeom prst="rect">
+            <a:avLst/>
+          </a:prstGeom>
+        </p:spPr>
+      </p:pic>
+      <p:pic>
+        <p:nvPicPr>
+          <p:cNvPr id="5" name="Graphic 4">
+            <a:extLst>
+              <a:ext uri="{FF2B5EF4-FFF2-40B4-BE49-F238E27FC236}">
+                <a16:creationId xmlns:a16="http://schemas.microsoft.com/office/drawing/2014/main" id="{3D1E819C-6C92-EE39-DB9A-098E15FE74AE}"/>
+              </a:ext>
+            </a:extLst>
+          </p:cNvPr>
+          <p:cNvPicPr>
+            <a:picLocks noChangeAspect="1"/>
+          </p:cNvPicPr>
+          <p:nvPr/>
+        </p:nvPicPr>
+        <p:blipFill>
+          <a:blip r:embed="rId5">
+            <a:extLst>
+              <a:ext uri="{96DAC541-7B7A-43D3-8B79-37D633B846F1}">
+                <asvg:svgBlip xmlns:asvg="http://schemas.microsoft.com/office/drawing/2016/SVG/main" r:embed="rId6"/>
+              </a:ext>
+            </a:extLst>
+          </a:blip>
+          <a:stretch>
+            <a:fillRect/>
+          </a:stretch>
+        </p:blipFill>
+        <p:spPr>
+          <a:xfrm>
+            <a:off x="5416468" y="1736763"/>
+            <a:ext cx="2249687" cy="1383376"/>
+          </a:xfrm>
+          <a:prstGeom prst="rect">
+            <a:avLst/>
+          </a:prstGeom>
+        </p:spPr>
+      </p:pic>
+      <p:pic>
+        <p:nvPicPr>
+          <p:cNvPr id="7" name="Graphic 6">
+            <a:extLst>
+              <a:ext uri="{FF2B5EF4-FFF2-40B4-BE49-F238E27FC236}">
+                <a16:creationId xmlns:a16="http://schemas.microsoft.com/office/drawing/2014/main" id="{915451DF-37DE-50BD-7530-7F4883690659}"/>
+              </a:ext>
+            </a:extLst>
+          </p:cNvPr>
+          <p:cNvPicPr>
+            <a:picLocks noChangeAspect="1"/>
+          </p:cNvPicPr>
+          <p:nvPr/>
+        </p:nvPicPr>
+        <p:blipFill>
+          <a:blip r:embed="rId7">
+            <a:extLst>
+              <a:ext uri="{96DAC541-7B7A-43D3-8B79-37D633B846F1}">
+                <asvg:svgBlip xmlns:asvg="http://schemas.microsoft.com/office/drawing/2016/SVG/main" r:embed="rId8"/>
+              </a:ext>
+            </a:extLst>
+          </a:blip>
+          <a:stretch>
+            <a:fillRect/>
+          </a:stretch>
+        </p:blipFill>
+        <p:spPr>
+          <a:xfrm>
+            <a:off x="6907043" y="2987226"/>
+            <a:ext cx="2249424" cy="1419496"/>
+          </a:xfrm>
+          <a:prstGeom prst="rect">
+            <a:avLst/>
+          </a:prstGeom>
+        </p:spPr>
+      </p:pic>
+    </p:spTree>
+    <p:extLst>
+      <p:ext uri="{BB962C8B-B14F-4D97-AF65-F5344CB8AC3E}">
+        <p14:creationId xmlns:p14="http://schemas.microsoft.com/office/powerpoint/2010/main" val="1749928737"/>
+      </p:ext>
+    </p:extLst>
+  </p:cSld>
+  <p:clrMapOvr>
+    <a:masterClrMapping/>
+  </p:clrMapOvr>
+</p:sld>
+</file>
+
+<file path=ppt/slides/slide11.xml><?xml version="1.0" encoding="utf-8"?>
 <p:sld xmlns:a="http://schemas.openxmlformats.org/drawingml/2006/main" xmlns:r="http://schemas.openxmlformats.org/officeDocument/2006/relationships" xmlns:p="http://schemas.openxmlformats.org/presentationml/2006/main">
   <p:cSld>
     <p:spTree>
@@ -6727,6 +6997,53 @@
           <a:chExt cx="0" cy="0"/>
         </a:xfrm>
       </p:grpSpPr>
+      <p:pic>
+        <p:nvPicPr>
+          <p:cNvPr id="15" name="Picture 4">
+            <a:extLst>
+              <a:ext uri="{FF2B5EF4-FFF2-40B4-BE49-F238E27FC236}">
+                <a16:creationId xmlns:a16="http://schemas.microsoft.com/office/drawing/2014/main" id="{08F3318D-5313-A55D-25C7-FCB90FE1445A}"/>
+              </a:ext>
+            </a:extLst>
+          </p:cNvPr>
+          <p:cNvPicPr>
+            <a:picLocks noChangeAspect="1" noChangeArrowheads="1"/>
+          </p:cNvPicPr>
+          <p:nvPr/>
+        </p:nvPicPr>
+        <p:blipFill>
+          <a:blip r:embed="rId3">
+            <a:extLst>
+              <a:ext uri="{28A0092B-C50C-407E-A947-70E740481C1C}">
+                <a14:useLocalDpi xmlns:a14="http://schemas.microsoft.com/office/drawing/2010/main" val="0"/>
+              </a:ext>
+            </a:extLst>
+          </a:blip>
+          <a:srcRect/>
+          <a:stretch>
+            <a:fillRect/>
+          </a:stretch>
+        </p:blipFill>
+        <p:spPr bwMode="auto">
+          <a:xfrm>
+            <a:off x="4048826" y="1459937"/>
+            <a:ext cx="4350720" cy="1046721"/>
+          </a:xfrm>
+          <a:prstGeom prst="rect">
+            <a:avLst/>
+          </a:prstGeom>
+          <a:noFill/>
+          <a:extLst>
+            <a:ext uri="{909E8E84-426E-40DD-AFC4-6F175D3DCCD1}">
+              <a14:hiddenFill xmlns:a14="http://schemas.microsoft.com/office/drawing/2010/main">
+                <a:solidFill>
+                  <a:srgbClr val="FFFFFF"/>
+                </a:solidFill>
+              </a14:hiddenFill>
+            </a:ext>
+          </a:extLst>
+        </p:spPr>
+      </p:pic>
       <p:sp>
         <p:nvSpPr>
           <p:cNvPr id="2" name="Title 1">
@@ -6777,7 +7094,7 @@
           <p:nvPr/>
         </p:nvPicPr>
         <p:blipFill>
-          <a:blip r:embed="rId2">
+          <a:blip r:embed="rId4">
             <a:extLst>
               <a:ext uri="{28A0092B-C50C-407E-A947-70E740481C1C}">
                 <a14:useLocalDpi xmlns:a14="http://schemas.microsoft.com/office/drawing/2010/main" val="0"/>
@@ -6824,7 +7141,7 @@
           <p:nvPr/>
         </p:nvPicPr>
         <p:blipFill>
-          <a:blip r:embed="rId3">
+          <a:blip r:embed="rId5">
             <a:extLst>
               <a:ext uri="{28A0092B-C50C-407E-A947-70E740481C1C}">
                 <a14:useLocalDpi xmlns:a14="http://schemas.microsoft.com/office/drawing/2010/main" val="0"/>
@@ -6891,7 +7208,7 @@
             <p:nvPr/>
           </p:nvPicPr>
           <p:blipFill>
-            <a:blip r:embed="rId4">
+            <a:blip r:embed="rId6">
               <a:extLst>
                 <a:ext uri="{28A0092B-C50C-407E-A947-70E740481C1C}">
                   <a14:useLocalDpi xmlns:a14="http://schemas.microsoft.com/office/drawing/2010/main" val="0"/>
@@ -6995,7 +7312,7 @@
             <p:nvPr/>
           </p:nvPicPr>
           <p:blipFill rotWithShape="1">
-            <a:blip r:embed="rId5">
+            <a:blip r:embed="rId7">
               <a:extLst>
                 <a:ext uri="{28A0092B-C50C-407E-A947-70E740481C1C}">
                   <a14:useLocalDpi xmlns:a14="http://schemas.microsoft.com/office/drawing/2010/main" val="0"/>
@@ -7040,7 +7357,7 @@
             <p:nvPr/>
           </p:nvPicPr>
           <p:blipFill rotWithShape="1">
-            <a:blip r:embed="rId6">
+            <a:blip r:embed="rId8">
               <a:extLst>
                 <a:ext uri="{28A0092B-C50C-407E-A947-70E740481C1C}">
                   <a14:useLocalDpi xmlns:a14="http://schemas.microsoft.com/office/drawing/2010/main" val="0"/>
@@ -7129,7 +7446,7 @@
         </p:nvSpPr>
         <p:spPr>
           <a:xfrm>
-            <a:off x="3943454" y="2616693"/>
+            <a:off x="3973250" y="3306029"/>
             <a:ext cx="4714072" cy="2262158"/>
           </a:xfrm>
           <a:prstGeom prst="rect">
@@ -7218,6 +7535,53 @@
           </a:p>
         </p:txBody>
       </p:sp>
+      <p:pic>
+        <p:nvPicPr>
+          <p:cNvPr id="13" name="Picture 2">
+            <a:extLst>
+              <a:ext uri="{FF2B5EF4-FFF2-40B4-BE49-F238E27FC236}">
+                <a16:creationId xmlns:a16="http://schemas.microsoft.com/office/drawing/2014/main" id="{0B646BAD-4F08-4B50-8315-8EB7A5BCA351}"/>
+              </a:ext>
+            </a:extLst>
+          </p:cNvPr>
+          <p:cNvPicPr>
+            <a:picLocks noChangeAspect="1" noChangeArrowheads="1"/>
+          </p:cNvPicPr>
+          <p:nvPr/>
+        </p:nvPicPr>
+        <p:blipFill>
+          <a:blip r:embed="rId9">
+            <a:extLst>
+              <a:ext uri="{28A0092B-C50C-407E-A947-70E740481C1C}">
+                <a14:useLocalDpi xmlns:a14="http://schemas.microsoft.com/office/drawing/2010/main" val="0"/>
+              </a:ext>
+            </a:extLst>
+          </a:blip>
+          <a:srcRect/>
+          <a:stretch>
+            <a:fillRect/>
+          </a:stretch>
+        </p:blipFill>
+        <p:spPr bwMode="auto">
+          <a:xfrm>
+            <a:off x="4019030" y="2169209"/>
+            <a:ext cx="4380516" cy="1113457"/>
+          </a:xfrm>
+          <a:prstGeom prst="rect">
+            <a:avLst/>
+          </a:prstGeom>
+          <a:noFill/>
+          <a:extLst>
+            <a:ext uri="{909E8E84-426E-40DD-AFC4-6F175D3DCCD1}">
+              <a14:hiddenFill xmlns:a14="http://schemas.microsoft.com/office/drawing/2010/main">
+                <a:solidFill>
+                  <a:srgbClr val="FFFFFF"/>
+                </a:solidFill>
+              </a14:hiddenFill>
+            </a:ext>
+          </a:extLst>
+        </p:spPr>
+      </p:pic>
     </p:spTree>
     <p:extLst>
       <p:ext uri="{BB962C8B-B14F-4D97-AF65-F5344CB8AC3E}">
@@ -7262,7 +7626,7 @@
                                           </p:stCondLst>
                                         </p:cTn>
                                         <p:tgtEl>
-                                          <p:spTgt spid="6"/>
+                                          <p:spTgt spid="10"/>
                                         </p:tgtEl>
                                         <p:attrNameLst>
                                           <p:attrName>style.visibility</p:attrName>
@@ -7294,7 +7658,7 @@
                             </p:stCondLst>
                             <p:childTnLst>
                               <p:par>
-                                <p:cTn id="9" presetID="1" presetClass="entr" presetSubtype="0" fill="hold" nodeType="clickEffect">
+                                <p:cTn id="9" presetID="1" presetClass="entr" presetSubtype="0" fill="hold" grpId="0" nodeType="clickEffect">
                                   <p:stCondLst>
                                     <p:cond delay="0"/>
                                   </p:stCondLst>
@@ -7307,7 +7671,7 @@
                                           </p:stCondLst>
                                         </p:cTn>
                                         <p:tgtEl>
-                                          <p:spTgt spid="10"/>
+                                          <p:spTgt spid="12"/>
                                         </p:tgtEl>
                                         <p:attrNameLst>
                                           <p:attrName>style.visibility</p:attrName>
@@ -7339,7 +7703,7 @@
                             </p:stCondLst>
                             <p:childTnLst>
                               <p:par>
-                                <p:cTn id="13" presetID="1" presetClass="entr" presetSubtype="0" fill="hold" grpId="0" nodeType="clickEffect">
+                                <p:cTn id="13" presetID="1" presetClass="entr" presetSubtype="0" fill="hold" nodeType="clickEffect">
                                   <p:stCondLst>
                                     <p:cond delay="0"/>
                                   </p:stCondLst>
@@ -7347,51 +7711,6 @@
                                     <p:set>
                                       <p:cBhvr>
                                         <p:cTn id="14" dur="1" fill="hold">
-                                          <p:stCondLst>
-                                            <p:cond delay="0"/>
-                                          </p:stCondLst>
-                                        </p:cTn>
-                                        <p:tgtEl>
-                                          <p:spTgt spid="12"/>
-                                        </p:tgtEl>
-                                        <p:attrNameLst>
-                                          <p:attrName>style.visibility</p:attrName>
-                                        </p:attrNameLst>
-                                      </p:cBhvr>
-                                      <p:to>
-                                        <p:strVal val="visible"/>
-                                      </p:to>
-                                    </p:set>
-                                  </p:childTnLst>
-                                </p:cTn>
-                              </p:par>
-                            </p:childTnLst>
-                          </p:cTn>
-                        </p:par>
-                      </p:childTnLst>
-                    </p:cTn>
-                  </p:par>
-                  <p:par>
-                    <p:cTn id="15" fill="hold">
-                      <p:stCondLst>
-                        <p:cond delay="indefinite"/>
-                      </p:stCondLst>
-                      <p:childTnLst>
-                        <p:par>
-                          <p:cTn id="16" fill="hold">
-                            <p:stCondLst>
-                              <p:cond delay="0"/>
-                            </p:stCondLst>
-                            <p:childTnLst>
-                              <p:par>
-                                <p:cTn id="17" presetID="1" presetClass="entr" presetSubtype="0" fill="hold" nodeType="clickEffect">
-                                  <p:stCondLst>
-                                    <p:cond delay="0"/>
-                                  </p:stCondLst>
-                                  <p:childTnLst>
-                                    <p:set>
-                                      <p:cBhvr>
-                                        <p:cTn id="18" dur="1" fill="hold">
                                           <p:stCondLst>
                                             <p:cond delay="0"/>
                                           </p:stCondLst>
@@ -7411,14 +7730,14 @@
                                 </p:cTn>
                               </p:par>
                               <p:par>
-                                <p:cTn id="19" presetID="1" presetClass="entr" presetSubtype="0" fill="hold" nodeType="withEffect">
+                                <p:cTn id="15" presetID="1" presetClass="entr" presetSubtype="0" fill="hold" nodeType="withEffect">
                                   <p:stCondLst>
                                     <p:cond delay="0"/>
                                   </p:stCondLst>
                                   <p:childTnLst>
                                     <p:set>
                                       <p:cBhvr>
-                                        <p:cTn id="20" dur="1" fill="hold">
+                                        <p:cTn id="16" dur="1" fill="hold">
                                           <p:stCondLst>
                                             <p:cond delay="0"/>
                                           </p:stCondLst>
@@ -9210,6 +9529,64 @@
           <p:cNvPr id="2" name="Title 1">
             <a:extLst>
               <a:ext uri="{FF2B5EF4-FFF2-40B4-BE49-F238E27FC236}">
+                <a16:creationId xmlns:a16="http://schemas.microsoft.com/office/drawing/2014/main" id="{C354BA39-0F80-1BD8-4D2A-1BD49E20043C}"/>
+              </a:ext>
+            </a:extLst>
+          </p:cNvPr>
+          <p:cNvSpPr>
+            <a:spLocks noGrp="1"/>
+          </p:cNvSpPr>
+          <p:nvPr>
+            <p:ph type="title"/>
+          </p:nvPr>
+        </p:nvSpPr>
+        <p:spPr/>
+        <p:txBody>
+          <a:bodyPr/>
+          <a:lstStyle/>
+          <a:p>
+            <a:r>
+              <a:rPr lang="en-US" dirty="0"/>
+              <a:t>SI</a:t>
+            </a:r>
+          </a:p>
+        </p:txBody>
+      </p:sp>
+    </p:spTree>
+    <p:extLst>
+      <p:ext uri="{BB962C8B-B14F-4D97-AF65-F5344CB8AC3E}">
+        <p14:creationId xmlns:p14="http://schemas.microsoft.com/office/powerpoint/2010/main" val="2019100309"/>
+      </p:ext>
+    </p:extLst>
+  </p:cSld>
+  <p:clrMapOvr>
+    <a:masterClrMapping/>
+  </p:clrMapOvr>
+</p:sld>
+</file>
+
+<file path=ppt/slides/slide8.xml><?xml version="1.0" encoding="utf-8"?>
+<p:sld xmlns:a="http://schemas.openxmlformats.org/drawingml/2006/main" xmlns:r="http://schemas.openxmlformats.org/officeDocument/2006/relationships" xmlns:p="http://schemas.openxmlformats.org/presentationml/2006/main">
+  <p:cSld>
+    <p:spTree>
+      <p:nvGrpSpPr>
+        <p:cNvPr id="1" name=""/>
+        <p:cNvGrpSpPr/>
+        <p:nvPr/>
+      </p:nvGrpSpPr>
+      <p:grpSpPr>
+        <a:xfrm>
+          <a:off x="0" y="0"/>
+          <a:ext cx="0" cy="0"/>
+          <a:chOff x="0" y="0"/>
+          <a:chExt cx="0" cy="0"/>
+        </a:xfrm>
+      </p:grpSpPr>
+      <p:sp>
+        <p:nvSpPr>
+          <p:cNvPr id="2" name="Title 1">
+            <a:extLst>
+              <a:ext uri="{FF2B5EF4-FFF2-40B4-BE49-F238E27FC236}">
                 <a16:creationId xmlns:a16="http://schemas.microsoft.com/office/drawing/2014/main" id="{866CE761-0CA1-AF68-50B2-F5BE093D92DC}"/>
               </a:ext>
             </a:extLst>
@@ -9595,7 +9972,7 @@
 </p:sld>
 </file>
 
-<file path=ppt/slides/slide8.xml><?xml version="1.0" encoding="utf-8"?>
+<file path=ppt/slides/slide9.xml><?xml version="1.0" encoding="utf-8"?>
 <p:sld xmlns:a="http://schemas.openxmlformats.org/drawingml/2006/main" xmlns:r="http://schemas.openxmlformats.org/officeDocument/2006/relationships" xmlns:p="http://schemas.openxmlformats.org/presentationml/2006/main">
   <p:cSld>
     <p:spTree>
@@ -10151,191 +10528,6 @@
       </p:par>
     </p:tnLst>
   </p:timing>
-</p:sld>
-</file>
-
-<file path=ppt/slides/slide9.xml><?xml version="1.0" encoding="utf-8"?>
-<p:sld xmlns:a="http://schemas.openxmlformats.org/drawingml/2006/main" xmlns:r="http://schemas.openxmlformats.org/officeDocument/2006/relationships" xmlns:p="http://schemas.openxmlformats.org/presentationml/2006/main">
-  <p:cSld>
-    <p:spTree>
-      <p:nvGrpSpPr>
-        <p:cNvPr id="1" name=""/>
-        <p:cNvGrpSpPr/>
-        <p:nvPr/>
-      </p:nvGrpSpPr>
-      <p:grpSpPr>
-        <a:xfrm>
-          <a:off x="0" y="0"/>
-          <a:ext cx="0" cy="0"/>
-          <a:chOff x="0" y="0"/>
-          <a:chExt cx="0" cy="0"/>
-        </a:xfrm>
-      </p:grpSpPr>
-      <p:pic>
-        <p:nvPicPr>
-          <p:cNvPr id="2050" name="Picture 2">
-            <a:extLst>
-              <a:ext uri="{FF2B5EF4-FFF2-40B4-BE49-F238E27FC236}">
-                <a16:creationId xmlns:a16="http://schemas.microsoft.com/office/drawing/2014/main" id="{278685EF-C31B-EA48-4586-03D427043A19}"/>
-              </a:ext>
-            </a:extLst>
-          </p:cNvPr>
-          <p:cNvPicPr>
-            <a:picLocks noChangeAspect="1" noChangeArrowheads="1"/>
-          </p:cNvPicPr>
-          <p:nvPr/>
-        </p:nvPicPr>
-        <p:blipFill>
-          <a:blip r:embed="rId2">
-            <a:extLst>
-              <a:ext uri="{28A0092B-C50C-407E-A947-70E740481C1C}">
-                <a14:useLocalDpi xmlns:a14="http://schemas.microsoft.com/office/drawing/2010/main" val="0"/>
-              </a:ext>
-            </a:extLst>
-          </a:blip>
-          <a:srcRect/>
-          <a:stretch>
-            <a:fillRect/>
-          </a:stretch>
-        </p:blipFill>
-        <p:spPr bwMode="auto">
-          <a:xfrm>
-            <a:off x="3102348" y="699247"/>
-            <a:ext cx="6381750" cy="4648200"/>
-          </a:xfrm>
-          <a:prstGeom prst="rect">
-            <a:avLst/>
-          </a:prstGeom>
-          <a:noFill/>
-          <a:extLst>
-            <a:ext uri="{909E8E84-426E-40DD-AFC4-6F175D3DCCD1}">
-              <a14:hiddenFill xmlns:a14="http://schemas.microsoft.com/office/drawing/2010/main">
-                <a:solidFill>
-                  <a:srgbClr val="FFFFFF"/>
-                </a:solidFill>
-              </a14:hiddenFill>
-            </a:ext>
-          </a:extLst>
-        </p:spPr>
-      </p:pic>
-      <p:pic>
-        <p:nvPicPr>
-          <p:cNvPr id="3" name="Graphic 2">
-            <a:extLst>
-              <a:ext uri="{FF2B5EF4-FFF2-40B4-BE49-F238E27FC236}">
-                <a16:creationId xmlns:a16="http://schemas.microsoft.com/office/drawing/2014/main" id="{8A8111A2-39BB-10DB-0F12-704B879FCBC4}"/>
-              </a:ext>
-            </a:extLst>
-          </p:cNvPr>
-          <p:cNvPicPr>
-            <a:picLocks noChangeAspect="1"/>
-          </p:cNvPicPr>
-          <p:nvPr/>
-        </p:nvPicPr>
-        <p:blipFill>
-          <a:blip r:embed="rId3">
-            <a:extLst>
-              <a:ext uri="{96DAC541-7B7A-43D3-8B79-37D633B846F1}">
-                <asvg:svgBlip xmlns:asvg="http://schemas.microsoft.com/office/drawing/2016/SVG/main" r:embed="rId4"/>
-              </a:ext>
-            </a:extLst>
-          </a:blip>
-          <a:stretch>
-            <a:fillRect/>
-          </a:stretch>
-        </p:blipFill>
-        <p:spPr>
-          <a:xfrm>
-            <a:off x="4482911" y="980216"/>
-            <a:ext cx="2249687" cy="775597"/>
-          </a:xfrm>
-          <a:prstGeom prst="rect">
-            <a:avLst/>
-          </a:prstGeom>
-        </p:spPr>
-      </p:pic>
-      <p:pic>
-        <p:nvPicPr>
-          <p:cNvPr id="5" name="Graphic 4">
-            <a:extLst>
-              <a:ext uri="{FF2B5EF4-FFF2-40B4-BE49-F238E27FC236}">
-                <a16:creationId xmlns:a16="http://schemas.microsoft.com/office/drawing/2014/main" id="{3D1E819C-6C92-EE39-DB9A-098E15FE74AE}"/>
-              </a:ext>
-            </a:extLst>
-          </p:cNvPr>
-          <p:cNvPicPr>
-            <a:picLocks noChangeAspect="1"/>
-          </p:cNvPicPr>
-          <p:nvPr/>
-        </p:nvPicPr>
-        <p:blipFill>
-          <a:blip r:embed="rId5">
-            <a:extLst>
-              <a:ext uri="{96DAC541-7B7A-43D3-8B79-37D633B846F1}">
-                <asvg:svgBlip xmlns:asvg="http://schemas.microsoft.com/office/drawing/2016/SVG/main" r:embed="rId6"/>
-              </a:ext>
-            </a:extLst>
-          </a:blip>
-          <a:stretch>
-            <a:fillRect/>
-          </a:stretch>
-        </p:blipFill>
-        <p:spPr>
-          <a:xfrm>
-            <a:off x="5416468" y="1736763"/>
-            <a:ext cx="2249687" cy="1383376"/>
-          </a:xfrm>
-          <a:prstGeom prst="rect">
-            <a:avLst/>
-          </a:prstGeom>
-        </p:spPr>
-      </p:pic>
-      <p:pic>
-        <p:nvPicPr>
-          <p:cNvPr id="7" name="Graphic 6">
-            <a:extLst>
-              <a:ext uri="{FF2B5EF4-FFF2-40B4-BE49-F238E27FC236}">
-                <a16:creationId xmlns:a16="http://schemas.microsoft.com/office/drawing/2014/main" id="{915451DF-37DE-50BD-7530-7F4883690659}"/>
-              </a:ext>
-            </a:extLst>
-          </p:cNvPr>
-          <p:cNvPicPr>
-            <a:picLocks noChangeAspect="1"/>
-          </p:cNvPicPr>
-          <p:nvPr/>
-        </p:nvPicPr>
-        <p:blipFill>
-          <a:blip r:embed="rId7">
-            <a:extLst>
-              <a:ext uri="{96DAC541-7B7A-43D3-8B79-37D633B846F1}">
-                <asvg:svgBlip xmlns:asvg="http://schemas.microsoft.com/office/drawing/2016/SVG/main" r:embed="rId8"/>
-              </a:ext>
-            </a:extLst>
-          </a:blip>
-          <a:stretch>
-            <a:fillRect/>
-          </a:stretch>
-        </p:blipFill>
-        <p:spPr>
-          <a:xfrm>
-            <a:off x="6907043" y="2987226"/>
-            <a:ext cx="2249424" cy="1419496"/>
-          </a:xfrm>
-          <a:prstGeom prst="rect">
-            <a:avLst/>
-          </a:prstGeom>
-        </p:spPr>
-      </p:pic>
-    </p:spTree>
-    <p:extLst>
-      <p:ext uri="{BB962C8B-B14F-4D97-AF65-F5344CB8AC3E}">
-        <p14:creationId xmlns:p14="http://schemas.microsoft.com/office/powerpoint/2010/main" val="1749928737"/>
-      </p:ext>
-    </p:extLst>
-  </p:cSld>
-  <p:clrMapOvr>
-    <a:masterClrMapping/>
-  </p:clrMapOvr>
 </p:sld>
 </file>
 

--- a/20230515 NF Collab Update.pptx
+++ b/20230515 NF Collab Update.pptx
@@ -7026,7 +7026,7 @@
         </p:blipFill>
         <p:spPr bwMode="auto">
           <a:xfrm>
-            <a:off x="4048826" y="1459937"/>
+            <a:off x="4048826" y="1386817"/>
             <a:ext cx="4350720" cy="1046721"/>
           </a:xfrm>
           <a:prstGeom prst="rect">

--- a/20230515 NF Collab Update.pptx
+++ b/20230515 NF Collab Update.pptx
@@ -5,7 +5,7 @@
     <p:sldMasterId id="2147483648" r:id="rId1"/>
   </p:sldMasterIdLst>
   <p:notesMasterIdLst>
-    <p:notesMasterId r:id="rId13"/>
+    <p:notesMasterId r:id="rId8"/>
   </p:notesMasterIdLst>
   <p:sldIdLst>
     <p:sldId id="256" r:id="rId2"/>
@@ -14,11 +14,6 @@
     <p:sldId id="271" r:id="rId5"/>
     <p:sldId id="270" r:id="rId6"/>
     <p:sldId id="263" r:id="rId7"/>
-    <p:sldId id="272" r:id="rId8"/>
-    <p:sldId id="267" r:id="rId9"/>
-    <p:sldId id="265" r:id="rId10"/>
-    <p:sldId id="268" r:id="rId11"/>
-    <p:sldId id="264" r:id="rId12"/>
   </p:sldIdLst>
   <p:sldSz cx="12192000" cy="6858000"/>
   <p:notesSz cx="6858000" cy="9144000"/>
@@ -3950,758 +3945,6 @@
   <p:clrMapOvr>
     <a:masterClrMapping/>
   </p:clrMapOvr>
-</p:sld>
-</file>
-
-<file path=ppt/slides/slide10.xml><?xml version="1.0" encoding="utf-8"?>
-<p:sld xmlns:a="http://schemas.openxmlformats.org/drawingml/2006/main" xmlns:r="http://schemas.openxmlformats.org/officeDocument/2006/relationships" xmlns:p="http://schemas.openxmlformats.org/presentationml/2006/main">
-  <p:cSld>
-    <p:spTree>
-      <p:nvGrpSpPr>
-        <p:cNvPr id="1" name=""/>
-        <p:cNvGrpSpPr/>
-        <p:nvPr/>
-      </p:nvGrpSpPr>
-      <p:grpSpPr>
-        <a:xfrm>
-          <a:off x="0" y="0"/>
-          <a:ext cx="0" cy="0"/>
-          <a:chOff x="0" y="0"/>
-          <a:chExt cx="0" cy="0"/>
-        </a:xfrm>
-      </p:grpSpPr>
-      <p:pic>
-        <p:nvPicPr>
-          <p:cNvPr id="2050" name="Picture 2">
-            <a:extLst>
-              <a:ext uri="{FF2B5EF4-FFF2-40B4-BE49-F238E27FC236}">
-                <a16:creationId xmlns:a16="http://schemas.microsoft.com/office/drawing/2014/main" id="{278685EF-C31B-EA48-4586-03D427043A19}"/>
-              </a:ext>
-            </a:extLst>
-          </p:cNvPr>
-          <p:cNvPicPr>
-            <a:picLocks noChangeAspect="1" noChangeArrowheads="1"/>
-          </p:cNvPicPr>
-          <p:nvPr/>
-        </p:nvPicPr>
-        <p:blipFill>
-          <a:blip r:embed="rId2">
-            <a:extLst>
-              <a:ext uri="{28A0092B-C50C-407E-A947-70E740481C1C}">
-                <a14:useLocalDpi xmlns:a14="http://schemas.microsoft.com/office/drawing/2010/main" val="0"/>
-              </a:ext>
-            </a:extLst>
-          </a:blip>
-          <a:srcRect/>
-          <a:stretch>
-            <a:fillRect/>
-          </a:stretch>
-        </p:blipFill>
-        <p:spPr bwMode="auto">
-          <a:xfrm>
-            <a:off x="3102348" y="699247"/>
-            <a:ext cx="6381750" cy="4648200"/>
-          </a:xfrm>
-          <a:prstGeom prst="rect">
-            <a:avLst/>
-          </a:prstGeom>
-          <a:noFill/>
-          <a:extLst>
-            <a:ext uri="{909E8E84-426E-40DD-AFC4-6F175D3DCCD1}">
-              <a14:hiddenFill xmlns:a14="http://schemas.microsoft.com/office/drawing/2010/main">
-                <a:solidFill>
-                  <a:srgbClr val="FFFFFF"/>
-                </a:solidFill>
-              </a14:hiddenFill>
-            </a:ext>
-          </a:extLst>
-        </p:spPr>
-      </p:pic>
-      <p:pic>
-        <p:nvPicPr>
-          <p:cNvPr id="3" name="Graphic 2">
-            <a:extLst>
-              <a:ext uri="{FF2B5EF4-FFF2-40B4-BE49-F238E27FC236}">
-                <a16:creationId xmlns:a16="http://schemas.microsoft.com/office/drawing/2014/main" id="{8A8111A2-39BB-10DB-0F12-704B879FCBC4}"/>
-              </a:ext>
-            </a:extLst>
-          </p:cNvPr>
-          <p:cNvPicPr>
-            <a:picLocks noChangeAspect="1"/>
-          </p:cNvPicPr>
-          <p:nvPr/>
-        </p:nvPicPr>
-        <p:blipFill>
-          <a:blip r:embed="rId3">
-            <a:extLst>
-              <a:ext uri="{96DAC541-7B7A-43D3-8B79-37D633B846F1}">
-                <asvg:svgBlip xmlns:asvg="http://schemas.microsoft.com/office/drawing/2016/SVG/main" r:embed="rId4"/>
-              </a:ext>
-            </a:extLst>
-          </a:blip>
-          <a:stretch>
-            <a:fillRect/>
-          </a:stretch>
-        </p:blipFill>
-        <p:spPr>
-          <a:xfrm>
-            <a:off x="4482911" y="980216"/>
-            <a:ext cx="2249687" cy="775597"/>
-          </a:xfrm>
-          <a:prstGeom prst="rect">
-            <a:avLst/>
-          </a:prstGeom>
-        </p:spPr>
-      </p:pic>
-      <p:pic>
-        <p:nvPicPr>
-          <p:cNvPr id="5" name="Graphic 4">
-            <a:extLst>
-              <a:ext uri="{FF2B5EF4-FFF2-40B4-BE49-F238E27FC236}">
-                <a16:creationId xmlns:a16="http://schemas.microsoft.com/office/drawing/2014/main" id="{3D1E819C-6C92-EE39-DB9A-098E15FE74AE}"/>
-              </a:ext>
-            </a:extLst>
-          </p:cNvPr>
-          <p:cNvPicPr>
-            <a:picLocks noChangeAspect="1"/>
-          </p:cNvPicPr>
-          <p:nvPr/>
-        </p:nvPicPr>
-        <p:blipFill>
-          <a:blip r:embed="rId5">
-            <a:extLst>
-              <a:ext uri="{96DAC541-7B7A-43D3-8B79-37D633B846F1}">
-                <asvg:svgBlip xmlns:asvg="http://schemas.microsoft.com/office/drawing/2016/SVG/main" r:embed="rId6"/>
-              </a:ext>
-            </a:extLst>
-          </a:blip>
-          <a:stretch>
-            <a:fillRect/>
-          </a:stretch>
-        </p:blipFill>
-        <p:spPr>
-          <a:xfrm>
-            <a:off x="5416468" y="1736763"/>
-            <a:ext cx="2249687" cy="1383376"/>
-          </a:xfrm>
-          <a:prstGeom prst="rect">
-            <a:avLst/>
-          </a:prstGeom>
-        </p:spPr>
-      </p:pic>
-      <p:pic>
-        <p:nvPicPr>
-          <p:cNvPr id="7" name="Graphic 6">
-            <a:extLst>
-              <a:ext uri="{FF2B5EF4-FFF2-40B4-BE49-F238E27FC236}">
-                <a16:creationId xmlns:a16="http://schemas.microsoft.com/office/drawing/2014/main" id="{915451DF-37DE-50BD-7530-7F4883690659}"/>
-              </a:ext>
-            </a:extLst>
-          </p:cNvPr>
-          <p:cNvPicPr>
-            <a:picLocks noChangeAspect="1"/>
-          </p:cNvPicPr>
-          <p:nvPr/>
-        </p:nvPicPr>
-        <p:blipFill>
-          <a:blip r:embed="rId7">
-            <a:extLst>
-              <a:ext uri="{96DAC541-7B7A-43D3-8B79-37D633B846F1}">
-                <asvg:svgBlip xmlns:asvg="http://schemas.microsoft.com/office/drawing/2016/SVG/main" r:embed="rId8"/>
-              </a:ext>
-            </a:extLst>
-          </a:blip>
-          <a:stretch>
-            <a:fillRect/>
-          </a:stretch>
-        </p:blipFill>
-        <p:spPr>
-          <a:xfrm>
-            <a:off x="6907043" y="2987226"/>
-            <a:ext cx="2249424" cy="1419496"/>
-          </a:xfrm>
-          <a:prstGeom prst="rect">
-            <a:avLst/>
-          </a:prstGeom>
-        </p:spPr>
-      </p:pic>
-    </p:spTree>
-    <p:extLst>
-      <p:ext uri="{BB962C8B-B14F-4D97-AF65-F5344CB8AC3E}">
-        <p14:creationId xmlns:p14="http://schemas.microsoft.com/office/powerpoint/2010/main" val="1749928737"/>
-      </p:ext>
-    </p:extLst>
-  </p:cSld>
-  <p:clrMapOvr>
-    <a:masterClrMapping/>
-  </p:clrMapOvr>
-</p:sld>
-</file>
-
-<file path=ppt/slides/slide11.xml><?xml version="1.0" encoding="utf-8"?>
-<p:sld xmlns:a="http://schemas.openxmlformats.org/drawingml/2006/main" xmlns:r="http://schemas.openxmlformats.org/officeDocument/2006/relationships" xmlns:p="http://schemas.openxmlformats.org/presentationml/2006/main">
-  <p:cSld>
-    <p:spTree>
-      <p:nvGrpSpPr>
-        <p:cNvPr id="1" name=""/>
-        <p:cNvGrpSpPr/>
-        <p:nvPr/>
-      </p:nvGrpSpPr>
-      <p:grpSpPr>
-        <a:xfrm>
-          <a:off x="0" y="0"/>
-          <a:ext cx="0" cy="0"/>
-          <a:chOff x="0" y="0"/>
-          <a:chExt cx="0" cy="0"/>
-        </a:xfrm>
-      </p:grpSpPr>
-      <p:sp>
-        <p:nvSpPr>
-          <p:cNvPr id="2" name="Title 1">
-            <a:extLst>
-              <a:ext uri="{FF2B5EF4-FFF2-40B4-BE49-F238E27FC236}">
-                <a16:creationId xmlns:a16="http://schemas.microsoft.com/office/drawing/2014/main" id="{40F4ECA0-2A13-44DA-AD91-22617F5FC2E7}"/>
-              </a:ext>
-            </a:extLst>
-          </p:cNvPr>
-          <p:cNvSpPr>
-            <a:spLocks noGrp="1"/>
-          </p:cNvSpPr>
-          <p:nvPr>
-            <p:ph type="title"/>
-          </p:nvPr>
-        </p:nvSpPr>
-        <p:spPr>
-          <a:xfrm>
-            <a:off x="282389" y="176563"/>
-            <a:ext cx="10515600" cy="1325563"/>
-          </a:xfrm>
-        </p:spPr>
-        <p:txBody>
-          <a:bodyPr/>
-          <a:lstStyle/>
-          <a:p>
-            <a:r>
-              <a:rPr lang="en-US" dirty="0"/>
-              <a:t>Characterization</a:t>
-            </a:r>
-          </a:p>
-        </p:txBody>
-      </p:sp>
-      <p:pic>
-        <p:nvPicPr>
-          <p:cNvPr id="4" name="Picture 3">
-            <a:extLst>
-              <a:ext uri="{FF2B5EF4-FFF2-40B4-BE49-F238E27FC236}">
-                <a16:creationId xmlns:a16="http://schemas.microsoft.com/office/drawing/2014/main" id="{9FCA48FE-E0AE-D7F1-1C8E-527D4E04E040}"/>
-              </a:ext>
-            </a:extLst>
-          </p:cNvPr>
-          <p:cNvPicPr>
-            <a:picLocks noChangeAspect="1"/>
-          </p:cNvPicPr>
-          <p:nvPr/>
-        </p:nvPicPr>
-        <p:blipFill>
-          <a:blip r:embed="rId2"/>
-          <a:stretch>
-            <a:fillRect/>
-          </a:stretch>
-        </p:blipFill>
-        <p:spPr>
-          <a:xfrm>
-            <a:off x="397781" y="2017898"/>
-            <a:ext cx="4035538" cy="3505200"/>
-          </a:xfrm>
-          <a:prstGeom prst="rect">
-            <a:avLst/>
-          </a:prstGeom>
-        </p:spPr>
-      </p:pic>
-      <p:sp>
-        <p:nvSpPr>
-          <p:cNvPr id="5" name="TextBox 4">
-            <a:extLst>
-              <a:ext uri="{FF2B5EF4-FFF2-40B4-BE49-F238E27FC236}">
-                <a16:creationId xmlns:a16="http://schemas.microsoft.com/office/drawing/2014/main" id="{C340DF4E-E8EC-DFA2-F44C-0ED56F26BAEF}"/>
-              </a:ext>
-            </a:extLst>
-          </p:cNvPr>
-          <p:cNvSpPr txBox="1"/>
-          <p:nvPr/>
-        </p:nvSpPr>
-        <p:spPr>
-          <a:xfrm>
-            <a:off x="1083581" y="1803585"/>
-            <a:ext cx="2895600" cy="371475"/>
-          </a:xfrm>
-          <a:prstGeom prst="rect">
-            <a:avLst/>
-          </a:prstGeom>
-          <a:noFill/>
-        </p:spPr>
-        <p:txBody>
-          <a:bodyPr wrap="square" rtlCol="0">
-            <a:spAutoFit/>
-          </a:bodyPr>
-          <a:lstStyle/>
-          <a:p>
-            <a:pPr algn="ctr"/>
-            <a:r>
-              <a:rPr lang="en-US" dirty="0"/>
-              <a:t>Reflectivity Spectra</a:t>
-            </a:r>
-          </a:p>
-        </p:txBody>
-      </p:sp>
-      <p:cxnSp>
-        <p:nvCxnSpPr>
-          <p:cNvPr id="8" name="Straight Arrow Connector 7">
-            <a:extLst>
-              <a:ext uri="{FF2B5EF4-FFF2-40B4-BE49-F238E27FC236}">
-                <a16:creationId xmlns:a16="http://schemas.microsoft.com/office/drawing/2014/main" id="{4DC2216C-A58B-BE98-8AA8-B2C0FC139FD3}"/>
-              </a:ext>
-            </a:extLst>
-          </p:cNvPr>
-          <p:cNvCxnSpPr>
-            <a:cxnSpLocks/>
-          </p:cNvCxnSpPr>
-          <p:nvPr/>
-        </p:nvCxnSpPr>
-        <p:spPr>
-          <a:xfrm>
-            <a:off x="2245631" y="2494147"/>
-            <a:ext cx="169919" cy="2000250"/>
-          </a:xfrm>
-          <a:prstGeom prst="straightConnector1">
-            <a:avLst/>
-          </a:prstGeom>
-          <a:ln w="28575">
-            <a:solidFill>
-              <a:schemeClr val="tx1"/>
-            </a:solidFill>
-            <a:tailEnd type="triangle"/>
-          </a:ln>
-        </p:spPr>
-        <p:style>
-          <a:lnRef idx="1">
-            <a:schemeClr val="accent1"/>
-          </a:lnRef>
-          <a:fillRef idx="0">
-            <a:schemeClr val="accent1"/>
-          </a:fillRef>
-          <a:effectRef idx="0">
-            <a:schemeClr val="accent1"/>
-          </a:effectRef>
-          <a:fontRef idx="minor">
-            <a:schemeClr val="tx1"/>
-          </a:fontRef>
-        </p:style>
-      </p:cxnSp>
-      <p:sp>
-        <p:nvSpPr>
-          <p:cNvPr id="10" name="TextBox 9">
-            <a:extLst>
-              <a:ext uri="{FF2B5EF4-FFF2-40B4-BE49-F238E27FC236}">
-                <a16:creationId xmlns:a16="http://schemas.microsoft.com/office/drawing/2014/main" id="{3BB36B47-017F-AA02-17D9-118FD5B555DB}"/>
-              </a:ext>
-            </a:extLst>
-          </p:cNvPr>
-          <p:cNvSpPr txBox="1"/>
-          <p:nvPr/>
-        </p:nvSpPr>
-        <p:spPr>
-          <a:xfrm>
-            <a:off x="2478610" y="2511470"/>
-            <a:ext cx="3001141" cy="307777"/>
-          </a:xfrm>
-          <a:prstGeom prst="rect">
-            <a:avLst/>
-          </a:prstGeom>
-          <a:solidFill>
-            <a:schemeClr val="bg1"/>
-          </a:solidFill>
-          <a:ln w="19050">
-            <a:solidFill>
-              <a:schemeClr val="tx1"/>
-            </a:solidFill>
-          </a:ln>
-        </p:spPr>
-        <p:txBody>
-          <a:bodyPr wrap="square" rtlCol="0">
-            <a:spAutoFit/>
-          </a:bodyPr>
-          <a:lstStyle/>
-          <a:p>
-            <a:pPr algn="ctr"/>
-            <a:r>
-              <a:rPr lang="en-US" sz="1400" dirty="0"/>
-              <a:t>Emergence of inner condensed phase</a:t>
-            </a:r>
-          </a:p>
-        </p:txBody>
-      </p:sp>
-      <p:pic>
-        <p:nvPicPr>
-          <p:cNvPr id="3074" name="Picture 2">
-            <a:extLst>
-              <a:ext uri="{FF2B5EF4-FFF2-40B4-BE49-F238E27FC236}">
-                <a16:creationId xmlns:a16="http://schemas.microsoft.com/office/drawing/2014/main" id="{8A0650D1-B37A-942F-3A5F-91433F9689F9}"/>
-              </a:ext>
-            </a:extLst>
-          </p:cNvPr>
-          <p:cNvPicPr>
-            <a:picLocks noChangeAspect="1" noChangeArrowheads="1"/>
-          </p:cNvPicPr>
-          <p:nvPr/>
-        </p:nvPicPr>
-        <p:blipFill rotWithShape="1">
-          <a:blip r:embed="rId3">
-            <a:extLst>
-              <a:ext uri="{28A0092B-C50C-407E-A947-70E740481C1C}">
-                <a14:useLocalDpi xmlns:a14="http://schemas.microsoft.com/office/drawing/2010/main" val="0"/>
-              </a:ext>
-            </a:extLst>
-          </a:blip>
-          <a:srcRect r="16850"/>
-          <a:stretch/>
-        </p:blipFill>
-        <p:spPr bwMode="auto">
-          <a:xfrm>
-            <a:off x="6783945" y="986173"/>
-            <a:ext cx="3972630" cy="2907111"/>
-          </a:xfrm>
-          <a:prstGeom prst="rect">
-            <a:avLst/>
-          </a:prstGeom>
-          <a:noFill/>
-          <a:extLst>
-            <a:ext uri="{909E8E84-426E-40DD-AFC4-6F175D3DCCD1}">
-              <a14:hiddenFill xmlns:a14="http://schemas.microsoft.com/office/drawing/2010/main">
-                <a:solidFill>
-                  <a:srgbClr val="FFFFFF"/>
-                </a:solidFill>
-              </a14:hiddenFill>
-            </a:ext>
-          </a:extLst>
-        </p:spPr>
-      </p:pic>
-      <p:pic>
-        <p:nvPicPr>
-          <p:cNvPr id="3076" name="Picture 4">
-            <a:extLst>
-              <a:ext uri="{FF2B5EF4-FFF2-40B4-BE49-F238E27FC236}">
-                <a16:creationId xmlns:a16="http://schemas.microsoft.com/office/drawing/2014/main" id="{B808C02D-C479-74CD-78C0-CB2179F6CA37}"/>
-              </a:ext>
-            </a:extLst>
-          </p:cNvPr>
-          <p:cNvPicPr>
-            <a:picLocks noChangeAspect="1" noChangeArrowheads="1"/>
-          </p:cNvPicPr>
-          <p:nvPr/>
-        </p:nvPicPr>
-        <p:blipFill>
-          <a:blip r:embed="rId4">
-            <a:extLst>
-              <a:ext uri="{28A0092B-C50C-407E-A947-70E740481C1C}">
-                <a14:useLocalDpi xmlns:a14="http://schemas.microsoft.com/office/drawing/2010/main" val="0"/>
-              </a:ext>
-            </a:extLst>
-          </a:blip>
-          <a:srcRect/>
-          <a:stretch>
-            <a:fillRect/>
-          </a:stretch>
-        </p:blipFill>
-        <p:spPr bwMode="auto">
-          <a:xfrm>
-            <a:off x="5430473" y="3893284"/>
-            <a:ext cx="6679575" cy="2788153"/>
-          </a:xfrm>
-          <a:prstGeom prst="rect">
-            <a:avLst/>
-          </a:prstGeom>
-          <a:noFill/>
-          <a:extLst>
-            <a:ext uri="{909E8E84-426E-40DD-AFC4-6F175D3DCCD1}">
-              <a14:hiddenFill xmlns:a14="http://schemas.microsoft.com/office/drawing/2010/main">
-                <a:solidFill>
-                  <a:srgbClr val="FFFFFF"/>
-                </a:solidFill>
-              </a14:hiddenFill>
-            </a:ext>
-          </a:extLst>
-        </p:spPr>
-      </p:pic>
-      <p:sp>
-        <p:nvSpPr>
-          <p:cNvPr id="18" name="TextBox 17">
-            <a:extLst>
-              <a:ext uri="{FF2B5EF4-FFF2-40B4-BE49-F238E27FC236}">
-                <a16:creationId xmlns:a16="http://schemas.microsoft.com/office/drawing/2014/main" id="{1103D703-D809-6BF4-F2D1-2A4968CD2263}"/>
-              </a:ext>
-            </a:extLst>
-          </p:cNvPr>
-          <p:cNvSpPr txBox="1"/>
-          <p:nvPr/>
-        </p:nvSpPr>
-        <p:spPr>
-          <a:xfrm>
-            <a:off x="7510718" y="653606"/>
-            <a:ext cx="2895600" cy="371475"/>
-          </a:xfrm>
-          <a:prstGeom prst="rect">
-            <a:avLst/>
-          </a:prstGeom>
-          <a:noFill/>
-        </p:spPr>
-        <p:txBody>
-          <a:bodyPr wrap="square" rtlCol="0">
-            <a:spAutoFit/>
-          </a:bodyPr>
-          <a:lstStyle/>
-          <a:p>
-            <a:pPr algn="ctr"/>
-            <a:r>
-              <a:rPr lang="en-US" dirty="0"/>
-              <a:t>Interacting Brushes (4 mM)</a:t>
-            </a:r>
-          </a:p>
-        </p:txBody>
-      </p:sp>
-    </p:spTree>
-    <p:extLst>
-      <p:ext uri="{BB962C8B-B14F-4D97-AF65-F5344CB8AC3E}">
-        <p14:creationId xmlns:p14="http://schemas.microsoft.com/office/powerpoint/2010/main" val="2606141381"/>
-      </p:ext>
-    </p:extLst>
-  </p:cSld>
-  <p:clrMapOvr>
-    <a:masterClrMapping/>
-  </p:clrMapOvr>
-  <p:timing>
-    <p:tnLst>
-      <p:par>
-        <p:cTn id="1" dur="indefinite" restart="never" nodeType="tmRoot">
-          <p:childTnLst>
-            <p:seq concurrent="1" nextAc="seek">
-              <p:cTn id="2" dur="indefinite" nodeType="mainSeq">
-                <p:childTnLst>
-                  <p:par>
-                    <p:cTn id="3" fill="hold">
-                      <p:stCondLst>
-                        <p:cond delay="indefinite"/>
-                      </p:stCondLst>
-                      <p:childTnLst>
-                        <p:par>
-                          <p:cTn id="4" fill="hold">
-                            <p:stCondLst>
-                              <p:cond delay="0"/>
-                            </p:stCondLst>
-                            <p:childTnLst>
-                              <p:par>
-                                <p:cTn id="5" presetID="1" presetClass="entr" presetSubtype="0" fill="hold" nodeType="clickEffect">
-                                  <p:stCondLst>
-                                    <p:cond delay="0"/>
-                                  </p:stCondLst>
-                                  <p:childTnLst>
-                                    <p:set>
-                                      <p:cBhvr>
-                                        <p:cTn id="6" dur="1" fill="hold">
-                                          <p:stCondLst>
-                                            <p:cond delay="0"/>
-                                          </p:stCondLst>
-                                        </p:cTn>
-                                        <p:tgtEl>
-                                          <p:spTgt spid="8"/>
-                                        </p:tgtEl>
-                                        <p:attrNameLst>
-                                          <p:attrName>style.visibility</p:attrName>
-                                        </p:attrNameLst>
-                                      </p:cBhvr>
-                                      <p:to>
-                                        <p:strVal val="visible"/>
-                                      </p:to>
-                                    </p:set>
-                                  </p:childTnLst>
-                                </p:cTn>
-                              </p:par>
-                              <p:par>
-                                <p:cTn id="7" presetID="1" presetClass="entr" presetSubtype="0" fill="hold" grpId="0" nodeType="withEffect">
-                                  <p:stCondLst>
-                                    <p:cond delay="0"/>
-                                  </p:stCondLst>
-                                  <p:childTnLst>
-                                    <p:set>
-                                      <p:cBhvr>
-                                        <p:cTn id="8" dur="1" fill="hold">
-                                          <p:stCondLst>
-                                            <p:cond delay="0"/>
-                                          </p:stCondLst>
-                                        </p:cTn>
-                                        <p:tgtEl>
-                                          <p:spTgt spid="10"/>
-                                        </p:tgtEl>
-                                        <p:attrNameLst>
-                                          <p:attrName>style.visibility</p:attrName>
-                                        </p:attrNameLst>
-                                      </p:cBhvr>
-                                      <p:to>
-                                        <p:strVal val="visible"/>
-                                      </p:to>
-                                    </p:set>
-                                  </p:childTnLst>
-                                </p:cTn>
-                              </p:par>
-                            </p:childTnLst>
-                          </p:cTn>
-                        </p:par>
-                      </p:childTnLst>
-                    </p:cTn>
-                  </p:par>
-                  <p:par>
-                    <p:cTn id="9" fill="hold">
-                      <p:stCondLst>
-                        <p:cond delay="indefinite"/>
-                      </p:stCondLst>
-                      <p:childTnLst>
-                        <p:par>
-                          <p:cTn id="10" fill="hold">
-                            <p:stCondLst>
-                              <p:cond delay="0"/>
-                            </p:stCondLst>
-                            <p:childTnLst>
-                              <p:par>
-                                <p:cTn id="11" presetID="1" presetClass="entr" presetSubtype="0" fill="hold" nodeType="clickEffect">
-                                  <p:stCondLst>
-                                    <p:cond delay="0"/>
-                                  </p:stCondLst>
-                                  <p:childTnLst>
-                                    <p:set>
-                                      <p:cBhvr>
-                                        <p:cTn id="12" dur="1" fill="hold">
-                                          <p:stCondLst>
-                                            <p:cond delay="0"/>
-                                          </p:stCondLst>
-                                        </p:cTn>
-                                        <p:tgtEl>
-                                          <p:spTgt spid="3074"/>
-                                        </p:tgtEl>
-                                        <p:attrNameLst>
-                                          <p:attrName>style.visibility</p:attrName>
-                                        </p:attrNameLst>
-                                      </p:cBhvr>
-                                      <p:to>
-                                        <p:strVal val="visible"/>
-                                      </p:to>
-                                    </p:set>
-                                  </p:childTnLst>
-                                </p:cTn>
-                              </p:par>
-                              <p:par>
-                                <p:cTn id="13" presetID="1" presetClass="entr" presetSubtype="0" fill="hold" grpId="0" nodeType="withEffect">
-                                  <p:stCondLst>
-                                    <p:cond delay="0"/>
-                                  </p:stCondLst>
-                                  <p:childTnLst>
-                                    <p:set>
-                                      <p:cBhvr>
-                                        <p:cTn id="14" dur="1" fill="hold">
-                                          <p:stCondLst>
-                                            <p:cond delay="0"/>
-                                          </p:stCondLst>
-                                        </p:cTn>
-                                        <p:tgtEl>
-                                          <p:spTgt spid="18"/>
-                                        </p:tgtEl>
-                                        <p:attrNameLst>
-                                          <p:attrName>style.visibility</p:attrName>
-                                        </p:attrNameLst>
-                                      </p:cBhvr>
-                                      <p:to>
-                                        <p:strVal val="visible"/>
-                                      </p:to>
-                                    </p:set>
-                                  </p:childTnLst>
-                                </p:cTn>
-                              </p:par>
-                            </p:childTnLst>
-                          </p:cTn>
-                        </p:par>
-                      </p:childTnLst>
-                    </p:cTn>
-                  </p:par>
-                  <p:par>
-                    <p:cTn id="15" fill="hold">
-                      <p:stCondLst>
-                        <p:cond delay="indefinite"/>
-                      </p:stCondLst>
-                      <p:childTnLst>
-                        <p:par>
-                          <p:cTn id="16" fill="hold">
-                            <p:stCondLst>
-                              <p:cond delay="0"/>
-                            </p:stCondLst>
-                            <p:childTnLst>
-                              <p:par>
-                                <p:cTn id="17" presetID="1" presetClass="entr" presetSubtype="0" fill="hold" nodeType="clickEffect">
-                                  <p:stCondLst>
-                                    <p:cond delay="0"/>
-                                  </p:stCondLst>
-                                  <p:childTnLst>
-                                    <p:set>
-                                      <p:cBhvr>
-                                        <p:cTn id="18" dur="1" fill="hold">
-                                          <p:stCondLst>
-                                            <p:cond delay="0"/>
-                                          </p:stCondLst>
-                                        </p:cTn>
-                                        <p:tgtEl>
-                                          <p:spTgt spid="3076"/>
-                                        </p:tgtEl>
-                                        <p:attrNameLst>
-                                          <p:attrName>style.visibility</p:attrName>
-                                        </p:attrNameLst>
-                                      </p:cBhvr>
-                                      <p:to>
-                                        <p:strVal val="visible"/>
-                                      </p:to>
-                                    </p:set>
-                                  </p:childTnLst>
-                                </p:cTn>
-                              </p:par>
-                            </p:childTnLst>
-                          </p:cTn>
-                        </p:par>
-                      </p:childTnLst>
-                    </p:cTn>
-                  </p:par>
-                </p:childTnLst>
-              </p:cTn>
-              <p:prevCondLst>
-                <p:cond evt="onPrev" delay="0">
-                  <p:tgtEl>
-                    <p:sldTgt/>
-                  </p:tgtEl>
-                </p:cond>
-              </p:prevCondLst>
-              <p:nextCondLst>
-                <p:cond evt="onNext" delay="0">
-                  <p:tgtEl>
-                    <p:sldTgt/>
-                  </p:tgtEl>
-                </p:cond>
-              </p:nextCondLst>
-            </p:seq>
-          </p:childTnLst>
-        </p:cTn>
-      </p:par>
-    </p:tnLst>
-    <p:bldLst>
-      <p:bldP spid="10" grpId="0" animBg="1"/>
-      <p:bldP spid="18" grpId="0"/>
-    </p:bldLst>
-  </p:timing>
 </p:sld>
 </file>
 
@@ -9507,1030 +8750,6 @@
 </p:sld>
 </file>
 
-<file path=ppt/slides/slide7.xml><?xml version="1.0" encoding="utf-8"?>
-<p:sld xmlns:a="http://schemas.openxmlformats.org/drawingml/2006/main" xmlns:r="http://schemas.openxmlformats.org/officeDocument/2006/relationships" xmlns:p="http://schemas.openxmlformats.org/presentationml/2006/main">
-  <p:cSld>
-    <p:spTree>
-      <p:nvGrpSpPr>
-        <p:cNvPr id="1" name=""/>
-        <p:cNvGrpSpPr/>
-        <p:nvPr/>
-      </p:nvGrpSpPr>
-      <p:grpSpPr>
-        <a:xfrm>
-          <a:off x="0" y="0"/>
-          <a:ext cx="0" cy="0"/>
-          <a:chOff x="0" y="0"/>
-          <a:chExt cx="0" cy="0"/>
-        </a:xfrm>
-      </p:grpSpPr>
-      <p:sp>
-        <p:nvSpPr>
-          <p:cNvPr id="2" name="Title 1">
-            <a:extLst>
-              <a:ext uri="{FF2B5EF4-FFF2-40B4-BE49-F238E27FC236}">
-                <a16:creationId xmlns:a16="http://schemas.microsoft.com/office/drawing/2014/main" id="{C354BA39-0F80-1BD8-4D2A-1BD49E20043C}"/>
-              </a:ext>
-            </a:extLst>
-          </p:cNvPr>
-          <p:cNvSpPr>
-            <a:spLocks noGrp="1"/>
-          </p:cNvSpPr>
-          <p:nvPr>
-            <p:ph type="title"/>
-          </p:nvPr>
-        </p:nvSpPr>
-        <p:spPr/>
-        <p:txBody>
-          <a:bodyPr/>
-          <a:lstStyle/>
-          <a:p>
-            <a:r>
-              <a:rPr lang="en-US" dirty="0"/>
-              <a:t>SI</a:t>
-            </a:r>
-          </a:p>
-        </p:txBody>
-      </p:sp>
-    </p:spTree>
-    <p:extLst>
-      <p:ext uri="{BB962C8B-B14F-4D97-AF65-F5344CB8AC3E}">
-        <p14:creationId xmlns:p14="http://schemas.microsoft.com/office/powerpoint/2010/main" val="2019100309"/>
-      </p:ext>
-    </p:extLst>
-  </p:cSld>
-  <p:clrMapOvr>
-    <a:masterClrMapping/>
-  </p:clrMapOvr>
-</p:sld>
-</file>
-
-<file path=ppt/slides/slide8.xml><?xml version="1.0" encoding="utf-8"?>
-<p:sld xmlns:a="http://schemas.openxmlformats.org/drawingml/2006/main" xmlns:r="http://schemas.openxmlformats.org/officeDocument/2006/relationships" xmlns:p="http://schemas.openxmlformats.org/presentationml/2006/main">
-  <p:cSld>
-    <p:spTree>
-      <p:nvGrpSpPr>
-        <p:cNvPr id="1" name=""/>
-        <p:cNvGrpSpPr/>
-        <p:nvPr/>
-      </p:nvGrpSpPr>
-      <p:grpSpPr>
-        <a:xfrm>
-          <a:off x="0" y="0"/>
-          <a:ext cx="0" cy="0"/>
-          <a:chOff x="0" y="0"/>
-          <a:chExt cx="0" cy="0"/>
-        </a:xfrm>
-      </p:grpSpPr>
-      <p:sp>
-        <p:nvSpPr>
-          <p:cNvPr id="2" name="Title 1">
-            <a:extLst>
-              <a:ext uri="{FF2B5EF4-FFF2-40B4-BE49-F238E27FC236}">
-                <a16:creationId xmlns:a16="http://schemas.microsoft.com/office/drawing/2014/main" id="{866CE761-0CA1-AF68-50B2-F5BE093D92DC}"/>
-              </a:ext>
-            </a:extLst>
-          </p:cNvPr>
-          <p:cNvSpPr>
-            <a:spLocks noGrp="1"/>
-          </p:cNvSpPr>
-          <p:nvPr>
-            <p:ph type="title"/>
-          </p:nvPr>
-        </p:nvSpPr>
-        <p:spPr>
-          <a:xfrm>
-            <a:off x="838200" y="218005"/>
-            <a:ext cx="10515600" cy="1325563"/>
-          </a:xfrm>
-        </p:spPr>
-        <p:txBody>
-          <a:bodyPr/>
-          <a:lstStyle/>
-          <a:p>
-            <a:r>
-              <a:rPr lang="en-US" dirty="0"/>
-              <a:t>Equations</a:t>
-            </a:r>
-          </a:p>
-        </p:txBody>
-      </p:sp>
-      <p:grpSp>
-        <p:nvGrpSpPr>
-          <p:cNvPr id="5" name="Group 4">
-            <a:extLst>
-              <a:ext uri="{FF2B5EF4-FFF2-40B4-BE49-F238E27FC236}">
-                <a16:creationId xmlns:a16="http://schemas.microsoft.com/office/drawing/2014/main" id="{7433EF0A-E6F9-E578-7FBA-1F14ABFC9A2A}"/>
-              </a:ext>
-            </a:extLst>
-          </p:cNvPr>
-          <p:cNvGrpSpPr/>
-          <p:nvPr/>
-        </p:nvGrpSpPr>
-        <p:grpSpPr>
-          <a:xfrm>
-            <a:off x="1650334" y="1591667"/>
-            <a:ext cx="5997118" cy="634810"/>
-            <a:chOff x="2125463" y="2794190"/>
-            <a:chExt cx="5997118" cy="634810"/>
-          </a:xfrm>
-        </p:grpSpPr>
-        <p:pic>
-          <p:nvPicPr>
-            <p:cNvPr id="3" name="Picture 2">
-              <a:extLst>
-                <a:ext uri="{FF2B5EF4-FFF2-40B4-BE49-F238E27FC236}">
-                  <a16:creationId xmlns:a16="http://schemas.microsoft.com/office/drawing/2014/main" id="{8A549156-0E02-F310-3DCA-586085041DE7}"/>
-                </a:ext>
-              </a:extLst>
-            </p:cNvPr>
-            <p:cNvPicPr>
-              <a:picLocks noChangeAspect="1"/>
-            </p:cNvPicPr>
-            <p:nvPr/>
-          </p:nvPicPr>
-          <p:blipFill>
-            <a:blip r:embed="rId2"/>
-            <a:stretch>
-              <a:fillRect/>
-            </a:stretch>
-          </p:blipFill>
-          <p:spPr>
-            <a:xfrm>
-              <a:off x="2125463" y="2794190"/>
-              <a:ext cx="3456952" cy="634810"/>
-            </a:xfrm>
-            <a:prstGeom prst="rect">
-              <a:avLst/>
-            </a:prstGeom>
-          </p:spPr>
-        </p:pic>
-        <p:pic>
-          <p:nvPicPr>
-            <p:cNvPr id="4" name="Picture 3">
-              <a:extLst>
-                <a:ext uri="{FF2B5EF4-FFF2-40B4-BE49-F238E27FC236}">
-                  <a16:creationId xmlns:a16="http://schemas.microsoft.com/office/drawing/2014/main" id="{CC3046FF-4BB8-81C3-A1A4-37F9556C2EDC}"/>
-                </a:ext>
-              </a:extLst>
-            </p:cNvPr>
-            <p:cNvPicPr>
-              <a:picLocks noChangeAspect="1"/>
-            </p:cNvPicPr>
-            <p:nvPr/>
-          </p:nvPicPr>
-          <p:blipFill>
-            <a:blip r:embed="rId3"/>
-            <a:stretch>
-              <a:fillRect/>
-            </a:stretch>
-          </p:blipFill>
-          <p:spPr>
-            <a:xfrm>
-              <a:off x="5783624" y="2841715"/>
-              <a:ext cx="2338957" cy="539760"/>
-            </a:xfrm>
-            <a:prstGeom prst="rect">
-              <a:avLst/>
-            </a:prstGeom>
-          </p:spPr>
-        </p:pic>
-      </p:grpSp>
-      <p:grpSp>
-        <p:nvGrpSpPr>
-          <p:cNvPr id="6" name="Group 5">
-            <a:extLst>
-              <a:ext uri="{FF2B5EF4-FFF2-40B4-BE49-F238E27FC236}">
-                <a16:creationId xmlns:a16="http://schemas.microsoft.com/office/drawing/2014/main" id="{733ECB86-1EC4-4A30-D14C-6E0F51F1800C}"/>
-              </a:ext>
-            </a:extLst>
-          </p:cNvPr>
-          <p:cNvGrpSpPr/>
-          <p:nvPr/>
-        </p:nvGrpSpPr>
-        <p:grpSpPr>
-          <a:xfrm>
-            <a:off x="1610111" y="5487864"/>
-            <a:ext cx="4939818" cy="860672"/>
-            <a:chOff x="2811009" y="3812733"/>
-            <a:chExt cx="4391599" cy="765155"/>
-          </a:xfrm>
-        </p:grpSpPr>
-        <p:pic>
-          <p:nvPicPr>
-            <p:cNvPr id="7" name="Picture 6">
-              <a:extLst>
-                <a:ext uri="{FF2B5EF4-FFF2-40B4-BE49-F238E27FC236}">
-                  <a16:creationId xmlns:a16="http://schemas.microsoft.com/office/drawing/2014/main" id="{413ED7A9-B1B0-9836-D731-F652FEC194ED}"/>
-                </a:ext>
-              </a:extLst>
-            </p:cNvPr>
-            <p:cNvPicPr>
-              <a:picLocks noChangeAspect="1"/>
-            </p:cNvPicPr>
-            <p:nvPr/>
-          </p:nvPicPr>
-          <p:blipFill>
-            <a:blip r:embed="rId4"/>
-            <a:stretch>
-              <a:fillRect/>
-            </a:stretch>
-          </p:blipFill>
-          <p:spPr>
-            <a:xfrm>
-              <a:off x="2811009" y="3812733"/>
-              <a:ext cx="4391599" cy="765155"/>
-            </a:xfrm>
-            <a:prstGeom prst="rect">
-              <a:avLst/>
-            </a:prstGeom>
-          </p:spPr>
-        </p:pic>
-        <p:cxnSp>
-          <p:nvCxnSpPr>
-            <p:cNvPr id="8" name="Straight Connector 7">
-              <a:extLst>
-                <a:ext uri="{FF2B5EF4-FFF2-40B4-BE49-F238E27FC236}">
-                  <a16:creationId xmlns:a16="http://schemas.microsoft.com/office/drawing/2014/main" id="{A997870A-1950-D137-A924-9CE47A5EF459}"/>
-                </a:ext>
-              </a:extLst>
-            </p:cNvPr>
-            <p:cNvCxnSpPr/>
-            <p:nvPr/>
-          </p:nvCxnSpPr>
-          <p:spPr>
-            <a:xfrm>
-              <a:off x="5710517" y="4428380"/>
-              <a:ext cx="385483" cy="0"/>
-            </a:xfrm>
-            <a:prstGeom prst="line">
-              <a:avLst/>
-            </a:prstGeom>
-            <a:ln w="28575">
-              <a:solidFill>
-                <a:schemeClr val="accent2"/>
-              </a:solidFill>
-            </a:ln>
-          </p:spPr>
-          <p:style>
-            <a:lnRef idx="1">
-              <a:schemeClr val="accent1"/>
-            </a:lnRef>
-            <a:fillRef idx="0">
-              <a:schemeClr val="accent1"/>
-            </a:fillRef>
-            <a:effectRef idx="0">
-              <a:schemeClr val="accent1"/>
-            </a:effectRef>
-            <a:fontRef idx="minor">
-              <a:schemeClr val="tx1"/>
-            </a:fontRef>
-          </p:style>
-        </p:cxnSp>
-      </p:grpSp>
-      <p:pic>
-        <p:nvPicPr>
-          <p:cNvPr id="9" name="Picture 8">
-            <a:extLst>
-              <a:ext uri="{FF2B5EF4-FFF2-40B4-BE49-F238E27FC236}">
-                <a16:creationId xmlns:a16="http://schemas.microsoft.com/office/drawing/2014/main" id="{3248047A-CF1B-9F5E-6348-6B364B27A955}"/>
-              </a:ext>
-            </a:extLst>
-          </p:cNvPr>
-          <p:cNvPicPr>
-            <a:picLocks noChangeAspect="1"/>
-          </p:cNvPicPr>
-          <p:nvPr/>
-        </p:nvPicPr>
-        <p:blipFill>
-          <a:blip r:embed="rId5"/>
-          <a:stretch>
-            <a:fillRect/>
-          </a:stretch>
-        </p:blipFill>
-        <p:spPr>
-          <a:xfrm>
-            <a:off x="1535982" y="2357688"/>
-            <a:ext cx="3882879" cy="860671"/>
-          </a:xfrm>
-          <a:prstGeom prst="rect">
-            <a:avLst/>
-          </a:prstGeom>
-        </p:spPr>
-      </p:pic>
-      <p:pic>
-        <p:nvPicPr>
-          <p:cNvPr id="10" name="Picture 9">
-            <a:extLst>
-              <a:ext uri="{FF2B5EF4-FFF2-40B4-BE49-F238E27FC236}">
-                <a16:creationId xmlns:a16="http://schemas.microsoft.com/office/drawing/2014/main" id="{5C30FC60-C8A4-BD94-26A4-D32EF26FB868}"/>
-              </a:ext>
-            </a:extLst>
-          </p:cNvPr>
-          <p:cNvPicPr>
-            <a:picLocks noChangeAspect="1"/>
-          </p:cNvPicPr>
-          <p:nvPr/>
-        </p:nvPicPr>
-        <p:blipFill>
-          <a:blip r:embed="rId6"/>
-          <a:stretch>
-            <a:fillRect/>
-          </a:stretch>
-        </p:blipFill>
-        <p:spPr>
-          <a:xfrm>
-            <a:off x="1650334" y="3521036"/>
-            <a:ext cx="5670578" cy="653292"/>
-          </a:xfrm>
-          <a:prstGeom prst="rect">
-            <a:avLst/>
-          </a:prstGeom>
-        </p:spPr>
-      </p:pic>
-      <p:pic>
-        <p:nvPicPr>
-          <p:cNvPr id="11" name="Picture 10">
-            <a:extLst>
-              <a:ext uri="{FF2B5EF4-FFF2-40B4-BE49-F238E27FC236}">
-                <a16:creationId xmlns:a16="http://schemas.microsoft.com/office/drawing/2014/main" id="{FF637ED4-ED26-03F1-A707-5DB619736436}"/>
-              </a:ext>
-            </a:extLst>
-          </p:cNvPr>
-          <p:cNvPicPr>
-            <a:picLocks noChangeAspect="1"/>
-          </p:cNvPicPr>
-          <p:nvPr/>
-        </p:nvPicPr>
-        <p:blipFill rotWithShape="1">
-          <a:blip r:embed="rId7"/>
-          <a:srcRect r="45057" b="70760"/>
-          <a:stretch/>
-        </p:blipFill>
-        <p:spPr>
-          <a:xfrm>
-            <a:off x="1650334" y="4446495"/>
-            <a:ext cx="3360806" cy="769202"/>
-          </a:xfrm>
-          <a:prstGeom prst="rect">
-            <a:avLst/>
-          </a:prstGeom>
-        </p:spPr>
-      </p:pic>
-      <p:cxnSp>
-        <p:nvCxnSpPr>
-          <p:cNvPr id="13" name="Straight Connector 12">
-            <a:extLst>
-              <a:ext uri="{FF2B5EF4-FFF2-40B4-BE49-F238E27FC236}">
-                <a16:creationId xmlns:a16="http://schemas.microsoft.com/office/drawing/2014/main" id="{5CDE550F-6180-E0C3-6583-36102C1BECFC}"/>
-              </a:ext>
-            </a:extLst>
-          </p:cNvPr>
-          <p:cNvCxnSpPr/>
-          <p:nvPr/>
-        </p:nvCxnSpPr>
-        <p:spPr>
-          <a:xfrm>
-            <a:off x="591671" y="3290076"/>
-            <a:ext cx="10309412" cy="0"/>
-          </a:xfrm>
-          <a:prstGeom prst="line">
-            <a:avLst/>
-          </a:prstGeom>
-          <a:ln w="28575">
-            <a:solidFill>
-              <a:schemeClr val="tx1"/>
-            </a:solidFill>
-          </a:ln>
-        </p:spPr>
-        <p:style>
-          <a:lnRef idx="1">
-            <a:schemeClr val="accent1"/>
-          </a:lnRef>
-          <a:fillRef idx="0">
-            <a:schemeClr val="accent1"/>
-          </a:fillRef>
-          <a:effectRef idx="0">
-            <a:schemeClr val="accent1"/>
-          </a:effectRef>
-          <a:fontRef idx="minor">
-            <a:schemeClr val="tx1"/>
-          </a:fontRef>
-        </p:style>
-      </p:cxnSp>
-      <p:cxnSp>
-        <p:nvCxnSpPr>
-          <p:cNvPr id="14" name="Straight Connector 13">
-            <a:extLst>
-              <a:ext uri="{FF2B5EF4-FFF2-40B4-BE49-F238E27FC236}">
-                <a16:creationId xmlns:a16="http://schemas.microsoft.com/office/drawing/2014/main" id="{DE619AF5-FAC6-86A8-6014-5F909B1E2A81}"/>
-              </a:ext>
-            </a:extLst>
-          </p:cNvPr>
-          <p:cNvCxnSpPr/>
-          <p:nvPr/>
-        </p:nvCxnSpPr>
-        <p:spPr>
-          <a:xfrm>
-            <a:off x="591671" y="5351958"/>
-            <a:ext cx="10309412" cy="0"/>
-          </a:xfrm>
-          <a:prstGeom prst="line">
-            <a:avLst/>
-          </a:prstGeom>
-          <a:ln w="28575">
-            <a:solidFill>
-              <a:schemeClr val="tx1"/>
-            </a:solidFill>
-          </a:ln>
-        </p:spPr>
-        <p:style>
-          <a:lnRef idx="1">
-            <a:schemeClr val="accent1"/>
-          </a:lnRef>
-          <a:fillRef idx="0">
-            <a:schemeClr val="accent1"/>
-          </a:fillRef>
-          <a:effectRef idx="0">
-            <a:schemeClr val="accent1"/>
-          </a:effectRef>
-          <a:fontRef idx="minor">
-            <a:schemeClr val="tx1"/>
-          </a:fontRef>
-        </p:style>
-      </p:cxnSp>
-    </p:spTree>
-    <p:extLst>
-      <p:ext uri="{BB962C8B-B14F-4D97-AF65-F5344CB8AC3E}">
-        <p14:creationId xmlns:p14="http://schemas.microsoft.com/office/powerpoint/2010/main" val="137498380"/>
-      </p:ext>
-    </p:extLst>
-  </p:cSld>
-  <p:clrMapOvr>
-    <a:masterClrMapping/>
-  </p:clrMapOvr>
-</p:sld>
-</file>
-
-<file path=ppt/slides/slide9.xml><?xml version="1.0" encoding="utf-8"?>
-<p:sld xmlns:a="http://schemas.openxmlformats.org/drawingml/2006/main" xmlns:r="http://schemas.openxmlformats.org/officeDocument/2006/relationships" xmlns:p="http://schemas.openxmlformats.org/presentationml/2006/main">
-  <p:cSld>
-    <p:spTree>
-      <p:nvGrpSpPr>
-        <p:cNvPr id="1" name=""/>
-        <p:cNvGrpSpPr/>
-        <p:nvPr/>
-      </p:nvGrpSpPr>
-      <p:grpSpPr>
-        <a:xfrm>
-          <a:off x="0" y="0"/>
-          <a:ext cx="0" cy="0"/>
-          <a:chOff x="0" y="0"/>
-          <a:chExt cx="0" cy="0"/>
-        </a:xfrm>
-      </p:grpSpPr>
-      <p:pic>
-        <p:nvPicPr>
-          <p:cNvPr id="8" name="Picture 2">
-            <a:extLst>
-              <a:ext uri="{FF2B5EF4-FFF2-40B4-BE49-F238E27FC236}">
-                <a16:creationId xmlns:a16="http://schemas.microsoft.com/office/drawing/2014/main" id="{9F617071-0FCE-CF72-6EB9-8703451041C1}"/>
-              </a:ext>
-            </a:extLst>
-          </p:cNvPr>
-          <p:cNvPicPr>
-            <a:picLocks noChangeAspect="1" noChangeArrowheads="1"/>
-          </p:cNvPicPr>
-          <p:nvPr/>
-        </p:nvPicPr>
-        <p:blipFill>
-          <a:blip r:embed="rId2">
-            <a:extLst>
-              <a:ext uri="{28A0092B-C50C-407E-A947-70E740481C1C}">
-                <a14:useLocalDpi xmlns:a14="http://schemas.microsoft.com/office/drawing/2010/main" val="0"/>
-              </a:ext>
-            </a:extLst>
-          </a:blip>
-          <a:srcRect/>
-          <a:stretch>
-            <a:fillRect/>
-          </a:stretch>
-        </p:blipFill>
-        <p:spPr bwMode="auto">
-          <a:xfrm>
-            <a:off x="5791238" y="3081616"/>
-            <a:ext cx="5031664" cy="3664854"/>
-          </a:xfrm>
-          <a:prstGeom prst="rect">
-            <a:avLst/>
-          </a:prstGeom>
-          <a:noFill/>
-          <a:extLst>
-            <a:ext uri="{909E8E84-426E-40DD-AFC4-6F175D3DCCD1}">
-              <a14:hiddenFill xmlns:a14="http://schemas.microsoft.com/office/drawing/2010/main">
-                <a:solidFill>
-                  <a:srgbClr val="FFFFFF"/>
-                </a:solidFill>
-              </a14:hiddenFill>
-            </a:ext>
-          </a:extLst>
-        </p:spPr>
-      </p:pic>
-      <p:sp>
-        <p:nvSpPr>
-          <p:cNvPr id="2" name="Title 1">
-            <a:extLst>
-              <a:ext uri="{FF2B5EF4-FFF2-40B4-BE49-F238E27FC236}">
-                <a16:creationId xmlns:a16="http://schemas.microsoft.com/office/drawing/2014/main" id="{83C90864-8C58-CD96-9961-86A0B0A50E4E}"/>
-              </a:ext>
-            </a:extLst>
-          </p:cNvPr>
-          <p:cNvSpPr>
-            <a:spLocks noGrp="1"/>
-          </p:cNvSpPr>
-          <p:nvPr>
-            <p:ph type="title"/>
-          </p:nvPr>
-        </p:nvSpPr>
-        <p:spPr>
-          <a:xfrm>
-            <a:off x="201706" y="85282"/>
-            <a:ext cx="10515600" cy="1325563"/>
-          </a:xfrm>
-        </p:spPr>
-        <p:txBody>
-          <a:bodyPr/>
-          <a:lstStyle/>
-          <a:p>
-            <a:r>
-              <a:rPr lang="en-US" dirty="0"/>
-              <a:t>Summary of Model Capabilities </a:t>
-            </a:r>
-            <a:br>
-              <a:rPr lang="en-US" dirty="0"/>
-            </a:br>
-            <a:r>
-              <a:rPr lang="en-US" sz="3600" dirty="0"/>
-              <a:t>(Srinivasan 2014)</a:t>
-            </a:r>
-          </a:p>
-        </p:txBody>
-      </p:sp>
-      <p:pic>
-        <p:nvPicPr>
-          <p:cNvPr id="3" name="Picture 4">
-            <a:extLst>
-              <a:ext uri="{FF2B5EF4-FFF2-40B4-BE49-F238E27FC236}">
-                <a16:creationId xmlns:a16="http://schemas.microsoft.com/office/drawing/2014/main" id="{2973333F-EB9A-747C-E86C-788AD71B56F0}"/>
-              </a:ext>
-            </a:extLst>
-          </p:cNvPr>
-          <p:cNvPicPr>
-            <a:picLocks noChangeAspect="1" noChangeArrowheads="1"/>
-          </p:cNvPicPr>
-          <p:nvPr/>
-        </p:nvPicPr>
-        <p:blipFill>
-          <a:blip r:embed="rId3">
-            <a:extLst>
-              <a:ext uri="{28A0092B-C50C-407E-A947-70E740481C1C}">
-                <a14:useLocalDpi xmlns:a14="http://schemas.microsoft.com/office/drawing/2010/main" val="0"/>
-              </a:ext>
-            </a:extLst>
-          </a:blip>
-          <a:srcRect/>
-          <a:stretch>
-            <a:fillRect/>
-          </a:stretch>
-        </p:blipFill>
-        <p:spPr bwMode="auto">
-          <a:xfrm>
-            <a:off x="1014030" y="3081616"/>
-            <a:ext cx="4634790" cy="3781425"/>
-          </a:xfrm>
-          <a:prstGeom prst="rect">
-            <a:avLst/>
-          </a:prstGeom>
-          <a:noFill/>
-          <a:extLst>
-            <a:ext uri="{909E8E84-426E-40DD-AFC4-6F175D3DCCD1}">
-              <a14:hiddenFill xmlns:a14="http://schemas.microsoft.com/office/drawing/2010/main">
-                <a:solidFill>
-                  <a:srgbClr val="FFFFFF"/>
-                </a:solidFill>
-              </a14:hiddenFill>
-            </a:ext>
-          </a:extLst>
-        </p:spPr>
-      </p:pic>
-      <p:grpSp>
-        <p:nvGrpSpPr>
-          <p:cNvPr id="4" name="Group 3">
-            <a:extLst>
-              <a:ext uri="{FF2B5EF4-FFF2-40B4-BE49-F238E27FC236}">
-                <a16:creationId xmlns:a16="http://schemas.microsoft.com/office/drawing/2014/main" id="{FD686C4D-52C9-1989-482D-B1FA2E875CEB}"/>
-              </a:ext>
-            </a:extLst>
-          </p:cNvPr>
-          <p:cNvGrpSpPr/>
-          <p:nvPr/>
-        </p:nvGrpSpPr>
-        <p:grpSpPr>
-          <a:xfrm>
-            <a:off x="1954696" y="1435410"/>
-            <a:ext cx="8282608" cy="1534656"/>
-            <a:chOff x="3554185" y="5134619"/>
-            <a:chExt cx="8564336" cy="1586856"/>
-          </a:xfrm>
-        </p:grpSpPr>
-        <p:pic>
-          <p:nvPicPr>
-            <p:cNvPr id="5" name="Picture 4">
-              <a:extLst>
-                <a:ext uri="{FF2B5EF4-FFF2-40B4-BE49-F238E27FC236}">
-                  <a16:creationId xmlns:a16="http://schemas.microsoft.com/office/drawing/2014/main" id="{96CF921B-EAD5-9CC0-30B9-D473EDD0192E}"/>
-                </a:ext>
-              </a:extLst>
-            </p:cNvPr>
-            <p:cNvPicPr>
-              <a:picLocks noChangeAspect="1" noChangeArrowheads="1"/>
-            </p:cNvPicPr>
-            <p:nvPr/>
-          </p:nvPicPr>
-          <p:blipFill>
-            <a:blip r:embed="rId4">
-              <a:extLst>
-                <a:ext uri="{28A0092B-C50C-407E-A947-70E740481C1C}">
-                  <a14:useLocalDpi xmlns:a14="http://schemas.microsoft.com/office/drawing/2010/main" val="0"/>
-                </a:ext>
-              </a:extLst>
-            </a:blip>
-            <a:srcRect/>
-            <a:stretch>
-              <a:fillRect/>
-            </a:stretch>
-          </p:blipFill>
-          <p:spPr bwMode="auto">
-            <a:xfrm>
-              <a:off x="3554185" y="5134619"/>
-              <a:ext cx="8564336" cy="1586856"/>
-            </a:xfrm>
-            <a:prstGeom prst="rect">
-              <a:avLst/>
-            </a:prstGeom>
-            <a:noFill/>
-            <a:extLst>
-              <a:ext uri="{909E8E84-426E-40DD-AFC4-6F175D3DCCD1}">
-                <a14:hiddenFill xmlns:a14="http://schemas.microsoft.com/office/drawing/2010/main">
-                  <a:solidFill>
-                    <a:srgbClr val="FFFFFF"/>
-                  </a:solidFill>
-                </a14:hiddenFill>
-              </a:ext>
-            </a:extLst>
-          </p:spPr>
-        </p:pic>
-        <p:pic>
-          <p:nvPicPr>
-            <p:cNvPr id="6" name="Picture 10">
-              <a:extLst>
-                <a:ext uri="{FF2B5EF4-FFF2-40B4-BE49-F238E27FC236}">
-                  <a16:creationId xmlns:a16="http://schemas.microsoft.com/office/drawing/2014/main" id="{656F8E7F-2588-EE5B-3051-B4880664E0A7}"/>
-                </a:ext>
-              </a:extLst>
-            </p:cNvPr>
-            <p:cNvPicPr>
-              <a:picLocks noChangeAspect="1" noChangeArrowheads="1"/>
-            </p:cNvPicPr>
-            <p:nvPr/>
-          </p:nvPicPr>
-          <p:blipFill rotWithShape="1">
-            <a:blip r:embed="rId5">
-              <a:extLst>
-                <a:ext uri="{28A0092B-C50C-407E-A947-70E740481C1C}">
-                  <a14:useLocalDpi xmlns:a14="http://schemas.microsoft.com/office/drawing/2010/main" val="0"/>
-                </a:ext>
-              </a:extLst>
-            </a:blip>
-            <a:srcRect l="4270" r="4505"/>
-            <a:stretch/>
-          </p:blipFill>
-          <p:spPr bwMode="auto">
-            <a:xfrm>
-              <a:off x="3554185" y="5510146"/>
-              <a:ext cx="8430987" cy="810401"/>
-            </a:xfrm>
-            <a:prstGeom prst="rect">
-              <a:avLst/>
-            </a:prstGeom>
-            <a:noFill/>
-            <a:extLst>
-              <a:ext uri="{909E8E84-426E-40DD-AFC4-6F175D3DCCD1}">
-                <a14:hiddenFill xmlns:a14="http://schemas.microsoft.com/office/drawing/2010/main">
-                  <a:solidFill>
-                    <a:srgbClr val="FFFFFF"/>
-                  </a:solidFill>
-                </a14:hiddenFill>
-              </a:ext>
-            </a:extLst>
-          </p:spPr>
-        </p:pic>
-      </p:grpSp>
-      <p:pic>
-        <p:nvPicPr>
-          <p:cNvPr id="23" name="Graphic 22">
-            <a:extLst>
-              <a:ext uri="{FF2B5EF4-FFF2-40B4-BE49-F238E27FC236}">
-                <a16:creationId xmlns:a16="http://schemas.microsoft.com/office/drawing/2014/main" id="{FC408660-4104-FA8F-218D-6EDE18DF1090}"/>
-              </a:ext>
-            </a:extLst>
-          </p:cNvPr>
-          <p:cNvPicPr>
-            <a:picLocks noChangeAspect="1"/>
-          </p:cNvPicPr>
-          <p:nvPr/>
-        </p:nvPicPr>
-        <p:blipFill>
-          <a:blip r:embed="rId6">
-            <a:extLst>
-              <a:ext uri="{96DAC541-7B7A-43D3-8B79-37D633B846F1}">
-                <asvg:svgBlip xmlns:asvg="http://schemas.microsoft.com/office/drawing/2016/SVG/main" r:embed="rId7"/>
-              </a:ext>
-            </a:extLst>
-          </a:blip>
-          <a:stretch>
-            <a:fillRect/>
-          </a:stretch>
-        </p:blipFill>
-        <p:spPr>
-          <a:xfrm>
-            <a:off x="7637266" y="3880534"/>
-            <a:ext cx="1757010" cy="1080420"/>
-          </a:xfrm>
-          <a:prstGeom prst="rect">
-            <a:avLst/>
-          </a:prstGeom>
-        </p:spPr>
-      </p:pic>
-      <p:pic>
-        <p:nvPicPr>
-          <p:cNvPr id="25" name="Graphic 24">
-            <a:extLst>
-              <a:ext uri="{FF2B5EF4-FFF2-40B4-BE49-F238E27FC236}">
-                <a16:creationId xmlns:a16="http://schemas.microsoft.com/office/drawing/2014/main" id="{7A24684A-F1B7-6C4C-90CE-700FF2CEBEA0}"/>
-              </a:ext>
-            </a:extLst>
-          </p:cNvPr>
-          <p:cNvPicPr>
-            <a:picLocks noChangeAspect="1"/>
-          </p:cNvPicPr>
-          <p:nvPr/>
-        </p:nvPicPr>
-        <p:blipFill>
-          <a:blip r:embed="rId8">
-            <a:extLst>
-              <a:ext uri="{96DAC541-7B7A-43D3-8B79-37D633B846F1}">
-                <asvg:svgBlip xmlns:asvg="http://schemas.microsoft.com/office/drawing/2016/SVG/main" r:embed="rId9"/>
-              </a:ext>
-            </a:extLst>
-          </a:blip>
-          <a:stretch>
-            <a:fillRect/>
-          </a:stretch>
-        </p:blipFill>
-        <p:spPr>
-          <a:xfrm>
-            <a:off x="8753912" y="4873662"/>
-            <a:ext cx="1757011" cy="1108759"/>
-          </a:xfrm>
-          <a:prstGeom prst="rect">
-            <a:avLst/>
-          </a:prstGeom>
-        </p:spPr>
-      </p:pic>
-      <p:pic>
-        <p:nvPicPr>
-          <p:cNvPr id="27" name="Graphic 26">
-            <a:extLst>
-              <a:ext uri="{FF2B5EF4-FFF2-40B4-BE49-F238E27FC236}">
-                <a16:creationId xmlns:a16="http://schemas.microsoft.com/office/drawing/2014/main" id="{71DA4DDF-2906-2E9D-E4E3-31FEBEADF1DB}"/>
-              </a:ext>
-            </a:extLst>
-          </p:cNvPr>
-          <p:cNvPicPr>
-            <a:picLocks noChangeAspect="1"/>
-          </p:cNvPicPr>
-          <p:nvPr/>
-        </p:nvPicPr>
-        <p:blipFill>
-          <a:blip r:embed="rId10">
-            <a:extLst>
-              <a:ext uri="{96DAC541-7B7A-43D3-8B79-37D633B846F1}">
-                <asvg:svgBlip xmlns:asvg="http://schemas.microsoft.com/office/drawing/2016/SVG/main" r:embed="rId11"/>
-              </a:ext>
-            </a:extLst>
-          </a:blip>
-          <a:stretch>
-            <a:fillRect/>
-          </a:stretch>
-        </p:blipFill>
-        <p:spPr>
-          <a:xfrm>
-            <a:off x="6926447" y="3282364"/>
-            <a:ext cx="1742187" cy="600633"/>
-          </a:xfrm>
-          <a:prstGeom prst="rect">
-            <a:avLst/>
-          </a:prstGeom>
-        </p:spPr>
-      </p:pic>
-    </p:spTree>
-    <p:extLst>
-      <p:ext uri="{BB962C8B-B14F-4D97-AF65-F5344CB8AC3E}">
-        <p14:creationId xmlns:p14="http://schemas.microsoft.com/office/powerpoint/2010/main" val="4057580422"/>
-      </p:ext>
-    </p:extLst>
-  </p:cSld>
-  <p:clrMapOvr>
-    <a:masterClrMapping/>
-  </p:clrMapOvr>
-  <p:timing>
-    <p:tnLst>
-      <p:par>
-        <p:cTn id="1" dur="indefinite" restart="never" nodeType="tmRoot">
-          <p:childTnLst>
-            <p:seq concurrent="1" nextAc="seek">
-              <p:cTn id="2" dur="indefinite" nodeType="mainSeq">
-                <p:childTnLst>
-                  <p:par>
-                    <p:cTn id="3" fill="hold">
-                      <p:stCondLst>
-                        <p:cond delay="indefinite"/>
-                      </p:stCondLst>
-                      <p:childTnLst>
-                        <p:par>
-                          <p:cTn id="4" fill="hold">
-                            <p:stCondLst>
-                              <p:cond delay="0"/>
-                            </p:stCondLst>
-                            <p:childTnLst>
-                              <p:par>
-                                <p:cTn id="5" presetID="1" presetClass="entr" presetSubtype="0" fill="hold" nodeType="clickEffect">
-                                  <p:stCondLst>
-                                    <p:cond delay="0"/>
-                                  </p:stCondLst>
-                                  <p:childTnLst>
-                                    <p:set>
-                                      <p:cBhvr>
-                                        <p:cTn id="6" dur="1" fill="hold">
-                                          <p:stCondLst>
-                                            <p:cond delay="0"/>
-                                          </p:stCondLst>
-                                        </p:cTn>
-                                        <p:tgtEl>
-                                          <p:spTgt spid="3"/>
-                                        </p:tgtEl>
-                                        <p:attrNameLst>
-                                          <p:attrName>style.visibility</p:attrName>
-                                        </p:attrNameLst>
-                                      </p:cBhvr>
-                                      <p:to>
-                                        <p:strVal val="visible"/>
-                                      </p:to>
-                                    </p:set>
-                                  </p:childTnLst>
-                                </p:cTn>
-                              </p:par>
-                            </p:childTnLst>
-                          </p:cTn>
-                        </p:par>
-                      </p:childTnLst>
-                    </p:cTn>
-                  </p:par>
-                  <p:par>
-                    <p:cTn id="7" fill="hold">
-                      <p:stCondLst>
-                        <p:cond delay="indefinite"/>
-                      </p:stCondLst>
-                      <p:childTnLst>
-                        <p:par>
-                          <p:cTn id="8" fill="hold">
-                            <p:stCondLst>
-                              <p:cond delay="0"/>
-                            </p:stCondLst>
-                            <p:childTnLst>
-                              <p:par>
-                                <p:cTn id="9" presetID="1" presetClass="entr" presetSubtype="0" fill="hold" nodeType="clickEffect">
-                                  <p:stCondLst>
-                                    <p:cond delay="0"/>
-                                  </p:stCondLst>
-                                  <p:childTnLst>
-                                    <p:set>
-                                      <p:cBhvr>
-                                        <p:cTn id="10" dur="1" fill="hold">
-                                          <p:stCondLst>
-                                            <p:cond delay="0"/>
-                                          </p:stCondLst>
-                                        </p:cTn>
-                                        <p:tgtEl>
-                                          <p:spTgt spid="27"/>
-                                        </p:tgtEl>
-                                        <p:attrNameLst>
-                                          <p:attrName>style.visibility</p:attrName>
-                                        </p:attrNameLst>
-                                      </p:cBhvr>
-                                      <p:to>
-                                        <p:strVal val="visible"/>
-                                      </p:to>
-                                    </p:set>
-                                  </p:childTnLst>
-                                </p:cTn>
-                              </p:par>
-                              <p:par>
-                                <p:cTn id="11" presetID="1" presetClass="entr" presetSubtype="0" fill="hold" nodeType="withEffect">
-                                  <p:stCondLst>
-                                    <p:cond delay="0"/>
-                                  </p:stCondLst>
-                                  <p:childTnLst>
-                                    <p:set>
-                                      <p:cBhvr>
-                                        <p:cTn id="12" dur="1" fill="hold">
-                                          <p:stCondLst>
-                                            <p:cond delay="0"/>
-                                          </p:stCondLst>
-                                        </p:cTn>
-                                        <p:tgtEl>
-                                          <p:spTgt spid="23"/>
-                                        </p:tgtEl>
-                                        <p:attrNameLst>
-                                          <p:attrName>style.visibility</p:attrName>
-                                        </p:attrNameLst>
-                                      </p:cBhvr>
-                                      <p:to>
-                                        <p:strVal val="visible"/>
-                                      </p:to>
-                                    </p:set>
-                                  </p:childTnLst>
-                                </p:cTn>
-                              </p:par>
-                              <p:par>
-                                <p:cTn id="13" presetID="1" presetClass="entr" presetSubtype="0" fill="hold" nodeType="withEffect">
-                                  <p:stCondLst>
-                                    <p:cond delay="0"/>
-                                  </p:stCondLst>
-                                  <p:childTnLst>
-                                    <p:set>
-                                      <p:cBhvr>
-                                        <p:cTn id="14" dur="1" fill="hold">
-                                          <p:stCondLst>
-                                            <p:cond delay="0"/>
-                                          </p:stCondLst>
-                                        </p:cTn>
-                                        <p:tgtEl>
-                                          <p:spTgt spid="25"/>
-                                        </p:tgtEl>
-                                        <p:attrNameLst>
-                                          <p:attrName>style.visibility</p:attrName>
-                                        </p:attrNameLst>
-                                      </p:cBhvr>
-                                      <p:to>
-                                        <p:strVal val="visible"/>
-                                      </p:to>
-                                    </p:set>
-                                  </p:childTnLst>
-                                </p:cTn>
-                              </p:par>
-                            </p:childTnLst>
-                          </p:cTn>
-                        </p:par>
-                      </p:childTnLst>
-                    </p:cTn>
-                  </p:par>
-                </p:childTnLst>
-              </p:cTn>
-              <p:prevCondLst>
-                <p:cond evt="onPrev" delay="0">
-                  <p:tgtEl>
-                    <p:sldTgt/>
-                  </p:tgtEl>
-                </p:cond>
-              </p:prevCondLst>
-              <p:nextCondLst>
-                <p:cond evt="onNext" delay="0">
-                  <p:tgtEl>
-                    <p:sldTgt/>
-                  </p:tgtEl>
-                </p:cond>
-              </p:nextCondLst>
-            </p:seq>
-          </p:childTnLst>
-        </p:cTn>
-      </p:par>
-    </p:tnLst>
-  </p:timing>
-</p:sld>
-</file>
-
 <file path=ppt/theme/theme1.xml><?xml version="1.0" encoding="utf-8"?>
 <a:theme xmlns:a="http://schemas.openxmlformats.org/drawingml/2006/main" name="Office Theme">
   <a:themeElements>
